--- a/Lectures/cse220-14-strings.pptx
+++ b/Lectures/cse220-14-strings.pptx
@@ -28,11 +28,11 @@
     <p:sldId id="560" r:id="rId19"/>
     <p:sldId id="558" r:id="rId20"/>
     <p:sldId id="543" r:id="rId21"/>
-    <p:sldId id="545" r:id="rId22"/>
-    <p:sldId id="546" r:id="rId23"/>
-    <p:sldId id="547" r:id="rId24"/>
-    <p:sldId id="548" r:id="rId25"/>
-    <p:sldId id="549" r:id="rId26"/>
+    <p:sldId id="546" r:id="rId22"/>
+    <p:sldId id="547" r:id="rId23"/>
+    <p:sldId id="548" r:id="rId24"/>
+    <p:sldId id="549" r:id="rId25"/>
+    <p:sldId id="545" r:id="rId26"/>
     <p:sldId id="550" r:id="rId27"/>
     <p:sldId id="561" r:id="rId28"/>
     <p:sldId id="551" r:id="rId29"/>
@@ -12691,7 +12691,7 @@
           <a:p>
             <a:r>
               <a:rPr lang="en-US" dirty="0"/>
-              <a:t>Accessing String Content</a:t>
+              <a:t>C String library (Optional Content)</a:t>
             </a:r>
           </a:p>
         </p:txBody>
@@ -12706,7 +12706,12 @@
             <p:ph idx="1"/>
           </p:nvPr>
         </p:nvSpPr>
-        <p:spPr/>
+        <p:spPr>
+          <a:xfrm>
+            <a:off x="466344" y="1760538"/>
+            <a:ext cx="8229600" cy="4708525"/>
+          </a:xfrm>
+        </p:spPr>
         <p:txBody>
           <a:bodyPr>
             <a:noAutofit/>
@@ -12714,22 +12719,19 @@
           <a:lstStyle/>
           <a:p>
             <a:r>
-              <a:rPr lang="en-US" dirty="0"/>
-              <a:t>Use subscript or pointer</a:t>
-            </a:r>
-          </a:p>
-          <a:p>
-            <a:r>
-              <a:rPr lang="en-US" dirty="0"/>
-              <a:t>To declare a string parameter: pointer or array</a:t>
-            </a:r>
-          </a:p>
-          <a:p>
-            <a:pPr marL="857250" lvl="2" indent="0">
+              <a:rPr lang="en-US" sz="2800" dirty="0"/>
+              <a:t>Cannot copy or compare in straightforward way:</a:t>
+            </a:r>
+          </a:p>
+          <a:p>
+            <a:pPr marL="1082675" lvl="1" indent="0">
+              <a:spcBef>
+                <a:spcPts val="0"/>
+              </a:spcBef>
               <a:buNone/>
             </a:pPr>
             <a:r>
-              <a:rPr lang="en-US" sz="2400" dirty="0" err="1">
+              <a:rPr lang="en-US" dirty="0">
                 <a:solidFill>
                   <a:srgbClr val="000099"/>
                 </a:solidFill>
@@ -12737,10 +12739,10 @@
                 <a:ea typeface="Consolas" charset="0"/>
                 <a:cs typeface="Consolas" charset="0"/>
               </a:rPr>
-              <a:t>int</a:t>
-            </a:r>
-            <a:r>
-              <a:rPr lang="en-US" sz="2400" dirty="0">
+              <a:t>char str1[10] = “</a:t>
+            </a:r>
+            <a:r>
+              <a:rPr lang="en-US" dirty="0" err="1">
                 <a:solidFill>
                   <a:srgbClr val="000099"/>
                 </a:solidFill>
@@ -12748,10 +12750,10 @@
                 <a:ea typeface="Consolas" charset="0"/>
                 <a:cs typeface="Consolas" charset="0"/>
               </a:rPr>
-              <a:t> </a:t>
-            </a:r>
-            <a:r>
-              <a:rPr lang="en-US" sz="2400" dirty="0" err="1">
+              <a:t>abc</a:t>
+            </a:r>
+            <a:r>
+              <a:rPr lang="en-US" dirty="0">
                 <a:solidFill>
                   <a:srgbClr val="000099"/>
                 </a:solidFill>
@@ -12759,26 +12761,18 @@
                 <a:ea typeface="Consolas" charset="0"/>
                 <a:cs typeface="Consolas" charset="0"/>
               </a:rPr>
-              <a:t>count_spaces</a:t>
-            </a:r>
-            <a:r>
-              <a:rPr lang="en-US" sz="2400" dirty="0">
-                <a:solidFill>
-                  <a:srgbClr val="000099"/>
-                </a:solidFill>
-                <a:latin typeface="Consolas" charset="0"/>
-                <a:ea typeface="Consolas" charset="0"/>
-                <a:cs typeface="Consolas" charset="0"/>
-              </a:rPr>
-              <a:t>(char *s);</a:t>
-            </a:r>
-          </a:p>
-          <a:p>
-            <a:pPr marL="857250" lvl="2" indent="0">
+              <a:t>”, str2[10];</a:t>
+            </a:r>
+          </a:p>
+          <a:p>
+            <a:pPr marL="1082675" lvl="1" indent="0">
+              <a:spcBef>
+                <a:spcPts val="0"/>
+              </a:spcBef>
               <a:buNone/>
             </a:pPr>
             <a:r>
-              <a:rPr lang="en-US" sz="2400" dirty="0" err="1">
+              <a:rPr lang="en-US" dirty="0">
                 <a:solidFill>
                   <a:srgbClr val="000099"/>
                 </a:solidFill>
@@ -12786,10 +12780,10 @@
                 <a:ea typeface="Consolas" charset="0"/>
                 <a:cs typeface="Consolas" charset="0"/>
               </a:rPr>
-              <a:t>int</a:t>
-            </a:r>
-            <a:r>
-              <a:rPr lang="en-US" sz="2400" dirty="0">
+              <a:t>str2 = “</a:t>
+            </a:r>
+            <a:r>
+              <a:rPr lang="en-US" dirty="0" err="1">
                 <a:solidFill>
                   <a:srgbClr val="000099"/>
                 </a:solidFill>
@@ -12797,10 +12791,10 @@
                 <a:ea typeface="Consolas" charset="0"/>
                 <a:cs typeface="Consolas" charset="0"/>
               </a:rPr>
-              <a:t> </a:t>
-            </a:r>
-            <a:r>
-              <a:rPr lang="en-US" sz="2400" dirty="0" err="1">
+              <a:t>abc</a:t>
+            </a:r>
+            <a:r>
+              <a:rPr lang="en-US" dirty="0">
                 <a:solidFill>
                   <a:srgbClr val="000099"/>
                 </a:solidFill>
@@ -12808,40 +12802,54 @@
                 <a:ea typeface="Consolas" charset="0"/>
                 <a:cs typeface="Consolas" charset="0"/>
               </a:rPr>
-              <a:t>count_spaces</a:t>
-            </a:r>
-            <a:r>
-              <a:rPr lang="en-US" sz="2400" dirty="0">
-                <a:solidFill>
-                  <a:srgbClr val="000099"/>
-                </a:solidFill>
-                <a:latin typeface="Consolas" charset="0"/>
-                <a:ea typeface="Consolas" charset="0"/>
-                <a:cs typeface="Consolas" charset="0"/>
-              </a:rPr>
-              <a:t>(char s[ ]);</a:t>
-            </a:r>
-          </a:p>
-          <a:p>
-            <a:r>
-              <a:rPr lang="en-US" dirty="0"/>
-              <a:t>Can call </a:t>
-            </a:r>
-            <a:r>
-              <a:rPr lang="en-US" dirty="0" err="1"/>
-              <a:t>count_spaces</a:t>
-            </a:r>
-            <a:r>
-              <a:rPr lang="en-US" dirty="0"/>
-              <a:t> with pointer and array:</a:t>
-            </a:r>
-          </a:p>
-          <a:p>
-            <a:pPr marL="457200" lvl="1" indent="0">
+              <a:t>”;	</a:t>
+            </a:r>
+            <a:r>
+              <a:rPr lang="en-US" dirty="0">
+                <a:solidFill>
+                  <a:srgbClr val="0B2B91"/>
+                </a:solidFill>
+                <a:latin typeface="Consolas" charset="0"/>
+                <a:ea typeface="Consolas" charset="0"/>
+                <a:cs typeface="Consolas" charset="0"/>
+              </a:rPr>
+              <a:t>		</a:t>
+            </a:r>
+            <a:r>
+              <a:rPr lang="en-US" dirty="0">
+                <a:solidFill>
+                  <a:srgbClr val="C00000"/>
+                </a:solidFill>
+                <a:latin typeface="Consolas" charset="0"/>
+                <a:ea typeface="Consolas" charset="0"/>
+                <a:cs typeface="Consolas" charset="0"/>
+              </a:rPr>
+              <a:t>//Wrong!</a:t>
+            </a:r>
+          </a:p>
+          <a:p>
+            <a:pPr marL="1082675" lvl="1" indent="0">
+              <a:spcBef>
+                <a:spcPts val="0"/>
+              </a:spcBef>
               <a:buNone/>
             </a:pPr>
             <a:r>
-              <a:rPr lang="en-US" sz="2000" dirty="0">
+              <a:rPr lang="en-US" dirty="0">
+                <a:solidFill>
+                  <a:srgbClr val="000099"/>
+                </a:solidFill>
+                <a:latin typeface="Consolas" charset="0"/>
+                <a:ea typeface="Consolas" charset="0"/>
+                <a:cs typeface="Consolas" charset="0"/>
+              </a:rPr>
+              <a:t>if (str1 == str2 ) { … }</a:t>
+            </a:r>
+            <a:r>
+              <a:rPr lang="en-US" dirty="0">
+                <a:solidFill>
+                  <a:srgbClr val="0B2B91"/>
+                </a:solidFill>
                 <a:latin typeface="Consolas" charset="0"/>
                 <a:ea typeface="Consolas" charset="0"/>
                 <a:cs typeface="Consolas" charset="0"/>
@@ -12849,149 +12857,48 @@
               <a:t>	</a:t>
             </a:r>
             <a:r>
-              <a:rPr lang="en-US" sz="2000" dirty="0">
-                <a:solidFill>
-                  <a:srgbClr val="000099"/>
-                </a:solidFill>
-                <a:latin typeface="Consolas" charset="0"/>
-                <a:ea typeface="Consolas" charset="0"/>
-                <a:cs typeface="Consolas" charset="0"/>
-              </a:rPr>
-              <a:t>char </a:t>
-            </a:r>
-            <a:r>
-              <a:rPr lang="en-US" sz="2000" dirty="0" err="1">
-                <a:solidFill>
-                  <a:srgbClr val="000099"/>
-                </a:solidFill>
-                <a:latin typeface="Consolas" charset="0"/>
-                <a:ea typeface="Consolas" charset="0"/>
-                <a:cs typeface="Consolas" charset="0"/>
-              </a:rPr>
-              <a:t>str</a:t>
-            </a:r>
-            <a:r>
-              <a:rPr lang="en-US" sz="2000" dirty="0">
-                <a:solidFill>
-                  <a:srgbClr val="000099"/>
-                </a:solidFill>
-                <a:latin typeface="Consolas" charset="0"/>
-                <a:ea typeface="Consolas" charset="0"/>
-                <a:cs typeface="Consolas" charset="0"/>
-              </a:rPr>
-              <a:t>[ ] = “a </a:t>
-            </a:r>
-            <a:r>
-              <a:rPr lang="en-US" sz="2000" dirty="0" err="1">
-                <a:solidFill>
-                  <a:srgbClr val="000099"/>
-                </a:solidFill>
-                <a:latin typeface="Consolas" charset="0"/>
-                <a:ea typeface="Consolas" charset="0"/>
-                <a:cs typeface="Consolas" charset="0"/>
-              </a:rPr>
-              <a:t>bc</a:t>
-            </a:r>
-            <a:r>
-              <a:rPr lang="en-US" sz="2000" dirty="0">
-                <a:solidFill>
-                  <a:srgbClr val="000099"/>
-                </a:solidFill>
-                <a:latin typeface="Consolas" charset="0"/>
-                <a:ea typeface="Consolas" charset="0"/>
-                <a:cs typeface="Consolas" charset="0"/>
-              </a:rPr>
-              <a:t> d e”, *p = </a:t>
-            </a:r>
-            <a:r>
-              <a:rPr lang="en-US" sz="2000" dirty="0" err="1">
-                <a:solidFill>
-                  <a:srgbClr val="000099"/>
-                </a:solidFill>
-                <a:latin typeface="Consolas" charset="0"/>
-                <a:ea typeface="Consolas" charset="0"/>
-                <a:cs typeface="Consolas" charset="0"/>
-              </a:rPr>
-              <a:t>str</a:t>
-            </a:r>
-            <a:r>
-              <a:rPr lang="en-US" sz="2000" dirty="0">
-                <a:solidFill>
-                  <a:srgbClr val="000099"/>
-                </a:solidFill>
-                <a:latin typeface="Consolas" charset="0"/>
-                <a:ea typeface="Consolas" charset="0"/>
-                <a:cs typeface="Consolas" charset="0"/>
-              </a:rPr>
-              <a:t>;</a:t>
-            </a:r>
-          </a:p>
-          <a:p>
-            <a:pPr marL="457200" lvl="1" indent="0">
+              <a:rPr lang="en-US" dirty="0">
+                <a:solidFill>
+                  <a:srgbClr val="C00000"/>
+                </a:solidFill>
+                <a:latin typeface="Consolas" charset="0"/>
+                <a:ea typeface="Consolas" charset="0"/>
+                <a:cs typeface="Consolas" charset="0"/>
+              </a:rPr>
+              <a:t>//Wrong! </a:t>
+            </a:r>
+          </a:p>
+          <a:p>
+            <a:pPr marL="1082675" lvl="1" indent="0">
+              <a:spcBef>
+                <a:spcPts val="0"/>
+              </a:spcBef>
               <a:buNone/>
             </a:pPr>
             <a:r>
-              <a:rPr lang="en-US" sz="2000" dirty="0">
-                <a:solidFill>
-                  <a:srgbClr val="000099"/>
-                </a:solidFill>
-                <a:latin typeface="Consolas" charset="0"/>
-                <a:ea typeface="Consolas" charset="0"/>
-                <a:cs typeface="Consolas" charset="0"/>
-              </a:rPr>
-              <a:t>	</a:t>
-            </a:r>
-            <a:r>
-              <a:rPr lang="en-US" sz="2000" dirty="0" err="1">
-                <a:solidFill>
-                  <a:srgbClr val="000099"/>
-                </a:solidFill>
-                <a:latin typeface="Consolas" charset="0"/>
-                <a:ea typeface="Consolas" charset="0"/>
-                <a:cs typeface="Consolas" charset="0"/>
-              </a:rPr>
-              <a:t>count_spaces</a:t>
-            </a:r>
-            <a:r>
-              <a:rPr lang="en-US" sz="2000" dirty="0">
-                <a:solidFill>
-                  <a:srgbClr val="000099"/>
-                </a:solidFill>
-                <a:latin typeface="Consolas" charset="0"/>
-                <a:ea typeface="Consolas" charset="0"/>
-                <a:cs typeface="Consolas" charset="0"/>
-              </a:rPr>
-              <a:t>(</a:t>
-            </a:r>
-            <a:r>
-              <a:rPr lang="en-US" sz="2000" dirty="0" err="1">
-                <a:solidFill>
-                  <a:srgbClr val="000099"/>
-                </a:solidFill>
-                <a:latin typeface="Consolas" charset="0"/>
-                <a:ea typeface="Consolas" charset="0"/>
-                <a:cs typeface="Consolas" charset="0"/>
-              </a:rPr>
-              <a:t>str</a:t>
-            </a:r>
-            <a:r>
-              <a:rPr lang="en-US" sz="2000" dirty="0">
-                <a:solidFill>
-                  <a:srgbClr val="000099"/>
-                </a:solidFill>
-                <a:latin typeface="Consolas" charset="0"/>
-                <a:ea typeface="Consolas" charset="0"/>
-                <a:cs typeface="Consolas" charset="0"/>
-              </a:rPr>
-              <a:t>);</a:t>
-            </a:r>
-          </a:p>
-          <a:p>
-            <a:pPr marL="457200" lvl="1" indent="0">
+              <a:rPr lang="en-US" dirty="0">
+                <a:solidFill>
+                  <a:srgbClr val="C00000"/>
+                </a:solidFill>
+                <a:latin typeface="Consolas" charset="0"/>
+                <a:ea typeface="Consolas" charset="0"/>
+                <a:cs typeface="Consolas" charset="0"/>
+              </a:rPr>
+              <a:t>//Checks if str1 and str2 have same address</a:t>
+            </a:r>
+          </a:p>
+          <a:p>
+            <a:r>
+              <a:rPr lang="en-US" sz="2800" dirty="0"/>
+              <a:t>C provides a set of functions for dealing with strings:</a:t>
+            </a:r>
+          </a:p>
+          <a:p>
+            <a:pPr marL="1030288" lvl="1" indent="0">
               <a:buNone/>
             </a:pPr>
             <a:r>
-              <a:rPr lang="en-US" sz="2000" dirty="0">
+              <a:rPr lang="en-US" dirty="0">
                 <a:solidFill>
                   <a:srgbClr val="000099"/>
                 </a:solidFill>
@@ -12999,10 +12906,10 @@
                 <a:ea typeface="Consolas" charset="0"/>
                 <a:cs typeface="Consolas" charset="0"/>
               </a:rPr>
-              <a:t>	</a:t>
-            </a:r>
-            <a:r>
-              <a:rPr lang="en-US" sz="2000" dirty="0" err="1">
+              <a:t>#include &lt;</a:t>
+            </a:r>
+            <a:r>
+              <a:rPr lang="en-US" dirty="0" err="1">
                 <a:solidFill>
                   <a:srgbClr val="000099"/>
                 </a:solidFill>
@@ -13010,10 +12917,10 @@
                 <a:ea typeface="Consolas" charset="0"/>
                 <a:cs typeface="Consolas" charset="0"/>
               </a:rPr>
-              <a:t>count_spaces</a:t>
-            </a:r>
-            <a:r>
-              <a:rPr lang="en-US" sz="2000" dirty="0">
+              <a:t>string.h</a:t>
+            </a:r>
+            <a:r>
+              <a:rPr lang="en-US" dirty="0">
                 <a:solidFill>
                   <a:srgbClr val="000099"/>
                 </a:solidFill>
@@ -13021,7 +12928,51 @@
                 <a:ea typeface="Consolas" charset="0"/>
                 <a:cs typeface="Consolas" charset="0"/>
               </a:rPr>
-              <a:t>(p); </a:t>
+              <a:t>&gt;</a:t>
+            </a:r>
+          </a:p>
+          <a:p>
+            <a:r>
+              <a:rPr lang="en-US" sz="2800" dirty="0"/>
+              <a:t>Declared with pointers (instead of arrays): </a:t>
+            </a:r>
+          </a:p>
+          <a:p>
+            <a:pPr lvl="1"/>
+            <a:r>
+              <a:rPr lang="en-US" dirty="0">
+                <a:solidFill>
+                  <a:srgbClr val="000099"/>
+                </a:solidFill>
+              </a:rPr>
+              <a:t>char *s </a:t>
+            </a:r>
+            <a:r>
+              <a:rPr lang="en-US" dirty="0"/>
+              <a:t>: can modify what the pointer points to</a:t>
+            </a:r>
+          </a:p>
+          <a:p>
+            <a:pPr lvl="1"/>
+            <a:r>
+              <a:rPr lang="en-US" dirty="0" err="1">
+                <a:solidFill>
+                  <a:srgbClr val="000099"/>
+                </a:solidFill>
+              </a:rPr>
+              <a:t>const</a:t>
+            </a:r>
+            <a:r>
+              <a:rPr lang="en-US" dirty="0">
+                <a:solidFill>
+                  <a:srgbClr val="000099"/>
+                </a:solidFill>
+              </a:rPr>
+              <a:t> char *s </a:t>
+            </a:r>
+            <a:r>
+              <a:rPr lang="en-US" dirty="0"/>
+              <a:t>: cannot modify what the pointer points to, can modify it to point to something else</a:t>
             </a:r>
           </a:p>
         </p:txBody>
@@ -13053,7 +13004,7 @@
     </p:spTree>
     <p:extLst>
       <p:ext uri="{BB962C8B-B14F-4D97-AF65-F5344CB8AC3E}">
-        <p14:creationId xmlns:p14="http://schemas.microsoft.com/office/powerpoint/2010/main" val="133207418"/>
+        <p14:creationId xmlns:p14="http://schemas.microsoft.com/office/powerpoint/2010/main" val="1139114152"/>
       </p:ext>
     </p:extLst>
   </p:cSld>
@@ -13116,8 +13067,8 @@
         </p:nvSpPr>
         <p:spPr>
           <a:xfrm>
-            <a:off x="466344" y="1760538"/>
-            <a:ext cx="8229600" cy="4708525"/>
+            <a:off x="195672" y="1847098"/>
+            <a:ext cx="8045196" cy="4351337"/>
           </a:xfrm>
         </p:spPr>
         <p:txBody>
@@ -13127,260 +13078,262 @@
           <a:lstStyle/>
           <a:p>
             <a:r>
-              <a:rPr lang="en-US" sz="2800" dirty="0"/>
-              <a:t>Cannot copy or compare in straightforward way:</a:t>
-            </a:r>
-          </a:p>
-          <a:p>
-            <a:pPr marL="1082675" lvl="1" indent="0">
-              <a:spcBef>
-                <a:spcPts val="0"/>
-              </a:spcBef>
-              <a:buNone/>
-            </a:pPr>
-            <a:r>
-              <a:rPr lang="en-US" dirty="0">
+              <a:rPr lang="en-US" sz="2800" dirty="0">
                 <a:solidFill>
                   <a:srgbClr val="000099"/>
                 </a:solidFill>
-                <a:latin typeface="Consolas" charset="0"/>
-                <a:ea typeface="Consolas" charset="0"/>
-                <a:cs typeface="Consolas" charset="0"/>
-              </a:rPr>
-              <a:t>char str1[10] = “</a:t>
-            </a:r>
-            <a:r>
-              <a:rPr lang="en-US" dirty="0" err="1">
+              </a:rPr>
+              <a:t>char *</a:t>
+            </a:r>
+            <a:r>
+              <a:rPr lang="en-US" sz="2800" dirty="0" err="1">
                 <a:solidFill>
                   <a:srgbClr val="000099"/>
                 </a:solidFill>
-                <a:latin typeface="Consolas" charset="0"/>
-                <a:ea typeface="Consolas" charset="0"/>
-                <a:cs typeface="Consolas" charset="0"/>
-              </a:rPr>
-              <a:t>abc</a:t>
-            </a:r>
-            <a:r>
-              <a:rPr lang="en-US" dirty="0">
+              </a:rPr>
+              <a:t>strcpy</a:t>
+            </a:r>
+            <a:r>
+              <a:rPr lang="en-US" sz="2800" dirty="0">
                 <a:solidFill>
                   <a:srgbClr val="000099"/>
                 </a:solidFill>
-                <a:latin typeface="Consolas" charset="0"/>
-                <a:ea typeface="Consolas" charset="0"/>
-                <a:cs typeface="Consolas" charset="0"/>
-              </a:rPr>
-              <a:t>”, str2[10];</a:t>
-            </a:r>
-          </a:p>
-          <a:p>
-            <a:pPr marL="1082675" lvl="1" indent="0">
-              <a:spcBef>
-                <a:spcPts val="0"/>
-              </a:spcBef>
-              <a:buNone/>
-            </a:pPr>
-            <a:r>
-              <a:rPr lang="en-US" dirty="0">
+              </a:rPr>
+              <a:t>(char *s1, </a:t>
+            </a:r>
+            <a:r>
+              <a:rPr lang="en-US" sz="2800" dirty="0" err="1">
                 <a:solidFill>
                   <a:srgbClr val="000099"/>
                 </a:solidFill>
-                <a:latin typeface="Consolas" charset="0"/>
-                <a:ea typeface="Consolas" charset="0"/>
-                <a:cs typeface="Consolas" charset="0"/>
-              </a:rPr>
-              <a:t>str2 = “</a:t>
-            </a:r>
-            <a:r>
-              <a:rPr lang="en-US" dirty="0" err="1">
+              </a:rPr>
+              <a:t>const</a:t>
+            </a:r>
+            <a:r>
+              <a:rPr lang="en-US" sz="2800" dirty="0">
                 <a:solidFill>
                   <a:srgbClr val="000099"/>
                 </a:solidFill>
-                <a:latin typeface="Consolas" charset="0"/>
-                <a:ea typeface="Consolas" charset="0"/>
-                <a:cs typeface="Consolas" charset="0"/>
-              </a:rPr>
-              <a:t>abc</a:t>
-            </a:r>
-            <a:r>
-              <a:rPr lang="en-US" dirty="0">
+              </a:rPr>
+              <a:t> char *s2);</a:t>
+            </a:r>
+          </a:p>
+          <a:p>
+            <a:pPr lvl="1"/>
+            <a:r>
+              <a:rPr lang="en-US" sz="2400" dirty="0"/>
+              <a:t>Copies content of s2 into s1, returns pointer s1</a:t>
+            </a:r>
+          </a:p>
+          <a:p>
+            <a:r>
+              <a:rPr lang="en-US" sz="2800" dirty="0" err="1">
                 <a:solidFill>
                   <a:srgbClr val="000099"/>
                 </a:solidFill>
-                <a:latin typeface="Consolas" charset="0"/>
-                <a:ea typeface="Consolas" charset="0"/>
-                <a:cs typeface="Consolas" charset="0"/>
-              </a:rPr>
-              <a:t>”;	</a:t>
-            </a:r>
-            <a:r>
-              <a:rPr lang="en-US" dirty="0">
-                <a:solidFill>
-                  <a:srgbClr val="0B2B91"/>
-                </a:solidFill>
-                <a:latin typeface="Consolas" charset="0"/>
-                <a:ea typeface="Consolas" charset="0"/>
-                <a:cs typeface="Consolas" charset="0"/>
-              </a:rPr>
-              <a:t>		</a:t>
-            </a:r>
-            <a:r>
-              <a:rPr lang="en-US" dirty="0">
-                <a:solidFill>
-                  <a:srgbClr val="C00000"/>
-                </a:solidFill>
-                <a:latin typeface="Consolas" charset="0"/>
-                <a:ea typeface="Consolas" charset="0"/>
-                <a:cs typeface="Consolas" charset="0"/>
-              </a:rPr>
-              <a:t>//Wrong!</a:t>
-            </a:r>
-          </a:p>
-          <a:p>
-            <a:pPr marL="1082675" lvl="1" indent="0">
-              <a:spcBef>
-                <a:spcPts val="0"/>
-              </a:spcBef>
-              <a:buNone/>
-            </a:pPr>
-            <a:r>
-              <a:rPr lang="en-US" dirty="0">
+              </a:rPr>
+              <a:t>size_t</a:t>
+            </a:r>
+            <a:r>
+              <a:rPr lang="en-US" sz="2800" dirty="0">
                 <a:solidFill>
                   <a:srgbClr val="000099"/>
                 </a:solidFill>
-                <a:latin typeface="Consolas" charset="0"/>
-                <a:ea typeface="Consolas" charset="0"/>
-                <a:cs typeface="Consolas" charset="0"/>
-              </a:rPr>
-              <a:t>if (str1 == str2 ) { … }</a:t>
-            </a:r>
-            <a:r>
-              <a:rPr lang="en-US" dirty="0">
-                <a:solidFill>
-                  <a:srgbClr val="0B2B91"/>
-                </a:solidFill>
-                <a:latin typeface="Consolas" charset="0"/>
-                <a:ea typeface="Consolas" charset="0"/>
-                <a:cs typeface="Consolas" charset="0"/>
-              </a:rPr>
-              <a:t>	</a:t>
-            </a:r>
-            <a:r>
-              <a:rPr lang="en-US" dirty="0">
-                <a:solidFill>
-                  <a:srgbClr val="C00000"/>
-                </a:solidFill>
-                <a:latin typeface="Consolas" charset="0"/>
-                <a:ea typeface="Consolas" charset="0"/>
-                <a:cs typeface="Consolas" charset="0"/>
-              </a:rPr>
-              <a:t>//Wrong! </a:t>
-            </a:r>
-          </a:p>
-          <a:p>
-            <a:pPr marL="1082675" lvl="1" indent="0">
-              <a:spcBef>
-                <a:spcPts val="0"/>
-              </a:spcBef>
-              <a:buNone/>
-            </a:pPr>
-            <a:r>
-              <a:rPr lang="en-US" dirty="0">
-                <a:solidFill>
-                  <a:srgbClr val="C00000"/>
-                </a:solidFill>
-                <a:latin typeface="Consolas" charset="0"/>
-                <a:ea typeface="Consolas" charset="0"/>
-                <a:cs typeface="Consolas" charset="0"/>
-              </a:rPr>
-              <a:t>//Checks if str1 and str2 have same address</a:t>
-            </a:r>
-          </a:p>
-          <a:p>
-            <a:r>
-              <a:rPr lang="en-US" sz="2800" dirty="0"/>
-              <a:t>C provides a set of functions for dealing with strings:</a:t>
-            </a:r>
-          </a:p>
-          <a:p>
-            <a:pPr marL="1030288" lvl="1" indent="0">
-              <a:buNone/>
-            </a:pPr>
-            <a:r>
-              <a:rPr lang="en-US" dirty="0">
+              </a:rPr>
+              <a:t> </a:t>
+            </a:r>
+            <a:r>
+              <a:rPr lang="en-US" sz="2800" dirty="0" err="1">
                 <a:solidFill>
                   <a:srgbClr val="000099"/>
                 </a:solidFill>
-                <a:latin typeface="Consolas" charset="0"/>
-                <a:ea typeface="Consolas" charset="0"/>
-                <a:cs typeface="Consolas" charset="0"/>
-              </a:rPr>
-              <a:t>#include &lt;</a:t>
-            </a:r>
-            <a:r>
-              <a:rPr lang="en-US" dirty="0" err="1">
+              </a:rPr>
+              <a:t>strlen</a:t>
+            </a:r>
+            <a:r>
+              <a:rPr lang="en-US" sz="2800" dirty="0">
                 <a:solidFill>
                   <a:srgbClr val="000099"/>
                 </a:solidFill>
-                <a:latin typeface="Consolas" charset="0"/>
-                <a:ea typeface="Consolas" charset="0"/>
-                <a:cs typeface="Consolas" charset="0"/>
-              </a:rPr>
-              <a:t>string.h</a:t>
-            </a:r>
-            <a:r>
-              <a:rPr lang="en-US" dirty="0">
+              </a:rPr>
+              <a:t>(</a:t>
+            </a:r>
+            <a:r>
+              <a:rPr lang="en-US" sz="2800" dirty="0" err="1">
                 <a:solidFill>
                   <a:srgbClr val="000099"/>
                 </a:solidFill>
-                <a:latin typeface="Consolas" charset="0"/>
-                <a:ea typeface="Consolas" charset="0"/>
-                <a:cs typeface="Consolas" charset="0"/>
-              </a:rPr>
-              <a:t>&gt;</a:t>
-            </a:r>
-          </a:p>
-          <a:p>
-            <a:r>
-              <a:rPr lang="en-US" sz="2800" dirty="0"/>
-              <a:t>Declared with pointers (instead of arrays): </a:t>
+              </a:rPr>
+              <a:t>const</a:t>
+            </a:r>
+            <a:r>
+              <a:rPr lang="en-US" sz="2800" dirty="0">
+                <a:solidFill>
+                  <a:srgbClr val="000099"/>
+                </a:solidFill>
+              </a:rPr>
+              <a:t> char *s);</a:t>
             </a:r>
           </a:p>
           <a:p>
             <a:pPr lvl="1"/>
             <a:r>
-              <a:rPr lang="en-US" dirty="0">
+              <a:rPr lang="en-US" sz="2400" dirty="0" err="1"/>
+              <a:t>size_t</a:t>
+            </a:r>
+            <a:r>
+              <a:rPr lang="en-US" sz="2400" dirty="0"/>
+              <a:t>: defined using </a:t>
+            </a:r>
+            <a:r>
+              <a:rPr lang="en-US" sz="2400" dirty="0" err="1"/>
+              <a:t>typedef</a:t>
+            </a:r>
+            <a:r>
+              <a:rPr lang="en-US" sz="2400" dirty="0"/>
+              <a:t> as unsigned </a:t>
+            </a:r>
+            <a:r>
+              <a:rPr lang="en-US" sz="2400" dirty="0" err="1"/>
+              <a:t>int</a:t>
+            </a:r>
+            <a:endParaRPr lang="en-US" sz="2400" dirty="0"/>
+          </a:p>
+          <a:p>
+            <a:pPr lvl="1"/>
+            <a:r>
+              <a:rPr lang="en-US" sz="2400" dirty="0"/>
+              <a:t>Returns length of string up to but not including \0</a:t>
+            </a:r>
+          </a:p>
+          <a:p>
+            <a:r>
+              <a:rPr lang="en-US" sz="2800" dirty="0">
                 <a:solidFill>
                   <a:srgbClr val="000099"/>
                 </a:solidFill>
               </a:rPr>
-              <a:t>char *s </a:t>
-            </a:r>
-            <a:r>
-              <a:rPr lang="en-US" dirty="0"/>
-              <a:t>: can modify what the pointer points to</a:t>
+              <a:t>char *</a:t>
+            </a:r>
+            <a:r>
+              <a:rPr lang="en-US" sz="2800" dirty="0" err="1">
+                <a:solidFill>
+                  <a:srgbClr val="000099"/>
+                </a:solidFill>
+              </a:rPr>
+              <a:t>strcat</a:t>
+            </a:r>
+            <a:r>
+              <a:rPr lang="en-US" sz="2800" dirty="0">
+                <a:solidFill>
+                  <a:srgbClr val="000099"/>
+                </a:solidFill>
+              </a:rPr>
+              <a:t>(char *s1, </a:t>
+            </a:r>
+            <a:r>
+              <a:rPr lang="en-US" sz="2800" dirty="0" err="1">
+                <a:solidFill>
+                  <a:srgbClr val="000099"/>
+                </a:solidFill>
+              </a:rPr>
+              <a:t>const</a:t>
+            </a:r>
+            <a:r>
+              <a:rPr lang="en-US" sz="2800" dirty="0">
+                <a:solidFill>
+                  <a:srgbClr val="000099"/>
+                </a:solidFill>
+              </a:rPr>
+              <a:t> char *s2);</a:t>
             </a:r>
           </a:p>
           <a:p>
             <a:pPr lvl="1"/>
             <a:r>
-              <a:rPr lang="en-US" dirty="0" err="1">
+              <a:rPr lang="en-US" sz="2400" dirty="0"/>
+              <a:t>Appends content of s2 to the end of s1, returns s1;</a:t>
+            </a:r>
+          </a:p>
+          <a:p>
+            <a:r>
+              <a:rPr lang="en-US" sz="2800" dirty="0">
                 <a:solidFill>
                   <a:srgbClr val="000099"/>
                 </a:solidFill>
               </a:rPr>
+              <a:t>short *</a:t>
+            </a:r>
+            <a:r>
+              <a:rPr lang="en-US" sz="2800" dirty="0" err="1">
+                <a:solidFill>
+                  <a:srgbClr val="000099"/>
+                </a:solidFill>
+              </a:rPr>
+              <a:t>strcmp</a:t>
+            </a:r>
+            <a:r>
+              <a:rPr lang="en-US" sz="2800" dirty="0">
+                <a:solidFill>
+                  <a:srgbClr val="000099"/>
+                </a:solidFill>
+              </a:rPr>
+              <a:t>(</a:t>
+            </a:r>
+            <a:r>
+              <a:rPr lang="en-US" sz="2800" dirty="0" err="1">
+                <a:solidFill>
+                  <a:srgbClr val="000099"/>
+                </a:solidFill>
+              </a:rPr>
               <a:t>const</a:t>
             </a:r>
             <a:r>
-              <a:rPr lang="en-US" dirty="0">
+              <a:rPr lang="en-US" sz="2800" dirty="0">
                 <a:solidFill>
                   <a:srgbClr val="000099"/>
                 </a:solidFill>
               </a:rPr>
-              <a:t> char *s </a:t>
-            </a:r>
-            <a:r>
-              <a:rPr lang="en-US" dirty="0"/>
-              <a:t>: cannot modify what the pointer points to, can modify it to point to something else</a:t>
+              <a:t> char *s1, </a:t>
+            </a:r>
+            <a:r>
+              <a:rPr lang="en-US" sz="2800" dirty="0" err="1">
+                <a:solidFill>
+                  <a:srgbClr val="000099"/>
+                </a:solidFill>
+              </a:rPr>
+              <a:t>const</a:t>
+            </a:r>
+            <a:r>
+              <a:rPr lang="en-US" sz="2800" dirty="0">
+                <a:solidFill>
+                  <a:srgbClr val="000099"/>
+                </a:solidFill>
+              </a:rPr>
+              <a:t> char *s2);</a:t>
+            </a:r>
+          </a:p>
+          <a:p>
+            <a:pPr lvl="1"/>
+            <a:r>
+              <a:rPr lang="en-US" sz="2400" dirty="0"/>
+              <a:t>Compares content of s1 and s2: returns 0 if the same, negative </a:t>
+            </a:r>
+            <a:r>
+              <a:rPr lang="en-US" sz="2400" dirty="0" err="1"/>
+              <a:t>int</a:t>
+            </a:r>
+            <a:r>
+              <a:rPr lang="en-US" sz="2400" dirty="0"/>
+              <a:t> if s1  &lt; s2 and positive </a:t>
+            </a:r>
+            <a:r>
+              <a:rPr lang="en-US" sz="2400" dirty="0" err="1"/>
+              <a:t>int</a:t>
+            </a:r>
+            <a:r>
+              <a:rPr lang="en-US" sz="2400" dirty="0"/>
+              <a:t> if s1 &gt; s2 (lexicographic order)</a:t>
             </a:r>
           </a:p>
         </p:txBody>
@@ -13412,7 +13365,7 @@
     </p:spTree>
     <p:extLst>
       <p:ext uri="{BB962C8B-B14F-4D97-AF65-F5344CB8AC3E}">
-        <p14:creationId xmlns:p14="http://schemas.microsoft.com/office/powerpoint/2010/main" val="1139114152"/>
+        <p14:creationId xmlns:p14="http://schemas.microsoft.com/office/powerpoint/2010/main" val="274839659"/>
       </p:ext>
     </p:extLst>
   </p:cSld>
@@ -13423,367 +13376,6 @@
 </file>
 
 <file path=ppt/slides/slide23.xml><?xml version="1.0" encoding="utf-8"?>
-<p:sld xmlns:a="http://schemas.openxmlformats.org/drawingml/2006/main" xmlns:r="http://schemas.openxmlformats.org/officeDocument/2006/relationships" xmlns:p="http://schemas.openxmlformats.org/presentationml/2006/main">
-  <p:cSld>
-    <p:spTree>
-      <p:nvGrpSpPr>
-        <p:cNvPr id="1" name=""/>
-        <p:cNvGrpSpPr/>
-        <p:nvPr/>
-      </p:nvGrpSpPr>
-      <p:grpSpPr>
-        <a:xfrm>
-          <a:off x="0" y="0"/>
-          <a:ext cx="0" cy="0"/>
-          <a:chOff x="0" y="0"/>
-          <a:chExt cx="0" cy="0"/>
-        </a:xfrm>
-      </p:grpSpPr>
-      <p:sp>
-        <p:nvSpPr>
-          <p:cNvPr id="2" name="Title 1"/>
-          <p:cNvSpPr>
-            <a:spLocks noGrp="1"/>
-          </p:cNvSpPr>
-          <p:nvPr>
-            <p:ph type="title"/>
-          </p:nvPr>
-        </p:nvSpPr>
-        <p:spPr/>
-        <p:txBody>
-          <a:bodyPr>
-            <a:normAutofit/>
-          </a:bodyPr>
-          <a:lstStyle/>
-          <a:p>
-            <a:r>
-              <a:rPr lang="en-US" dirty="0"/>
-              <a:t>C String library (Optional Content)</a:t>
-            </a:r>
-          </a:p>
-        </p:txBody>
-      </p:sp>
-      <p:sp>
-        <p:nvSpPr>
-          <p:cNvPr id="3" name="Content Placeholder 2"/>
-          <p:cNvSpPr>
-            <a:spLocks noGrp="1"/>
-          </p:cNvSpPr>
-          <p:nvPr>
-            <p:ph idx="1"/>
-          </p:nvPr>
-        </p:nvSpPr>
-        <p:spPr>
-          <a:xfrm>
-            <a:off x="195672" y="1847098"/>
-            <a:ext cx="8045196" cy="4351337"/>
-          </a:xfrm>
-        </p:spPr>
-        <p:txBody>
-          <a:bodyPr>
-            <a:noAutofit/>
-          </a:bodyPr>
-          <a:lstStyle/>
-          <a:p>
-            <a:r>
-              <a:rPr lang="en-US" sz="2800" dirty="0">
-                <a:solidFill>
-                  <a:srgbClr val="000099"/>
-                </a:solidFill>
-              </a:rPr>
-              <a:t>char *</a:t>
-            </a:r>
-            <a:r>
-              <a:rPr lang="en-US" sz="2800" dirty="0" err="1">
-                <a:solidFill>
-                  <a:srgbClr val="000099"/>
-                </a:solidFill>
-              </a:rPr>
-              <a:t>strcpy</a:t>
-            </a:r>
-            <a:r>
-              <a:rPr lang="en-US" sz="2800" dirty="0">
-                <a:solidFill>
-                  <a:srgbClr val="000099"/>
-                </a:solidFill>
-              </a:rPr>
-              <a:t>(char *s1, </a:t>
-            </a:r>
-            <a:r>
-              <a:rPr lang="en-US" sz="2800" dirty="0" err="1">
-                <a:solidFill>
-                  <a:srgbClr val="000099"/>
-                </a:solidFill>
-              </a:rPr>
-              <a:t>const</a:t>
-            </a:r>
-            <a:r>
-              <a:rPr lang="en-US" sz="2800" dirty="0">
-                <a:solidFill>
-                  <a:srgbClr val="000099"/>
-                </a:solidFill>
-              </a:rPr>
-              <a:t> char *s2);</a:t>
-            </a:r>
-          </a:p>
-          <a:p>
-            <a:pPr lvl="1"/>
-            <a:r>
-              <a:rPr lang="en-US" sz="2400" dirty="0"/>
-              <a:t>Copies content of s2 into s1, returns pointer s1</a:t>
-            </a:r>
-          </a:p>
-          <a:p>
-            <a:r>
-              <a:rPr lang="en-US" sz="2800" dirty="0" err="1">
-                <a:solidFill>
-                  <a:srgbClr val="000099"/>
-                </a:solidFill>
-              </a:rPr>
-              <a:t>size_t</a:t>
-            </a:r>
-            <a:r>
-              <a:rPr lang="en-US" sz="2800" dirty="0">
-                <a:solidFill>
-                  <a:srgbClr val="000099"/>
-                </a:solidFill>
-              </a:rPr>
-              <a:t> </a:t>
-            </a:r>
-            <a:r>
-              <a:rPr lang="en-US" sz="2800" dirty="0" err="1">
-                <a:solidFill>
-                  <a:srgbClr val="000099"/>
-                </a:solidFill>
-              </a:rPr>
-              <a:t>strlen</a:t>
-            </a:r>
-            <a:r>
-              <a:rPr lang="en-US" sz="2800" dirty="0">
-                <a:solidFill>
-                  <a:srgbClr val="000099"/>
-                </a:solidFill>
-              </a:rPr>
-              <a:t>(</a:t>
-            </a:r>
-            <a:r>
-              <a:rPr lang="en-US" sz="2800" dirty="0" err="1">
-                <a:solidFill>
-                  <a:srgbClr val="000099"/>
-                </a:solidFill>
-              </a:rPr>
-              <a:t>const</a:t>
-            </a:r>
-            <a:r>
-              <a:rPr lang="en-US" sz="2800" dirty="0">
-                <a:solidFill>
-                  <a:srgbClr val="000099"/>
-                </a:solidFill>
-              </a:rPr>
-              <a:t> char *s);</a:t>
-            </a:r>
-          </a:p>
-          <a:p>
-            <a:pPr lvl="1"/>
-            <a:r>
-              <a:rPr lang="en-US" sz="2400" dirty="0" err="1"/>
-              <a:t>size_t</a:t>
-            </a:r>
-            <a:r>
-              <a:rPr lang="en-US" sz="2400" dirty="0"/>
-              <a:t>: defined using </a:t>
-            </a:r>
-            <a:r>
-              <a:rPr lang="en-US" sz="2400" dirty="0" err="1"/>
-              <a:t>typedef</a:t>
-            </a:r>
-            <a:r>
-              <a:rPr lang="en-US" sz="2400" dirty="0"/>
-              <a:t> as unsigned </a:t>
-            </a:r>
-            <a:r>
-              <a:rPr lang="en-US" sz="2400" dirty="0" err="1"/>
-              <a:t>int</a:t>
-            </a:r>
-            <a:endParaRPr lang="en-US" sz="2400" dirty="0"/>
-          </a:p>
-          <a:p>
-            <a:pPr lvl="1"/>
-            <a:r>
-              <a:rPr lang="en-US" sz="2400" dirty="0"/>
-              <a:t>Returns length of string up to but not including \0</a:t>
-            </a:r>
-          </a:p>
-          <a:p>
-            <a:r>
-              <a:rPr lang="en-US" sz="2800" dirty="0">
-                <a:solidFill>
-                  <a:srgbClr val="000099"/>
-                </a:solidFill>
-              </a:rPr>
-              <a:t>char *</a:t>
-            </a:r>
-            <a:r>
-              <a:rPr lang="en-US" sz="2800" dirty="0" err="1">
-                <a:solidFill>
-                  <a:srgbClr val="000099"/>
-                </a:solidFill>
-              </a:rPr>
-              <a:t>strcat</a:t>
-            </a:r>
-            <a:r>
-              <a:rPr lang="en-US" sz="2800" dirty="0">
-                <a:solidFill>
-                  <a:srgbClr val="000099"/>
-                </a:solidFill>
-              </a:rPr>
-              <a:t>(char *s1, </a:t>
-            </a:r>
-            <a:r>
-              <a:rPr lang="en-US" sz="2800" dirty="0" err="1">
-                <a:solidFill>
-                  <a:srgbClr val="000099"/>
-                </a:solidFill>
-              </a:rPr>
-              <a:t>const</a:t>
-            </a:r>
-            <a:r>
-              <a:rPr lang="en-US" sz="2800" dirty="0">
-                <a:solidFill>
-                  <a:srgbClr val="000099"/>
-                </a:solidFill>
-              </a:rPr>
-              <a:t> char *s2);</a:t>
-            </a:r>
-          </a:p>
-          <a:p>
-            <a:pPr lvl="1"/>
-            <a:r>
-              <a:rPr lang="en-US" sz="2400" dirty="0"/>
-              <a:t>Appends content of s2 to the end of s1, returns s1;</a:t>
-            </a:r>
-          </a:p>
-          <a:p>
-            <a:r>
-              <a:rPr lang="en-US" sz="2800" dirty="0">
-                <a:solidFill>
-                  <a:srgbClr val="000099"/>
-                </a:solidFill>
-              </a:rPr>
-              <a:t>short *</a:t>
-            </a:r>
-            <a:r>
-              <a:rPr lang="en-US" sz="2800" dirty="0" err="1">
-                <a:solidFill>
-                  <a:srgbClr val="000099"/>
-                </a:solidFill>
-              </a:rPr>
-              <a:t>strcmp</a:t>
-            </a:r>
-            <a:r>
-              <a:rPr lang="en-US" sz="2800" dirty="0">
-                <a:solidFill>
-                  <a:srgbClr val="000099"/>
-                </a:solidFill>
-              </a:rPr>
-              <a:t>(</a:t>
-            </a:r>
-            <a:r>
-              <a:rPr lang="en-US" sz="2800" dirty="0" err="1">
-                <a:solidFill>
-                  <a:srgbClr val="000099"/>
-                </a:solidFill>
-              </a:rPr>
-              <a:t>const</a:t>
-            </a:r>
-            <a:r>
-              <a:rPr lang="en-US" sz="2800" dirty="0">
-                <a:solidFill>
-                  <a:srgbClr val="000099"/>
-                </a:solidFill>
-              </a:rPr>
-              <a:t> char *s1, </a:t>
-            </a:r>
-            <a:r>
-              <a:rPr lang="en-US" sz="2800" dirty="0" err="1">
-                <a:solidFill>
-                  <a:srgbClr val="000099"/>
-                </a:solidFill>
-              </a:rPr>
-              <a:t>const</a:t>
-            </a:r>
-            <a:r>
-              <a:rPr lang="en-US" sz="2800" dirty="0">
-                <a:solidFill>
-                  <a:srgbClr val="000099"/>
-                </a:solidFill>
-              </a:rPr>
-              <a:t> char *s2);</a:t>
-            </a:r>
-          </a:p>
-          <a:p>
-            <a:pPr lvl="1"/>
-            <a:r>
-              <a:rPr lang="en-US" sz="2400" dirty="0"/>
-              <a:t>Compares content of s1 and s2: returns 0 if the same, negative </a:t>
-            </a:r>
-            <a:r>
-              <a:rPr lang="en-US" sz="2400" dirty="0" err="1"/>
-              <a:t>int</a:t>
-            </a:r>
-            <a:r>
-              <a:rPr lang="en-US" sz="2400" dirty="0"/>
-              <a:t> if s1  &lt; s2 and positive </a:t>
-            </a:r>
-            <a:r>
-              <a:rPr lang="en-US" sz="2400" dirty="0" err="1"/>
-              <a:t>int</a:t>
-            </a:r>
-            <a:r>
-              <a:rPr lang="en-US" sz="2400" dirty="0"/>
-              <a:t> if s1 &gt; s2 (lexicographic order)</a:t>
-            </a:r>
-          </a:p>
-        </p:txBody>
-      </p:sp>
-      <p:sp>
-        <p:nvSpPr>
-          <p:cNvPr id="12" name="Slide Number Placeholder 11"/>
-          <p:cNvSpPr>
-            <a:spLocks noGrp="1"/>
-          </p:cNvSpPr>
-          <p:nvPr>
-            <p:ph type="sldNum" sz="quarter" idx="12"/>
-          </p:nvPr>
-        </p:nvSpPr>
-        <p:spPr/>
-        <p:txBody>
-          <a:bodyPr/>
-          <a:lstStyle/>
-          <a:p>
-            <a:fld id="{B6F15528-21DE-4FAA-801E-634DDDAF4B2B}" type="slidenum">
-              <a:rPr lang="en-US" smtClean="0"/>
-              <a:pPr/>
-              <a:t>23</a:t>
-            </a:fld>
-            <a:endParaRPr lang="en-US" dirty="0"/>
-          </a:p>
-        </p:txBody>
-      </p:sp>
-    </p:spTree>
-    <p:extLst>
-      <p:ext uri="{BB962C8B-B14F-4D97-AF65-F5344CB8AC3E}">
-        <p14:creationId xmlns:p14="http://schemas.microsoft.com/office/powerpoint/2010/main" val="274839659"/>
-      </p:ext>
-    </p:extLst>
-  </p:cSld>
-  <p:clrMapOvr>
-    <a:masterClrMapping/>
-  </p:clrMapOvr>
-</p:sld>
-</file>
-
-<file path=ppt/slides/slide24.xml><?xml version="1.0" encoding="utf-8"?>
 <p:sld xmlns:a="http://schemas.openxmlformats.org/drawingml/2006/main" xmlns:r="http://schemas.openxmlformats.org/officeDocument/2006/relationships" xmlns:p="http://schemas.openxmlformats.org/presentationml/2006/main">
   <p:cSld>
     <p:spTree>
@@ -13818,7 +13410,7 @@
             <a:fld id="{B6F15528-21DE-4FAA-801E-634DDDAF4B2B}" type="slidenum">
               <a:rPr lang="en-US" smtClean="0"/>
               <a:pPr/>
-              <a:t>24</a:t>
+              <a:t>23</a:t>
             </a:fld>
             <a:endParaRPr lang="en-US" dirty="0"/>
           </a:p>
@@ -14597,6 +14189,313 @@
     <p:extLst>
       <p:ext uri="{BB962C8B-B14F-4D97-AF65-F5344CB8AC3E}">
         <p14:creationId xmlns:p14="http://schemas.microsoft.com/office/powerpoint/2010/main" val="2140307763"/>
+      </p:ext>
+    </p:extLst>
+  </p:cSld>
+  <p:clrMapOvr>
+    <a:masterClrMapping/>
+  </p:clrMapOvr>
+</p:sld>
+</file>
+
+<file path=ppt/slides/slide24.xml><?xml version="1.0" encoding="utf-8"?>
+<p:sld xmlns:a="http://schemas.openxmlformats.org/drawingml/2006/main" xmlns:r="http://schemas.openxmlformats.org/officeDocument/2006/relationships" xmlns:p="http://schemas.openxmlformats.org/presentationml/2006/main">
+  <p:cSld>
+    <p:spTree>
+      <p:nvGrpSpPr>
+        <p:cNvPr id="1" name=""/>
+        <p:cNvGrpSpPr/>
+        <p:nvPr/>
+      </p:nvGrpSpPr>
+      <p:grpSpPr>
+        <a:xfrm>
+          <a:off x="0" y="0"/>
+          <a:ext cx="0" cy="0"/>
+          <a:chOff x="0" y="0"/>
+          <a:chExt cx="0" cy="0"/>
+        </a:xfrm>
+      </p:grpSpPr>
+      <p:sp>
+        <p:nvSpPr>
+          <p:cNvPr id="2" name="Title 1"/>
+          <p:cNvSpPr>
+            <a:spLocks noGrp="1"/>
+          </p:cNvSpPr>
+          <p:nvPr>
+            <p:ph type="title"/>
+          </p:nvPr>
+        </p:nvSpPr>
+        <p:spPr/>
+        <p:txBody>
+          <a:bodyPr/>
+          <a:lstStyle/>
+          <a:p>
+            <a:r>
+              <a:rPr lang="en-US" dirty="0"/>
+              <a:t>Example</a:t>
+            </a:r>
+          </a:p>
+        </p:txBody>
+      </p:sp>
+      <p:sp>
+        <p:nvSpPr>
+          <p:cNvPr id="12" name="Slide Number Placeholder 11"/>
+          <p:cNvSpPr>
+            <a:spLocks noGrp="1"/>
+          </p:cNvSpPr>
+          <p:nvPr>
+            <p:ph type="sldNum" sz="quarter" idx="12"/>
+          </p:nvPr>
+        </p:nvSpPr>
+        <p:spPr/>
+        <p:txBody>
+          <a:bodyPr/>
+          <a:lstStyle/>
+          <a:p>
+            <a:fld id="{B6F15528-21DE-4FAA-801E-634DDDAF4B2B}" type="slidenum">
+              <a:rPr lang="en-US" smtClean="0"/>
+              <a:pPr/>
+              <a:t>24</a:t>
+            </a:fld>
+            <a:endParaRPr lang="en-US" dirty="0"/>
+          </a:p>
+        </p:txBody>
+      </p:sp>
+      <p:sp>
+        <p:nvSpPr>
+          <p:cNvPr id="5" name="TextBox 4"/>
+          <p:cNvSpPr txBox="1"/>
+          <p:nvPr/>
+        </p:nvSpPr>
+        <p:spPr>
+          <a:xfrm>
+            <a:off x="152400" y="1981200"/>
+            <a:ext cx="8153400" cy="2677656"/>
+          </a:xfrm>
+          <a:prstGeom prst="rect">
+            <a:avLst/>
+          </a:prstGeom>
+          <a:noFill/>
+        </p:spPr>
+        <p:txBody>
+          <a:bodyPr wrap="square" rtlCol="0">
+            <a:spAutoFit/>
+          </a:bodyPr>
+          <a:lstStyle/>
+          <a:p>
+            <a:pPr defTabSz="461963"/>
+            <a:r>
+              <a:rPr lang="en-US" sz="2400" dirty="0">
+                <a:solidFill>
+                  <a:srgbClr val="000099"/>
+                </a:solidFill>
+                <a:latin typeface="Consolas" charset="0"/>
+                <a:ea typeface="Consolas" charset="0"/>
+                <a:cs typeface="Consolas" charset="0"/>
+              </a:rPr>
+              <a:t>char *</a:t>
+            </a:r>
+            <a:r>
+              <a:rPr lang="en-US" sz="2400" dirty="0" err="1">
+                <a:solidFill>
+                  <a:srgbClr val="000099"/>
+                </a:solidFill>
+                <a:latin typeface="Consolas" charset="0"/>
+                <a:ea typeface="Consolas" charset="0"/>
+                <a:cs typeface="Consolas" charset="0"/>
+              </a:rPr>
+              <a:t>ptr</a:t>
+            </a:r>
+            <a:r>
+              <a:rPr lang="en-US" sz="2400" dirty="0">
+                <a:solidFill>
+                  <a:srgbClr val="000099"/>
+                </a:solidFill>
+                <a:latin typeface="Consolas" charset="0"/>
+                <a:ea typeface="Consolas" charset="0"/>
+                <a:cs typeface="Consolas" charset="0"/>
+              </a:rPr>
+              <a:t> = </a:t>
+            </a:r>
+            <a:r>
+              <a:rPr lang="en-US" sz="2400" dirty="0" err="1">
+                <a:solidFill>
+                  <a:srgbClr val="000099"/>
+                </a:solidFill>
+                <a:latin typeface="Consolas" charset="0"/>
+                <a:ea typeface="Consolas" charset="0"/>
+                <a:cs typeface="Consolas" charset="0"/>
+              </a:rPr>
+              <a:t>upperStr</a:t>
+            </a:r>
+            <a:r>
+              <a:rPr lang="en-US" sz="2400" dirty="0">
+                <a:solidFill>
+                  <a:srgbClr val="000099"/>
+                </a:solidFill>
+                <a:latin typeface="Consolas" charset="0"/>
+                <a:ea typeface="Consolas" charset="0"/>
+                <a:cs typeface="Consolas" charset="0"/>
+              </a:rPr>
+              <a:t>;</a:t>
+            </a:r>
+          </a:p>
+          <a:p>
+            <a:pPr defTabSz="461963"/>
+            <a:r>
+              <a:rPr lang="en-US" sz="2400" dirty="0">
+                <a:solidFill>
+                  <a:srgbClr val="000099"/>
+                </a:solidFill>
+                <a:latin typeface="Consolas" charset="0"/>
+                <a:ea typeface="Consolas" charset="0"/>
+                <a:cs typeface="Consolas" charset="0"/>
+              </a:rPr>
+              <a:t>while (*</a:t>
+            </a:r>
+            <a:r>
+              <a:rPr lang="en-US" sz="2400" dirty="0" err="1">
+                <a:solidFill>
+                  <a:srgbClr val="000099"/>
+                </a:solidFill>
+                <a:latin typeface="Consolas" charset="0"/>
+                <a:ea typeface="Consolas" charset="0"/>
+                <a:cs typeface="Consolas" charset="0"/>
+              </a:rPr>
+              <a:t>ptr</a:t>
+            </a:r>
+            <a:r>
+              <a:rPr lang="en-US" sz="2400" dirty="0">
+                <a:solidFill>
+                  <a:srgbClr val="000099"/>
+                </a:solidFill>
+                <a:latin typeface="Consolas" charset="0"/>
+                <a:ea typeface="Consolas" charset="0"/>
+                <a:cs typeface="Consolas" charset="0"/>
+              </a:rPr>
+              <a:t> != ‘\0’) {</a:t>
+            </a:r>
+          </a:p>
+          <a:p>
+            <a:pPr defTabSz="461963"/>
+            <a:r>
+              <a:rPr lang="en-US" sz="2400" dirty="0">
+                <a:solidFill>
+                  <a:srgbClr val="000099"/>
+                </a:solidFill>
+                <a:latin typeface="Consolas" charset="0"/>
+                <a:ea typeface="Consolas" charset="0"/>
+                <a:cs typeface="Consolas" charset="0"/>
+              </a:rPr>
+              <a:t>	</a:t>
+            </a:r>
+            <a:r>
+              <a:rPr lang="en-US" sz="2400" dirty="0">
+                <a:solidFill>
+                  <a:srgbClr val="00B050"/>
+                </a:solidFill>
+                <a:latin typeface="Consolas" charset="0"/>
+                <a:ea typeface="Consolas" charset="0"/>
+                <a:cs typeface="Consolas" charset="0"/>
+              </a:rPr>
+              <a:t>//Process</a:t>
+            </a:r>
+          </a:p>
+          <a:p>
+            <a:pPr defTabSz="461963"/>
+            <a:r>
+              <a:rPr lang="en-US" sz="2400" dirty="0">
+                <a:solidFill>
+                  <a:srgbClr val="000099"/>
+                </a:solidFill>
+                <a:latin typeface="Consolas" charset="0"/>
+                <a:ea typeface="Consolas" charset="0"/>
+                <a:cs typeface="Consolas" charset="0"/>
+              </a:rPr>
+              <a:t>	…     …      …</a:t>
+            </a:r>
+          </a:p>
+          <a:p>
+            <a:pPr defTabSz="461963"/>
+            <a:r>
+              <a:rPr lang="en-US" sz="2400" dirty="0">
+                <a:solidFill>
+                  <a:srgbClr val="000099"/>
+                </a:solidFill>
+                <a:latin typeface="Consolas" charset="0"/>
+                <a:ea typeface="Consolas" charset="0"/>
+                <a:cs typeface="Consolas" charset="0"/>
+              </a:rPr>
+              <a:t>	</a:t>
+            </a:r>
+            <a:r>
+              <a:rPr lang="en-US" sz="2400" dirty="0">
+                <a:solidFill>
+                  <a:srgbClr val="00B050"/>
+                </a:solidFill>
+                <a:latin typeface="Consolas" charset="0"/>
+                <a:ea typeface="Consolas" charset="0"/>
+                <a:cs typeface="Consolas" charset="0"/>
+              </a:rPr>
+              <a:t>//Move to the next character in the string</a:t>
+            </a:r>
+          </a:p>
+          <a:p>
+            <a:pPr defTabSz="461963"/>
+            <a:r>
+              <a:rPr lang="en-US" sz="2400" dirty="0">
+                <a:solidFill>
+                  <a:srgbClr val="000099"/>
+                </a:solidFill>
+                <a:latin typeface="Consolas" charset="0"/>
+                <a:ea typeface="Consolas" charset="0"/>
+                <a:cs typeface="Consolas" charset="0"/>
+              </a:rPr>
+              <a:t>	</a:t>
+            </a:r>
+            <a:r>
+              <a:rPr lang="en-US" sz="2400" dirty="0" err="1">
+                <a:solidFill>
+                  <a:srgbClr val="000099"/>
+                </a:solidFill>
+                <a:latin typeface="Consolas" charset="0"/>
+                <a:ea typeface="Consolas" charset="0"/>
+                <a:cs typeface="Consolas" charset="0"/>
+              </a:rPr>
+              <a:t>ptr</a:t>
+            </a:r>
+            <a:r>
+              <a:rPr lang="en-US" sz="2400" dirty="0">
+                <a:solidFill>
+                  <a:srgbClr val="000099"/>
+                </a:solidFill>
+                <a:latin typeface="Consolas" charset="0"/>
+                <a:ea typeface="Consolas" charset="0"/>
+                <a:cs typeface="Consolas" charset="0"/>
+              </a:rPr>
+              <a:t>++;</a:t>
+            </a:r>
+          </a:p>
+          <a:p>
+            <a:pPr defTabSz="461963"/>
+            <a:r>
+              <a:rPr lang="en-US" sz="2400" dirty="0">
+                <a:solidFill>
+                  <a:srgbClr val="000099"/>
+                </a:solidFill>
+                <a:latin typeface="Consolas" charset="0"/>
+                <a:ea typeface="Consolas" charset="0"/>
+                <a:cs typeface="Consolas" charset="0"/>
+              </a:rPr>
+              <a:t>}</a:t>
+            </a:r>
+          </a:p>
+        </p:txBody>
+      </p:sp>
+    </p:spTree>
+    <p:extLst>
+      <p:ext uri="{BB962C8B-B14F-4D97-AF65-F5344CB8AC3E}">
+        <p14:creationId xmlns:p14="http://schemas.microsoft.com/office/powerpoint/2010/main" val="1801485491"/>
       </p:ext>
     </p:extLst>
   </p:cSld>
@@ -14635,12 +14534,344 @@
         </p:nvSpPr>
         <p:spPr/>
         <p:txBody>
-          <a:bodyPr/>
+          <a:bodyPr>
+            <a:normAutofit/>
+          </a:bodyPr>
           <a:lstStyle/>
           <a:p>
             <a:r>
               <a:rPr lang="en-US" dirty="0"/>
-              <a:t>Example</a:t>
+              <a:t>Accessing String Content</a:t>
+            </a:r>
+          </a:p>
+        </p:txBody>
+      </p:sp>
+      <p:sp>
+        <p:nvSpPr>
+          <p:cNvPr id="3" name="Content Placeholder 2"/>
+          <p:cNvSpPr>
+            <a:spLocks noGrp="1"/>
+          </p:cNvSpPr>
+          <p:nvPr>
+            <p:ph idx="1"/>
+          </p:nvPr>
+        </p:nvSpPr>
+        <p:spPr/>
+        <p:txBody>
+          <a:bodyPr>
+            <a:noAutofit/>
+          </a:bodyPr>
+          <a:lstStyle/>
+          <a:p>
+            <a:r>
+              <a:rPr lang="en-US" dirty="0"/>
+              <a:t>Use subscript or pointer</a:t>
+            </a:r>
+          </a:p>
+          <a:p>
+            <a:r>
+              <a:rPr lang="en-US" dirty="0"/>
+              <a:t>To declare a string parameter: pointer or array</a:t>
+            </a:r>
+          </a:p>
+          <a:p>
+            <a:pPr marL="857250" lvl="2" indent="0">
+              <a:buNone/>
+            </a:pPr>
+            <a:r>
+              <a:rPr lang="en-US" sz="2400" dirty="0" err="1">
+                <a:solidFill>
+                  <a:srgbClr val="000099"/>
+                </a:solidFill>
+                <a:latin typeface="Consolas" charset="0"/>
+                <a:ea typeface="Consolas" charset="0"/>
+                <a:cs typeface="Consolas" charset="0"/>
+              </a:rPr>
+              <a:t>int</a:t>
+            </a:r>
+            <a:r>
+              <a:rPr lang="en-US" sz="2400" dirty="0">
+                <a:solidFill>
+                  <a:srgbClr val="000099"/>
+                </a:solidFill>
+                <a:latin typeface="Consolas" charset="0"/>
+                <a:ea typeface="Consolas" charset="0"/>
+                <a:cs typeface="Consolas" charset="0"/>
+              </a:rPr>
+              <a:t> </a:t>
+            </a:r>
+            <a:r>
+              <a:rPr lang="en-US" sz="2400" dirty="0" err="1">
+                <a:solidFill>
+                  <a:srgbClr val="000099"/>
+                </a:solidFill>
+                <a:latin typeface="Consolas" charset="0"/>
+                <a:ea typeface="Consolas" charset="0"/>
+                <a:cs typeface="Consolas" charset="0"/>
+              </a:rPr>
+              <a:t>count_spaces</a:t>
+            </a:r>
+            <a:r>
+              <a:rPr lang="en-US" sz="2400" dirty="0">
+                <a:solidFill>
+                  <a:srgbClr val="000099"/>
+                </a:solidFill>
+                <a:latin typeface="Consolas" charset="0"/>
+                <a:ea typeface="Consolas" charset="0"/>
+                <a:cs typeface="Consolas" charset="0"/>
+              </a:rPr>
+              <a:t>(char *s);</a:t>
+            </a:r>
+          </a:p>
+          <a:p>
+            <a:pPr marL="857250" lvl="2" indent="0">
+              <a:buNone/>
+            </a:pPr>
+            <a:r>
+              <a:rPr lang="en-US" sz="2400" dirty="0" err="1">
+                <a:solidFill>
+                  <a:srgbClr val="000099"/>
+                </a:solidFill>
+                <a:latin typeface="Consolas" charset="0"/>
+                <a:ea typeface="Consolas" charset="0"/>
+                <a:cs typeface="Consolas" charset="0"/>
+              </a:rPr>
+              <a:t>int</a:t>
+            </a:r>
+            <a:r>
+              <a:rPr lang="en-US" sz="2400" dirty="0">
+                <a:solidFill>
+                  <a:srgbClr val="000099"/>
+                </a:solidFill>
+                <a:latin typeface="Consolas" charset="0"/>
+                <a:ea typeface="Consolas" charset="0"/>
+                <a:cs typeface="Consolas" charset="0"/>
+              </a:rPr>
+              <a:t> </a:t>
+            </a:r>
+            <a:r>
+              <a:rPr lang="en-US" sz="2400" dirty="0" err="1">
+                <a:solidFill>
+                  <a:srgbClr val="000099"/>
+                </a:solidFill>
+                <a:latin typeface="Consolas" charset="0"/>
+                <a:ea typeface="Consolas" charset="0"/>
+                <a:cs typeface="Consolas" charset="0"/>
+              </a:rPr>
+              <a:t>count_spaces</a:t>
+            </a:r>
+            <a:r>
+              <a:rPr lang="en-US" sz="2400" dirty="0">
+                <a:solidFill>
+                  <a:srgbClr val="000099"/>
+                </a:solidFill>
+                <a:latin typeface="Consolas" charset="0"/>
+                <a:ea typeface="Consolas" charset="0"/>
+                <a:cs typeface="Consolas" charset="0"/>
+              </a:rPr>
+              <a:t>(char s[ ]);</a:t>
+            </a:r>
+          </a:p>
+          <a:p>
+            <a:r>
+              <a:rPr lang="en-US" dirty="0"/>
+              <a:t>Can call </a:t>
+            </a:r>
+            <a:r>
+              <a:rPr lang="en-US" dirty="0" err="1"/>
+              <a:t>count_spaces</a:t>
+            </a:r>
+            <a:r>
+              <a:rPr lang="en-US" dirty="0"/>
+              <a:t> with pointer and array:</a:t>
+            </a:r>
+          </a:p>
+          <a:p>
+            <a:pPr marL="457200" lvl="1" indent="0">
+              <a:buNone/>
+            </a:pPr>
+            <a:r>
+              <a:rPr lang="en-US" sz="2000" dirty="0">
+                <a:latin typeface="Consolas" charset="0"/>
+                <a:ea typeface="Consolas" charset="0"/>
+                <a:cs typeface="Consolas" charset="0"/>
+              </a:rPr>
+              <a:t>	</a:t>
+            </a:r>
+            <a:r>
+              <a:rPr lang="en-US" sz="2000" dirty="0">
+                <a:solidFill>
+                  <a:srgbClr val="000099"/>
+                </a:solidFill>
+                <a:latin typeface="Consolas" charset="0"/>
+                <a:ea typeface="Consolas" charset="0"/>
+                <a:cs typeface="Consolas" charset="0"/>
+              </a:rPr>
+              <a:t>char </a:t>
+            </a:r>
+            <a:r>
+              <a:rPr lang="en-US" sz="2000" dirty="0" err="1">
+                <a:solidFill>
+                  <a:srgbClr val="000099"/>
+                </a:solidFill>
+                <a:latin typeface="Consolas" charset="0"/>
+                <a:ea typeface="Consolas" charset="0"/>
+                <a:cs typeface="Consolas" charset="0"/>
+              </a:rPr>
+              <a:t>str</a:t>
+            </a:r>
+            <a:r>
+              <a:rPr lang="en-US" sz="2000" dirty="0">
+                <a:solidFill>
+                  <a:srgbClr val="000099"/>
+                </a:solidFill>
+                <a:latin typeface="Consolas" charset="0"/>
+                <a:ea typeface="Consolas" charset="0"/>
+                <a:cs typeface="Consolas" charset="0"/>
+              </a:rPr>
+              <a:t>[ ] = “a </a:t>
+            </a:r>
+            <a:r>
+              <a:rPr lang="en-US" sz="2000" dirty="0" err="1">
+                <a:solidFill>
+                  <a:srgbClr val="000099"/>
+                </a:solidFill>
+                <a:latin typeface="Consolas" charset="0"/>
+                <a:ea typeface="Consolas" charset="0"/>
+                <a:cs typeface="Consolas" charset="0"/>
+              </a:rPr>
+              <a:t>bc</a:t>
+            </a:r>
+            <a:r>
+              <a:rPr lang="en-US" sz="2000" dirty="0">
+                <a:solidFill>
+                  <a:srgbClr val="000099"/>
+                </a:solidFill>
+                <a:latin typeface="Consolas" charset="0"/>
+                <a:ea typeface="Consolas" charset="0"/>
+                <a:cs typeface="Consolas" charset="0"/>
+              </a:rPr>
+              <a:t> d e”, *p = </a:t>
+            </a:r>
+            <a:r>
+              <a:rPr lang="en-US" sz="2000" dirty="0" err="1">
+                <a:solidFill>
+                  <a:srgbClr val="000099"/>
+                </a:solidFill>
+                <a:latin typeface="Consolas" charset="0"/>
+                <a:ea typeface="Consolas" charset="0"/>
+                <a:cs typeface="Consolas" charset="0"/>
+              </a:rPr>
+              <a:t>str</a:t>
+            </a:r>
+            <a:r>
+              <a:rPr lang="en-US" sz="2000" dirty="0">
+                <a:solidFill>
+                  <a:srgbClr val="000099"/>
+                </a:solidFill>
+                <a:latin typeface="Consolas" charset="0"/>
+                <a:ea typeface="Consolas" charset="0"/>
+                <a:cs typeface="Consolas" charset="0"/>
+              </a:rPr>
+              <a:t>;</a:t>
+            </a:r>
+          </a:p>
+          <a:p>
+            <a:pPr marL="457200" lvl="1" indent="0">
+              <a:buNone/>
+            </a:pPr>
+            <a:r>
+              <a:rPr lang="en-US" sz="2000" dirty="0">
+                <a:solidFill>
+                  <a:srgbClr val="000099"/>
+                </a:solidFill>
+                <a:latin typeface="Consolas" charset="0"/>
+                <a:ea typeface="Consolas" charset="0"/>
+                <a:cs typeface="Consolas" charset="0"/>
+              </a:rPr>
+              <a:t>	</a:t>
+            </a:r>
+            <a:r>
+              <a:rPr lang="en-US" sz="2000" dirty="0" err="1">
+                <a:solidFill>
+                  <a:srgbClr val="000099"/>
+                </a:solidFill>
+                <a:latin typeface="Consolas" charset="0"/>
+                <a:ea typeface="Consolas" charset="0"/>
+                <a:cs typeface="Consolas" charset="0"/>
+              </a:rPr>
+              <a:t>count_spaces</a:t>
+            </a:r>
+            <a:r>
+              <a:rPr lang="en-US" sz="2000" dirty="0">
+                <a:solidFill>
+                  <a:srgbClr val="000099"/>
+                </a:solidFill>
+                <a:latin typeface="Consolas" charset="0"/>
+                <a:ea typeface="Consolas" charset="0"/>
+                <a:cs typeface="Consolas" charset="0"/>
+              </a:rPr>
+              <a:t>(</a:t>
+            </a:r>
+            <a:r>
+              <a:rPr lang="en-US" sz="2000" dirty="0" err="1">
+                <a:solidFill>
+                  <a:srgbClr val="000099"/>
+                </a:solidFill>
+                <a:latin typeface="Consolas" charset="0"/>
+                <a:ea typeface="Consolas" charset="0"/>
+                <a:cs typeface="Consolas" charset="0"/>
+              </a:rPr>
+              <a:t>str</a:t>
+            </a:r>
+            <a:r>
+              <a:rPr lang="en-US" sz="2000" dirty="0">
+                <a:solidFill>
+                  <a:srgbClr val="000099"/>
+                </a:solidFill>
+                <a:latin typeface="Consolas" charset="0"/>
+                <a:ea typeface="Consolas" charset="0"/>
+                <a:cs typeface="Consolas" charset="0"/>
+              </a:rPr>
+              <a:t>);</a:t>
+            </a:r>
+          </a:p>
+          <a:p>
+            <a:pPr marL="457200" lvl="1" indent="0">
+              <a:buNone/>
+            </a:pPr>
+            <a:r>
+              <a:rPr lang="en-US" sz="2000" dirty="0">
+                <a:solidFill>
+                  <a:srgbClr val="000099"/>
+                </a:solidFill>
+                <a:latin typeface="Consolas" charset="0"/>
+                <a:ea typeface="Consolas" charset="0"/>
+                <a:cs typeface="Consolas" charset="0"/>
+              </a:rPr>
+              <a:t>	</a:t>
+            </a:r>
+            <a:r>
+              <a:rPr lang="en-US" sz="2000" dirty="0" err="1">
+                <a:solidFill>
+                  <a:srgbClr val="000099"/>
+                </a:solidFill>
+                <a:latin typeface="Consolas" charset="0"/>
+                <a:ea typeface="Consolas" charset="0"/>
+                <a:cs typeface="Consolas" charset="0"/>
+              </a:rPr>
+              <a:t>count_spaces</a:t>
+            </a:r>
+            <a:r>
+              <a:rPr lang="en-US" sz="2000" dirty="0">
+                <a:solidFill>
+                  <a:srgbClr val="000099"/>
+                </a:solidFill>
+                <a:latin typeface="Consolas" charset="0"/>
+                <a:ea typeface="Consolas" charset="0"/>
+                <a:cs typeface="Consolas" charset="0"/>
+              </a:rPr>
+              <a:t>(p); </a:t>
             </a:r>
           </a:p>
         </p:txBody>
@@ -14669,241 +14900,10 @@
           </a:p>
         </p:txBody>
       </p:sp>
-      <p:sp>
-        <p:nvSpPr>
-          <p:cNvPr id="5" name="TextBox 4"/>
-          <p:cNvSpPr txBox="1"/>
-          <p:nvPr/>
-        </p:nvSpPr>
-        <p:spPr>
-          <a:xfrm>
-            <a:off x="152400" y="1981200"/>
-            <a:ext cx="8153400" cy="2677656"/>
-          </a:xfrm>
-          <a:prstGeom prst="rect">
-            <a:avLst/>
-          </a:prstGeom>
-          <a:noFill/>
-        </p:spPr>
-        <p:txBody>
-          <a:bodyPr wrap="square" rtlCol="0">
-            <a:spAutoFit/>
-          </a:bodyPr>
-          <a:lstStyle/>
-          <a:p>
-            <a:pPr defTabSz="461963"/>
-            <a:r>
-              <a:rPr lang="en-US" sz="2400" dirty="0">
-                <a:solidFill>
-                  <a:srgbClr val="000099"/>
-                </a:solidFill>
-                <a:latin typeface="Consolas" charset="0"/>
-                <a:ea typeface="Consolas" charset="0"/>
-                <a:cs typeface="Consolas" charset="0"/>
-              </a:rPr>
-              <a:t>char *</a:t>
-            </a:r>
-            <a:r>
-              <a:rPr lang="en-US" sz="2400" dirty="0" err="1">
-                <a:solidFill>
-                  <a:srgbClr val="000099"/>
-                </a:solidFill>
-                <a:latin typeface="Consolas" charset="0"/>
-                <a:ea typeface="Consolas" charset="0"/>
-                <a:cs typeface="Consolas" charset="0"/>
-              </a:rPr>
-              <a:t>ptr</a:t>
-            </a:r>
-            <a:r>
-              <a:rPr lang="en-US" sz="2400" dirty="0">
-                <a:solidFill>
-                  <a:srgbClr val="000099"/>
-                </a:solidFill>
-                <a:latin typeface="Consolas" charset="0"/>
-                <a:ea typeface="Consolas" charset="0"/>
-                <a:cs typeface="Consolas" charset="0"/>
-              </a:rPr>
-              <a:t> = </a:t>
-            </a:r>
-            <a:r>
-              <a:rPr lang="en-US" sz="2400" dirty="0" err="1">
-                <a:solidFill>
-                  <a:srgbClr val="000099"/>
-                </a:solidFill>
-                <a:latin typeface="Consolas" charset="0"/>
-                <a:ea typeface="Consolas" charset="0"/>
-                <a:cs typeface="Consolas" charset="0"/>
-              </a:rPr>
-              <a:t>upperStr</a:t>
-            </a:r>
-            <a:r>
-              <a:rPr lang="en-US" sz="2400" dirty="0">
-                <a:solidFill>
-                  <a:srgbClr val="000099"/>
-                </a:solidFill>
-                <a:latin typeface="Consolas" charset="0"/>
-                <a:ea typeface="Consolas" charset="0"/>
-                <a:cs typeface="Consolas" charset="0"/>
-              </a:rPr>
-              <a:t>;</a:t>
-            </a:r>
-          </a:p>
-          <a:p>
-            <a:pPr defTabSz="461963"/>
-            <a:r>
-              <a:rPr lang="en-US" sz="2400" dirty="0">
-                <a:solidFill>
-                  <a:srgbClr val="000099"/>
-                </a:solidFill>
-                <a:latin typeface="Consolas" charset="0"/>
-                <a:ea typeface="Consolas" charset="0"/>
-                <a:cs typeface="Consolas" charset="0"/>
-              </a:rPr>
-              <a:t>while (*</a:t>
-            </a:r>
-            <a:r>
-              <a:rPr lang="en-US" sz="2400" dirty="0" err="1">
-                <a:solidFill>
-                  <a:srgbClr val="000099"/>
-                </a:solidFill>
-                <a:latin typeface="Consolas" charset="0"/>
-                <a:ea typeface="Consolas" charset="0"/>
-                <a:cs typeface="Consolas" charset="0"/>
-              </a:rPr>
-              <a:t>ptr</a:t>
-            </a:r>
-            <a:r>
-              <a:rPr lang="en-US" sz="2400" dirty="0">
-                <a:solidFill>
-                  <a:srgbClr val="000099"/>
-                </a:solidFill>
-                <a:latin typeface="Consolas" charset="0"/>
-                <a:ea typeface="Consolas" charset="0"/>
-                <a:cs typeface="Consolas" charset="0"/>
-              </a:rPr>
-              <a:t> != ‘\0’) {</a:t>
-            </a:r>
-          </a:p>
-          <a:p>
-            <a:pPr defTabSz="461963"/>
-            <a:r>
-              <a:rPr lang="en-US" sz="2400" dirty="0">
-                <a:solidFill>
-                  <a:srgbClr val="000099"/>
-                </a:solidFill>
-                <a:latin typeface="Consolas" charset="0"/>
-                <a:ea typeface="Consolas" charset="0"/>
-                <a:cs typeface="Consolas" charset="0"/>
-              </a:rPr>
-              <a:t>	</a:t>
-            </a:r>
-            <a:r>
-              <a:rPr lang="en-US" sz="2400" dirty="0">
-                <a:solidFill>
-                  <a:srgbClr val="00B050"/>
-                </a:solidFill>
-                <a:latin typeface="Consolas" charset="0"/>
-                <a:ea typeface="Consolas" charset="0"/>
-                <a:cs typeface="Consolas" charset="0"/>
-              </a:rPr>
-              <a:t>//Process</a:t>
-            </a:r>
-          </a:p>
-          <a:p>
-            <a:pPr defTabSz="461963"/>
-            <a:r>
-              <a:rPr lang="en-US" sz="2400" dirty="0">
-                <a:solidFill>
-                  <a:srgbClr val="000099"/>
-                </a:solidFill>
-                <a:latin typeface="Consolas" charset="0"/>
-                <a:ea typeface="Consolas" charset="0"/>
-                <a:cs typeface="Consolas" charset="0"/>
-              </a:rPr>
-              <a:t>	…     …      …</a:t>
-            </a:r>
-          </a:p>
-          <a:p>
-            <a:pPr defTabSz="461963"/>
-            <a:r>
-              <a:rPr lang="en-US" sz="2400" dirty="0">
-                <a:solidFill>
-                  <a:srgbClr val="000099"/>
-                </a:solidFill>
-                <a:latin typeface="Consolas" charset="0"/>
-                <a:ea typeface="Consolas" charset="0"/>
-                <a:cs typeface="Consolas" charset="0"/>
-              </a:rPr>
-              <a:t>	</a:t>
-            </a:r>
-            <a:r>
-              <a:rPr lang="en-US" sz="2400" dirty="0">
-                <a:solidFill>
-                  <a:srgbClr val="00B050"/>
-                </a:solidFill>
-                <a:latin typeface="Consolas" charset="0"/>
-                <a:ea typeface="Consolas" charset="0"/>
-                <a:cs typeface="Consolas" charset="0"/>
-              </a:rPr>
-              <a:t>//Move to the next character in the string</a:t>
-            </a:r>
-          </a:p>
-          <a:p>
-            <a:pPr defTabSz="461963"/>
-            <a:r>
-              <a:rPr lang="en-US" sz="2400" dirty="0">
-                <a:solidFill>
-                  <a:srgbClr val="000099"/>
-                </a:solidFill>
-                <a:latin typeface="Consolas" charset="0"/>
-                <a:ea typeface="Consolas" charset="0"/>
-                <a:cs typeface="Consolas" charset="0"/>
-              </a:rPr>
-              <a:t>	</a:t>
-            </a:r>
-            <a:r>
-              <a:rPr lang="en-US" sz="2400" dirty="0" err="1">
-                <a:solidFill>
-                  <a:srgbClr val="000099"/>
-                </a:solidFill>
-                <a:latin typeface="Consolas" charset="0"/>
-                <a:ea typeface="Consolas" charset="0"/>
-                <a:cs typeface="Consolas" charset="0"/>
-              </a:rPr>
-              <a:t>ptr</a:t>
-            </a:r>
-            <a:r>
-              <a:rPr lang="en-US" sz="2400" dirty="0">
-                <a:solidFill>
-                  <a:srgbClr val="000099"/>
-                </a:solidFill>
-                <a:latin typeface="Consolas" charset="0"/>
-                <a:ea typeface="Consolas" charset="0"/>
-                <a:cs typeface="Consolas" charset="0"/>
-              </a:rPr>
-              <a:t>++;</a:t>
-            </a:r>
-          </a:p>
-          <a:p>
-            <a:pPr defTabSz="461963"/>
-            <a:r>
-              <a:rPr lang="en-US" sz="2400" dirty="0">
-                <a:solidFill>
-                  <a:srgbClr val="000099"/>
-                </a:solidFill>
-                <a:latin typeface="Consolas" charset="0"/>
-                <a:ea typeface="Consolas" charset="0"/>
-                <a:cs typeface="Consolas" charset="0"/>
-              </a:rPr>
-              <a:t>}</a:t>
-            </a:r>
-          </a:p>
-        </p:txBody>
-      </p:sp>
     </p:spTree>
     <p:extLst>
       <p:ext uri="{BB962C8B-B14F-4D97-AF65-F5344CB8AC3E}">
-        <p14:creationId xmlns:p14="http://schemas.microsoft.com/office/powerpoint/2010/main" val="1801485491"/>
+        <p14:creationId xmlns:p14="http://schemas.microsoft.com/office/powerpoint/2010/main" val="3701284947"/>
       </p:ext>
     </p:extLst>
   </p:cSld>
@@ -20022,7 +20022,7 @@
         </p:spPr>
         <p:txBody>
           <a:bodyPr vert="horz" lIns="91440" tIns="45720" rIns="91440" bIns="45720" rtlCol="0">
-            <a:normAutofit fontScale="85000" lnSpcReduction="20000"/>
+            <a:normAutofit fontScale="92500" lnSpcReduction="10000"/>
           </a:bodyPr>
           <a:lstStyle>
             <a:lvl1pPr marL="342900" indent="-342900" algn="l" defTabSz="914400" rtl="0" eaLnBrk="1" latinLnBrk="0" hangingPunct="1">
@@ -20213,21 +20213,17 @@
             </a:r>
           </a:p>
           <a:p>
-            <a:pPr marL="742950" indent="-742950">
-              <a:buFont typeface="+mj-lt"/>
-              <a:buAutoNum type="arabicPeriod"/>
+            <a:pPr marL="0" indent="0">
+              <a:buNone/>
             </a:pPr>
-            <a:r>
-              <a:rPr lang="en-US" sz="3600" dirty="0">
-                <a:solidFill>
-                  <a:srgbClr val="F21AF1"/>
-                </a:solidFill>
-                <a:latin typeface="Consolas" charset="0"/>
-                <a:ea typeface="Consolas" charset="0"/>
-                <a:cs typeface="Consolas" charset="0"/>
-              </a:rPr>
-              <a:t>Not really</a:t>
-            </a:r>
+            <a:endParaRPr lang="en-US" sz="3600" dirty="0">
+              <a:solidFill>
+                <a:srgbClr val="F21AF1"/>
+              </a:solidFill>
+              <a:latin typeface="Consolas" charset="0"/>
+              <a:ea typeface="Consolas" charset="0"/>
+              <a:cs typeface="Consolas" charset="0"/>
+            </a:endParaRPr>
           </a:p>
         </p:txBody>
       </p:sp>
@@ -21576,7 +21572,7 @@
                   <a:schemeClr val="bg1"/>
                 </a:solidFill>
               </a:rPr>
-              <a:t>Does the following code copy an string?</a:t>
+              <a:t>Does the following code copy a string?</a:t>
             </a:r>
           </a:p>
         </p:txBody>

--- a/Lectures/cse220-14-strings.pptx
+++ b/Lectures/cse220-14-strings.pptx
@@ -5,7 +5,7 @@
     <p:sldMasterId id="2147483690" r:id="rId1"/>
   </p:sldMasterIdLst>
   <p:notesMasterIdLst>
-    <p:notesMasterId r:id="rId40"/>
+    <p:notesMasterId r:id="rId41"/>
   </p:notesMasterIdLst>
   <p:sldIdLst>
     <p:sldId id="531" r:id="rId2"/>
@@ -20,32 +20,33 @@
     <p:sldId id="538" r:id="rId11"/>
     <p:sldId id="564" r:id="rId12"/>
     <p:sldId id="557" r:id="rId13"/>
-    <p:sldId id="539" r:id="rId14"/>
-    <p:sldId id="540" r:id="rId15"/>
-    <p:sldId id="541" r:id="rId16"/>
-    <p:sldId id="559" r:id="rId17"/>
-    <p:sldId id="542" r:id="rId18"/>
-    <p:sldId id="560" r:id="rId19"/>
-    <p:sldId id="558" r:id="rId20"/>
-    <p:sldId id="543" r:id="rId21"/>
-    <p:sldId id="546" r:id="rId22"/>
-    <p:sldId id="547" r:id="rId23"/>
-    <p:sldId id="548" r:id="rId24"/>
-    <p:sldId id="549" r:id="rId25"/>
-    <p:sldId id="545" r:id="rId26"/>
-    <p:sldId id="550" r:id="rId27"/>
-    <p:sldId id="561" r:id="rId28"/>
-    <p:sldId id="551" r:id="rId29"/>
-    <p:sldId id="552" r:id="rId30"/>
-    <p:sldId id="553" r:id="rId31"/>
-    <p:sldId id="562" r:id="rId32"/>
-    <p:sldId id="554" r:id="rId33"/>
-    <p:sldId id="555" r:id="rId34"/>
-    <p:sldId id="556" r:id="rId35"/>
-    <p:sldId id="527" r:id="rId36"/>
-    <p:sldId id="528" r:id="rId37"/>
-    <p:sldId id="565" r:id="rId38"/>
-    <p:sldId id="566" r:id="rId39"/>
+    <p:sldId id="567" r:id="rId14"/>
+    <p:sldId id="539" r:id="rId15"/>
+    <p:sldId id="540" r:id="rId16"/>
+    <p:sldId id="541" r:id="rId17"/>
+    <p:sldId id="559" r:id="rId18"/>
+    <p:sldId id="542" r:id="rId19"/>
+    <p:sldId id="560" r:id="rId20"/>
+    <p:sldId id="558" r:id="rId21"/>
+    <p:sldId id="543" r:id="rId22"/>
+    <p:sldId id="546" r:id="rId23"/>
+    <p:sldId id="547" r:id="rId24"/>
+    <p:sldId id="548" r:id="rId25"/>
+    <p:sldId id="549" r:id="rId26"/>
+    <p:sldId id="545" r:id="rId27"/>
+    <p:sldId id="550" r:id="rId28"/>
+    <p:sldId id="561" r:id="rId29"/>
+    <p:sldId id="551" r:id="rId30"/>
+    <p:sldId id="552" r:id="rId31"/>
+    <p:sldId id="553" r:id="rId32"/>
+    <p:sldId id="562" r:id="rId33"/>
+    <p:sldId id="554" r:id="rId34"/>
+    <p:sldId id="555" r:id="rId35"/>
+    <p:sldId id="556" r:id="rId36"/>
+    <p:sldId id="527" r:id="rId37"/>
+    <p:sldId id="528" r:id="rId38"/>
+    <p:sldId id="565" r:id="rId39"/>
+    <p:sldId id="566" r:id="rId40"/>
   </p:sldIdLst>
   <p:sldSz cx="9144000" cy="6858000" type="screen4x3"/>
   <p:notesSz cx="7315200" cy="9601200"/>
@@ -246,7 +247,7 @@
             <a:fld id="{5FFCA113-0588-4274-BF6F-5C1EF80E94D3}" type="datetimeFigureOut">
               <a:rPr lang="en-US" smtClean="0"/>
               <a:pPr/>
-              <a:t>11/1/20</a:t>
+              <a:t>11/4/20</a:t>
             </a:fld>
             <a:endParaRPr lang="en-US"/>
           </a:p>
@@ -808,7 +809,7 @@
           <a:p>
             <a:fld id="{33F808F0-913D-477A-9CA6-F18B965E45CF}" type="datetime1">
               <a:rPr lang="en-US" smtClean="0"/>
-              <a:t>11/1/20</a:t>
+              <a:t>11/4/20</a:t>
             </a:fld>
             <a:endParaRPr lang="en-US"/>
           </a:p>
@@ -1010,7 +1011,7 @@
           <a:p>
             <a:fld id="{F876455D-377A-4D1E-B670-E39358B7E717}" type="datetime1">
               <a:rPr lang="en-US" smtClean="0"/>
-              <a:t>11/1/20</a:t>
+              <a:t>11/4/20</a:t>
             </a:fld>
             <a:endParaRPr lang="en-US"/>
           </a:p>
@@ -1195,7 +1196,7 @@
           <a:p>
             <a:fld id="{D0B4FA99-918F-4F8A-B9C1-3067B0137FB2}" type="datetime1">
               <a:rPr lang="en-US" smtClean="0"/>
-              <a:t>11/1/20</a:t>
+              <a:t>11/4/20</a:t>
             </a:fld>
             <a:endParaRPr lang="en-US"/>
           </a:p>
@@ -1375,7 +1376,7 @@
           <a:p>
             <a:fld id="{63934DF3-3970-42FB-90D2-A9B99EA4895D}" type="datetime1">
               <a:rPr lang="en-US" smtClean="0"/>
-              <a:t>11/1/20</a:t>
+              <a:t>11/4/20</a:t>
             </a:fld>
             <a:endParaRPr lang="en-US" dirty="0"/>
           </a:p>
@@ -1630,7 +1631,7 @@
           <a:p>
             <a:fld id="{D5B9A1E4-22D3-42A9-8BE0-61674E6AF57E}" type="datetime1">
               <a:rPr lang="en-US" smtClean="0"/>
-              <a:t>11/1/20</a:t>
+              <a:t>11/4/20</a:t>
             </a:fld>
             <a:endParaRPr lang="en-US"/>
           </a:p>
@@ -1966,7 +1967,7 @@
           <a:p>
             <a:fld id="{024F3097-9EFE-4D82-AC52-9D1E9CD75C0B}" type="datetime1">
               <a:rPr lang="en-US" smtClean="0"/>
-              <a:t>11/1/20</a:t>
+              <a:t>11/4/20</a:t>
             </a:fld>
             <a:endParaRPr lang="en-US" dirty="0"/>
           </a:p>
@@ -2393,7 +2394,7 @@
           <a:p>
             <a:fld id="{1F2D1777-7662-4FEC-BEC3-810ADE438E61}" type="datetime1">
               <a:rPr lang="en-US" smtClean="0"/>
-              <a:t>11/1/20</a:t>
+              <a:t>11/4/20</a:t>
             </a:fld>
             <a:endParaRPr lang="en-US"/>
           </a:p>
@@ -2516,7 +2517,7 @@
           <a:p>
             <a:fld id="{8B3A19C1-2605-4D7A-B7AE-B9C46F829AB4}" type="datetime1">
               <a:rPr lang="en-US" smtClean="0"/>
-              <a:t>11/1/20</a:t>
+              <a:t>11/4/20</a:t>
             </a:fld>
             <a:endParaRPr lang="en-US"/>
           </a:p>
@@ -2616,7 +2617,7 @@
           <a:p>
             <a:fld id="{7F3EB4FF-F681-4C4B-B5A3-2E84619FD695}" type="datetime1">
               <a:rPr lang="en-US" smtClean="0"/>
-              <a:t>11/1/20</a:t>
+              <a:t>11/4/20</a:t>
             </a:fld>
             <a:endParaRPr lang="en-US"/>
           </a:p>
@@ -2908,7 +2909,7 @@
           <a:p>
             <a:fld id="{789FCD9B-598C-4B8C-9A44-38ABFA66C3CA}" type="datetime1">
               <a:rPr lang="en-US" smtClean="0"/>
-              <a:t>11/1/20</a:t>
+              <a:t>11/4/20</a:t>
             </a:fld>
             <a:endParaRPr lang="en-US"/>
           </a:p>
@@ -3238,7 +3239,7 @@
           <a:p>
             <a:fld id="{12B69455-5397-4708-A123-B7BEC8168560}" type="datetime1">
               <a:rPr lang="en-US" smtClean="0"/>
-              <a:t>11/1/20</a:t>
+              <a:t>11/4/20</a:t>
             </a:fld>
             <a:endParaRPr lang="en-US"/>
           </a:p>
@@ -3497,7 +3498,7 @@
           <a:p>
             <a:fld id="{A56FC23F-F40F-4A49-BC09-A880359CAB63}" type="datetime1">
               <a:rPr lang="en-US" smtClean="0"/>
-              <a:t>11/1/20</a:t>
+              <a:t>11/4/20</a:t>
             </a:fld>
             <a:endParaRPr lang="en-US"/>
           </a:p>
@@ -7195,6 +7196,134 @@
       </p:grpSpPr>
       <p:sp>
         <p:nvSpPr>
+          <p:cNvPr id="2" name="Title 1">
+            <a:extLst>
+              <a:ext uri="{FF2B5EF4-FFF2-40B4-BE49-F238E27FC236}">
+                <a16:creationId xmlns:a16="http://schemas.microsoft.com/office/drawing/2014/main" id="{F18B4488-A510-C845-BF15-21F821369BC5}"/>
+              </a:ext>
+            </a:extLst>
+          </p:cNvPr>
+          <p:cNvSpPr>
+            <a:spLocks noGrp="1"/>
+          </p:cNvSpPr>
+          <p:nvPr>
+            <p:ph type="title"/>
+          </p:nvPr>
+        </p:nvSpPr>
+        <p:spPr/>
+        <p:txBody>
+          <a:bodyPr/>
+          <a:lstStyle/>
+          <a:p>
+            <a:r>
+              <a:rPr lang="en-CN" dirty="0"/>
+              <a:t>Exam</a:t>
+            </a:r>
+          </a:p>
+        </p:txBody>
+      </p:sp>
+      <p:sp>
+        <p:nvSpPr>
+          <p:cNvPr id="3" name="Content Placeholder 2">
+            <a:extLst>
+              <a:ext uri="{FF2B5EF4-FFF2-40B4-BE49-F238E27FC236}">
+                <a16:creationId xmlns:a16="http://schemas.microsoft.com/office/drawing/2014/main" id="{3CE1202A-17CE-1042-823F-665BDCF3B1CF}"/>
+              </a:ext>
+            </a:extLst>
+          </p:cNvPr>
+          <p:cNvSpPr>
+            <a:spLocks noGrp="1"/>
+          </p:cNvSpPr>
+          <p:nvPr>
+            <p:ph idx="1"/>
+          </p:nvPr>
+        </p:nvSpPr>
+        <p:spPr/>
+        <p:txBody>
+          <a:bodyPr/>
+          <a:lstStyle/>
+          <a:p>
+            <a:r>
+              <a:rPr lang="en-CN" dirty="0"/>
+              <a:t>The keys of two exam samples are uploaded.</a:t>
+            </a:r>
+          </a:p>
+          <a:p>
+            <a:r>
+              <a:rPr lang="en-CN" dirty="0"/>
+              <a:t>Review some problems next Monday.</a:t>
+            </a:r>
+          </a:p>
+          <a:p>
+            <a:r>
+              <a:rPr lang="en-CN" dirty="0"/>
+              <a:t>Earn at least 9 points (50% of the total 18 points).</a:t>
+            </a:r>
+          </a:p>
+        </p:txBody>
+      </p:sp>
+      <p:sp>
+        <p:nvSpPr>
+          <p:cNvPr id="4" name="Slide Number Placeholder 3">
+            <a:extLst>
+              <a:ext uri="{FF2B5EF4-FFF2-40B4-BE49-F238E27FC236}">
+                <a16:creationId xmlns:a16="http://schemas.microsoft.com/office/drawing/2014/main" id="{F6E42560-C7D8-844D-8F24-C8CDC25F9FBB}"/>
+              </a:ext>
+            </a:extLst>
+          </p:cNvPr>
+          <p:cNvSpPr>
+            <a:spLocks noGrp="1"/>
+          </p:cNvSpPr>
+          <p:nvPr>
+            <p:ph type="sldNum" sz="quarter" idx="12"/>
+          </p:nvPr>
+        </p:nvSpPr>
+        <p:spPr/>
+        <p:txBody>
+          <a:bodyPr/>
+          <a:lstStyle/>
+          <a:p>
+            <a:fld id="{B6F15528-21DE-4FAA-801E-634DDDAF4B2B}" type="slidenum">
+              <a:rPr lang="en-US" smtClean="0"/>
+              <a:pPr/>
+              <a:t>13</a:t>
+            </a:fld>
+            <a:endParaRPr lang="en-US" dirty="0"/>
+          </a:p>
+        </p:txBody>
+      </p:sp>
+    </p:spTree>
+    <p:extLst>
+      <p:ext uri="{BB962C8B-B14F-4D97-AF65-F5344CB8AC3E}">
+        <p14:creationId xmlns:p14="http://schemas.microsoft.com/office/powerpoint/2010/main" val="2015824839"/>
+      </p:ext>
+    </p:extLst>
+  </p:cSld>
+  <p:clrMapOvr>
+    <a:masterClrMapping/>
+  </p:clrMapOvr>
+</p:sld>
+</file>
+
+<file path=ppt/slides/slide14.xml><?xml version="1.0" encoding="utf-8"?>
+<p:sld xmlns:a="http://schemas.openxmlformats.org/drawingml/2006/main" xmlns:r="http://schemas.openxmlformats.org/officeDocument/2006/relationships" xmlns:p="http://schemas.openxmlformats.org/presentationml/2006/main">
+  <p:cSld>
+    <p:spTree>
+      <p:nvGrpSpPr>
+        <p:cNvPr id="1" name=""/>
+        <p:cNvGrpSpPr/>
+        <p:nvPr/>
+      </p:nvGrpSpPr>
+      <p:grpSpPr>
+        <a:xfrm>
+          <a:off x="0" y="0"/>
+          <a:ext cx="0" cy="0"/>
+          <a:chOff x="0" y="0"/>
+          <a:chExt cx="0" cy="0"/>
+        </a:xfrm>
+      </p:grpSpPr>
+      <p:sp>
+        <p:nvSpPr>
           <p:cNvPr id="2" name="Title 1"/>
           <p:cNvSpPr>
             <a:spLocks noGrp="1"/>
@@ -7260,7 +7389,7 @@
             <a:fld id="{B6F15528-21DE-4FAA-801E-634DDDAF4B2B}" type="slidenum">
               <a:rPr lang="en-US" smtClean="0"/>
               <a:pPr/>
-              <a:t>13</a:t>
+              <a:t>14</a:t>
             </a:fld>
             <a:endParaRPr lang="en-US" dirty="0"/>
           </a:p>
@@ -7861,7 +7990,7 @@
 </p:sld>
 </file>
 
-<file path=ppt/slides/slide14.xml><?xml version="1.0" encoding="utf-8"?>
+<file path=ppt/slides/slide15.xml><?xml version="1.0" encoding="utf-8"?>
 <p:sld xmlns:a="http://schemas.openxmlformats.org/drawingml/2006/main" xmlns:r="http://schemas.openxmlformats.org/officeDocument/2006/relationships" xmlns:p="http://schemas.openxmlformats.org/presentationml/2006/main">
   <p:cSld>
     <p:spTree>
@@ -8185,7 +8314,7 @@
             <a:fld id="{B6F15528-21DE-4FAA-801E-634DDDAF4B2B}" type="slidenum">
               <a:rPr lang="en-US" smtClean="0"/>
               <a:pPr/>
-              <a:t>14</a:t>
+              <a:t>15</a:t>
             </a:fld>
             <a:endParaRPr lang="en-US" dirty="0"/>
           </a:p>
@@ -8204,7 +8333,7 @@
 </p:sld>
 </file>
 
-<file path=ppt/slides/slide15.xml><?xml version="1.0" encoding="utf-8"?>
+<file path=ppt/slides/slide16.xml><?xml version="1.0" encoding="utf-8"?>
 <p:sld xmlns:a="http://schemas.openxmlformats.org/drawingml/2006/main" xmlns:r="http://schemas.openxmlformats.org/officeDocument/2006/relationships" xmlns:p="http://schemas.openxmlformats.org/presentationml/2006/main">
   <p:cSld>
     <p:spTree>
@@ -8440,7 +8569,7 @@
             <a:fld id="{B6F15528-21DE-4FAA-801E-634DDDAF4B2B}" type="slidenum">
               <a:rPr lang="en-US" smtClean="0"/>
               <a:pPr/>
-              <a:t>15</a:t>
+              <a:t>16</a:t>
             </a:fld>
             <a:endParaRPr lang="en-US" dirty="0"/>
           </a:p>
@@ -8459,7 +8588,7 @@
 </p:sld>
 </file>
 
-<file path=ppt/slides/slide16.xml><?xml version="1.0" encoding="utf-8"?>
+<file path=ppt/slides/slide17.xml><?xml version="1.0" encoding="utf-8"?>
 <p:sld xmlns:a="http://schemas.openxmlformats.org/drawingml/2006/main" xmlns:r="http://schemas.openxmlformats.org/officeDocument/2006/relationships" xmlns:p="http://schemas.openxmlformats.org/presentationml/2006/main">
   <p:cSld>
     <p:spTree>
@@ -8604,7 +8733,7 @@
             <a:fld id="{B6F15528-21DE-4FAA-801E-634DDDAF4B2B}" type="slidenum">
               <a:rPr lang="en-US" smtClean="0"/>
               <a:pPr/>
-              <a:t>16</a:t>
+              <a:t>17</a:t>
             </a:fld>
             <a:endParaRPr lang="en-US" dirty="0"/>
           </a:p>
@@ -9054,7 +9183,7 @@
 </p:sld>
 </file>
 
-<file path=ppt/slides/slide17.xml><?xml version="1.0" encoding="utf-8"?>
+<file path=ppt/slides/slide18.xml><?xml version="1.0" encoding="utf-8"?>
 <p:sld xmlns:a="http://schemas.openxmlformats.org/drawingml/2006/main" xmlns:r="http://schemas.openxmlformats.org/officeDocument/2006/relationships" xmlns:p="http://schemas.openxmlformats.org/presentationml/2006/main">
   <p:cSld>
     <p:spTree>
@@ -9118,7 +9247,7 @@
             <a:fld id="{B6F15528-21DE-4FAA-801E-634DDDAF4B2B}" type="slidenum">
               <a:rPr lang="en-US" smtClean="0"/>
               <a:pPr/>
-              <a:t>17</a:t>
+              <a:t>18</a:t>
             </a:fld>
             <a:endParaRPr lang="en-US" dirty="0"/>
           </a:p>
@@ -10730,7 +10859,7 @@
 </p:sld>
 </file>
 
-<file path=ppt/slides/slide18.xml><?xml version="1.0" encoding="utf-8"?>
+<file path=ppt/slides/slide19.xml><?xml version="1.0" encoding="utf-8"?>
 <p:sld xmlns:a="http://schemas.openxmlformats.org/drawingml/2006/main" xmlns:r="http://schemas.openxmlformats.org/officeDocument/2006/relationships" xmlns:p="http://schemas.openxmlformats.org/presentationml/2006/main">
   <p:cSld>
     <p:spTree>
@@ -10875,7 +11004,7 @@
             <a:fld id="{B6F15528-21DE-4FAA-801E-634DDDAF4B2B}" type="slidenum">
               <a:rPr lang="en-US" smtClean="0"/>
               <a:pPr/>
-              <a:t>18</a:t>
+              <a:t>19</a:t>
             </a:fld>
             <a:endParaRPr lang="en-US" dirty="0"/>
           </a:p>
@@ -11316,242 +11445,6 @@
     <p:extLst>
       <p:ext uri="{BB962C8B-B14F-4D97-AF65-F5344CB8AC3E}">
         <p14:creationId xmlns:p14="http://schemas.microsoft.com/office/powerpoint/2010/main" val="1668874792"/>
-      </p:ext>
-    </p:extLst>
-  </p:cSld>
-  <p:clrMapOvr>
-    <a:masterClrMapping/>
-  </p:clrMapOvr>
-</p:sld>
-</file>
-
-<file path=ppt/slides/slide19.xml><?xml version="1.0" encoding="utf-8"?>
-<p:sld xmlns:a="http://schemas.openxmlformats.org/drawingml/2006/main" xmlns:r="http://schemas.openxmlformats.org/officeDocument/2006/relationships" xmlns:p="http://schemas.openxmlformats.org/presentationml/2006/main">
-  <p:cSld>
-    <p:spTree>
-      <p:nvGrpSpPr>
-        <p:cNvPr id="1" name=""/>
-        <p:cNvGrpSpPr/>
-        <p:nvPr/>
-      </p:nvGrpSpPr>
-      <p:grpSpPr>
-        <a:xfrm>
-          <a:off x="0" y="0"/>
-          <a:ext cx="0" cy="0"/>
-          <a:chOff x="0" y="0"/>
-          <a:chExt cx="0" cy="0"/>
-        </a:xfrm>
-      </p:grpSpPr>
-      <p:sp>
-        <p:nvSpPr>
-          <p:cNvPr id="2" name="Title 1"/>
-          <p:cNvSpPr>
-            <a:spLocks noGrp="1"/>
-          </p:cNvSpPr>
-          <p:nvPr>
-            <p:ph type="title"/>
-          </p:nvPr>
-        </p:nvSpPr>
-        <p:spPr/>
-        <p:txBody>
-          <a:bodyPr>
-            <a:normAutofit/>
-          </a:bodyPr>
-          <a:lstStyle/>
-          <a:p>
-            <a:r>
-              <a:rPr lang="en-US" dirty="0"/>
-              <a:t>Reading Strings (Best Way)</a:t>
-            </a:r>
-          </a:p>
-        </p:txBody>
-      </p:sp>
-      <p:sp>
-        <p:nvSpPr>
-          <p:cNvPr id="3" name="Content Placeholder 2"/>
-          <p:cNvSpPr>
-            <a:spLocks noGrp="1"/>
-          </p:cNvSpPr>
-          <p:nvPr>
-            <p:ph idx="1"/>
-          </p:nvPr>
-        </p:nvSpPr>
-        <p:spPr>
-          <a:xfrm>
-            <a:off x="381000" y="1828801"/>
-            <a:ext cx="7834884" cy="4351337"/>
-          </a:xfrm>
-        </p:spPr>
-        <p:txBody>
-          <a:bodyPr>
-            <a:noAutofit/>
-          </a:bodyPr>
-          <a:lstStyle/>
-          <a:p>
-            <a:r>
-              <a:rPr lang="en-US" sz="2400" dirty="0"/>
-              <a:t>Must make sure input fits in array: </a:t>
-            </a:r>
-          </a:p>
-          <a:p>
-            <a:pPr marL="0" indent="0">
-              <a:buNone/>
-            </a:pPr>
-            <a:r>
-              <a:rPr lang="en-US" sz="2400" dirty="0">
-                <a:solidFill>
-                  <a:srgbClr val="000099"/>
-                </a:solidFill>
-                <a:latin typeface="Consolas" charset="0"/>
-                <a:ea typeface="Consolas" charset="0"/>
-                <a:cs typeface="Consolas" charset="0"/>
-              </a:rPr>
-              <a:t>char </a:t>
-            </a:r>
-            <a:r>
-              <a:rPr lang="en-US" sz="2400" dirty="0" err="1">
-                <a:solidFill>
-                  <a:srgbClr val="000099"/>
-                </a:solidFill>
-                <a:latin typeface="Consolas" charset="0"/>
-                <a:ea typeface="Consolas" charset="0"/>
-                <a:cs typeface="Consolas" charset="0"/>
-              </a:rPr>
-              <a:t>str</a:t>
-            </a:r>
-            <a:r>
-              <a:rPr lang="en-US" sz="2400" dirty="0">
-                <a:solidFill>
-                  <a:srgbClr val="000099"/>
-                </a:solidFill>
-                <a:latin typeface="Consolas" charset="0"/>
-                <a:ea typeface="Consolas" charset="0"/>
-                <a:cs typeface="Consolas" charset="0"/>
-              </a:rPr>
-              <a:t>[21];</a:t>
-            </a:r>
-          </a:p>
-          <a:p>
-            <a:r>
-              <a:rPr lang="en-US" sz="2400" dirty="0"/>
-              <a:t>Use </a:t>
-            </a:r>
-            <a:r>
-              <a:rPr lang="en-US" sz="2400" b="1" dirty="0" err="1"/>
-              <a:t>scanf</a:t>
-            </a:r>
-            <a:r>
-              <a:rPr lang="en-US" sz="2400" dirty="0"/>
-              <a:t> with %ns specifier:</a:t>
-            </a:r>
-          </a:p>
-          <a:p>
-            <a:pPr marL="0" indent="0">
-              <a:buNone/>
-            </a:pPr>
-            <a:r>
-              <a:rPr lang="en-US" sz="2400" dirty="0" err="1">
-                <a:solidFill>
-                  <a:srgbClr val="0B2B91"/>
-                </a:solidFill>
-                <a:latin typeface="Consolas" charset="0"/>
-                <a:ea typeface="Consolas" charset="0"/>
-                <a:cs typeface="Consolas" charset="0"/>
-              </a:rPr>
-              <a:t>scanf</a:t>
-            </a:r>
-            <a:r>
-              <a:rPr lang="en-US" sz="2400" dirty="0">
-                <a:solidFill>
-                  <a:srgbClr val="0B2B91"/>
-                </a:solidFill>
-                <a:latin typeface="Consolas" charset="0"/>
-                <a:ea typeface="Consolas" charset="0"/>
-                <a:cs typeface="Consolas" charset="0"/>
-              </a:rPr>
-              <a:t>(“%20s”, </a:t>
-            </a:r>
-            <a:r>
-              <a:rPr lang="en-US" sz="2400" dirty="0" err="1">
-                <a:solidFill>
-                  <a:srgbClr val="0B2B91"/>
-                </a:solidFill>
-                <a:latin typeface="Consolas" charset="0"/>
-                <a:ea typeface="Consolas" charset="0"/>
-                <a:cs typeface="Consolas" charset="0"/>
-              </a:rPr>
-              <a:t>str</a:t>
-            </a:r>
-            <a:r>
-              <a:rPr lang="en-US" sz="2400" dirty="0">
-                <a:solidFill>
-                  <a:srgbClr val="0B2B91"/>
-                </a:solidFill>
-                <a:latin typeface="Consolas" charset="0"/>
-                <a:ea typeface="Consolas" charset="0"/>
-                <a:cs typeface="Consolas" charset="0"/>
-              </a:rPr>
-              <a:t>);</a:t>
-            </a:r>
-            <a:r>
-              <a:rPr lang="en-US" sz="2400" dirty="0">
-                <a:solidFill>
-                  <a:srgbClr val="00B050"/>
-                </a:solidFill>
-                <a:latin typeface="Consolas" charset="0"/>
-                <a:ea typeface="Consolas" charset="0"/>
-                <a:cs typeface="Consolas" charset="0"/>
-              </a:rPr>
-              <a:t> </a:t>
-            </a:r>
-          </a:p>
-          <a:p>
-            <a:pPr marL="0" indent="0">
-              <a:buNone/>
-            </a:pPr>
-            <a:r>
-              <a:rPr lang="en-US" sz="2400" dirty="0"/>
-              <a:t>This </a:t>
-            </a:r>
-            <a:r>
-              <a:rPr lang="en-US" sz="2400" dirty="0" err="1"/>
-              <a:t>scanf</a:t>
-            </a:r>
-            <a:r>
-              <a:rPr lang="en-US" sz="2400" dirty="0"/>
-              <a:t> specifies the max number of characters to read into a string. It will always fit in an array of characters that is one larger.</a:t>
-            </a:r>
-          </a:p>
-        </p:txBody>
-      </p:sp>
-      <p:sp>
-        <p:nvSpPr>
-          <p:cNvPr id="12" name="Slide Number Placeholder 11"/>
-          <p:cNvSpPr>
-            <a:spLocks noGrp="1"/>
-          </p:cNvSpPr>
-          <p:nvPr>
-            <p:ph type="sldNum" sz="quarter" idx="12"/>
-          </p:nvPr>
-        </p:nvSpPr>
-        <p:spPr/>
-        <p:txBody>
-          <a:bodyPr/>
-          <a:lstStyle/>
-          <a:p>
-            <a:fld id="{B6F15528-21DE-4FAA-801E-634DDDAF4B2B}" type="slidenum">
-              <a:rPr lang="en-US" smtClean="0"/>
-              <a:pPr/>
-              <a:t>19</a:t>
-            </a:fld>
-            <a:endParaRPr lang="en-US" dirty="0"/>
-          </a:p>
-        </p:txBody>
-      </p:sp>
-    </p:spTree>
-    <p:extLst>
-      <p:ext uri="{BB962C8B-B14F-4D97-AF65-F5344CB8AC3E}">
-        <p14:creationId xmlns:p14="http://schemas.microsoft.com/office/powerpoint/2010/main" val="1315097500"/>
       </p:ext>
     </p:extLst>
   </p:cSld>
@@ -11721,6 +11614,242 @@
           <a:p>
             <a:r>
               <a:rPr lang="en-US" dirty="0"/>
+              <a:t>Reading Strings (Best Way)</a:t>
+            </a:r>
+          </a:p>
+        </p:txBody>
+      </p:sp>
+      <p:sp>
+        <p:nvSpPr>
+          <p:cNvPr id="3" name="Content Placeholder 2"/>
+          <p:cNvSpPr>
+            <a:spLocks noGrp="1"/>
+          </p:cNvSpPr>
+          <p:nvPr>
+            <p:ph idx="1"/>
+          </p:nvPr>
+        </p:nvSpPr>
+        <p:spPr>
+          <a:xfrm>
+            <a:off x="381000" y="1828801"/>
+            <a:ext cx="7834884" cy="4351337"/>
+          </a:xfrm>
+        </p:spPr>
+        <p:txBody>
+          <a:bodyPr>
+            <a:noAutofit/>
+          </a:bodyPr>
+          <a:lstStyle/>
+          <a:p>
+            <a:r>
+              <a:rPr lang="en-US" sz="2400" dirty="0"/>
+              <a:t>Must make sure input fits in array: </a:t>
+            </a:r>
+          </a:p>
+          <a:p>
+            <a:pPr marL="0" indent="0">
+              <a:buNone/>
+            </a:pPr>
+            <a:r>
+              <a:rPr lang="en-US" sz="2400" dirty="0">
+                <a:solidFill>
+                  <a:srgbClr val="000099"/>
+                </a:solidFill>
+                <a:latin typeface="Consolas" charset="0"/>
+                <a:ea typeface="Consolas" charset="0"/>
+                <a:cs typeface="Consolas" charset="0"/>
+              </a:rPr>
+              <a:t>char </a:t>
+            </a:r>
+            <a:r>
+              <a:rPr lang="en-US" sz="2400" dirty="0" err="1">
+                <a:solidFill>
+                  <a:srgbClr val="000099"/>
+                </a:solidFill>
+                <a:latin typeface="Consolas" charset="0"/>
+                <a:ea typeface="Consolas" charset="0"/>
+                <a:cs typeface="Consolas" charset="0"/>
+              </a:rPr>
+              <a:t>str</a:t>
+            </a:r>
+            <a:r>
+              <a:rPr lang="en-US" sz="2400" dirty="0">
+                <a:solidFill>
+                  <a:srgbClr val="000099"/>
+                </a:solidFill>
+                <a:latin typeface="Consolas" charset="0"/>
+                <a:ea typeface="Consolas" charset="0"/>
+                <a:cs typeface="Consolas" charset="0"/>
+              </a:rPr>
+              <a:t>[21];</a:t>
+            </a:r>
+          </a:p>
+          <a:p>
+            <a:r>
+              <a:rPr lang="en-US" sz="2400" dirty="0"/>
+              <a:t>Use </a:t>
+            </a:r>
+            <a:r>
+              <a:rPr lang="en-US" sz="2400" b="1" dirty="0" err="1"/>
+              <a:t>scanf</a:t>
+            </a:r>
+            <a:r>
+              <a:rPr lang="en-US" sz="2400" dirty="0"/>
+              <a:t> with %ns specifier:</a:t>
+            </a:r>
+          </a:p>
+          <a:p>
+            <a:pPr marL="0" indent="0">
+              <a:buNone/>
+            </a:pPr>
+            <a:r>
+              <a:rPr lang="en-US" sz="2400" dirty="0" err="1">
+                <a:solidFill>
+                  <a:srgbClr val="0B2B91"/>
+                </a:solidFill>
+                <a:latin typeface="Consolas" charset="0"/>
+                <a:ea typeface="Consolas" charset="0"/>
+                <a:cs typeface="Consolas" charset="0"/>
+              </a:rPr>
+              <a:t>scanf</a:t>
+            </a:r>
+            <a:r>
+              <a:rPr lang="en-US" sz="2400" dirty="0">
+                <a:solidFill>
+                  <a:srgbClr val="0B2B91"/>
+                </a:solidFill>
+                <a:latin typeface="Consolas" charset="0"/>
+                <a:ea typeface="Consolas" charset="0"/>
+                <a:cs typeface="Consolas" charset="0"/>
+              </a:rPr>
+              <a:t>(“%20s”, </a:t>
+            </a:r>
+            <a:r>
+              <a:rPr lang="en-US" sz="2400" dirty="0" err="1">
+                <a:solidFill>
+                  <a:srgbClr val="0B2B91"/>
+                </a:solidFill>
+                <a:latin typeface="Consolas" charset="0"/>
+                <a:ea typeface="Consolas" charset="0"/>
+                <a:cs typeface="Consolas" charset="0"/>
+              </a:rPr>
+              <a:t>str</a:t>
+            </a:r>
+            <a:r>
+              <a:rPr lang="en-US" sz="2400" dirty="0">
+                <a:solidFill>
+                  <a:srgbClr val="0B2B91"/>
+                </a:solidFill>
+                <a:latin typeface="Consolas" charset="0"/>
+                <a:ea typeface="Consolas" charset="0"/>
+                <a:cs typeface="Consolas" charset="0"/>
+              </a:rPr>
+              <a:t>);</a:t>
+            </a:r>
+            <a:r>
+              <a:rPr lang="en-US" sz="2400" dirty="0">
+                <a:solidFill>
+                  <a:srgbClr val="00B050"/>
+                </a:solidFill>
+                <a:latin typeface="Consolas" charset="0"/>
+                <a:ea typeface="Consolas" charset="0"/>
+                <a:cs typeface="Consolas" charset="0"/>
+              </a:rPr>
+              <a:t> </a:t>
+            </a:r>
+          </a:p>
+          <a:p>
+            <a:pPr marL="0" indent="0">
+              <a:buNone/>
+            </a:pPr>
+            <a:r>
+              <a:rPr lang="en-US" sz="2400" dirty="0"/>
+              <a:t>This </a:t>
+            </a:r>
+            <a:r>
+              <a:rPr lang="en-US" sz="2400" dirty="0" err="1"/>
+              <a:t>scanf</a:t>
+            </a:r>
+            <a:r>
+              <a:rPr lang="en-US" sz="2400" dirty="0"/>
+              <a:t> specifies the max number of characters to read into a string. It will always fit in an array of characters that is one larger.</a:t>
+            </a:r>
+          </a:p>
+        </p:txBody>
+      </p:sp>
+      <p:sp>
+        <p:nvSpPr>
+          <p:cNvPr id="12" name="Slide Number Placeholder 11"/>
+          <p:cNvSpPr>
+            <a:spLocks noGrp="1"/>
+          </p:cNvSpPr>
+          <p:nvPr>
+            <p:ph type="sldNum" sz="quarter" idx="12"/>
+          </p:nvPr>
+        </p:nvSpPr>
+        <p:spPr/>
+        <p:txBody>
+          <a:bodyPr/>
+          <a:lstStyle/>
+          <a:p>
+            <a:fld id="{B6F15528-21DE-4FAA-801E-634DDDAF4B2B}" type="slidenum">
+              <a:rPr lang="en-US" smtClean="0"/>
+              <a:pPr/>
+              <a:t>20</a:t>
+            </a:fld>
+            <a:endParaRPr lang="en-US" dirty="0"/>
+          </a:p>
+        </p:txBody>
+      </p:sp>
+    </p:spTree>
+    <p:extLst>
+      <p:ext uri="{BB962C8B-B14F-4D97-AF65-F5344CB8AC3E}">
+        <p14:creationId xmlns:p14="http://schemas.microsoft.com/office/powerpoint/2010/main" val="1315097500"/>
+      </p:ext>
+    </p:extLst>
+  </p:cSld>
+  <p:clrMapOvr>
+    <a:masterClrMapping/>
+  </p:clrMapOvr>
+</p:sld>
+</file>
+
+<file path=ppt/slides/slide21.xml><?xml version="1.0" encoding="utf-8"?>
+<p:sld xmlns:a="http://schemas.openxmlformats.org/drawingml/2006/main" xmlns:r="http://schemas.openxmlformats.org/officeDocument/2006/relationships" xmlns:p="http://schemas.openxmlformats.org/presentationml/2006/main">
+  <p:cSld>
+    <p:spTree>
+      <p:nvGrpSpPr>
+        <p:cNvPr id="1" name=""/>
+        <p:cNvGrpSpPr/>
+        <p:nvPr/>
+      </p:nvGrpSpPr>
+      <p:grpSpPr>
+        <a:xfrm>
+          <a:off x="0" y="0"/>
+          <a:ext cx="0" cy="0"/>
+          <a:chOff x="0" y="0"/>
+          <a:chExt cx="0" cy="0"/>
+        </a:xfrm>
+      </p:grpSpPr>
+      <p:sp>
+        <p:nvSpPr>
+          <p:cNvPr id="2" name="Title 1"/>
+          <p:cNvSpPr>
+            <a:spLocks noGrp="1"/>
+          </p:cNvSpPr>
+          <p:nvPr>
+            <p:ph type="title"/>
+          </p:nvPr>
+        </p:nvSpPr>
+        <p:spPr/>
+        <p:txBody>
+          <a:bodyPr>
+            <a:normAutofit/>
+          </a:bodyPr>
+          <a:lstStyle/>
+          <a:p>
+            <a:r>
+              <a:rPr lang="en-US" dirty="0"/>
               <a:t>Reading Strings (Optional Content)</a:t>
             </a:r>
           </a:p>
@@ -11809,7 +11938,7 @@
             <a:fld id="{B6F15528-21DE-4FAA-801E-634DDDAF4B2B}" type="slidenum">
               <a:rPr lang="en-US" smtClean="0"/>
               <a:pPr/>
-              <a:t>20</a:t>
+              <a:t>21</a:t>
             </a:fld>
             <a:endParaRPr lang="en-US" dirty="0"/>
           </a:p>
@@ -12655,365 +12784,6 @@
 </p:sld>
 </file>
 
-<file path=ppt/slides/slide21.xml><?xml version="1.0" encoding="utf-8"?>
-<p:sld xmlns:a="http://schemas.openxmlformats.org/drawingml/2006/main" xmlns:r="http://schemas.openxmlformats.org/officeDocument/2006/relationships" xmlns:p="http://schemas.openxmlformats.org/presentationml/2006/main">
-  <p:cSld>
-    <p:spTree>
-      <p:nvGrpSpPr>
-        <p:cNvPr id="1" name=""/>
-        <p:cNvGrpSpPr/>
-        <p:nvPr/>
-      </p:nvGrpSpPr>
-      <p:grpSpPr>
-        <a:xfrm>
-          <a:off x="0" y="0"/>
-          <a:ext cx="0" cy="0"/>
-          <a:chOff x="0" y="0"/>
-          <a:chExt cx="0" cy="0"/>
-        </a:xfrm>
-      </p:grpSpPr>
-      <p:sp>
-        <p:nvSpPr>
-          <p:cNvPr id="2" name="Title 1"/>
-          <p:cNvSpPr>
-            <a:spLocks noGrp="1"/>
-          </p:cNvSpPr>
-          <p:nvPr>
-            <p:ph type="title"/>
-          </p:nvPr>
-        </p:nvSpPr>
-        <p:spPr/>
-        <p:txBody>
-          <a:bodyPr>
-            <a:normAutofit/>
-          </a:bodyPr>
-          <a:lstStyle/>
-          <a:p>
-            <a:r>
-              <a:rPr lang="en-US" dirty="0"/>
-              <a:t>C String library (Optional Content)</a:t>
-            </a:r>
-          </a:p>
-        </p:txBody>
-      </p:sp>
-      <p:sp>
-        <p:nvSpPr>
-          <p:cNvPr id="3" name="Content Placeholder 2"/>
-          <p:cNvSpPr>
-            <a:spLocks noGrp="1"/>
-          </p:cNvSpPr>
-          <p:nvPr>
-            <p:ph idx="1"/>
-          </p:nvPr>
-        </p:nvSpPr>
-        <p:spPr>
-          <a:xfrm>
-            <a:off x="466344" y="1760538"/>
-            <a:ext cx="8229600" cy="4708525"/>
-          </a:xfrm>
-        </p:spPr>
-        <p:txBody>
-          <a:bodyPr>
-            <a:noAutofit/>
-          </a:bodyPr>
-          <a:lstStyle/>
-          <a:p>
-            <a:r>
-              <a:rPr lang="en-US" sz="2800" dirty="0"/>
-              <a:t>Cannot copy or compare in straightforward way:</a:t>
-            </a:r>
-          </a:p>
-          <a:p>
-            <a:pPr marL="1082675" lvl="1" indent="0">
-              <a:spcBef>
-                <a:spcPts val="0"/>
-              </a:spcBef>
-              <a:buNone/>
-            </a:pPr>
-            <a:r>
-              <a:rPr lang="en-US" dirty="0">
-                <a:solidFill>
-                  <a:srgbClr val="000099"/>
-                </a:solidFill>
-                <a:latin typeface="Consolas" charset="0"/>
-                <a:ea typeface="Consolas" charset="0"/>
-                <a:cs typeface="Consolas" charset="0"/>
-              </a:rPr>
-              <a:t>char str1[10] = “</a:t>
-            </a:r>
-            <a:r>
-              <a:rPr lang="en-US" dirty="0" err="1">
-                <a:solidFill>
-                  <a:srgbClr val="000099"/>
-                </a:solidFill>
-                <a:latin typeface="Consolas" charset="0"/>
-                <a:ea typeface="Consolas" charset="0"/>
-                <a:cs typeface="Consolas" charset="0"/>
-              </a:rPr>
-              <a:t>abc</a:t>
-            </a:r>
-            <a:r>
-              <a:rPr lang="en-US" dirty="0">
-                <a:solidFill>
-                  <a:srgbClr val="000099"/>
-                </a:solidFill>
-                <a:latin typeface="Consolas" charset="0"/>
-                <a:ea typeface="Consolas" charset="0"/>
-                <a:cs typeface="Consolas" charset="0"/>
-              </a:rPr>
-              <a:t>”, str2[10];</a:t>
-            </a:r>
-          </a:p>
-          <a:p>
-            <a:pPr marL="1082675" lvl="1" indent="0">
-              <a:spcBef>
-                <a:spcPts val="0"/>
-              </a:spcBef>
-              <a:buNone/>
-            </a:pPr>
-            <a:r>
-              <a:rPr lang="en-US" dirty="0">
-                <a:solidFill>
-                  <a:srgbClr val="000099"/>
-                </a:solidFill>
-                <a:latin typeface="Consolas" charset="0"/>
-                <a:ea typeface="Consolas" charset="0"/>
-                <a:cs typeface="Consolas" charset="0"/>
-              </a:rPr>
-              <a:t>str2 = “</a:t>
-            </a:r>
-            <a:r>
-              <a:rPr lang="en-US" dirty="0" err="1">
-                <a:solidFill>
-                  <a:srgbClr val="000099"/>
-                </a:solidFill>
-                <a:latin typeface="Consolas" charset="0"/>
-                <a:ea typeface="Consolas" charset="0"/>
-                <a:cs typeface="Consolas" charset="0"/>
-              </a:rPr>
-              <a:t>abc</a:t>
-            </a:r>
-            <a:r>
-              <a:rPr lang="en-US" dirty="0">
-                <a:solidFill>
-                  <a:srgbClr val="000099"/>
-                </a:solidFill>
-                <a:latin typeface="Consolas" charset="0"/>
-                <a:ea typeface="Consolas" charset="0"/>
-                <a:cs typeface="Consolas" charset="0"/>
-              </a:rPr>
-              <a:t>”;	</a:t>
-            </a:r>
-            <a:r>
-              <a:rPr lang="en-US" dirty="0">
-                <a:solidFill>
-                  <a:srgbClr val="0B2B91"/>
-                </a:solidFill>
-                <a:latin typeface="Consolas" charset="0"/>
-                <a:ea typeface="Consolas" charset="0"/>
-                <a:cs typeface="Consolas" charset="0"/>
-              </a:rPr>
-              <a:t>		</a:t>
-            </a:r>
-            <a:r>
-              <a:rPr lang="en-US" dirty="0">
-                <a:solidFill>
-                  <a:srgbClr val="C00000"/>
-                </a:solidFill>
-                <a:latin typeface="Consolas" charset="0"/>
-                <a:ea typeface="Consolas" charset="0"/>
-                <a:cs typeface="Consolas" charset="0"/>
-              </a:rPr>
-              <a:t>//Wrong!</a:t>
-            </a:r>
-          </a:p>
-          <a:p>
-            <a:pPr marL="1082675" lvl="1" indent="0">
-              <a:spcBef>
-                <a:spcPts val="0"/>
-              </a:spcBef>
-              <a:buNone/>
-            </a:pPr>
-            <a:r>
-              <a:rPr lang="en-US" dirty="0">
-                <a:solidFill>
-                  <a:srgbClr val="000099"/>
-                </a:solidFill>
-                <a:latin typeface="Consolas" charset="0"/>
-                <a:ea typeface="Consolas" charset="0"/>
-                <a:cs typeface="Consolas" charset="0"/>
-              </a:rPr>
-              <a:t>if (str1 == str2 ) { … }</a:t>
-            </a:r>
-            <a:r>
-              <a:rPr lang="en-US" dirty="0">
-                <a:solidFill>
-                  <a:srgbClr val="0B2B91"/>
-                </a:solidFill>
-                <a:latin typeface="Consolas" charset="0"/>
-                <a:ea typeface="Consolas" charset="0"/>
-                <a:cs typeface="Consolas" charset="0"/>
-              </a:rPr>
-              <a:t>	</a:t>
-            </a:r>
-            <a:r>
-              <a:rPr lang="en-US" dirty="0">
-                <a:solidFill>
-                  <a:srgbClr val="C00000"/>
-                </a:solidFill>
-                <a:latin typeface="Consolas" charset="0"/>
-                <a:ea typeface="Consolas" charset="0"/>
-                <a:cs typeface="Consolas" charset="0"/>
-              </a:rPr>
-              <a:t>//Wrong! </a:t>
-            </a:r>
-          </a:p>
-          <a:p>
-            <a:pPr marL="1082675" lvl="1" indent="0">
-              <a:spcBef>
-                <a:spcPts val="0"/>
-              </a:spcBef>
-              <a:buNone/>
-            </a:pPr>
-            <a:r>
-              <a:rPr lang="en-US" dirty="0">
-                <a:solidFill>
-                  <a:srgbClr val="C00000"/>
-                </a:solidFill>
-                <a:latin typeface="Consolas" charset="0"/>
-                <a:ea typeface="Consolas" charset="0"/>
-                <a:cs typeface="Consolas" charset="0"/>
-              </a:rPr>
-              <a:t>//Checks if str1 and str2 have same address</a:t>
-            </a:r>
-          </a:p>
-          <a:p>
-            <a:r>
-              <a:rPr lang="en-US" sz="2800" dirty="0"/>
-              <a:t>C provides a set of functions for dealing with strings:</a:t>
-            </a:r>
-          </a:p>
-          <a:p>
-            <a:pPr marL="1030288" lvl="1" indent="0">
-              <a:buNone/>
-            </a:pPr>
-            <a:r>
-              <a:rPr lang="en-US" dirty="0">
-                <a:solidFill>
-                  <a:srgbClr val="000099"/>
-                </a:solidFill>
-                <a:latin typeface="Consolas" charset="0"/>
-                <a:ea typeface="Consolas" charset="0"/>
-                <a:cs typeface="Consolas" charset="0"/>
-              </a:rPr>
-              <a:t>#include &lt;</a:t>
-            </a:r>
-            <a:r>
-              <a:rPr lang="en-US" dirty="0" err="1">
-                <a:solidFill>
-                  <a:srgbClr val="000099"/>
-                </a:solidFill>
-                <a:latin typeface="Consolas" charset="0"/>
-                <a:ea typeface="Consolas" charset="0"/>
-                <a:cs typeface="Consolas" charset="0"/>
-              </a:rPr>
-              <a:t>string.h</a:t>
-            </a:r>
-            <a:r>
-              <a:rPr lang="en-US" dirty="0">
-                <a:solidFill>
-                  <a:srgbClr val="000099"/>
-                </a:solidFill>
-                <a:latin typeface="Consolas" charset="0"/>
-                <a:ea typeface="Consolas" charset="0"/>
-                <a:cs typeface="Consolas" charset="0"/>
-              </a:rPr>
-              <a:t>&gt;</a:t>
-            </a:r>
-          </a:p>
-          <a:p>
-            <a:r>
-              <a:rPr lang="en-US" sz="2800" dirty="0"/>
-              <a:t>Declared with pointers (instead of arrays): </a:t>
-            </a:r>
-          </a:p>
-          <a:p>
-            <a:pPr lvl="1"/>
-            <a:r>
-              <a:rPr lang="en-US" dirty="0">
-                <a:solidFill>
-                  <a:srgbClr val="000099"/>
-                </a:solidFill>
-              </a:rPr>
-              <a:t>char *s </a:t>
-            </a:r>
-            <a:r>
-              <a:rPr lang="en-US" dirty="0"/>
-              <a:t>: can modify what the pointer points to</a:t>
-            </a:r>
-          </a:p>
-          <a:p>
-            <a:pPr lvl="1"/>
-            <a:r>
-              <a:rPr lang="en-US" dirty="0" err="1">
-                <a:solidFill>
-                  <a:srgbClr val="000099"/>
-                </a:solidFill>
-              </a:rPr>
-              <a:t>const</a:t>
-            </a:r>
-            <a:r>
-              <a:rPr lang="en-US" dirty="0">
-                <a:solidFill>
-                  <a:srgbClr val="000099"/>
-                </a:solidFill>
-              </a:rPr>
-              <a:t> char *s </a:t>
-            </a:r>
-            <a:r>
-              <a:rPr lang="en-US" dirty="0"/>
-              <a:t>: cannot modify what the pointer points to, can modify it to point to something else</a:t>
-            </a:r>
-          </a:p>
-        </p:txBody>
-      </p:sp>
-      <p:sp>
-        <p:nvSpPr>
-          <p:cNvPr id="12" name="Slide Number Placeholder 11"/>
-          <p:cNvSpPr>
-            <a:spLocks noGrp="1"/>
-          </p:cNvSpPr>
-          <p:nvPr>
-            <p:ph type="sldNum" sz="quarter" idx="12"/>
-          </p:nvPr>
-        </p:nvSpPr>
-        <p:spPr/>
-        <p:txBody>
-          <a:bodyPr/>
-          <a:lstStyle/>
-          <a:p>
-            <a:fld id="{B6F15528-21DE-4FAA-801E-634DDDAF4B2B}" type="slidenum">
-              <a:rPr lang="en-US" smtClean="0"/>
-              <a:pPr/>
-              <a:t>21</a:t>
-            </a:fld>
-            <a:endParaRPr lang="en-US" dirty="0"/>
-          </a:p>
-        </p:txBody>
-      </p:sp>
-    </p:spTree>
-    <p:extLst>
-      <p:ext uri="{BB962C8B-B14F-4D97-AF65-F5344CB8AC3E}">
-        <p14:creationId xmlns:p14="http://schemas.microsoft.com/office/powerpoint/2010/main" val="1139114152"/>
-      </p:ext>
-    </p:extLst>
-  </p:cSld>
-  <p:clrMapOvr>
-    <a:masterClrMapping/>
-  </p:clrMapOvr>
-</p:sld>
-</file>
-
 <file path=ppt/slides/slide22.xml><?xml version="1.0" encoding="utf-8"?>
 <p:sld xmlns:a="http://schemas.openxmlformats.org/drawingml/2006/main" xmlns:r="http://schemas.openxmlformats.org/officeDocument/2006/relationships" xmlns:p="http://schemas.openxmlformats.org/presentationml/2006/main">
   <p:cSld>
@@ -13067,8 +12837,8 @@
         </p:nvSpPr>
         <p:spPr>
           <a:xfrm>
-            <a:off x="195672" y="1847098"/>
-            <a:ext cx="8045196" cy="4351337"/>
+            <a:off x="466344" y="1760538"/>
+            <a:ext cx="8229600" cy="4708525"/>
           </a:xfrm>
         </p:spPr>
         <p:txBody>
@@ -13078,262 +12848,260 @@
           <a:lstStyle/>
           <a:p>
             <a:r>
-              <a:rPr lang="en-US" sz="2800" dirty="0">
+              <a:rPr lang="en-US" sz="2800" dirty="0"/>
+              <a:t>Cannot copy or compare in straightforward way:</a:t>
+            </a:r>
+          </a:p>
+          <a:p>
+            <a:pPr marL="1082675" lvl="1" indent="0">
+              <a:spcBef>
+                <a:spcPts val="0"/>
+              </a:spcBef>
+              <a:buNone/>
+            </a:pPr>
+            <a:r>
+              <a:rPr lang="en-US" dirty="0">
                 <a:solidFill>
                   <a:srgbClr val="000099"/>
                 </a:solidFill>
-              </a:rPr>
-              <a:t>char *</a:t>
-            </a:r>
-            <a:r>
-              <a:rPr lang="en-US" sz="2800" dirty="0" err="1">
+                <a:latin typeface="Consolas" charset="0"/>
+                <a:ea typeface="Consolas" charset="0"/>
+                <a:cs typeface="Consolas" charset="0"/>
+              </a:rPr>
+              <a:t>char str1[10] = “</a:t>
+            </a:r>
+            <a:r>
+              <a:rPr lang="en-US" dirty="0" err="1">
                 <a:solidFill>
                   <a:srgbClr val="000099"/>
                 </a:solidFill>
-              </a:rPr>
-              <a:t>strcpy</a:t>
-            </a:r>
-            <a:r>
-              <a:rPr lang="en-US" sz="2800" dirty="0">
+                <a:latin typeface="Consolas" charset="0"/>
+                <a:ea typeface="Consolas" charset="0"/>
+                <a:cs typeface="Consolas" charset="0"/>
+              </a:rPr>
+              <a:t>abc</a:t>
+            </a:r>
+            <a:r>
+              <a:rPr lang="en-US" dirty="0">
                 <a:solidFill>
                   <a:srgbClr val="000099"/>
                 </a:solidFill>
-              </a:rPr>
-              <a:t>(char *s1, </a:t>
-            </a:r>
-            <a:r>
-              <a:rPr lang="en-US" sz="2800" dirty="0" err="1">
+                <a:latin typeface="Consolas" charset="0"/>
+                <a:ea typeface="Consolas" charset="0"/>
+                <a:cs typeface="Consolas" charset="0"/>
+              </a:rPr>
+              <a:t>”, str2[10];</a:t>
+            </a:r>
+          </a:p>
+          <a:p>
+            <a:pPr marL="1082675" lvl="1" indent="0">
+              <a:spcBef>
+                <a:spcPts val="0"/>
+              </a:spcBef>
+              <a:buNone/>
+            </a:pPr>
+            <a:r>
+              <a:rPr lang="en-US" dirty="0">
                 <a:solidFill>
                   <a:srgbClr val="000099"/>
                 </a:solidFill>
+                <a:latin typeface="Consolas" charset="0"/>
+                <a:ea typeface="Consolas" charset="0"/>
+                <a:cs typeface="Consolas" charset="0"/>
+              </a:rPr>
+              <a:t>str2 = “</a:t>
+            </a:r>
+            <a:r>
+              <a:rPr lang="en-US" dirty="0" err="1">
+                <a:solidFill>
+                  <a:srgbClr val="000099"/>
+                </a:solidFill>
+                <a:latin typeface="Consolas" charset="0"/>
+                <a:ea typeface="Consolas" charset="0"/>
+                <a:cs typeface="Consolas" charset="0"/>
+              </a:rPr>
+              <a:t>abc</a:t>
+            </a:r>
+            <a:r>
+              <a:rPr lang="en-US" dirty="0">
+                <a:solidFill>
+                  <a:srgbClr val="000099"/>
+                </a:solidFill>
+                <a:latin typeface="Consolas" charset="0"/>
+                <a:ea typeface="Consolas" charset="0"/>
+                <a:cs typeface="Consolas" charset="0"/>
+              </a:rPr>
+              <a:t>”;	</a:t>
+            </a:r>
+            <a:r>
+              <a:rPr lang="en-US" dirty="0">
+                <a:solidFill>
+                  <a:srgbClr val="0B2B91"/>
+                </a:solidFill>
+                <a:latin typeface="Consolas" charset="0"/>
+                <a:ea typeface="Consolas" charset="0"/>
+                <a:cs typeface="Consolas" charset="0"/>
+              </a:rPr>
+              <a:t>		</a:t>
+            </a:r>
+            <a:r>
+              <a:rPr lang="en-US" dirty="0">
+                <a:solidFill>
+                  <a:srgbClr val="C00000"/>
+                </a:solidFill>
+                <a:latin typeface="Consolas" charset="0"/>
+                <a:ea typeface="Consolas" charset="0"/>
+                <a:cs typeface="Consolas" charset="0"/>
+              </a:rPr>
+              <a:t>//Wrong!</a:t>
+            </a:r>
+          </a:p>
+          <a:p>
+            <a:pPr marL="1082675" lvl="1" indent="0">
+              <a:spcBef>
+                <a:spcPts val="0"/>
+              </a:spcBef>
+              <a:buNone/>
+            </a:pPr>
+            <a:r>
+              <a:rPr lang="en-US" dirty="0">
+                <a:solidFill>
+                  <a:srgbClr val="000099"/>
+                </a:solidFill>
+                <a:latin typeface="Consolas" charset="0"/>
+                <a:ea typeface="Consolas" charset="0"/>
+                <a:cs typeface="Consolas" charset="0"/>
+              </a:rPr>
+              <a:t>if (str1 == str2 ) { … }</a:t>
+            </a:r>
+            <a:r>
+              <a:rPr lang="en-US" dirty="0">
+                <a:solidFill>
+                  <a:srgbClr val="0B2B91"/>
+                </a:solidFill>
+                <a:latin typeface="Consolas" charset="0"/>
+                <a:ea typeface="Consolas" charset="0"/>
+                <a:cs typeface="Consolas" charset="0"/>
+              </a:rPr>
+              <a:t>	</a:t>
+            </a:r>
+            <a:r>
+              <a:rPr lang="en-US" dirty="0">
+                <a:solidFill>
+                  <a:srgbClr val="C00000"/>
+                </a:solidFill>
+                <a:latin typeface="Consolas" charset="0"/>
+                <a:ea typeface="Consolas" charset="0"/>
+                <a:cs typeface="Consolas" charset="0"/>
+              </a:rPr>
+              <a:t>//Wrong! </a:t>
+            </a:r>
+          </a:p>
+          <a:p>
+            <a:pPr marL="1082675" lvl="1" indent="0">
+              <a:spcBef>
+                <a:spcPts val="0"/>
+              </a:spcBef>
+              <a:buNone/>
+            </a:pPr>
+            <a:r>
+              <a:rPr lang="en-US" dirty="0">
+                <a:solidFill>
+                  <a:srgbClr val="C00000"/>
+                </a:solidFill>
+                <a:latin typeface="Consolas" charset="0"/>
+                <a:ea typeface="Consolas" charset="0"/>
+                <a:cs typeface="Consolas" charset="0"/>
+              </a:rPr>
+              <a:t>//Checks if str1 and str2 have same address</a:t>
+            </a:r>
+          </a:p>
+          <a:p>
+            <a:r>
+              <a:rPr lang="en-US" sz="2800" dirty="0"/>
+              <a:t>C provides a set of functions for dealing with strings:</a:t>
+            </a:r>
+          </a:p>
+          <a:p>
+            <a:pPr marL="1030288" lvl="1" indent="0">
+              <a:buNone/>
+            </a:pPr>
+            <a:r>
+              <a:rPr lang="en-US" dirty="0">
+                <a:solidFill>
+                  <a:srgbClr val="000099"/>
+                </a:solidFill>
+                <a:latin typeface="Consolas" charset="0"/>
+                <a:ea typeface="Consolas" charset="0"/>
+                <a:cs typeface="Consolas" charset="0"/>
+              </a:rPr>
+              <a:t>#include &lt;</a:t>
+            </a:r>
+            <a:r>
+              <a:rPr lang="en-US" dirty="0" err="1">
+                <a:solidFill>
+                  <a:srgbClr val="000099"/>
+                </a:solidFill>
+                <a:latin typeface="Consolas" charset="0"/>
+                <a:ea typeface="Consolas" charset="0"/>
+                <a:cs typeface="Consolas" charset="0"/>
+              </a:rPr>
+              <a:t>string.h</a:t>
+            </a:r>
+            <a:r>
+              <a:rPr lang="en-US" dirty="0">
+                <a:solidFill>
+                  <a:srgbClr val="000099"/>
+                </a:solidFill>
+                <a:latin typeface="Consolas" charset="0"/>
+                <a:ea typeface="Consolas" charset="0"/>
+                <a:cs typeface="Consolas" charset="0"/>
+              </a:rPr>
+              <a:t>&gt;</a:t>
+            </a:r>
+          </a:p>
+          <a:p>
+            <a:r>
+              <a:rPr lang="en-US" sz="2800" dirty="0"/>
+              <a:t>Declared with pointers (instead of arrays): </a:t>
+            </a:r>
+          </a:p>
+          <a:p>
+            <a:pPr lvl="1"/>
+            <a:r>
+              <a:rPr lang="en-US" dirty="0">
+                <a:solidFill>
+                  <a:srgbClr val="000099"/>
+                </a:solidFill>
+              </a:rPr>
+              <a:t>char *s </a:t>
+            </a:r>
+            <a:r>
+              <a:rPr lang="en-US" dirty="0"/>
+              <a:t>: can modify what the pointer points to</a:t>
+            </a:r>
+          </a:p>
+          <a:p>
+            <a:pPr lvl="1"/>
+            <a:r>
+              <a:rPr lang="en-US" dirty="0" err="1">
+                <a:solidFill>
+                  <a:srgbClr val="000099"/>
+                </a:solidFill>
               </a:rPr>
               <a:t>const</a:t>
             </a:r>
             <a:r>
-              <a:rPr lang="en-US" sz="2800" dirty="0">
+              <a:rPr lang="en-US" dirty="0">
                 <a:solidFill>
                   <a:srgbClr val="000099"/>
                 </a:solidFill>
               </a:rPr>
-              <a:t> char *s2);</a:t>
-            </a:r>
-          </a:p>
-          <a:p>
-            <a:pPr lvl="1"/>
-            <a:r>
-              <a:rPr lang="en-US" sz="2400" dirty="0"/>
-              <a:t>Copies content of s2 into s1, returns pointer s1</a:t>
-            </a:r>
-          </a:p>
-          <a:p>
-            <a:r>
-              <a:rPr lang="en-US" sz="2800" dirty="0" err="1">
-                <a:solidFill>
-                  <a:srgbClr val="000099"/>
-                </a:solidFill>
-              </a:rPr>
-              <a:t>size_t</a:t>
-            </a:r>
-            <a:r>
-              <a:rPr lang="en-US" sz="2800" dirty="0">
-                <a:solidFill>
-                  <a:srgbClr val="000099"/>
-                </a:solidFill>
-              </a:rPr>
-              <a:t> </a:t>
-            </a:r>
-            <a:r>
-              <a:rPr lang="en-US" sz="2800" dirty="0" err="1">
-                <a:solidFill>
-                  <a:srgbClr val="000099"/>
-                </a:solidFill>
-              </a:rPr>
-              <a:t>strlen</a:t>
-            </a:r>
-            <a:r>
-              <a:rPr lang="en-US" sz="2800" dirty="0">
-                <a:solidFill>
-                  <a:srgbClr val="000099"/>
-                </a:solidFill>
-              </a:rPr>
-              <a:t>(</a:t>
-            </a:r>
-            <a:r>
-              <a:rPr lang="en-US" sz="2800" dirty="0" err="1">
-                <a:solidFill>
-                  <a:srgbClr val="000099"/>
-                </a:solidFill>
-              </a:rPr>
-              <a:t>const</a:t>
-            </a:r>
-            <a:r>
-              <a:rPr lang="en-US" sz="2800" dirty="0">
-                <a:solidFill>
-                  <a:srgbClr val="000099"/>
-                </a:solidFill>
-              </a:rPr>
-              <a:t> char *s);</a:t>
-            </a:r>
-          </a:p>
-          <a:p>
-            <a:pPr lvl="1"/>
-            <a:r>
-              <a:rPr lang="en-US" sz="2400" dirty="0" err="1"/>
-              <a:t>size_t</a:t>
-            </a:r>
-            <a:r>
-              <a:rPr lang="en-US" sz="2400" dirty="0"/>
-              <a:t>: defined using </a:t>
-            </a:r>
-            <a:r>
-              <a:rPr lang="en-US" sz="2400" dirty="0" err="1"/>
-              <a:t>typedef</a:t>
-            </a:r>
-            <a:r>
-              <a:rPr lang="en-US" sz="2400" dirty="0"/>
-              <a:t> as unsigned </a:t>
-            </a:r>
-            <a:r>
-              <a:rPr lang="en-US" sz="2400" dirty="0" err="1"/>
-              <a:t>int</a:t>
-            </a:r>
-            <a:endParaRPr lang="en-US" sz="2400" dirty="0"/>
-          </a:p>
-          <a:p>
-            <a:pPr lvl="1"/>
-            <a:r>
-              <a:rPr lang="en-US" sz="2400" dirty="0"/>
-              <a:t>Returns length of string up to but not including \0</a:t>
-            </a:r>
-          </a:p>
-          <a:p>
-            <a:r>
-              <a:rPr lang="en-US" sz="2800" dirty="0">
-                <a:solidFill>
-                  <a:srgbClr val="000099"/>
-                </a:solidFill>
-              </a:rPr>
-              <a:t>char *</a:t>
-            </a:r>
-            <a:r>
-              <a:rPr lang="en-US" sz="2800" dirty="0" err="1">
-                <a:solidFill>
-                  <a:srgbClr val="000099"/>
-                </a:solidFill>
-              </a:rPr>
-              <a:t>strcat</a:t>
-            </a:r>
-            <a:r>
-              <a:rPr lang="en-US" sz="2800" dirty="0">
-                <a:solidFill>
-                  <a:srgbClr val="000099"/>
-                </a:solidFill>
-              </a:rPr>
-              <a:t>(char *s1, </a:t>
-            </a:r>
-            <a:r>
-              <a:rPr lang="en-US" sz="2800" dirty="0" err="1">
-                <a:solidFill>
-                  <a:srgbClr val="000099"/>
-                </a:solidFill>
-              </a:rPr>
-              <a:t>const</a:t>
-            </a:r>
-            <a:r>
-              <a:rPr lang="en-US" sz="2800" dirty="0">
-                <a:solidFill>
-                  <a:srgbClr val="000099"/>
-                </a:solidFill>
-              </a:rPr>
-              <a:t> char *s2);</a:t>
-            </a:r>
-          </a:p>
-          <a:p>
-            <a:pPr lvl="1"/>
-            <a:r>
-              <a:rPr lang="en-US" sz="2400" dirty="0"/>
-              <a:t>Appends content of s2 to the end of s1, returns s1;</a:t>
-            </a:r>
-          </a:p>
-          <a:p>
-            <a:r>
-              <a:rPr lang="en-US" sz="2800" dirty="0">
-                <a:solidFill>
-                  <a:srgbClr val="000099"/>
-                </a:solidFill>
-              </a:rPr>
-              <a:t>short *</a:t>
-            </a:r>
-            <a:r>
-              <a:rPr lang="en-US" sz="2800" dirty="0" err="1">
-                <a:solidFill>
-                  <a:srgbClr val="000099"/>
-                </a:solidFill>
-              </a:rPr>
-              <a:t>strcmp</a:t>
-            </a:r>
-            <a:r>
-              <a:rPr lang="en-US" sz="2800" dirty="0">
-                <a:solidFill>
-                  <a:srgbClr val="000099"/>
-                </a:solidFill>
-              </a:rPr>
-              <a:t>(</a:t>
-            </a:r>
-            <a:r>
-              <a:rPr lang="en-US" sz="2800" dirty="0" err="1">
-                <a:solidFill>
-                  <a:srgbClr val="000099"/>
-                </a:solidFill>
-              </a:rPr>
-              <a:t>const</a:t>
-            </a:r>
-            <a:r>
-              <a:rPr lang="en-US" sz="2800" dirty="0">
-                <a:solidFill>
-                  <a:srgbClr val="000099"/>
-                </a:solidFill>
-              </a:rPr>
-              <a:t> char *s1, </a:t>
-            </a:r>
-            <a:r>
-              <a:rPr lang="en-US" sz="2800" dirty="0" err="1">
-                <a:solidFill>
-                  <a:srgbClr val="000099"/>
-                </a:solidFill>
-              </a:rPr>
-              <a:t>const</a:t>
-            </a:r>
-            <a:r>
-              <a:rPr lang="en-US" sz="2800" dirty="0">
-                <a:solidFill>
-                  <a:srgbClr val="000099"/>
-                </a:solidFill>
-              </a:rPr>
-              <a:t> char *s2);</a:t>
-            </a:r>
-          </a:p>
-          <a:p>
-            <a:pPr lvl="1"/>
-            <a:r>
-              <a:rPr lang="en-US" sz="2400" dirty="0"/>
-              <a:t>Compares content of s1 and s2: returns 0 if the same, negative </a:t>
-            </a:r>
-            <a:r>
-              <a:rPr lang="en-US" sz="2400" dirty="0" err="1"/>
-              <a:t>int</a:t>
-            </a:r>
-            <a:r>
-              <a:rPr lang="en-US" sz="2400" dirty="0"/>
-              <a:t> if s1  &lt; s2 and positive </a:t>
-            </a:r>
-            <a:r>
-              <a:rPr lang="en-US" sz="2400" dirty="0" err="1"/>
-              <a:t>int</a:t>
-            </a:r>
-            <a:r>
-              <a:rPr lang="en-US" sz="2400" dirty="0"/>
-              <a:t> if s1 &gt; s2 (lexicographic order)</a:t>
+              <a:t> char *s </a:t>
+            </a:r>
+            <a:r>
+              <a:rPr lang="en-US" dirty="0"/>
+              <a:t>: cannot modify what the pointer points to, can modify it to point to something else</a:t>
             </a:r>
           </a:p>
         </p:txBody>
@@ -13365,6 +13133,367 @@
     </p:spTree>
     <p:extLst>
       <p:ext uri="{BB962C8B-B14F-4D97-AF65-F5344CB8AC3E}">
+        <p14:creationId xmlns:p14="http://schemas.microsoft.com/office/powerpoint/2010/main" val="1139114152"/>
+      </p:ext>
+    </p:extLst>
+  </p:cSld>
+  <p:clrMapOvr>
+    <a:masterClrMapping/>
+  </p:clrMapOvr>
+</p:sld>
+</file>
+
+<file path=ppt/slides/slide23.xml><?xml version="1.0" encoding="utf-8"?>
+<p:sld xmlns:a="http://schemas.openxmlformats.org/drawingml/2006/main" xmlns:r="http://schemas.openxmlformats.org/officeDocument/2006/relationships" xmlns:p="http://schemas.openxmlformats.org/presentationml/2006/main">
+  <p:cSld>
+    <p:spTree>
+      <p:nvGrpSpPr>
+        <p:cNvPr id="1" name=""/>
+        <p:cNvGrpSpPr/>
+        <p:nvPr/>
+      </p:nvGrpSpPr>
+      <p:grpSpPr>
+        <a:xfrm>
+          <a:off x="0" y="0"/>
+          <a:ext cx="0" cy="0"/>
+          <a:chOff x="0" y="0"/>
+          <a:chExt cx="0" cy="0"/>
+        </a:xfrm>
+      </p:grpSpPr>
+      <p:sp>
+        <p:nvSpPr>
+          <p:cNvPr id="2" name="Title 1"/>
+          <p:cNvSpPr>
+            <a:spLocks noGrp="1"/>
+          </p:cNvSpPr>
+          <p:nvPr>
+            <p:ph type="title"/>
+          </p:nvPr>
+        </p:nvSpPr>
+        <p:spPr/>
+        <p:txBody>
+          <a:bodyPr>
+            <a:normAutofit/>
+          </a:bodyPr>
+          <a:lstStyle/>
+          <a:p>
+            <a:r>
+              <a:rPr lang="en-US" dirty="0"/>
+              <a:t>C String library (Optional Content)</a:t>
+            </a:r>
+          </a:p>
+        </p:txBody>
+      </p:sp>
+      <p:sp>
+        <p:nvSpPr>
+          <p:cNvPr id="3" name="Content Placeholder 2"/>
+          <p:cNvSpPr>
+            <a:spLocks noGrp="1"/>
+          </p:cNvSpPr>
+          <p:nvPr>
+            <p:ph idx="1"/>
+          </p:nvPr>
+        </p:nvSpPr>
+        <p:spPr>
+          <a:xfrm>
+            <a:off x="195672" y="1847098"/>
+            <a:ext cx="8045196" cy="4351337"/>
+          </a:xfrm>
+        </p:spPr>
+        <p:txBody>
+          <a:bodyPr>
+            <a:noAutofit/>
+          </a:bodyPr>
+          <a:lstStyle/>
+          <a:p>
+            <a:r>
+              <a:rPr lang="en-US" sz="2800" dirty="0">
+                <a:solidFill>
+                  <a:srgbClr val="000099"/>
+                </a:solidFill>
+              </a:rPr>
+              <a:t>char *</a:t>
+            </a:r>
+            <a:r>
+              <a:rPr lang="en-US" sz="2800" dirty="0" err="1">
+                <a:solidFill>
+                  <a:srgbClr val="000099"/>
+                </a:solidFill>
+              </a:rPr>
+              <a:t>strcpy</a:t>
+            </a:r>
+            <a:r>
+              <a:rPr lang="en-US" sz="2800" dirty="0">
+                <a:solidFill>
+                  <a:srgbClr val="000099"/>
+                </a:solidFill>
+              </a:rPr>
+              <a:t>(char *s1, </a:t>
+            </a:r>
+            <a:r>
+              <a:rPr lang="en-US" sz="2800" dirty="0" err="1">
+                <a:solidFill>
+                  <a:srgbClr val="000099"/>
+                </a:solidFill>
+              </a:rPr>
+              <a:t>const</a:t>
+            </a:r>
+            <a:r>
+              <a:rPr lang="en-US" sz="2800" dirty="0">
+                <a:solidFill>
+                  <a:srgbClr val="000099"/>
+                </a:solidFill>
+              </a:rPr>
+              <a:t> char *s2);</a:t>
+            </a:r>
+          </a:p>
+          <a:p>
+            <a:pPr lvl="1"/>
+            <a:r>
+              <a:rPr lang="en-US" sz="2400" dirty="0"/>
+              <a:t>Copies content of s2 into s1, returns pointer s1</a:t>
+            </a:r>
+          </a:p>
+          <a:p>
+            <a:r>
+              <a:rPr lang="en-US" sz="2800" dirty="0" err="1">
+                <a:solidFill>
+                  <a:srgbClr val="000099"/>
+                </a:solidFill>
+              </a:rPr>
+              <a:t>size_t</a:t>
+            </a:r>
+            <a:r>
+              <a:rPr lang="en-US" sz="2800" dirty="0">
+                <a:solidFill>
+                  <a:srgbClr val="000099"/>
+                </a:solidFill>
+              </a:rPr>
+              <a:t> </a:t>
+            </a:r>
+            <a:r>
+              <a:rPr lang="en-US" sz="2800" dirty="0" err="1">
+                <a:solidFill>
+                  <a:srgbClr val="000099"/>
+                </a:solidFill>
+              </a:rPr>
+              <a:t>strlen</a:t>
+            </a:r>
+            <a:r>
+              <a:rPr lang="en-US" sz="2800" dirty="0">
+                <a:solidFill>
+                  <a:srgbClr val="000099"/>
+                </a:solidFill>
+              </a:rPr>
+              <a:t>(</a:t>
+            </a:r>
+            <a:r>
+              <a:rPr lang="en-US" sz="2800" dirty="0" err="1">
+                <a:solidFill>
+                  <a:srgbClr val="000099"/>
+                </a:solidFill>
+              </a:rPr>
+              <a:t>const</a:t>
+            </a:r>
+            <a:r>
+              <a:rPr lang="en-US" sz="2800" dirty="0">
+                <a:solidFill>
+                  <a:srgbClr val="000099"/>
+                </a:solidFill>
+              </a:rPr>
+              <a:t> char *s);</a:t>
+            </a:r>
+          </a:p>
+          <a:p>
+            <a:pPr lvl="1"/>
+            <a:r>
+              <a:rPr lang="en-US" sz="2400" dirty="0" err="1"/>
+              <a:t>size_t</a:t>
+            </a:r>
+            <a:r>
+              <a:rPr lang="en-US" sz="2400" dirty="0"/>
+              <a:t>: defined using </a:t>
+            </a:r>
+            <a:r>
+              <a:rPr lang="en-US" sz="2400" dirty="0" err="1"/>
+              <a:t>typedef</a:t>
+            </a:r>
+            <a:r>
+              <a:rPr lang="en-US" sz="2400" dirty="0"/>
+              <a:t> as unsigned </a:t>
+            </a:r>
+            <a:r>
+              <a:rPr lang="en-US" sz="2400" dirty="0" err="1"/>
+              <a:t>int</a:t>
+            </a:r>
+            <a:endParaRPr lang="en-US" sz="2400" dirty="0"/>
+          </a:p>
+          <a:p>
+            <a:pPr lvl="1"/>
+            <a:r>
+              <a:rPr lang="en-US" sz="2400" dirty="0"/>
+              <a:t>Returns length of string up to but not including \0</a:t>
+            </a:r>
+          </a:p>
+          <a:p>
+            <a:r>
+              <a:rPr lang="en-US" sz="2800" dirty="0">
+                <a:solidFill>
+                  <a:srgbClr val="000099"/>
+                </a:solidFill>
+              </a:rPr>
+              <a:t>char *</a:t>
+            </a:r>
+            <a:r>
+              <a:rPr lang="en-US" sz="2800" dirty="0" err="1">
+                <a:solidFill>
+                  <a:srgbClr val="000099"/>
+                </a:solidFill>
+              </a:rPr>
+              <a:t>strcat</a:t>
+            </a:r>
+            <a:r>
+              <a:rPr lang="en-US" sz="2800" dirty="0">
+                <a:solidFill>
+                  <a:srgbClr val="000099"/>
+                </a:solidFill>
+              </a:rPr>
+              <a:t>(char *s1, </a:t>
+            </a:r>
+            <a:r>
+              <a:rPr lang="en-US" sz="2800" dirty="0" err="1">
+                <a:solidFill>
+                  <a:srgbClr val="000099"/>
+                </a:solidFill>
+              </a:rPr>
+              <a:t>const</a:t>
+            </a:r>
+            <a:r>
+              <a:rPr lang="en-US" sz="2800" dirty="0">
+                <a:solidFill>
+                  <a:srgbClr val="000099"/>
+                </a:solidFill>
+              </a:rPr>
+              <a:t> char *s2);</a:t>
+            </a:r>
+          </a:p>
+          <a:p>
+            <a:pPr lvl="1"/>
+            <a:r>
+              <a:rPr lang="en-US" sz="2400" dirty="0"/>
+              <a:t>Appends content of s2 to the end of s1, returns s1;</a:t>
+            </a:r>
+          </a:p>
+          <a:p>
+            <a:r>
+              <a:rPr lang="en-US" sz="2800" dirty="0">
+                <a:solidFill>
+                  <a:srgbClr val="000099"/>
+                </a:solidFill>
+              </a:rPr>
+              <a:t>short *</a:t>
+            </a:r>
+            <a:r>
+              <a:rPr lang="en-US" sz="2800" dirty="0" err="1">
+                <a:solidFill>
+                  <a:srgbClr val="000099"/>
+                </a:solidFill>
+              </a:rPr>
+              <a:t>strcmp</a:t>
+            </a:r>
+            <a:r>
+              <a:rPr lang="en-US" sz="2800" dirty="0">
+                <a:solidFill>
+                  <a:srgbClr val="000099"/>
+                </a:solidFill>
+              </a:rPr>
+              <a:t>(</a:t>
+            </a:r>
+            <a:r>
+              <a:rPr lang="en-US" sz="2800" dirty="0" err="1">
+                <a:solidFill>
+                  <a:srgbClr val="000099"/>
+                </a:solidFill>
+              </a:rPr>
+              <a:t>const</a:t>
+            </a:r>
+            <a:r>
+              <a:rPr lang="en-US" sz="2800" dirty="0">
+                <a:solidFill>
+                  <a:srgbClr val="000099"/>
+                </a:solidFill>
+              </a:rPr>
+              <a:t> char *s1, </a:t>
+            </a:r>
+            <a:r>
+              <a:rPr lang="en-US" sz="2800" dirty="0" err="1">
+                <a:solidFill>
+                  <a:srgbClr val="000099"/>
+                </a:solidFill>
+              </a:rPr>
+              <a:t>const</a:t>
+            </a:r>
+            <a:r>
+              <a:rPr lang="en-US" sz="2800" dirty="0">
+                <a:solidFill>
+                  <a:srgbClr val="000099"/>
+                </a:solidFill>
+              </a:rPr>
+              <a:t> char *s2);</a:t>
+            </a:r>
+          </a:p>
+          <a:p>
+            <a:pPr lvl="1"/>
+            <a:r>
+              <a:rPr lang="en-US" sz="2400" dirty="0"/>
+              <a:t>Compares content of s1 and s2: returns 0 if the same, negative </a:t>
+            </a:r>
+            <a:r>
+              <a:rPr lang="en-US" sz="2400" dirty="0" err="1"/>
+              <a:t>int</a:t>
+            </a:r>
+            <a:r>
+              <a:rPr lang="en-US" sz="2400" dirty="0"/>
+              <a:t> if s1  &lt; s2 and positive </a:t>
+            </a:r>
+            <a:r>
+              <a:rPr lang="en-US" sz="2400" dirty="0" err="1"/>
+              <a:t>int</a:t>
+            </a:r>
+            <a:r>
+              <a:rPr lang="en-US" sz="2400" dirty="0"/>
+              <a:t> if s1 &gt; s2 (lexicographic order)</a:t>
+            </a:r>
+          </a:p>
+        </p:txBody>
+      </p:sp>
+      <p:sp>
+        <p:nvSpPr>
+          <p:cNvPr id="12" name="Slide Number Placeholder 11"/>
+          <p:cNvSpPr>
+            <a:spLocks noGrp="1"/>
+          </p:cNvSpPr>
+          <p:nvPr>
+            <p:ph type="sldNum" sz="quarter" idx="12"/>
+          </p:nvPr>
+        </p:nvSpPr>
+        <p:spPr/>
+        <p:txBody>
+          <a:bodyPr/>
+          <a:lstStyle/>
+          <a:p>
+            <a:fld id="{B6F15528-21DE-4FAA-801E-634DDDAF4B2B}" type="slidenum">
+              <a:rPr lang="en-US" smtClean="0"/>
+              <a:pPr/>
+              <a:t>23</a:t>
+            </a:fld>
+            <a:endParaRPr lang="en-US" dirty="0"/>
+          </a:p>
+        </p:txBody>
+      </p:sp>
+    </p:spTree>
+    <p:extLst>
+      <p:ext uri="{BB962C8B-B14F-4D97-AF65-F5344CB8AC3E}">
         <p14:creationId xmlns:p14="http://schemas.microsoft.com/office/powerpoint/2010/main" val="274839659"/>
       </p:ext>
     </p:extLst>
@@ -13375,7 +13504,7 @@
 </p:sld>
 </file>
 
-<file path=ppt/slides/slide23.xml><?xml version="1.0" encoding="utf-8"?>
+<file path=ppt/slides/slide24.xml><?xml version="1.0" encoding="utf-8"?>
 <p:sld xmlns:a="http://schemas.openxmlformats.org/drawingml/2006/main" xmlns:r="http://schemas.openxmlformats.org/officeDocument/2006/relationships" xmlns:p="http://schemas.openxmlformats.org/presentationml/2006/main">
   <p:cSld>
     <p:spTree>
@@ -13410,7 +13539,7 @@
             <a:fld id="{B6F15528-21DE-4FAA-801E-634DDDAF4B2B}" type="slidenum">
               <a:rPr lang="en-US" smtClean="0"/>
               <a:pPr/>
-              <a:t>23</a:t>
+              <a:t>24</a:t>
             </a:fld>
             <a:endParaRPr lang="en-US" dirty="0"/>
           </a:p>
@@ -14189,313 +14318,6 @@
     <p:extLst>
       <p:ext uri="{BB962C8B-B14F-4D97-AF65-F5344CB8AC3E}">
         <p14:creationId xmlns:p14="http://schemas.microsoft.com/office/powerpoint/2010/main" val="2140307763"/>
-      </p:ext>
-    </p:extLst>
-  </p:cSld>
-  <p:clrMapOvr>
-    <a:masterClrMapping/>
-  </p:clrMapOvr>
-</p:sld>
-</file>
-
-<file path=ppt/slides/slide24.xml><?xml version="1.0" encoding="utf-8"?>
-<p:sld xmlns:a="http://schemas.openxmlformats.org/drawingml/2006/main" xmlns:r="http://schemas.openxmlformats.org/officeDocument/2006/relationships" xmlns:p="http://schemas.openxmlformats.org/presentationml/2006/main">
-  <p:cSld>
-    <p:spTree>
-      <p:nvGrpSpPr>
-        <p:cNvPr id="1" name=""/>
-        <p:cNvGrpSpPr/>
-        <p:nvPr/>
-      </p:nvGrpSpPr>
-      <p:grpSpPr>
-        <a:xfrm>
-          <a:off x="0" y="0"/>
-          <a:ext cx="0" cy="0"/>
-          <a:chOff x="0" y="0"/>
-          <a:chExt cx="0" cy="0"/>
-        </a:xfrm>
-      </p:grpSpPr>
-      <p:sp>
-        <p:nvSpPr>
-          <p:cNvPr id="2" name="Title 1"/>
-          <p:cNvSpPr>
-            <a:spLocks noGrp="1"/>
-          </p:cNvSpPr>
-          <p:nvPr>
-            <p:ph type="title"/>
-          </p:nvPr>
-        </p:nvSpPr>
-        <p:spPr/>
-        <p:txBody>
-          <a:bodyPr/>
-          <a:lstStyle/>
-          <a:p>
-            <a:r>
-              <a:rPr lang="en-US" dirty="0"/>
-              <a:t>Example</a:t>
-            </a:r>
-          </a:p>
-        </p:txBody>
-      </p:sp>
-      <p:sp>
-        <p:nvSpPr>
-          <p:cNvPr id="12" name="Slide Number Placeholder 11"/>
-          <p:cNvSpPr>
-            <a:spLocks noGrp="1"/>
-          </p:cNvSpPr>
-          <p:nvPr>
-            <p:ph type="sldNum" sz="quarter" idx="12"/>
-          </p:nvPr>
-        </p:nvSpPr>
-        <p:spPr/>
-        <p:txBody>
-          <a:bodyPr/>
-          <a:lstStyle/>
-          <a:p>
-            <a:fld id="{B6F15528-21DE-4FAA-801E-634DDDAF4B2B}" type="slidenum">
-              <a:rPr lang="en-US" smtClean="0"/>
-              <a:pPr/>
-              <a:t>24</a:t>
-            </a:fld>
-            <a:endParaRPr lang="en-US" dirty="0"/>
-          </a:p>
-        </p:txBody>
-      </p:sp>
-      <p:sp>
-        <p:nvSpPr>
-          <p:cNvPr id="5" name="TextBox 4"/>
-          <p:cNvSpPr txBox="1"/>
-          <p:nvPr/>
-        </p:nvSpPr>
-        <p:spPr>
-          <a:xfrm>
-            <a:off x="152400" y="1981200"/>
-            <a:ext cx="8153400" cy="2677656"/>
-          </a:xfrm>
-          <a:prstGeom prst="rect">
-            <a:avLst/>
-          </a:prstGeom>
-          <a:noFill/>
-        </p:spPr>
-        <p:txBody>
-          <a:bodyPr wrap="square" rtlCol="0">
-            <a:spAutoFit/>
-          </a:bodyPr>
-          <a:lstStyle/>
-          <a:p>
-            <a:pPr defTabSz="461963"/>
-            <a:r>
-              <a:rPr lang="en-US" sz="2400" dirty="0">
-                <a:solidFill>
-                  <a:srgbClr val="000099"/>
-                </a:solidFill>
-                <a:latin typeface="Consolas" charset="0"/>
-                <a:ea typeface="Consolas" charset="0"/>
-                <a:cs typeface="Consolas" charset="0"/>
-              </a:rPr>
-              <a:t>char *</a:t>
-            </a:r>
-            <a:r>
-              <a:rPr lang="en-US" sz="2400" dirty="0" err="1">
-                <a:solidFill>
-                  <a:srgbClr val="000099"/>
-                </a:solidFill>
-                <a:latin typeface="Consolas" charset="0"/>
-                <a:ea typeface="Consolas" charset="0"/>
-                <a:cs typeface="Consolas" charset="0"/>
-              </a:rPr>
-              <a:t>ptr</a:t>
-            </a:r>
-            <a:r>
-              <a:rPr lang="en-US" sz="2400" dirty="0">
-                <a:solidFill>
-                  <a:srgbClr val="000099"/>
-                </a:solidFill>
-                <a:latin typeface="Consolas" charset="0"/>
-                <a:ea typeface="Consolas" charset="0"/>
-                <a:cs typeface="Consolas" charset="0"/>
-              </a:rPr>
-              <a:t> = </a:t>
-            </a:r>
-            <a:r>
-              <a:rPr lang="en-US" sz="2400" dirty="0" err="1">
-                <a:solidFill>
-                  <a:srgbClr val="000099"/>
-                </a:solidFill>
-                <a:latin typeface="Consolas" charset="0"/>
-                <a:ea typeface="Consolas" charset="0"/>
-                <a:cs typeface="Consolas" charset="0"/>
-              </a:rPr>
-              <a:t>upperStr</a:t>
-            </a:r>
-            <a:r>
-              <a:rPr lang="en-US" sz="2400" dirty="0">
-                <a:solidFill>
-                  <a:srgbClr val="000099"/>
-                </a:solidFill>
-                <a:latin typeface="Consolas" charset="0"/>
-                <a:ea typeface="Consolas" charset="0"/>
-                <a:cs typeface="Consolas" charset="0"/>
-              </a:rPr>
-              <a:t>;</a:t>
-            </a:r>
-          </a:p>
-          <a:p>
-            <a:pPr defTabSz="461963"/>
-            <a:r>
-              <a:rPr lang="en-US" sz="2400" dirty="0">
-                <a:solidFill>
-                  <a:srgbClr val="000099"/>
-                </a:solidFill>
-                <a:latin typeface="Consolas" charset="0"/>
-                <a:ea typeface="Consolas" charset="0"/>
-                <a:cs typeface="Consolas" charset="0"/>
-              </a:rPr>
-              <a:t>while (*</a:t>
-            </a:r>
-            <a:r>
-              <a:rPr lang="en-US" sz="2400" dirty="0" err="1">
-                <a:solidFill>
-                  <a:srgbClr val="000099"/>
-                </a:solidFill>
-                <a:latin typeface="Consolas" charset="0"/>
-                <a:ea typeface="Consolas" charset="0"/>
-                <a:cs typeface="Consolas" charset="0"/>
-              </a:rPr>
-              <a:t>ptr</a:t>
-            </a:r>
-            <a:r>
-              <a:rPr lang="en-US" sz="2400" dirty="0">
-                <a:solidFill>
-                  <a:srgbClr val="000099"/>
-                </a:solidFill>
-                <a:latin typeface="Consolas" charset="0"/>
-                <a:ea typeface="Consolas" charset="0"/>
-                <a:cs typeface="Consolas" charset="0"/>
-              </a:rPr>
-              <a:t> != ‘\0’) {</a:t>
-            </a:r>
-          </a:p>
-          <a:p>
-            <a:pPr defTabSz="461963"/>
-            <a:r>
-              <a:rPr lang="en-US" sz="2400" dirty="0">
-                <a:solidFill>
-                  <a:srgbClr val="000099"/>
-                </a:solidFill>
-                <a:latin typeface="Consolas" charset="0"/>
-                <a:ea typeface="Consolas" charset="0"/>
-                <a:cs typeface="Consolas" charset="0"/>
-              </a:rPr>
-              <a:t>	</a:t>
-            </a:r>
-            <a:r>
-              <a:rPr lang="en-US" sz="2400" dirty="0">
-                <a:solidFill>
-                  <a:srgbClr val="00B050"/>
-                </a:solidFill>
-                <a:latin typeface="Consolas" charset="0"/>
-                <a:ea typeface="Consolas" charset="0"/>
-                <a:cs typeface="Consolas" charset="0"/>
-              </a:rPr>
-              <a:t>//Process</a:t>
-            </a:r>
-          </a:p>
-          <a:p>
-            <a:pPr defTabSz="461963"/>
-            <a:r>
-              <a:rPr lang="en-US" sz="2400" dirty="0">
-                <a:solidFill>
-                  <a:srgbClr val="000099"/>
-                </a:solidFill>
-                <a:latin typeface="Consolas" charset="0"/>
-                <a:ea typeface="Consolas" charset="0"/>
-                <a:cs typeface="Consolas" charset="0"/>
-              </a:rPr>
-              <a:t>	…     …      …</a:t>
-            </a:r>
-          </a:p>
-          <a:p>
-            <a:pPr defTabSz="461963"/>
-            <a:r>
-              <a:rPr lang="en-US" sz="2400" dirty="0">
-                <a:solidFill>
-                  <a:srgbClr val="000099"/>
-                </a:solidFill>
-                <a:latin typeface="Consolas" charset="0"/>
-                <a:ea typeface="Consolas" charset="0"/>
-                <a:cs typeface="Consolas" charset="0"/>
-              </a:rPr>
-              <a:t>	</a:t>
-            </a:r>
-            <a:r>
-              <a:rPr lang="en-US" sz="2400" dirty="0">
-                <a:solidFill>
-                  <a:srgbClr val="00B050"/>
-                </a:solidFill>
-                <a:latin typeface="Consolas" charset="0"/>
-                <a:ea typeface="Consolas" charset="0"/>
-                <a:cs typeface="Consolas" charset="0"/>
-              </a:rPr>
-              <a:t>//Move to the next character in the string</a:t>
-            </a:r>
-          </a:p>
-          <a:p>
-            <a:pPr defTabSz="461963"/>
-            <a:r>
-              <a:rPr lang="en-US" sz="2400" dirty="0">
-                <a:solidFill>
-                  <a:srgbClr val="000099"/>
-                </a:solidFill>
-                <a:latin typeface="Consolas" charset="0"/>
-                <a:ea typeface="Consolas" charset="0"/>
-                <a:cs typeface="Consolas" charset="0"/>
-              </a:rPr>
-              <a:t>	</a:t>
-            </a:r>
-            <a:r>
-              <a:rPr lang="en-US" sz="2400" dirty="0" err="1">
-                <a:solidFill>
-                  <a:srgbClr val="000099"/>
-                </a:solidFill>
-                <a:latin typeface="Consolas" charset="0"/>
-                <a:ea typeface="Consolas" charset="0"/>
-                <a:cs typeface="Consolas" charset="0"/>
-              </a:rPr>
-              <a:t>ptr</a:t>
-            </a:r>
-            <a:r>
-              <a:rPr lang="en-US" sz="2400" dirty="0">
-                <a:solidFill>
-                  <a:srgbClr val="000099"/>
-                </a:solidFill>
-                <a:latin typeface="Consolas" charset="0"/>
-                <a:ea typeface="Consolas" charset="0"/>
-                <a:cs typeface="Consolas" charset="0"/>
-              </a:rPr>
-              <a:t>++;</a:t>
-            </a:r>
-          </a:p>
-          <a:p>
-            <a:pPr defTabSz="461963"/>
-            <a:r>
-              <a:rPr lang="en-US" sz="2400" dirty="0">
-                <a:solidFill>
-                  <a:srgbClr val="000099"/>
-                </a:solidFill>
-                <a:latin typeface="Consolas" charset="0"/>
-                <a:ea typeface="Consolas" charset="0"/>
-                <a:cs typeface="Consolas" charset="0"/>
-              </a:rPr>
-              <a:t>}</a:t>
-            </a:r>
-          </a:p>
-        </p:txBody>
-      </p:sp>
-    </p:spTree>
-    <p:extLst>
-      <p:ext uri="{BB962C8B-B14F-4D97-AF65-F5344CB8AC3E}">
-        <p14:creationId xmlns:p14="http://schemas.microsoft.com/office/powerpoint/2010/main" val="1801485491"/>
       </p:ext>
     </p:extLst>
   </p:cSld>
@@ -14534,344 +14356,12 @@
         </p:nvSpPr>
         <p:spPr/>
         <p:txBody>
-          <a:bodyPr>
-            <a:normAutofit/>
-          </a:bodyPr>
+          <a:bodyPr/>
           <a:lstStyle/>
           <a:p>
             <a:r>
               <a:rPr lang="en-US" dirty="0"/>
-              <a:t>Accessing String Content</a:t>
-            </a:r>
-          </a:p>
-        </p:txBody>
-      </p:sp>
-      <p:sp>
-        <p:nvSpPr>
-          <p:cNvPr id="3" name="Content Placeholder 2"/>
-          <p:cNvSpPr>
-            <a:spLocks noGrp="1"/>
-          </p:cNvSpPr>
-          <p:nvPr>
-            <p:ph idx="1"/>
-          </p:nvPr>
-        </p:nvSpPr>
-        <p:spPr/>
-        <p:txBody>
-          <a:bodyPr>
-            <a:noAutofit/>
-          </a:bodyPr>
-          <a:lstStyle/>
-          <a:p>
-            <a:r>
-              <a:rPr lang="en-US" dirty="0"/>
-              <a:t>Use subscript or pointer</a:t>
-            </a:r>
-          </a:p>
-          <a:p>
-            <a:r>
-              <a:rPr lang="en-US" dirty="0"/>
-              <a:t>To declare a string parameter: pointer or array</a:t>
-            </a:r>
-          </a:p>
-          <a:p>
-            <a:pPr marL="857250" lvl="2" indent="0">
-              <a:buNone/>
-            </a:pPr>
-            <a:r>
-              <a:rPr lang="en-US" sz="2400" dirty="0" err="1">
-                <a:solidFill>
-                  <a:srgbClr val="000099"/>
-                </a:solidFill>
-                <a:latin typeface="Consolas" charset="0"/>
-                <a:ea typeface="Consolas" charset="0"/>
-                <a:cs typeface="Consolas" charset="0"/>
-              </a:rPr>
-              <a:t>int</a:t>
-            </a:r>
-            <a:r>
-              <a:rPr lang="en-US" sz="2400" dirty="0">
-                <a:solidFill>
-                  <a:srgbClr val="000099"/>
-                </a:solidFill>
-                <a:latin typeface="Consolas" charset="0"/>
-                <a:ea typeface="Consolas" charset="0"/>
-                <a:cs typeface="Consolas" charset="0"/>
-              </a:rPr>
-              <a:t> </a:t>
-            </a:r>
-            <a:r>
-              <a:rPr lang="en-US" sz="2400" dirty="0" err="1">
-                <a:solidFill>
-                  <a:srgbClr val="000099"/>
-                </a:solidFill>
-                <a:latin typeface="Consolas" charset="0"/>
-                <a:ea typeface="Consolas" charset="0"/>
-                <a:cs typeface="Consolas" charset="0"/>
-              </a:rPr>
-              <a:t>count_spaces</a:t>
-            </a:r>
-            <a:r>
-              <a:rPr lang="en-US" sz="2400" dirty="0">
-                <a:solidFill>
-                  <a:srgbClr val="000099"/>
-                </a:solidFill>
-                <a:latin typeface="Consolas" charset="0"/>
-                <a:ea typeface="Consolas" charset="0"/>
-                <a:cs typeface="Consolas" charset="0"/>
-              </a:rPr>
-              <a:t>(char *s);</a:t>
-            </a:r>
-          </a:p>
-          <a:p>
-            <a:pPr marL="857250" lvl="2" indent="0">
-              <a:buNone/>
-            </a:pPr>
-            <a:r>
-              <a:rPr lang="en-US" sz="2400" dirty="0" err="1">
-                <a:solidFill>
-                  <a:srgbClr val="000099"/>
-                </a:solidFill>
-                <a:latin typeface="Consolas" charset="0"/>
-                <a:ea typeface="Consolas" charset="0"/>
-                <a:cs typeface="Consolas" charset="0"/>
-              </a:rPr>
-              <a:t>int</a:t>
-            </a:r>
-            <a:r>
-              <a:rPr lang="en-US" sz="2400" dirty="0">
-                <a:solidFill>
-                  <a:srgbClr val="000099"/>
-                </a:solidFill>
-                <a:latin typeface="Consolas" charset="0"/>
-                <a:ea typeface="Consolas" charset="0"/>
-                <a:cs typeface="Consolas" charset="0"/>
-              </a:rPr>
-              <a:t> </a:t>
-            </a:r>
-            <a:r>
-              <a:rPr lang="en-US" sz="2400" dirty="0" err="1">
-                <a:solidFill>
-                  <a:srgbClr val="000099"/>
-                </a:solidFill>
-                <a:latin typeface="Consolas" charset="0"/>
-                <a:ea typeface="Consolas" charset="0"/>
-                <a:cs typeface="Consolas" charset="0"/>
-              </a:rPr>
-              <a:t>count_spaces</a:t>
-            </a:r>
-            <a:r>
-              <a:rPr lang="en-US" sz="2400" dirty="0">
-                <a:solidFill>
-                  <a:srgbClr val="000099"/>
-                </a:solidFill>
-                <a:latin typeface="Consolas" charset="0"/>
-                <a:ea typeface="Consolas" charset="0"/>
-                <a:cs typeface="Consolas" charset="0"/>
-              </a:rPr>
-              <a:t>(char s[ ]);</a:t>
-            </a:r>
-          </a:p>
-          <a:p>
-            <a:r>
-              <a:rPr lang="en-US" dirty="0"/>
-              <a:t>Can call </a:t>
-            </a:r>
-            <a:r>
-              <a:rPr lang="en-US" dirty="0" err="1"/>
-              <a:t>count_spaces</a:t>
-            </a:r>
-            <a:r>
-              <a:rPr lang="en-US" dirty="0"/>
-              <a:t> with pointer and array:</a:t>
-            </a:r>
-          </a:p>
-          <a:p>
-            <a:pPr marL="457200" lvl="1" indent="0">
-              <a:buNone/>
-            </a:pPr>
-            <a:r>
-              <a:rPr lang="en-US" sz="2000" dirty="0">
-                <a:latin typeface="Consolas" charset="0"/>
-                <a:ea typeface="Consolas" charset="0"/>
-                <a:cs typeface="Consolas" charset="0"/>
-              </a:rPr>
-              <a:t>	</a:t>
-            </a:r>
-            <a:r>
-              <a:rPr lang="en-US" sz="2000" dirty="0">
-                <a:solidFill>
-                  <a:srgbClr val="000099"/>
-                </a:solidFill>
-                <a:latin typeface="Consolas" charset="0"/>
-                <a:ea typeface="Consolas" charset="0"/>
-                <a:cs typeface="Consolas" charset="0"/>
-              </a:rPr>
-              <a:t>char </a:t>
-            </a:r>
-            <a:r>
-              <a:rPr lang="en-US" sz="2000" dirty="0" err="1">
-                <a:solidFill>
-                  <a:srgbClr val="000099"/>
-                </a:solidFill>
-                <a:latin typeface="Consolas" charset="0"/>
-                <a:ea typeface="Consolas" charset="0"/>
-                <a:cs typeface="Consolas" charset="0"/>
-              </a:rPr>
-              <a:t>str</a:t>
-            </a:r>
-            <a:r>
-              <a:rPr lang="en-US" sz="2000" dirty="0">
-                <a:solidFill>
-                  <a:srgbClr val="000099"/>
-                </a:solidFill>
-                <a:latin typeface="Consolas" charset="0"/>
-                <a:ea typeface="Consolas" charset="0"/>
-                <a:cs typeface="Consolas" charset="0"/>
-              </a:rPr>
-              <a:t>[ ] = “a </a:t>
-            </a:r>
-            <a:r>
-              <a:rPr lang="en-US" sz="2000" dirty="0" err="1">
-                <a:solidFill>
-                  <a:srgbClr val="000099"/>
-                </a:solidFill>
-                <a:latin typeface="Consolas" charset="0"/>
-                <a:ea typeface="Consolas" charset="0"/>
-                <a:cs typeface="Consolas" charset="0"/>
-              </a:rPr>
-              <a:t>bc</a:t>
-            </a:r>
-            <a:r>
-              <a:rPr lang="en-US" sz="2000" dirty="0">
-                <a:solidFill>
-                  <a:srgbClr val="000099"/>
-                </a:solidFill>
-                <a:latin typeface="Consolas" charset="0"/>
-                <a:ea typeface="Consolas" charset="0"/>
-                <a:cs typeface="Consolas" charset="0"/>
-              </a:rPr>
-              <a:t> d e”, *p = </a:t>
-            </a:r>
-            <a:r>
-              <a:rPr lang="en-US" sz="2000" dirty="0" err="1">
-                <a:solidFill>
-                  <a:srgbClr val="000099"/>
-                </a:solidFill>
-                <a:latin typeface="Consolas" charset="0"/>
-                <a:ea typeface="Consolas" charset="0"/>
-                <a:cs typeface="Consolas" charset="0"/>
-              </a:rPr>
-              <a:t>str</a:t>
-            </a:r>
-            <a:r>
-              <a:rPr lang="en-US" sz="2000" dirty="0">
-                <a:solidFill>
-                  <a:srgbClr val="000099"/>
-                </a:solidFill>
-                <a:latin typeface="Consolas" charset="0"/>
-                <a:ea typeface="Consolas" charset="0"/>
-                <a:cs typeface="Consolas" charset="0"/>
-              </a:rPr>
-              <a:t>;</a:t>
-            </a:r>
-          </a:p>
-          <a:p>
-            <a:pPr marL="457200" lvl="1" indent="0">
-              <a:buNone/>
-            </a:pPr>
-            <a:r>
-              <a:rPr lang="en-US" sz="2000" dirty="0">
-                <a:solidFill>
-                  <a:srgbClr val="000099"/>
-                </a:solidFill>
-                <a:latin typeface="Consolas" charset="0"/>
-                <a:ea typeface="Consolas" charset="0"/>
-                <a:cs typeface="Consolas" charset="0"/>
-              </a:rPr>
-              <a:t>	</a:t>
-            </a:r>
-            <a:r>
-              <a:rPr lang="en-US" sz="2000" dirty="0" err="1">
-                <a:solidFill>
-                  <a:srgbClr val="000099"/>
-                </a:solidFill>
-                <a:latin typeface="Consolas" charset="0"/>
-                <a:ea typeface="Consolas" charset="0"/>
-                <a:cs typeface="Consolas" charset="0"/>
-              </a:rPr>
-              <a:t>count_spaces</a:t>
-            </a:r>
-            <a:r>
-              <a:rPr lang="en-US" sz="2000" dirty="0">
-                <a:solidFill>
-                  <a:srgbClr val="000099"/>
-                </a:solidFill>
-                <a:latin typeface="Consolas" charset="0"/>
-                <a:ea typeface="Consolas" charset="0"/>
-                <a:cs typeface="Consolas" charset="0"/>
-              </a:rPr>
-              <a:t>(</a:t>
-            </a:r>
-            <a:r>
-              <a:rPr lang="en-US" sz="2000" dirty="0" err="1">
-                <a:solidFill>
-                  <a:srgbClr val="000099"/>
-                </a:solidFill>
-                <a:latin typeface="Consolas" charset="0"/>
-                <a:ea typeface="Consolas" charset="0"/>
-                <a:cs typeface="Consolas" charset="0"/>
-              </a:rPr>
-              <a:t>str</a:t>
-            </a:r>
-            <a:r>
-              <a:rPr lang="en-US" sz="2000" dirty="0">
-                <a:solidFill>
-                  <a:srgbClr val="000099"/>
-                </a:solidFill>
-                <a:latin typeface="Consolas" charset="0"/>
-                <a:ea typeface="Consolas" charset="0"/>
-                <a:cs typeface="Consolas" charset="0"/>
-              </a:rPr>
-              <a:t>);</a:t>
-            </a:r>
-          </a:p>
-          <a:p>
-            <a:pPr marL="457200" lvl="1" indent="0">
-              <a:buNone/>
-            </a:pPr>
-            <a:r>
-              <a:rPr lang="en-US" sz="2000" dirty="0">
-                <a:solidFill>
-                  <a:srgbClr val="000099"/>
-                </a:solidFill>
-                <a:latin typeface="Consolas" charset="0"/>
-                <a:ea typeface="Consolas" charset="0"/>
-                <a:cs typeface="Consolas" charset="0"/>
-              </a:rPr>
-              <a:t>	</a:t>
-            </a:r>
-            <a:r>
-              <a:rPr lang="en-US" sz="2000" dirty="0" err="1">
-                <a:solidFill>
-                  <a:srgbClr val="000099"/>
-                </a:solidFill>
-                <a:latin typeface="Consolas" charset="0"/>
-                <a:ea typeface="Consolas" charset="0"/>
-                <a:cs typeface="Consolas" charset="0"/>
-              </a:rPr>
-              <a:t>count_spaces</a:t>
-            </a:r>
-            <a:r>
-              <a:rPr lang="en-US" sz="2000" dirty="0">
-                <a:solidFill>
-                  <a:srgbClr val="000099"/>
-                </a:solidFill>
-                <a:latin typeface="Consolas" charset="0"/>
-                <a:ea typeface="Consolas" charset="0"/>
-                <a:cs typeface="Consolas" charset="0"/>
-              </a:rPr>
-              <a:t>(p); </a:t>
+              <a:t>Example</a:t>
             </a:r>
           </a:p>
         </p:txBody>
@@ -14900,10 +14390,241 @@
           </a:p>
         </p:txBody>
       </p:sp>
+      <p:sp>
+        <p:nvSpPr>
+          <p:cNvPr id="5" name="TextBox 4"/>
+          <p:cNvSpPr txBox="1"/>
+          <p:nvPr/>
+        </p:nvSpPr>
+        <p:spPr>
+          <a:xfrm>
+            <a:off x="152400" y="1981200"/>
+            <a:ext cx="8153400" cy="2677656"/>
+          </a:xfrm>
+          <a:prstGeom prst="rect">
+            <a:avLst/>
+          </a:prstGeom>
+          <a:noFill/>
+        </p:spPr>
+        <p:txBody>
+          <a:bodyPr wrap="square" rtlCol="0">
+            <a:spAutoFit/>
+          </a:bodyPr>
+          <a:lstStyle/>
+          <a:p>
+            <a:pPr defTabSz="461963"/>
+            <a:r>
+              <a:rPr lang="en-US" sz="2400" dirty="0">
+                <a:solidFill>
+                  <a:srgbClr val="000099"/>
+                </a:solidFill>
+                <a:latin typeface="Consolas" charset="0"/>
+                <a:ea typeface="Consolas" charset="0"/>
+                <a:cs typeface="Consolas" charset="0"/>
+              </a:rPr>
+              <a:t>char *</a:t>
+            </a:r>
+            <a:r>
+              <a:rPr lang="en-US" sz="2400" dirty="0" err="1">
+                <a:solidFill>
+                  <a:srgbClr val="000099"/>
+                </a:solidFill>
+                <a:latin typeface="Consolas" charset="0"/>
+                <a:ea typeface="Consolas" charset="0"/>
+                <a:cs typeface="Consolas" charset="0"/>
+              </a:rPr>
+              <a:t>ptr</a:t>
+            </a:r>
+            <a:r>
+              <a:rPr lang="en-US" sz="2400" dirty="0">
+                <a:solidFill>
+                  <a:srgbClr val="000099"/>
+                </a:solidFill>
+                <a:latin typeface="Consolas" charset="0"/>
+                <a:ea typeface="Consolas" charset="0"/>
+                <a:cs typeface="Consolas" charset="0"/>
+              </a:rPr>
+              <a:t> = </a:t>
+            </a:r>
+            <a:r>
+              <a:rPr lang="en-US" sz="2400" dirty="0" err="1">
+                <a:solidFill>
+                  <a:srgbClr val="000099"/>
+                </a:solidFill>
+                <a:latin typeface="Consolas" charset="0"/>
+                <a:ea typeface="Consolas" charset="0"/>
+                <a:cs typeface="Consolas" charset="0"/>
+              </a:rPr>
+              <a:t>upperStr</a:t>
+            </a:r>
+            <a:r>
+              <a:rPr lang="en-US" sz="2400" dirty="0">
+                <a:solidFill>
+                  <a:srgbClr val="000099"/>
+                </a:solidFill>
+                <a:latin typeface="Consolas" charset="0"/>
+                <a:ea typeface="Consolas" charset="0"/>
+                <a:cs typeface="Consolas" charset="0"/>
+              </a:rPr>
+              <a:t>;</a:t>
+            </a:r>
+          </a:p>
+          <a:p>
+            <a:pPr defTabSz="461963"/>
+            <a:r>
+              <a:rPr lang="en-US" sz="2400" dirty="0">
+                <a:solidFill>
+                  <a:srgbClr val="000099"/>
+                </a:solidFill>
+                <a:latin typeface="Consolas" charset="0"/>
+                <a:ea typeface="Consolas" charset="0"/>
+                <a:cs typeface="Consolas" charset="0"/>
+              </a:rPr>
+              <a:t>while (*</a:t>
+            </a:r>
+            <a:r>
+              <a:rPr lang="en-US" sz="2400" dirty="0" err="1">
+                <a:solidFill>
+                  <a:srgbClr val="000099"/>
+                </a:solidFill>
+                <a:latin typeface="Consolas" charset="0"/>
+                <a:ea typeface="Consolas" charset="0"/>
+                <a:cs typeface="Consolas" charset="0"/>
+              </a:rPr>
+              <a:t>ptr</a:t>
+            </a:r>
+            <a:r>
+              <a:rPr lang="en-US" sz="2400" dirty="0">
+                <a:solidFill>
+                  <a:srgbClr val="000099"/>
+                </a:solidFill>
+                <a:latin typeface="Consolas" charset="0"/>
+                <a:ea typeface="Consolas" charset="0"/>
+                <a:cs typeface="Consolas" charset="0"/>
+              </a:rPr>
+              <a:t> != ‘\0’) {</a:t>
+            </a:r>
+          </a:p>
+          <a:p>
+            <a:pPr defTabSz="461963"/>
+            <a:r>
+              <a:rPr lang="en-US" sz="2400" dirty="0">
+                <a:solidFill>
+                  <a:srgbClr val="000099"/>
+                </a:solidFill>
+                <a:latin typeface="Consolas" charset="0"/>
+                <a:ea typeface="Consolas" charset="0"/>
+                <a:cs typeface="Consolas" charset="0"/>
+              </a:rPr>
+              <a:t>	</a:t>
+            </a:r>
+            <a:r>
+              <a:rPr lang="en-US" sz="2400" dirty="0">
+                <a:solidFill>
+                  <a:srgbClr val="00B050"/>
+                </a:solidFill>
+                <a:latin typeface="Consolas" charset="0"/>
+                <a:ea typeface="Consolas" charset="0"/>
+                <a:cs typeface="Consolas" charset="0"/>
+              </a:rPr>
+              <a:t>//Process</a:t>
+            </a:r>
+          </a:p>
+          <a:p>
+            <a:pPr defTabSz="461963"/>
+            <a:r>
+              <a:rPr lang="en-US" sz="2400" dirty="0">
+                <a:solidFill>
+                  <a:srgbClr val="000099"/>
+                </a:solidFill>
+                <a:latin typeface="Consolas" charset="0"/>
+                <a:ea typeface="Consolas" charset="0"/>
+                <a:cs typeface="Consolas" charset="0"/>
+              </a:rPr>
+              <a:t>	…     …      …</a:t>
+            </a:r>
+          </a:p>
+          <a:p>
+            <a:pPr defTabSz="461963"/>
+            <a:r>
+              <a:rPr lang="en-US" sz="2400" dirty="0">
+                <a:solidFill>
+                  <a:srgbClr val="000099"/>
+                </a:solidFill>
+                <a:latin typeface="Consolas" charset="0"/>
+                <a:ea typeface="Consolas" charset="0"/>
+                <a:cs typeface="Consolas" charset="0"/>
+              </a:rPr>
+              <a:t>	</a:t>
+            </a:r>
+            <a:r>
+              <a:rPr lang="en-US" sz="2400" dirty="0">
+                <a:solidFill>
+                  <a:srgbClr val="00B050"/>
+                </a:solidFill>
+                <a:latin typeface="Consolas" charset="0"/>
+                <a:ea typeface="Consolas" charset="0"/>
+                <a:cs typeface="Consolas" charset="0"/>
+              </a:rPr>
+              <a:t>//Move to the next character in the string</a:t>
+            </a:r>
+          </a:p>
+          <a:p>
+            <a:pPr defTabSz="461963"/>
+            <a:r>
+              <a:rPr lang="en-US" sz="2400" dirty="0">
+                <a:solidFill>
+                  <a:srgbClr val="000099"/>
+                </a:solidFill>
+                <a:latin typeface="Consolas" charset="0"/>
+                <a:ea typeface="Consolas" charset="0"/>
+                <a:cs typeface="Consolas" charset="0"/>
+              </a:rPr>
+              <a:t>	</a:t>
+            </a:r>
+            <a:r>
+              <a:rPr lang="en-US" sz="2400" dirty="0" err="1">
+                <a:solidFill>
+                  <a:srgbClr val="000099"/>
+                </a:solidFill>
+                <a:latin typeface="Consolas" charset="0"/>
+                <a:ea typeface="Consolas" charset="0"/>
+                <a:cs typeface="Consolas" charset="0"/>
+              </a:rPr>
+              <a:t>ptr</a:t>
+            </a:r>
+            <a:r>
+              <a:rPr lang="en-US" sz="2400" dirty="0">
+                <a:solidFill>
+                  <a:srgbClr val="000099"/>
+                </a:solidFill>
+                <a:latin typeface="Consolas" charset="0"/>
+                <a:ea typeface="Consolas" charset="0"/>
+                <a:cs typeface="Consolas" charset="0"/>
+              </a:rPr>
+              <a:t>++;</a:t>
+            </a:r>
+          </a:p>
+          <a:p>
+            <a:pPr defTabSz="461963"/>
+            <a:r>
+              <a:rPr lang="en-US" sz="2400" dirty="0">
+                <a:solidFill>
+                  <a:srgbClr val="000099"/>
+                </a:solidFill>
+                <a:latin typeface="Consolas" charset="0"/>
+                <a:ea typeface="Consolas" charset="0"/>
+                <a:cs typeface="Consolas" charset="0"/>
+              </a:rPr>
+              <a:t>}</a:t>
+            </a:r>
+          </a:p>
+        </p:txBody>
+      </p:sp>
     </p:spTree>
     <p:extLst>
       <p:ext uri="{BB962C8B-B14F-4D97-AF65-F5344CB8AC3E}">
-        <p14:creationId xmlns:p14="http://schemas.microsoft.com/office/powerpoint/2010/main" val="3701284947"/>
+        <p14:creationId xmlns:p14="http://schemas.microsoft.com/office/powerpoint/2010/main" val="1801485491"/>
       </p:ext>
     </p:extLst>
   </p:cSld>
@@ -14949,6 +14670,414 @@
           <a:p>
             <a:r>
               <a:rPr lang="en-US" dirty="0"/>
+              <a:t>Accessing String Content</a:t>
+            </a:r>
+          </a:p>
+        </p:txBody>
+      </p:sp>
+      <p:sp>
+        <p:nvSpPr>
+          <p:cNvPr id="3" name="Content Placeholder 2"/>
+          <p:cNvSpPr>
+            <a:spLocks noGrp="1"/>
+          </p:cNvSpPr>
+          <p:nvPr>
+            <p:ph idx="1"/>
+          </p:nvPr>
+        </p:nvSpPr>
+        <p:spPr/>
+        <p:txBody>
+          <a:bodyPr>
+            <a:noAutofit/>
+          </a:bodyPr>
+          <a:lstStyle/>
+          <a:p>
+            <a:r>
+              <a:rPr lang="en-US" dirty="0"/>
+              <a:t>Use subscript or pointer</a:t>
+            </a:r>
+          </a:p>
+          <a:p>
+            <a:r>
+              <a:rPr lang="en-US" dirty="0"/>
+              <a:t>To declare a string parameter: pointer or array</a:t>
+            </a:r>
+          </a:p>
+          <a:p>
+            <a:pPr marL="857250" lvl="2" indent="0">
+              <a:buNone/>
+            </a:pPr>
+            <a:r>
+              <a:rPr lang="en-US" sz="2400" dirty="0" err="1">
+                <a:solidFill>
+                  <a:srgbClr val="000099"/>
+                </a:solidFill>
+                <a:latin typeface="Consolas" charset="0"/>
+                <a:ea typeface="Consolas" charset="0"/>
+                <a:cs typeface="Consolas" charset="0"/>
+              </a:rPr>
+              <a:t>int</a:t>
+            </a:r>
+            <a:r>
+              <a:rPr lang="en-US" sz="2400" dirty="0">
+                <a:solidFill>
+                  <a:srgbClr val="000099"/>
+                </a:solidFill>
+                <a:latin typeface="Consolas" charset="0"/>
+                <a:ea typeface="Consolas" charset="0"/>
+                <a:cs typeface="Consolas" charset="0"/>
+              </a:rPr>
+              <a:t> </a:t>
+            </a:r>
+            <a:r>
+              <a:rPr lang="en-US" sz="2400" dirty="0" err="1">
+                <a:solidFill>
+                  <a:srgbClr val="000099"/>
+                </a:solidFill>
+                <a:latin typeface="Consolas" charset="0"/>
+                <a:ea typeface="Consolas" charset="0"/>
+                <a:cs typeface="Consolas" charset="0"/>
+              </a:rPr>
+              <a:t>count_spaces</a:t>
+            </a:r>
+            <a:r>
+              <a:rPr lang="en-US" sz="2400" dirty="0">
+                <a:solidFill>
+                  <a:srgbClr val="000099"/>
+                </a:solidFill>
+                <a:latin typeface="Consolas" charset="0"/>
+                <a:ea typeface="Consolas" charset="0"/>
+                <a:cs typeface="Consolas" charset="0"/>
+              </a:rPr>
+              <a:t>(char *s);</a:t>
+            </a:r>
+          </a:p>
+          <a:p>
+            <a:pPr marL="857250" lvl="2" indent="0">
+              <a:buNone/>
+            </a:pPr>
+            <a:r>
+              <a:rPr lang="en-US" sz="2400" dirty="0" err="1">
+                <a:solidFill>
+                  <a:srgbClr val="000099"/>
+                </a:solidFill>
+                <a:latin typeface="Consolas" charset="0"/>
+                <a:ea typeface="Consolas" charset="0"/>
+                <a:cs typeface="Consolas" charset="0"/>
+              </a:rPr>
+              <a:t>int</a:t>
+            </a:r>
+            <a:r>
+              <a:rPr lang="en-US" sz="2400" dirty="0">
+                <a:solidFill>
+                  <a:srgbClr val="000099"/>
+                </a:solidFill>
+                <a:latin typeface="Consolas" charset="0"/>
+                <a:ea typeface="Consolas" charset="0"/>
+                <a:cs typeface="Consolas" charset="0"/>
+              </a:rPr>
+              <a:t> </a:t>
+            </a:r>
+            <a:r>
+              <a:rPr lang="en-US" sz="2400" dirty="0" err="1">
+                <a:solidFill>
+                  <a:srgbClr val="000099"/>
+                </a:solidFill>
+                <a:latin typeface="Consolas" charset="0"/>
+                <a:ea typeface="Consolas" charset="0"/>
+                <a:cs typeface="Consolas" charset="0"/>
+              </a:rPr>
+              <a:t>count_spaces</a:t>
+            </a:r>
+            <a:r>
+              <a:rPr lang="en-US" sz="2400" dirty="0">
+                <a:solidFill>
+                  <a:srgbClr val="000099"/>
+                </a:solidFill>
+                <a:latin typeface="Consolas" charset="0"/>
+                <a:ea typeface="Consolas" charset="0"/>
+                <a:cs typeface="Consolas" charset="0"/>
+              </a:rPr>
+              <a:t>(char s[ ]);</a:t>
+            </a:r>
+          </a:p>
+          <a:p>
+            <a:r>
+              <a:rPr lang="en-US" dirty="0"/>
+              <a:t>Can call </a:t>
+            </a:r>
+            <a:r>
+              <a:rPr lang="en-US" dirty="0" err="1"/>
+              <a:t>count_spaces</a:t>
+            </a:r>
+            <a:r>
+              <a:rPr lang="en-US" dirty="0"/>
+              <a:t> with pointer and array:</a:t>
+            </a:r>
+          </a:p>
+          <a:p>
+            <a:pPr marL="457200" lvl="1" indent="0">
+              <a:buNone/>
+            </a:pPr>
+            <a:r>
+              <a:rPr lang="en-US" sz="2000" dirty="0">
+                <a:latin typeface="Consolas" charset="0"/>
+                <a:ea typeface="Consolas" charset="0"/>
+                <a:cs typeface="Consolas" charset="0"/>
+              </a:rPr>
+              <a:t>	</a:t>
+            </a:r>
+            <a:r>
+              <a:rPr lang="en-US" sz="2000" dirty="0">
+                <a:solidFill>
+                  <a:srgbClr val="000099"/>
+                </a:solidFill>
+                <a:latin typeface="Consolas" charset="0"/>
+                <a:ea typeface="Consolas" charset="0"/>
+                <a:cs typeface="Consolas" charset="0"/>
+              </a:rPr>
+              <a:t>char </a:t>
+            </a:r>
+            <a:r>
+              <a:rPr lang="en-US" sz="2000" dirty="0" err="1">
+                <a:solidFill>
+                  <a:srgbClr val="000099"/>
+                </a:solidFill>
+                <a:latin typeface="Consolas" charset="0"/>
+                <a:ea typeface="Consolas" charset="0"/>
+                <a:cs typeface="Consolas" charset="0"/>
+              </a:rPr>
+              <a:t>str</a:t>
+            </a:r>
+            <a:r>
+              <a:rPr lang="en-US" sz="2000" dirty="0">
+                <a:solidFill>
+                  <a:srgbClr val="000099"/>
+                </a:solidFill>
+                <a:latin typeface="Consolas" charset="0"/>
+                <a:ea typeface="Consolas" charset="0"/>
+                <a:cs typeface="Consolas" charset="0"/>
+              </a:rPr>
+              <a:t>[ ] = “a </a:t>
+            </a:r>
+            <a:r>
+              <a:rPr lang="en-US" sz="2000" dirty="0" err="1">
+                <a:solidFill>
+                  <a:srgbClr val="000099"/>
+                </a:solidFill>
+                <a:latin typeface="Consolas" charset="0"/>
+                <a:ea typeface="Consolas" charset="0"/>
+                <a:cs typeface="Consolas" charset="0"/>
+              </a:rPr>
+              <a:t>bc</a:t>
+            </a:r>
+            <a:r>
+              <a:rPr lang="en-US" sz="2000" dirty="0">
+                <a:solidFill>
+                  <a:srgbClr val="000099"/>
+                </a:solidFill>
+                <a:latin typeface="Consolas" charset="0"/>
+                <a:ea typeface="Consolas" charset="0"/>
+                <a:cs typeface="Consolas" charset="0"/>
+              </a:rPr>
+              <a:t> d e”, *p = </a:t>
+            </a:r>
+            <a:r>
+              <a:rPr lang="en-US" sz="2000" dirty="0" err="1">
+                <a:solidFill>
+                  <a:srgbClr val="000099"/>
+                </a:solidFill>
+                <a:latin typeface="Consolas" charset="0"/>
+                <a:ea typeface="Consolas" charset="0"/>
+                <a:cs typeface="Consolas" charset="0"/>
+              </a:rPr>
+              <a:t>str</a:t>
+            </a:r>
+            <a:r>
+              <a:rPr lang="en-US" sz="2000" dirty="0">
+                <a:solidFill>
+                  <a:srgbClr val="000099"/>
+                </a:solidFill>
+                <a:latin typeface="Consolas" charset="0"/>
+                <a:ea typeface="Consolas" charset="0"/>
+                <a:cs typeface="Consolas" charset="0"/>
+              </a:rPr>
+              <a:t>;</a:t>
+            </a:r>
+          </a:p>
+          <a:p>
+            <a:pPr marL="457200" lvl="1" indent="0">
+              <a:buNone/>
+            </a:pPr>
+            <a:r>
+              <a:rPr lang="en-US" sz="2000" dirty="0">
+                <a:solidFill>
+                  <a:srgbClr val="000099"/>
+                </a:solidFill>
+                <a:latin typeface="Consolas" charset="0"/>
+                <a:ea typeface="Consolas" charset="0"/>
+                <a:cs typeface="Consolas" charset="0"/>
+              </a:rPr>
+              <a:t>	</a:t>
+            </a:r>
+            <a:r>
+              <a:rPr lang="en-US" sz="2000" dirty="0" err="1">
+                <a:solidFill>
+                  <a:srgbClr val="000099"/>
+                </a:solidFill>
+                <a:latin typeface="Consolas" charset="0"/>
+                <a:ea typeface="Consolas" charset="0"/>
+                <a:cs typeface="Consolas" charset="0"/>
+              </a:rPr>
+              <a:t>count_spaces</a:t>
+            </a:r>
+            <a:r>
+              <a:rPr lang="en-US" sz="2000" dirty="0">
+                <a:solidFill>
+                  <a:srgbClr val="000099"/>
+                </a:solidFill>
+                <a:latin typeface="Consolas" charset="0"/>
+                <a:ea typeface="Consolas" charset="0"/>
+                <a:cs typeface="Consolas" charset="0"/>
+              </a:rPr>
+              <a:t>(</a:t>
+            </a:r>
+            <a:r>
+              <a:rPr lang="en-US" sz="2000" dirty="0" err="1">
+                <a:solidFill>
+                  <a:srgbClr val="000099"/>
+                </a:solidFill>
+                <a:latin typeface="Consolas" charset="0"/>
+                <a:ea typeface="Consolas" charset="0"/>
+                <a:cs typeface="Consolas" charset="0"/>
+              </a:rPr>
+              <a:t>str</a:t>
+            </a:r>
+            <a:r>
+              <a:rPr lang="en-US" sz="2000" dirty="0">
+                <a:solidFill>
+                  <a:srgbClr val="000099"/>
+                </a:solidFill>
+                <a:latin typeface="Consolas" charset="0"/>
+                <a:ea typeface="Consolas" charset="0"/>
+                <a:cs typeface="Consolas" charset="0"/>
+              </a:rPr>
+              <a:t>);</a:t>
+            </a:r>
+          </a:p>
+          <a:p>
+            <a:pPr marL="457200" lvl="1" indent="0">
+              <a:buNone/>
+            </a:pPr>
+            <a:r>
+              <a:rPr lang="en-US" sz="2000" dirty="0">
+                <a:solidFill>
+                  <a:srgbClr val="000099"/>
+                </a:solidFill>
+                <a:latin typeface="Consolas" charset="0"/>
+                <a:ea typeface="Consolas" charset="0"/>
+                <a:cs typeface="Consolas" charset="0"/>
+              </a:rPr>
+              <a:t>	</a:t>
+            </a:r>
+            <a:r>
+              <a:rPr lang="en-US" sz="2000" dirty="0" err="1">
+                <a:solidFill>
+                  <a:srgbClr val="000099"/>
+                </a:solidFill>
+                <a:latin typeface="Consolas" charset="0"/>
+                <a:ea typeface="Consolas" charset="0"/>
+                <a:cs typeface="Consolas" charset="0"/>
+              </a:rPr>
+              <a:t>count_spaces</a:t>
+            </a:r>
+            <a:r>
+              <a:rPr lang="en-US" sz="2000" dirty="0">
+                <a:solidFill>
+                  <a:srgbClr val="000099"/>
+                </a:solidFill>
+                <a:latin typeface="Consolas" charset="0"/>
+                <a:ea typeface="Consolas" charset="0"/>
+                <a:cs typeface="Consolas" charset="0"/>
+              </a:rPr>
+              <a:t>(p); </a:t>
+            </a:r>
+          </a:p>
+        </p:txBody>
+      </p:sp>
+      <p:sp>
+        <p:nvSpPr>
+          <p:cNvPr id="12" name="Slide Number Placeholder 11"/>
+          <p:cNvSpPr>
+            <a:spLocks noGrp="1"/>
+          </p:cNvSpPr>
+          <p:nvPr>
+            <p:ph type="sldNum" sz="quarter" idx="12"/>
+          </p:nvPr>
+        </p:nvSpPr>
+        <p:spPr/>
+        <p:txBody>
+          <a:bodyPr/>
+          <a:lstStyle/>
+          <a:p>
+            <a:fld id="{B6F15528-21DE-4FAA-801E-634DDDAF4B2B}" type="slidenum">
+              <a:rPr lang="en-US" smtClean="0"/>
+              <a:pPr/>
+              <a:t>26</a:t>
+            </a:fld>
+            <a:endParaRPr lang="en-US" dirty="0"/>
+          </a:p>
+        </p:txBody>
+      </p:sp>
+    </p:spTree>
+    <p:extLst>
+      <p:ext uri="{BB962C8B-B14F-4D97-AF65-F5344CB8AC3E}">
+        <p14:creationId xmlns:p14="http://schemas.microsoft.com/office/powerpoint/2010/main" val="3701284947"/>
+      </p:ext>
+    </p:extLst>
+  </p:cSld>
+  <p:clrMapOvr>
+    <a:masterClrMapping/>
+  </p:clrMapOvr>
+</p:sld>
+</file>
+
+<file path=ppt/slides/slide27.xml><?xml version="1.0" encoding="utf-8"?>
+<p:sld xmlns:a="http://schemas.openxmlformats.org/drawingml/2006/main" xmlns:r="http://schemas.openxmlformats.org/officeDocument/2006/relationships" xmlns:p="http://schemas.openxmlformats.org/presentationml/2006/main">
+  <p:cSld>
+    <p:spTree>
+      <p:nvGrpSpPr>
+        <p:cNvPr id="1" name=""/>
+        <p:cNvGrpSpPr/>
+        <p:nvPr/>
+      </p:nvGrpSpPr>
+      <p:grpSpPr>
+        <a:xfrm>
+          <a:off x="0" y="0"/>
+          <a:ext cx="0" cy="0"/>
+          <a:chOff x="0" y="0"/>
+          <a:chExt cx="0" cy="0"/>
+        </a:xfrm>
+      </p:grpSpPr>
+      <p:sp>
+        <p:nvSpPr>
+          <p:cNvPr id="2" name="Title 1"/>
+          <p:cNvSpPr>
+            <a:spLocks noGrp="1"/>
+          </p:cNvSpPr>
+          <p:nvPr>
+            <p:ph type="title"/>
+          </p:nvPr>
+        </p:nvSpPr>
+        <p:spPr/>
+        <p:txBody>
+          <a:bodyPr>
+            <a:normAutofit/>
+          </a:bodyPr>
+          <a:lstStyle/>
+          <a:p>
+            <a:r>
+              <a:rPr lang="en-US" dirty="0"/>
               <a:t>Char Arrays </a:t>
             </a:r>
             <a:r>
@@ -15106,7 +15235,7 @@
             <a:fld id="{B6F15528-21DE-4FAA-801E-634DDDAF4B2B}" type="slidenum">
               <a:rPr lang="en-US" smtClean="0"/>
               <a:pPr/>
-              <a:t>26</a:t>
+              <a:t>27</a:t>
             </a:fld>
             <a:endParaRPr lang="en-US" dirty="0"/>
           </a:p>
@@ -15125,7 +15254,7 @@
 </p:sld>
 </file>
 
-<file path=ppt/slides/slide27.xml><?xml version="1.0" encoding="utf-8"?>
+<file path=ppt/slides/slide28.xml><?xml version="1.0" encoding="utf-8"?>
 <p:sld xmlns:a="http://schemas.openxmlformats.org/drawingml/2006/main" xmlns:r="http://schemas.openxmlformats.org/officeDocument/2006/relationships" xmlns:p="http://schemas.openxmlformats.org/presentationml/2006/main">
   <p:cSld>
     <p:spTree>
@@ -15233,7 +15362,7 @@
             <a:fld id="{B6F15528-21DE-4FAA-801E-634DDDAF4B2B}" type="slidenum">
               <a:rPr lang="en-US" smtClean="0"/>
               <a:pPr/>
-              <a:t>27</a:t>
+              <a:t>28</a:t>
             </a:fld>
             <a:endParaRPr lang="en-US" dirty="0"/>
           </a:p>
@@ -15729,659 +15858,6 @@
     <p:extLst>
       <p:ext uri="{BB962C8B-B14F-4D97-AF65-F5344CB8AC3E}">
         <p14:creationId xmlns:p14="http://schemas.microsoft.com/office/powerpoint/2010/main" val="944234481"/>
-      </p:ext>
-    </p:extLst>
-  </p:cSld>
-  <p:clrMapOvr>
-    <a:masterClrMapping/>
-  </p:clrMapOvr>
-</p:sld>
-</file>
-
-<file path=ppt/slides/slide28.xml><?xml version="1.0" encoding="utf-8"?>
-<p:sld xmlns:a="http://schemas.openxmlformats.org/drawingml/2006/main" xmlns:r="http://schemas.openxmlformats.org/officeDocument/2006/relationships" xmlns:p="http://schemas.openxmlformats.org/presentationml/2006/main">
-  <p:cSld>
-    <p:spTree>
-      <p:nvGrpSpPr>
-        <p:cNvPr id="1" name=""/>
-        <p:cNvGrpSpPr/>
-        <p:nvPr/>
-      </p:nvGrpSpPr>
-      <p:grpSpPr>
-        <a:xfrm>
-          <a:off x="0" y="0"/>
-          <a:ext cx="0" cy="0"/>
-          <a:chOff x="0" y="0"/>
-          <a:chExt cx="0" cy="0"/>
-        </a:xfrm>
-      </p:grpSpPr>
-      <p:sp>
-        <p:nvSpPr>
-          <p:cNvPr id="2" name="Title 1"/>
-          <p:cNvSpPr>
-            <a:spLocks noGrp="1"/>
-          </p:cNvSpPr>
-          <p:nvPr>
-            <p:ph type="title"/>
-          </p:nvPr>
-        </p:nvSpPr>
-        <p:spPr>
-          <a:xfrm>
-            <a:off x="907174" y="-52554"/>
-            <a:ext cx="7269480" cy="1325562"/>
-          </a:xfrm>
-        </p:spPr>
-        <p:txBody>
-          <a:bodyPr>
-            <a:normAutofit/>
-          </a:bodyPr>
-          <a:lstStyle/>
-          <a:p>
-            <a:r>
-              <a:rPr lang="en-US" dirty="0"/>
-              <a:t>String Idioms</a:t>
-            </a:r>
-          </a:p>
-        </p:txBody>
-      </p:sp>
-      <p:sp>
-        <p:nvSpPr>
-          <p:cNvPr id="3" name="Content Placeholder 2"/>
-          <p:cNvSpPr>
-            <a:spLocks noGrp="1"/>
-          </p:cNvSpPr>
-          <p:nvPr>
-            <p:ph idx="1"/>
-          </p:nvPr>
-        </p:nvSpPr>
-        <p:spPr>
-          <a:xfrm>
-            <a:off x="907174" y="1530616"/>
-            <a:ext cx="6446520" cy="4351337"/>
-          </a:xfrm>
-        </p:spPr>
-        <p:txBody>
-          <a:bodyPr>
-            <a:noAutofit/>
-          </a:bodyPr>
-          <a:lstStyle/>
-          <a:p>
-            <a:r>
-              <a:rPr lang="en-US" sz="2800" dirty="0"/>
-              <a:t>Find length of a string:</a:t>
-            </a:r>
-          </a:p>
-        </p:txBody>
-      </p:sp>
-      <p:sp>
-        <p:nvSpPr>
-          <p:cNvPr id="12" name="Slide Number Placeholder 11"/>
-          <p:cNvSpPr>
-            <a:spLocks noGrp="1"/>
-          </p:cNvSpPr>
-          <p:nvPr>
-            <p:ph type="sldNum" sz="quarter" idx="12"/>
-          </p:nvPr>
-        </p:nvSpPr>
-        <p:spPr/>
-        <p:txBody>
-          <a:bodyPr/>
-          <a:lstStyle/>
-          <a:p>
-            <a:fld id="{B6F15528-21DE-4FAA-801E-634DDDAF4B2B}" type="slidenum">
-              <a:rPr lang="en-US" smtClean="0"/>
-              <a:pPr/>
-              <a:t>28</a:t>
-            </a:fld>
-            <a:endParaRPr lang="en-US" dirty="0"/>
-          </a:p>
-        </p:txBody>
-      </p:sp>
-      <p:sp>
-        <p:nvSpPr>
-          <p:cNvPr id="6" name="TextBox 5"/>
-          <p:cNvSpPr txBox="1"/>
-          <p:nvPr/>
-        </p:nvSpPr>
-        <p:spPr>
-          <a:xfrm>
-            <a:off x="0" y="2126161"/>
-            <a:ext cx="4267200" cy="2554545"/>
-          </a:xfrm>
-          <a:prstGeom prst="rect">
-            <a:avLst/>
-          </a:prstGeom>
-          <a:noFill/>
-          <a:ln>
-            <a:solidFill>
-              <a:schemeClr val="tx1"/>
-            </a:solidFill>
-            <a:prstDash val="dash"/>
-          </a:ln>
-        </p:spPr>
-        <p:txBody>
-          <a:bodyPr wrap="square" rtlCol="0">
-            <a:spAutoFit/>
-          </a:bodyPr>
-          <a:lstStyle/>
-          <a:p>
-            <a:r>
-              <a:rPr lang="en-US" sz="2000" dirty="0" err="1">
-                <a:solidFill>
-                  <a:srgbClr val="000099"/>
-                </a:solidFill>
-                <a:latin typeface="Consolas" charset="0"/>
-                <a:ea typeface="Consolas" charset="0"/>
-                <a:cs typeface="Consolas" charset="0"/>
-              </a:rPr>
-              <a:t>int</a:t>
-            </a:r>
-            <a:r>
-              <a:rPr lang="en-US" sz="2000" dirty="0">
-                <a:solidFill>
-                  <a:srgbClr val="000099"/>
-                </a:solidFill>
-                <a:latin typeface="Consolas" charset="0"/>
-                <a:ea typeface="Consolas" charset="0"/>
-                <a:cs typeface="Consolas" charset="0"/>
-              </a:rPr>
-              <a:t> </a:t>
-            </a:r>
-            <a:r>
-              <a:rPr lang="en-US" sz="2000" dirty="0" err="1">
-                <a:solidFill>
-                  <a:srgbClr val="000099"/>
-                </a:solidFill>
-                <a:latin typeface="Consolas" charset="0"/>
-                <a:ea typeface="Consolas" charset="0"/>
-                <a:cs typeface="Consolas" charset="0"/>
-              </a:rPr>
-              <a:t>strlen</a:t>
-            </a:r>
-            <a:r>
-              <a:rPr lang="en-US" sz="2000" dirty="0">
-                <a:solidFill>
-                  <a:srgbClr val="000099"/>
-                </a:solidFill>
-                <a:latin typeface="Consolas" charset="0"/>
-                <a:ea typeface="Consolas" charset="0"/>
-                <a:cs typeface="Consolas" charset="0"/>
-              </a:rPr>
-              <a:t>(char *s) {</a:t>
-            </a:r>
-          </a:p>
-          <a:p>
-            <a:r>
-              <a:rPr lang="en-US" sz="2000" dirty="0">
-                <a:solidFill>
-                  <a:srgbClr val="000099"/>
-                </a:solidFill>
-                <a:latin typeface="Consolas" charset="0"/>
-                <a:ea typeface="Consolas" charset="0"/>
-                <a:cs typeface="Consolas" charset="0"/>
-              </a:rPr>
-              <a:t>     </a:t>
-            </a:r>
-            <a:r>
-              <a:rPr lang="en-US" sz="2000" dirty="0" err="1">
-                <a:solidFill>
-                  <a:srgbClr val="000099"/>
-                </a:solidFill>
-                <a:latin typeface="Consolas" charset="0"/>
-                <a:ea typeface="Consolas" charset="0"/>
-                <a:cs typeface="Consolas" charset="0"/>
-              </a:rPr>
-              <a:t>int</a:t>
-            </a:r>
-            <a:r>
-              <a:rPr lang="en-US" sz="2000" dirty="0">
-                <a:solidFill>
-                  <a:srgbClr val="000099"/>
-                </a:solidFill>
-                <a:latin typeface="Consolas" charset="0"/>
-                <a:ea typeface="Consolas" charset="0"/>
-                <a:cs typeface="Consolas" charset="0"/>
-              </a:rPr>
-              <a:t> n;</a:t>
-            </a:r>
-          </a:p>
-          <a:p>
-            <a:r>
-              <a:rPr lang="en-US" sz="2000" dirty="0">
-                <a:solidFill>
-                  <a:srgbClr val="000099"/>
-                </a:solidFill>
-                <a:latin typeface="Consolas" charset="0"/>
-                <a:ea typeface="Consolas" charset="0"/>
-                <a:cs typeface="Consolas" charset="0"/>
-              </a:rPr>
-              <a:t>     for (n=0; *s != ‘\0’; 		s++) {</a:t>
-            </a:r>
-          </a:p>
-          <a:p>
-            <a:r>
-              <a:rPr lang="en-US" sz="2000" dirty="0">
-                <a:solidFill>
-                  <a:srgbClr val="000099"/>
-                </a:solidFill>
-                <a:latin typeface="Consolas" charset="0"/>
-                <a:ea typeface="Consolas" charset="0"/>
-                <a:cs typeface="Consolas" charset="0"/>
-              </a:rPr>
-              <a:t>          n++;</a:t>
-            </a:r>
-          </a:p>
-          <a:p>
-            <a:r>
-              <a:rPr lang="en-US" sz="2000" dirty="0">
-                <a:solidFill>
-                  <a:srgbClr val="000099"/>
-                </a:solidFill>
-                <a:latin typeface="Consolas" charset="0"/>
-                <a:ea typeface="Consolas" charset="0"/>
-                <a:cs typeface="Consolas" charset="0"/>
-              </a:rPr>
-              <a:t>     }</a:t>
-            </a:r>
-          </a:p>
-          <a:p>
-            <a:r>
-              <a:rPr lang="en-US" sz="2000" dirty="0">
-                <a:solidFill>
-                  <a:srgbClr val="000099"/>
-                </a:solidFill>
-                <a:latin typeface="Consolas" charset="0"/>
-                <a:ea typeface="Consolas" charset="0"/>
-                <a:cs typeface="Consolas" charset="0"/>
-              </a:rPr>
-              <a:t>     return n;</a:t>
-            </a:r>
-          </a:p>
-          <a:p>
-            <a:r>
-              <a:rPr lang="en-US" sz="2000" dirty="0">
-                <a:solidFill>
-                  <a:srgbClr val="000099"/>
-                </a:solidFill>
-                <a:latin typeface="Consolas" charset="0"/>
-                <a:ea typeface="Consolas" charset="0"/>
-                <a:cs typeface="Consolas" charset="0"/>
-              </a:rPr>
-              <a:t>} </a:t>
-            </a:r>
-          </a:p>
-        </p:txBody>
-      </p:sp>
-      <p:sp>
-        <p:nvSpPr>
-          <p:cNvPr id="7" name="TextBox 6"/>
-          <p:cNvSpPr txBox="1"/>
-          <p:nvPr/>
-        </p:nvSpPr>
-        <p:spPr>
-          <a:xfrm>
-            <a:off x="4267200" y="2329273"/>
-            <a:ext cx="4343500" cy="1938992"/>
-          </a:xfrm>
-          <a:prstGeom prst="rect">
-            <a:avLst/>
-          </a:prstGeom>
-          <a:noFill/>
-          <a:ln>
-            <a:solidFill>
-              <a:schemeClr val="tx1"/>
-            </a:solidFill>
-            <a:prstDash val="dash"/>
-          </a:ln>
-        </p:spPr>
-        <p:txBody>
-          <a:bodyPr wrap="square" rtlCol="0">
-            <a:spAutoFit/>
-          </a:bodyPr>
-          <a:lstStyle/>
-          <a:p>
-            <a:r>
-              <a:rPr lang="en-US" sz="2000" dirty="0" err="1">
-                <a:solidFill>
-                  <a:srgbClr val="000099"/>
-                </a:solidFill>
-                <a:latin typeface="Consolas" charset="0"/>
-                <a:ea typeface="Consolas" charset="0"/>
-                <a:cs typeface="Consolas" charset="0"/>
-              </a:rPr>
-              <a:t>int</a:t>
-            </a:r>
-            <a:r>
-              <a:rPr lang="en-US" sz="2000" dirty="0">
-                <a:solidFill>
-                  <a:srgbClr val="000099"/>
-                </a:solidFill>
-                <a:latin typeface="Consolas" charset="0"/>
-                <a:ea typeface="Consolas" charset="0"/>
-                <a:cs typeface="Consolas" charset="0"/>
-              </a:rPr>
-              <a:t> </a:t>
-            </a:r>
-            <a:r>
-              <a:rPr lang="en-US" sz="2000" dirty="0" err="1">
-                <a:solidFill>
-                  <a:srgbClr val="000099"/>
-                </a:solidFill>
-                <a:latin typeface="Consolas" charset="0"/>
-                <a:ea typeface="Consolas" charset="0"/>
-                <a:cs typeface="Consolas" charset="0"/>
-              </a:rPr>
-              <a:t>strlen</a:t>
-            </a:r>
-            <a:r>
-              <a:rPr lang="en-US" sz="2000" dirty="0">
-                <a:solidFill>
-                  <a:srgbClr val="000099"/>
-                </a:solidFill>
-                <a:latin typeface="Consolas" charset="0"/>
-                <a:ea typeface="Consolas" charset="0"/>
-                <a:cs typeface="Consolas" charset="0"/>
-              </a:rPr>
-              <a:t>(char *s) {</a:t>
-            </a:r>
-          </a:p>
-          <a:p>
-            <a:r>
-              <a:rPr lang="en-US" sz="2000" dirty="0">
-                <a:solidFill>
-                  <a:srgbClr val="000099"/>
-                </a:solidFill>
-                <a:latin typeface="Consolas" charset="0"/>
-                <a:ea typeface="Consolas" charset="0"/>
-                <a:cs typeface="Consolas" charset="0"/>
-              </a:rPr>
-              <a:t>     </a:t>
-            </a:r>
-            <a:r>
-              <a:rPr lang="en-US" sz="2000" dirty="0" err="1">
-                <a:solidFill>
-                  <a:srgbClr val="000099"/>
-                </a:solidFill>
-                <a:latin typeface="Consolas" charset="0"/>
-                <a:ea typeface="Consolas" charset="0"/>
-                <a:cs typeface="Consolas" charset="0"/>
-              </a:rPr>
-              <a:t>int</a:t>
-            </a:r>
-            <a:r>
-              <a:rPr lang="en-US" sz="2000" dirty="0">
-                <a:solidFill>
-                  <a:srgbClr val="000099"/>
-                </a:solidFill>
-                <a:latin typeface="Consolas" charset="0"/>
-                <a:ea typeface="Consolas" charset="0"/>
-                <a:cs typeface="Consolas" charset="0"/>
-              </a:rPr>
-              <a:t> n = 0;</a:t>
-            </a:r>
-          </a:p>
-          <a:p>
-            <a:r>
-              <a:rPr lang="en-US" sz="2000" dirty="0">
-                <a:solidFill>
-                  <a:srgbClr val="000099"/>
-                </a:solidFill>
-                <a:latin typeface="Consolas" charset="0"/>
-                <a:ea typeface="Consolas" charset="0"/>
-                <a:cs typeface="Consolas" charset="0"/>
-              </a:rPr>
-              <a:t>     for (; *s; s++) </a:t>
-            </a:r>
-          </a:p>
-          <a:p>
-            <a:r>
-              <a:rPr lang="en-US" sz="2000" dirty="0">
-                <a:solidFill>
-                  <a:srgbClr val="000099"/>
-                </a:solidFill>
-                <a:latin typeface="Consolas" charset="0"/>
-                <a:ea typeface="Consolas" charset="0"/>
-                <a:cs typeface="Consolas" charset="0"/>
-              </a:rPr>
-              <a:t>          n++;</a:t>
-            </a:r>
-          </a:p>
-          <a:p>
-            <a:r>
-              <a:rPr lang="en-US" sz="2000" dirty="0">
-                <a:solidFill>
-                  <a:srgbClr val="000099"/>
-                </a:solidFill>
-                <a:latin typeface="Consolas" charset="0"/>
-                <a:ea typeface="Consolas" charset="0"/>
-                <a:cs typeface="Consolas" charset="0"/>
-              </a:rPr>
-              <a:t>      return n;</a:t>
-            </a:r>
-          </a:p>
-          <a:p>
-            <a:r>
-              <a:rPr lang="en-US" sz="2000" dirty="0">
-                <a:solidFill>
-                  <a:srgbClr val="000099"/>
-                </a:solidFill>
-                <a:latin typeface="Consolas" charset="0"/>
-                <a:ea typeface="Consolas" charset="0"/>
-                <a:cs typeface="Consolas" charset="0"/>
-              </a:rPr>
-              <a:t>} </a:t>
-            </a:r>
-          </a:p>
-        </p:txBody>
-      </p:sp>
-      <p:sp>
-        <p:nvSpPr>
-          <p:cNvPr id="8" name="TextBox 7"/>
-          <p:cNvSpPr txBox="1"/>
-          <p:nvPr/>
-        </p:nvSpPr>
-        <p:spPr>
-          <a:xfrm>
-            <a:off x="533400" y="4876800"/>
-            <a:ext cx="2020876" cy="1323439"/>
-          </a:xfrm>
-          <a:prstGeom prst="rect">
-            <a:avLst/>
-          </a:prstGeom>
-          <a:noFill/>
-          <a:ln>
-            <a:solidFill>
-              <a:schemeClr val="tx1"/>
-            </a:solidFill>
-            <a:prstDash val="dash"/>
-          </a:ln>
-        </p:spPr>
-        <p:txBody>
-          <a:bodyPr wrap="square" rtlCol="0">
-            <a:spAutoFit/>
-          </a:bodyPr>
-          <a:lstStyle/>
-          <a:p>
-            <a:r>
-              <a:rPr lang="en-US" sz="2000" dirty="0">
-                <a:solidFill>
-                  <a:srgbClr val="000099"/>
-                </a:solidFill>
-                <a:latin typeface="Consolas" charset="0"/>
-                <a:ea typeface="Consolas" charset="0"/>
-                <a:cs typeface="Consolas" charset="0"/>
-              </a:rPr>
-              <a:t>while (*s) {</a:t>
-            </a:r>
-          </a:p>
-          <a:p>
-            <a:r>
-              <a:rPr lang="en-US" sz="2000" dirty="0">
-                <a:solidFill>
-                  <a:srgbClr val="000099"/>
-                </a:solidFill>
-                <a:latin typeface="Consolas" charset="0"/>
-                <a:ea typeface="Consolas" charset="0"/>
-                <a:cs typeface="Consolas" charset="0"/>
-              </a:rPr>
-              <a:t>     s++ ;</a:t>
-            </a:r>
-          </a:p>
-          <a:p>
-            <a:r>
-              <a:rPr lang="en-US" sz="2000" dirty="0">
-                <a:solidFill>
-                  <a:srgbClr val="000099"/>
-                </a:solidFill>
-                <a:latin typeface="Consolas" charset="0"/>
-                <a:ea typeface="Consolas" charset="0"/>
-                <a:cs typeface="Consolas" charset="0"/>
-              </a:rPr>
-              <a:t>     n++; </a:t>
-            </a:r>
-          </a:p>
-          <a:p>
-            <a:r>
-              <a:rPr lang="en-US" sz="2000" dirty="0">
-                <a:solidFill>
-                  <a:srgbClr val="000099"/>
-                </a:solidFill>
-                <a:latin typeface="Consolas" charset="0"/>
-                <a:ea typeface="Consolas" charset="0"/>
-                <a:cs typeface="Consolas" charset="0"/>
-              </a:rPr>
-              <a:t>}</a:t>
-            </a:r>
-          </a:p>
-        </p:txBody>
-      </p:sp>
-      <p:sp>
-        <p:nvSpPr>
-          <p:cNvPr id="9" name="TextBox 8"/>
-          <p:cNvSpPr txBox="1"/>
-          <p:nvPr/>
-        </p:nvSpPr>
-        <p:spPr>
-          <a:xfrm>
-            <a:off x="6242601" y="5016753"/>
-            <a:ext cx="2020876" cy="1015663"/>
-          </a:xfrm>
-          <a:prstGeom prst="rect">
-            <a:avLst/>
-          </a:prstGeom>
-          <a:noFill/>
-          <a:ln>
-            <a:solidFill>
-              <a:schemeClr val="tx1"/>
-            </a:solidFill>
-            <a:prstDash val="dash"/>
-          </a:ln>
-        </p:spPr>
-        <p:txBody>
-          <a:bodyPr wrap="square" rtlCol="0">
-            <a:spAutoFit/>
-          </a:bodyPr>
-          <a:lstStyle/>
-          <a:p>
-            <a:r>
-              <a:rPr lang="en-US" sz="2000" dirty="0">
-                <a:solidFill>
-                  <a:srgbClr val="000099"/>
-                </a:solidFill>
-                <a:latin typeface="Consolas" charset="0"/>
-                <a:ea typeface="Consolas" charset="0"/>
-                <a:cs typeface="Consolas" charset="0"/>
-              </a:rPr>
-              <a:t>char *p = s;</a:t>
-            </a:r>
-          </a:p>
-          <a:p>
-            <a:r>
-              <a:rPr lang="en-US" sz="2000" dirty="0">
-                <a:solidFill>
-                  <a:srgbClr val="000099"/>
-                </a:solidFill>
-                <a:latin typeface="Consolas" charset="0"/>
-                <a:ea typeface="Consolas" charset="0"/>
-                <a:cs typeface="Consolas" charset="0"/>
-              </a:rPr>
-              <a:t>while (*s++); </a:t>
-            </a:r>
-          </a:p>
-          <a:p>
-            <a:r>
-              <a:rPr lang="en-US" sz="2000" dirty="0">
-                <a:solidFill>
-                  <a:srgbClr val="000099"/>
-                </a:solidFill>
-                <a:latin typeface="Consolas" charset="0"/>
-                <a:ea typeface="Consolas" charset="0"/>
-                <a:cs typeface="Consolas" charset="0"/>
-              </a:rPr>
-              <a:t>return s – p;</a:t>
-            </a:r>
-          </a:p>
-        </p:txBody>
-      </p:sp>
-      <p:sp>
-        <p:nvSpPr>
-          <p:cNvPr id="11" name="TextBox 10"/>
-          <p:cNvSpPr txBox="1"/>
-          <p:nvPr/>
-        </p:nvSpPr>
-        <p:spPr>
-          <a:xfrm>
-            <a:off x="3531476" y="5324530"/>
-            <a:ext cx="2020876" cy="707886"/>
-          </a:xfrm>
-          <a:prstGeom prst="rect">
-            <a:avLst/>
-          </a:prstGeom>
-          <a:noFill/>
-          <a:ln>
-            <a:solidFill>
-              <a:schemeClr val="tx1"/>
-            </a:solidFill>
-            <a:prstDash val="dash"/>
-          </a:ln>
-        </p:spPr>
-        <p:txBody>
-          <a:bodyPr wrap="square" rtlCol="0">
-            <a:spAutoFit/>
-          </a:bodyPr>
-          <a:lstStyle/>
-          <a:p>
-            <a:r>
-              <a:rPr lang="en-US" sz="2000" dirty="0">
-                <a:solidFill>
-                  <a:srgbClr val="000099"/>
-                </a:solidFill>
-                <a:latin typeface="Consolas" charset="0"/>
-                <a:ea typeface="Consolas" charset="0"/>
-                <a:cs typeface="Consolas" charset="0"/>
-              </a:rPr>
-              <a:t>while (*s++) </a:t>
-            </a:r>
-          </a:p>
-          <a:p>
-            <a:r>
-              <a:rPr lang="en-US" sz="2000" dirty="0">
-                <a:solidFill>
-                  <a:srgbClr val="000099"/>
-                </a:solidFill>
-                <a:latin typeface="Consolas" charset="0"/>
-                <a:ea typeface="Consolas" charset="0"/>
-                <a:cs typeface="Consolas" charset="0"/>
-              </a:rPr>
-              <a:t>     n++;</a:t>
-            </a:r>
-          </a:p>
-        </p:txBody>
-      </p:sp>
-    </p:spTree>
-    <p:extLst>
-      <p:ext uri="{BB962C8B-B14F-4D97-AF65-F5344CB8AC3E}">
-        <p14:creationId xmlns:p14="http://schemas.microsoft.com/office/powerpoint/2010/main" val="1842854107"/>
       </p:ext>
     </p:extLst>
   </p:cSld>
@@ -16420,6 +15896,872 @@
         </p:nvSpPr>
         <p:spPr>
           <a:xfrm>
+            <a:off x="907174" y="-52554"/>
+            <a:ext cx="7269480" cy="1325562"/>
+          </a:xfrm>
+        </p:spPr>
+        <p:txBody>
+          <a:bodyPr>
+            <a:normAutofit/>
+          </a:bodyPr>
+          <a:lstStyle/>
+          <a:p>
+            <a:r>
+              <a:rPr lang="en-US" dirty="0"/>
+              <a:t>String Idioms</a:t>
+            </a:r>
+          </a:p>
+        </p:txBody>
+      </p:sp>
+      <p:sp>
+        <p:nvSpPr>
+          <p:cNvPr id="3" name="Content Placeholder 2"/>
+          <p:cNvSpPr>
+            <a:spLocks noGrp="1"/>
+          </p:cNvSpPr>
+          <p:nvPr>
+            <p:ph idx="1"/>
+          </p:nvPr>
+        </p:nvSpPr>
+        <p:spPr>
+          <a:xfrm>
+            <a:off x="907174" y="1530616"/>
+            <a:ext cx="6446520" cy="4351337"/>
+          </a:xfrm>
+        </p:spPr>
+        <p:txBody>
+          <a:bodyPr>
+            <a:noAutofit/>
+          </a:bodyPr>
+          <a:lstStyle/>
+          <a:p>
+            <a:r>
+              <a:rPr lang="en-US" sz="2800" dirty="0"/>
+              <a:t>Find length of a string:</a:t>
+            </a:r>
+          </a:p>
+        </p:txBody>
+      </p:sp>
+      <p:sp>
+        <p:nvSpPr>
+          <p:cNvPr id="12" name="Slide Number Placeholder 11"/>
+          <p:cNvSpPr>
+            <a:spLocks noGrp="1"/>
+          </p:cNvSpPr>
+          <p:nvPr>
+            <p:ph type="sldNum" sz="quarter" idx="12"/>
+          </p:nvPr>
+        </p:nvSpPr>
+        <p:spPr/>
+        <p:txBody>
+          <a:bodyPr/>
+          <a:lstStyle/>
+          <a:p>
+            <a:fld id="{B6F15528-21DE-4FAA-801E-634DDDAF4B2B}" type="slidenum">
+              <a:rPr lang="en-US" smtClean="0"/>
+              <a:pPr/>
+              <a:t>29</a:t>
+            </a:fld>
+            <a:endParaRPr lang="en-US" dirty="0"/>
+          </a:p>
+        </p:txBody>
+      </p:sp>
+      <p:sp>
+        <p:nvSpPr>
+          <p:cNvPr id="6" name="TextBox 5"/>
+          <p:cNvSpPr txBox="1"/>
+          <p:nvPr/>
+        </p:nvSpPr>
+        <p:spPr>
+          <a:xfrm>
+            <a:off x="0" y="2126161"/>
+            <a:ext cx="4267200" cy="2554545"/>
+          </a:xfrm>
+          <a:prstGeom prst="rect">
+            <a:avLst/>
+          </a:prstGeom>
+          <a:noFill/>
+          <a:ln>
+            <a:solidFill>
+              <a:schemeClr val="tx1"/>
+            </a:solidFill>
+            <a:prstDash val="dash"/>
+          </a:ln>
+        </p:spPr>
+        <p:txBody>
+          <a:bodyPr wrap="square" rtlCol="0">
+            <a:spAutoFit/>
+          </a:bodyPr>
+          <a:lstStyle/>
+          <a:p>
+            <a:r>
+              <a:rPr lang="en-US" sz="2000" dirty="0" err="1">
+                <a:solidFill>
+                  <a:srgbClr val="000099"/>
+                </a:solidFill>
+                <a:latin typeface="Consolas" charset="0"/>
+                <a:ea typeface="Consolas" charset="0"/>
+                <a:cs typeface="Consolas" charset="0"/>
+              </a:rPr>
+              <a:t>int</a:t>
+            </a:r>
+            <a:r>
+              <a:rPr lang="en-US" sz="2000" dirty="0">
+                <a:solidFill>
+                  <a:srgbClr val="000099"/>
+                </a:solidFill>
+                <a:latin typeface="Consolas" charset="0"/>
+                <a:ea typeface="Consolas" charset="0"/>
+                <a:cs typeface="Consolas" charset="0"/>
+              </a:rPr>
+              <a:t> </a:t>
+            </a:r>
+            <a:r>
+              <a:rPr lang="en-US" sz="2000" dirty="0" err="1">
+                <a:solidFill>
+                  <a:srgbClr val="000099"/>
+                </a:solidFill>
+                <a:latin typeface="Consolas" charset="0"/>
+                <a:ea typeface="Consolas" charset="0"/>
+                <a:cs typeface="Consolas" charset="0"/>
+              </a:rPr>
+              <a:t>strlen</a:t>
+            </a:r>
+            <a:r>
+              <a:rPr lang="en-US" sz="2000" dirty="0">
+                <a:solidFill>
+                  <a:srgbClr val="000099"/>
+                </a:solidFill>
+                <a:latin typeface="Consolas" charset="0"/>
+                <a:ea typeface="Consolas" charset="0"/>
+                <a:cs typeface="Consolas" charset="0"/>
+              </a:rPr>
+              <a:t>(char *s) {</a:t>
+            </a:r>
+          </a:p>
+          <a:p>
+            <a:r>
+              <a:rPr lang="en-US" sz="2000" dirty="0">
+                <a:solidFill>
+                  <a:srgbClr val="000099"/>
+                </a:solidFill>
+                <a:latin typeface="Consolas" charset="0"/>
+                <a:ea typeface="Consolas" charset="0"/>
+                <a:cs typeface="Consolas" charset="0"/>
+              </a:rPr>
+              <a:t>     </a:t>
+            </a:r>
+            <a:r>
+              <a:rPr lang="en-US" sz="2000" dirty="0" err="1">
+                <a:solidFill>
+                  <a:srgbClr val="000099"/>
+                </a:solidFill>
+                <a:latin typeface="Consolas" charset="0"/>
+                <a:ea typeface="Consolas" charset="0"/>
+                <a:cs typeface="Consolas" charset="0"/>
+              </a:rPr>
+              <a:t>int</a:t>
+            </a:r>
+            <a:r>
+              <a:rPr lang="en-US" sz="2000" dirty="0">
+                <a:solidFill>
+                  <a:srgbClr val="000099"/>
+                </a:solidFill>
+                <a:latin typeface="Consolas" charset="0"/>
+                <a:ea typeface="Consolas" charset="0"/>
+                <a:cs typeface="Consolas" charset="0"/>
+              </a:rPr>
+              <a:t> n;</a:t>
+            </a:r>
+          </a:p>
+          <a:p>
+            <a:r>
+              <a:rPr lang="en-US" sz="2000" dirty="0">
+                <a:solidFill>
+                  <a:srgbClr val="000099"/>
+                </a:solidFill>
+                <a:latin typeface="Consolas" charset="0"/>
+                <a:ea typeface="Consolas" charset="0"/>
+                <a:cs typeface="Consolas" charset="0"/>
+              </a:rPr>
+              <a:t>     for (n=0; *s != ‘\0’; 		s++) {</a:t>
+            </a:r>
+          </a:p>
+          <a:p>
+            <a:r>
+              <a:rPr lang="en-US" sz="2000" dirty="0">
+                <a:solidFill>
+                  <a:srgbClr val="000099"/>
+                </a:solidFill>
+                <a:latin typeface="Consolas" charset="0"/>
+                <a:ea typeface="Consolas" charset="0"/>
+                <a:cs typeface="Consolas" charset="0"/>
+              </a:rPr>
+              <a:t>          n++;</a:t>
+            </a:r>
+          </a:p>
+          <a:p>
+            <a:r>
+              <a:rPr lang="en-US" sz="2000" dirty="0">
+                <a:solidFill>
+                  <a:srgbClr val="000099"/>
+                </a:solidFill>
+                <a:latin typeface="Consolas" charset="0"/>
+                <a:ea typeface="Consolas" charset="0"/>
+                <a:cs typeface="Consolas" charset="0"/>
+              </a:rPr>
+              <a:t>     }</a:t>
+            </a:r>
+          </a:p>
+          <a:p>
+            <a:r>
+              <a:rPr lang="en-US" sz="2000" dirty="0">
+                <a:solidFill>
+                  <a:srgbClr val="000099"/>
+                </a:solidFill>
+                <a:latin typeface="Consolas" charset="0"/>
+                <a:ea typeface="Consolas" charset="0"/>
+                <a:cs typeface="Consolas" charset="0"/>
+              </a:rPr>
+              <a:t>     return n;</a:t>
+            </a:r>
+          </a:p>
+          <a:p>
+            <a:r>
+              <a:rPr lang="en-US" sz="2000" dirty="0">
+                <a:solidFill>
+                  <a:srgbClr val="000099"/>
+                </a:solidFill>
+                <a:latin typeface="Consolas" charset="0"/>
+                <a:ea typeface="Consolas" charset="0"/>
+                <a:cs typeface="Consolas" charset="0"/>
+              </a:rPr>
+              <a:t>} </a:t>
+            </a:r>
+          </a:p>
+        </p:txBody>
+      </p:sp>
+      <p:sp>
+        <p:nvSpPr>
+          <p:cNvPr id="7" name="TextBox 6"/>
+          <p:cNvSpPr txBox="1"/>
+          <p:nvPr/>
+        </p:nvSpPr>
+        <p:spPr>
+          <a:xfrm>
+            <a:off x="4267200" y="2329273"/>
+            <a:ext cx="4343500" cy="1938992"/>
+          </a:xfrm>
+          <a:prstGeom prst="rect">
+            <a:avLst/>
+          </a:prstGeom>
+          <a:noFill/>
+          <a:ln>
+            <a:solidFill>
+              <a:schemeClr val="tx1"/>
+            </a:solidFill>
+            <a:prstDash val="dash"/>
+          </a:ln>
+        </p:spPr>
+        <p:txBody>
+          <a:bodyPr wrap="square" rtlCol="0">
+            <a:spAutoFit/>
+          </a:bodyPr>
+          <a:lstStyle/>
+          <a:p>
+            <a:r>
+              <a:rPr lang="en-US" sz="2000" dirty="0" err="1">
+                <a:solidFill>
+                  <a:srgbClr val="000099"/>
+                </a:solidFill>
+                <a:latin typeface="Consolas" charset="0"/>
+                <a:ea typeface="Consolas" charset="0"/>
+                <a:cs typeface="Consolas" charset="0"/>
+              </a:rPr>
+              <a:t>int</a:t>
+            </a:r>
+            <a:r>
+              <a:rPr lang="en-US" sz="2000" dirty="0">
+                <a:solidFill>
+                  <a:srgbClr val="000099"/>
+                </a:solidFill>
+                <a:latin typeface="Consolas" charset="0"/>
+                <a:ea typeface="Consolas" charset="0"/>
+                <a:cs typeface="Consolas" charset="0"/>
+              </a:rPr>
+              <a:t> </a:t>
+            </a:r>
+            <a:r>
+              <a:rPr lang="en-US" sz="2000" dirty="0" err="1">
+                <a:solidFill>
+                  <a:srgbClr val="000099"/>
+                </a:solidFill>
+                <a:latin typeface="Consolas" charset="0"/>
+                <a:ea typeface="Consolas" charset="0"/>
+                <a:cs typeface="Consolas" charset="0"/>
+              </a:rPr>
+              <a:t>strlen</a:t>
+            </a:r>
+            <a:r>
+              <a:rPr lang="en-US" sz="2000" dirty="0">
+                <a:solidFill>
+                  <a:srgbClr val="000099"/>
+                </a:solidFill>
+                <a:latin typeface="Consolas" charset="0"/>
+                <a:ea typeface="Consolas" charset="0"/>
+                <a:cs typeface="Consolas" charset="0"/>
+              </a:rPr>
+              <a:t>(char *s) {</a:t>
+            </a:r>
+          </a:p>
+          <a:p>
+            <a:r>
+              <a:rPr lang="en-US" sz="2000" dirty="0">
+                <a:solidFill>
+                  <a:srgbClr val="000099"/>
+                </a:solidFill>
+                <a:latin typeface="Consolas" charset="0"/>
+                <a:ea typeface="Consolas" charset="0"/>
+                <a:cs typeface="Consolas" charset="0"/>
+              </a:rPr>
+              <a:t>     </a:t>
+            </a:r>
+            <a:r>
+              <a:rPr lang="en-US" sz="2000" dirty="0" err="1">
+                <a:solidFill>
+                  <a:srgbClr val="000099"/>
+                </a:solidFill>
+                <a:latin typeface="Consolas" charset="0"/>
+                <a:ea typeface="Consolas" charset="0"/>
+                <a:cs typeface="Consolas" charset="0"/>
+              </a:rPr>
+              <a:t>int</a:t>
+            </a:r>
+            <a:r>
+              <a:rPr lang="en-US" sz="2000" dirty="0">
+                <a:solidFill>
+                  <a:srgbClr val="000099"/>
+                </a:solidFill>
+                <a:latin typeface="Consolas" charset="0"/>
+                <a:ea typeface="Consolas" charset="0"/>
+                <a:cs typeface="Consolas" charset="0"/>
+              </a:rPr>
+              <a:t> n = 0;</a:t>
+            </a:r>
+          </a:p>
+          <a:p>
+            <a:r>
+              <a:rPr lang="en-US" sz="2000" dirty="0">
+                <a:solidFill>
+                  <a:srgbClr val="000099"/>
+                </a:solidFill>
+                <a:latin typeface="Consolas" charset="0"/>
+                <a:ea typeface="Consolas" charset="0"/>
+                <a:cs typeface="Consolas" charset="0"/>
+              </a:rPr>
+              <a:t>     for (; *s; s++) </a:t>
+            </a:r>
+          </a:p>
+          <a:p>
+            <a:r>
+              <a:rPr lang="en-US" sz="2000" dirty="0">
+                <a:solidFill>
+                  <a:srgbClr val="000099"/>
+                </a:solidFill>
+                <a:latin typeface="Consolas" charset="0"/>
+                <a:ea typeface="Consolas" charset="0"/>
+                <a:cs typeface="Consolas" charset="0"/>
+              </a:rPr>
+              <a:t>          n++;</a:t>
+            </a:r>
+          </a:p>
+          <a:p>
+            <a:r>
+              <a:rPr lang="en-US" sz="2000" dirty="0">
+                <a:solidFill>
+                  <a:srgbClr val="000099"/>
+                </a:solidFill>
+                <a:latin typeface="Consolas" charset="0"/>
+                <a:ea typeface="Consolas" charset="0"/>
+                <a:cs typeface="Consolas" charset="0"/>
+              </a:rPr>
+              <a:t>      return n;</a:t>
+            </a:r>
+          </a:p>
+          <a:p>
+            <a:r>
+              <a:rPr lang="en-US" sz="2000" dirty="0">
+                <a:solidFill>
+                  <a:srgbClr val="000099"/>
+                </a:solidFill>
+                <a:latin typeface="Consolas" charset="0"/>
+                <a:ea typeface="Consolas" charset="0"/>
+                <a:cs typeface="Consolas" charset="0"/>
+              </a:rPr>
+              <a:t>} </a:t>
+            </a:r>
+          </a:p>
+        </p:txBody>
+      </p:sp>
+      <p:sp>
+        <p:nvSpPr>
+          <p:cNvPr id="8" name="TextBox 7"/>
+          <p:cNvSpPr txBox="1"/>
+          <p:nvPr/>
+        </p:nvSpPr>
+        <p:spPr>
+          <a:xfrm>
+            <a:off x="533400" y="4876800"/>
+            <a:ext cx="2020876" cy="1323439"/>
+          </a:xfrm>
+          <a:prstGeom prst="rect">
+            <a:avLst/>
+          </a:prstGeom>
+          <a:noFill/>
+          <a:ln>
+            <a:solidFill>
+              <a:schemeClr val="tx1"/>
+            </a:solidFill>
+            <a:prstDash val="dash"/>
+          </a:ln>
+        </p:spPr>
+        <p:txBody>
+          <a:bodyPr wrap="square" rtlCol="0">
+            <a:spAutoFit/>
+          </a:bodyPr>
+          <a:lstStyle/>
+          <a:p>
+            <a:r>
+              <a:rPr lang="en-US" sz="2000" dirty="0">
+                <a:solidFill>
+                  <a:srgbClr val="000099"/>
+                </a:solidFill>
+                <a:latin typeface="Consolas" charset="0"/>
+                <a:ea typeface="Consolas" charset="0"/>
+                <a:cs typeface="Consolas" charset="0"/>
+              </a:rPr>
+              <a:t>while (*s) {</a:t>
+            </a:r>
+          </a:p>
+          <a:p>
+            <a:r>
+              <a:rPr lang="en-US" sz="2000" dirty="0">
+                <a:solidFill>
+                  <a:srgbClr val="000099"/>
+                </a:solidFill>
+                <a:latin typeface="Consolas" charset="0"/>
+                <a:ea typeface="Consolas" charset="0"/>
+                <a:cs typeface="Consolas" charset="0"/>
+              </a:rPr>
+              <a:t>     s++ ;</a:t>
+            </a:r>
+          </a:p>
+          <a:p>
+            <a:r>
+              <a:rPr lang="en-US" sz="2000" dirty="0">
+                <a:solidFill>
+                  <a:srgbClr val="000099"/>
+                </a:solidFill>
+                <a:latin typeface="Consolas" charset="0"/>
+                <a:ea typeface="Consolas" charset="0"/>
+                <a:cs typeface="Consolas" charset="0"/>
+              </a:rPr>
+              <a:t>     n++; </a:t>
+            </a:r>
+          </a:p>
+          <a:p>
+            <a:r>
+              <a:rPr lang="en-US" sz="2000" dirty="0">
+                <a:solidFill>
+                  <a:srgbClr val="000099"/>
+                </a:solidFill>
+                <a:latin typeface="Consolas" charset="0"/>
+                <a:ea typeface="Consolas" charset="0"/>
+                <a:cs typeface="Consolas" charset="0"/>
+              </a:rPr>
+              <a:t>}</a:t>
+            </a:r>
+          </a:p>
+        </p:txBody>
+      </p:sp>
+      <p:sp>
+        <p:nvSpPr>
+          <p:cNvPr id="9" name="TextBox 8"/>
+          <p:cNvSpPr txBox="1"/>
+          <p:nvPr/>
+        </p:nvSpPr>
+        <p:spPr>
+          <a:xfrm>
+            <a:off x="6242601" y="5016753"/>
+            <a:ext cx="2020876" cy="1015663"/>
+          </a:xfrm>
+          <a:prstGeom prst="rect">
+            <a:avLst/>
+          </a:prstGeom>
+          <a:noFill/>
+          <a:ln>
+            <a:solidFill>
+              <a:schemeClr val="tx1"/>
+            </a:solidFill>
+            <a:prstDash val="dash"/>
+          </a:ln>
+        </p:spPr>
+        <p:txBody>
+          <a:bodyPr wrap="square" rtlCol="0">
+            <a:spAutoFit/>
+          </a:bodyPr>
+          <a:lstStyle/>
+          <a:p>
+            <a:r>
+              <a:rPr lang="en-US" sz="2000" dirty="0">
+                <a:solidFill>
+                  <a:srgbClr val="000099"/>
+                </a:solidFill>
+                <a:latin typeface="Consolas" charset="0"/>
+                <a:ea typeface="Consolas" charset="0"/>
+                <a:cs typeface="Consolas" charset="0"/>
+              </a:rPr>
+              <a:t>char *p = s;</a:t>
+            </a:r>
+          </a:p>
+          <a:p>
+            <a:r>
+              <a:rPr lang="en-US" sz="2000" dirty="0">
+                <a:solidFill>
+                  <a:srgbClr val="000099"/>
+                </a:solidFill>
+                <a:latin typeface="Consolas" charset="0"/>
+                <a:ea typeface="Consolas" charset="0"/>
+                <a:cs typeface="Consolas" charset="0"/>
+              </a:rPr>
+              <a:t>while (*s++); </a:t>
+            </a:r>
+          </a:p>
+          <a:p>
+            <a:r>
+              <a:rPr lang="en-US" sz="2000" dirty="0">
+                <a:solidFill>
+                  <a:srgbClr val="000099"/>
+                </a:solidFill>
+                <a:latin typeface="Consolas" charset="0"/>
+                <a:ea typeface="Consolas" charset="0"/>
+                <a:cs typeface="Consolas" charset="0"/>
+              </a:rPr>
+              <a:t>return s – p;</a:t>
+            </a:r>
+          </a:p>
+        </p:txBody>
+      </p:sp>
+      <p:sp>
+        <p:nvSpPr>
+          <p:cNvPr id="11" name="TextBox 10"/>
+          <p:cNvSpPr txBox="1"/>
+          <p:nvPr/>
+        </p:nvSpPr>
+        <p:spPr>
+          <a:xfrm>
+            <a:off x="3531476" y="5324530"/>
+            <a:ext cx="2020876" cy="707886"/>
+          </a:xfrm>
+          <a:prstGeom prst="rect">
+            <a:avLst/>
+          </a:prstGeom>
+          <a:noFill/>
+          <a:ln>
+            <a:solidFill>
+              <a:schemeClr val="tx1"/>
+            </a:solidFill>
+            <a:prstDash val="dash"/>
+          </a:ln>
+        </p:spPr>
+        <p:txBody>
+          <a:bodyPr wrap="square" rtlCol="0">
+            <a:spAutoFit/>
+          </a:bodyPr>
+          <a:lstStyle/>
+          <a:p>
+            <a:r>
+              <a:rPr lang="en-US" sz="2000" dirty="0">
+                <a:solidFill>
+                  <a:srgbClr val="000099"/>
+                </a:solidFill>
+                <a:latin typeface="Consolas" charset="0"/>
+                <a:ea typeface="Consolas" charset="0"/>
+                <a:cs typeface="Consolas" charset="0"/>
+              </a:rPr>
+              <a:t>while (*s++) </a:t>
+            </a:r>
+          </a:p>
+          <a:p>
+            <a:r>
+              <a:rPr lang="en-US" sz="2000" dirty="0">
+                <a:solidFill>
+                  <a:srgbClr val="000099"/>
+                </a:solidFill>
+                <a:latin typeface="Consolas" charset="0"/>
+                <a:ea typeface="Consolas" charset="0"/>
+                <a:cs typeface="Consolas" charset="0"/>
+              </a:rPr>
+              <a:t>     n++;</a:t>
+            </a:r>
+          </a:p>
+        </p:txBody>
+      </p:sp>
+    </p:spTree>
+    <p:extLst>
+      <p:ext uri="{BB962C8B-B14F-4D97-AF65-F5344CB8AC3E}">
+        <p14:creationId xmlns:p14="http://schemas.microsoft.com/office/powerpoint/2010/main" val="1842854107"/>
+      </p:ext>
+    </p:extLst>
+  </p:cSld>
+  <p:clrMapOvr>
+    <a:masterClrMapping/>
+  </p:clrMapOvr>
+</p:sld>
+</file>
+
+<file path=ppt/slides/slide3.xml><?xml version="1.0" encoding="utf-8"?>
+<p:sld xmlns:a="http://schemas.openxmlformats.org/drawingml/2006/main" xmlns:r="http://schemas.openxmlformats.org/officeDocument/2006/relationships" xmlns:p="http://schemas.openxmlformats.org/presentationml/2006/main">
+  <p:cSld>
+    <p:spTree>
+      <p:nvGrpSpPr>
+        <p:cNvPr id="1" name=""/>
+        <p:cNvGrpSpPr/>
+        <p:nvPr/>
+      </p:nvGrpSpPr>
+      <p:grpSpPr>
+        <a:xfrm>
+          <a:off x="0" y="0"/>
+          <a:ext cx="0" cy="0"/>
+          <a:chOff x="0" y="0"/>
+          <a:chExt cx="0" cy="0"/>
+        </a:xfrm>
+      </p:grpSpPr>
+      <p:sp>
+        <p:nvSpPr>
+          <p:cNvPr id="2" name="Title 1"/>
+          <p:cNvSpPr>
+            <a:spLocks noGrp="1"/>
+          </p:cNvSpPr>
+          <p:nvPr>
+            <p:ph type="title"/>
+          </p:nvPr>
+        </p:nvSpPr>
+        <p:spPr/>
+        <p:txBody>
+          <a:bodyPr/>
+          <a:lstStyle/>
+          <a:p>
+            <a:r>
+              <a:rPr lang="en-US" dirty="0"/>
+              <a:t>String literals - Definition</a:t>
+            </a:r>
+          </a:p>
+        </p:txBody>
+      </p:sp>
+      <p:sp>
+        <p:nvSpPr>
+          <p:cNvPr id="3" name="Content Placeholder 2"/>
+          <p:cNvSpPr>
+            <a:spLocks noGrp="1"/>
+          </p:cNvSpPr>
+          <p:nvPr>
+            <p:ph idx="1"/>
+          </p:nvPr>
+        </p:nvSpPr>
+        <p:spPr>
+          <a:xfrm>
+            <a:off x="946403" y="1828801"/>
+            <a:ext cx="7494651" cy="4351337"/>
+          </a:xfrm>
+        </p:spPr>
+        <p:txBody>
+          <a:bodyPr>
+            <a:normAutofit/>
+          </a:bodyPr>
+          <a:lstStyle/>
+          <a:p>
+            <a:r>
+              <a:rPr lang="en-US" sz="2000" dirty="0"/>
+              <a:t>String literal: a sequence of characters enclosed within double quotes:</a:t>
+            </a:r>
+          </a:p>
+          <a:p>
+            <a:pPr indent="0">
+              <a:buNone/>
+            </a:pPr>
+            <a:r>
+              <a:rPr lang="en-US" sz="2400" dirty="0">
+                <a:solidFill>
+                  <a:srgbClr val="0B2B91"/>
+                </a:solidFill>
+                <a:latin typeface="Consolas" charset="0"/>
+                <a:ea typeface="Consolas" charset="0"/>
+                <a:cs typeface="Consolas" charset="0"/>
+              </a:rPr>
+              <a:t>“I won last night”</a:t>
+            </a:r>
+          </a:p>
+          <a:p>
+            <a:pPr indent="0">
+              <a:buNone/>
+            </a:pPr>
+            <a:r>
+              <a:rPr lang="en-US" sz="2400" dirty="0">
+                <a:solidFill>
+                  <a:srgbClr val="0B2B91"/>
+                </a:solidFill>
+                <a:latin typeface="Consolas" charset="0"/>
+                <a:ea typeface="Consolas" charset="0"/>
+                <a:cs typeface="Consolas" charset="0"/>
+              </a:rPr>
+              <a:t>“First place: Amy\</a:t>
+            </a:r>
+            <a:r>
+              <a:rPr lang="en-US" sz="2400" dirty="0" err="1">
+                <a:solidFill>
+                  <a:srgbClr val="0B2B91"/>
+                </a:solidFill>
+                <a:latin typeface="Consolas" charset="0"/>
+                <a:ea typeface="Consolas" charset="0"/>
+                <a:cs typeface="Consolas" charset="0"/>
+              </a:rPr>
+              <a:t>nSecond</a:t>
+            </a:r>
+            <a:r>
+              <a:rPr lang="en-US" sz="2400" dirty="0">
+                <a:solidFill>
+                  <a:srgbClr val="0B2B91"/>
+                </a:solidFill>
+                <a:latin typeface="Consolas" charset="0"/>
+                <a:ea typeface="Consolas" charset="0"/>
+                <a:cs typeface="Consolas" charset="0"/>
+              </a:rPr>
+              <a:t> place: Mary”</a:t>
+            </a:r>
+          </a:p>
+          <a:p>
+            <a:pPr indent="0">
+              <a:buNone/>
+            </a:pPr>
+            <a:r>
+              <a:rPr lang="en-US" sz="2400" dirty="0" err="1">
+                <a:solidFill>
+                  <a:srgbClr val="0B2B91"/>
+                </a:solidFill>
+                <a:latin typeface="Consolas" charset="0"/>
+                <a:ea typeface="Consolas" charset="0"/>
+                <a:cs typeface="Consolas" charset="0"/>
+              </a:rPr>
+              <a:t>printf</a:t>
+            </a:r>
+            <a:r>
+              <a:rPr lang="en-US" sz="2400" dirty="0">
+                <a:solidFill>
+                  <a:srgbClr val="0B2B91"/>
+                </a:solidFill>
+                <a:latin typeface="Consolas" charset="0"/>
+                <a:ea typeface="Consolas" charset="0"/>
+                <a:cs typeface="Consolas" charset="0"/>
+              </a:rPr>
+              <a:t>(“The average temperature is 89”)</a:t>
+            </a:r>
+          </a:p>
+          <a:p>
+            <a:pPr indent="0">
+              <a:buNone/>
+            </a:pPr>
+            <a:r>
+              <a:rPr lang="en-US" sz="2400" dirty="0" err="1">
+                <a:solidFill>
+                  <a:srgbClr val="0B2B91"/>
+                </a:solidFill>
+                <a:latin typeface="Consolas" charset="0"/>
+                <a:ea typeface="Consolas" charset="0"/>
+                <a:cs typeface="Consolas" charset="0"/>
+              </a:rPr>
+              <a:t>scanf</a:t>
+            </a:r>
+            <a:r>
+              <a:rPr lang="en-US" sz="2400" dirty="0">
+                <a:solidFill>
+                  <a:srgbClr val="0B2B91"/>
+                </a:solidFill>
+                <a:latin typeface="Consolas" charset="0"/>
+                <a:ea typeface="Consolas" charset="0"/>
+                <a:cs typeface="Consolas" charset="0"/>
+              </a:rPr>
+              <a:t>(“%d/%d”, &amp;a, &amp;b) </a:t>
+            </a:r>
+          </a:p>
+        </p:txBody>
+      </p:sp>
+      <p:sp>
+        <p:nvSpPr>
+          <p:cNvPr id="12" name="Slide Number Placeholder 11"/>
+          <p:cNvSpPr>
+            <a:spLocks noGrp="1"/>
+          </p:cNvSpPr>
+          <p:nvPr>
+            <p:ph type="sldNum" sz="quarter" idx="12"/>
+          </p:nvPr>
+        </p:nvSpPr>
+        <p:spPr/>
+        <p:txBody>
+          <a:bodyPr/>
+          <a:lstStyle/>
+          <a:p>
+            <a:fld id="{B6F15528-21DE-4FAA-801E-634DDDAF4B2B}" type="slidenum">
+              <a:rPr lang="en-US" smtClean="0"/>
+              <a:pPr/>
+              <a:t>3</a:t>
+            </a:fld>
+            <a:endParaRPr lang="en-US" dirty="0"/>
+          </a:p>
+        </p:txBody>
+      </p:sp>
+    </p:spTree>
+    <p:extLst>
+      <p:ext uri="{BB962C8B-B14F-4D97-AF65-F5344CB8AC3E}">
+        <p14:creationId xmlns:p14="http://schemas.microsoft.com/office/powerpoint/2010/main" val="948754896"/>
+      </p:ext>
+    </p:extLst>
+  </p:cSld>
+  <p:clrMapOvr>
+    <a:masterClrMapping/>
+  </p:clrMapOvr>
+</p:sld>
+</file>
+
+<file path=ppt/slides/slide30.xml><?xml version="1.0" encoding="utf-8"?>
+<p:sld xmlns:a="http://schemas.openxmlformats.org/drawingml/2006/main" xmlns:r="http://schemas.openxmlformats.org/officeDocument/2006/relationships" xmlns:p="http://schemas.openxmlformats.org/presentationml/2006/main">
+  <p:cSld>
+    <p:spTree>
+      <p:nvGrpSpPr>
+        <p:cNvPr id="1" name=""/>
+        <p:cNvGrpSpPr/>
+        <p:nvPr/>
+      </p:nvGrpSpPr>
+      <p:grpSpPr>
+        <a:xfrm>
+          <a:off x="0" y="0"/>
+          <a:ext cx="0" cy="0"/>
+          <a:chOff x="0" y="0"/>
+          <a:chExt cx="0" cy="0"/>
+        </a:xfrm>
+      </p:grpSpPr>
+      <p:sp>
+        <p:nvSpPr>
+          <p:cNvPr id="2" name="Title 1"/>
+          <p:cNvSpPr>
+            <a:spLocks noGrp="1"/>
+          </p:cNvSpPr>
+          <p:nvPr>
+            <p:ph type="title"/>
+          </p:nvPr>
+        </p:nvSpPr>
+        <p:spPr>
+          <a:xfrm>
             <a:off x="946404" y="-228600"/>
             <a:ext cx="7269480" cy="1325562"/>
           </a:xfrm>
@@ -16499,7 +16841,7 @@
             <a:fld id="{B6F15528-21DE-4FAA-801E-634DDDAF4B2B}" type="slidenum">
               <a:rPr lang="en-US" smtClean="0"/>
               <a:pPr/>
-              <a:t>29</a:t>
+              <a:t>30</a:t>
             </a:fld>
             <a:endParaRPr lang="en-US" dirty="0"/>
           </a:p>
@@ -17701,220 +18043,7 @@
 </p:sld>
 </file>
 
-<file path=ppt/slides/slide3.xml><?xml version="1.0" encoding="utf-8"?>
-<p:sld xmlns:a="http://schemas.openxmlformats.org/drawingml/2006/main" xmlns:r="http://schemas.openxmlformats.org/officeDocument/2006/relationships" xmlns:p="http://schemas.openxmlformats.org/presentationml/2006/main">
-  <p:cSld>
-    <p:spTree>
-      <p:nvGrpSpPr>
-        <p:cNvPr id="1" name=""/>
-        <p:cNvGrpSpPr/>
-        <p:nvPr/>
-      </p:nvGrpSpPr>
-      <p:grpSpPr>
-        <a:xfrm>
-          <a:off x="0" y="0"/>
-          <a:ext cx="0" cy="0"/>
-          <a:chOff x="0" y="0"/>
-          <a:chExt cx="0" cy="0"/>
-        </a:xfrm>
-      </p:grpSpPr>
-      <p:sp>
-        <p:nvSpPr>
-          <p:cNvPr id="2" name="Title 1"/>
-          <p:cNvSpPr>
-            <a:spLocks noGrp="1"/>
-          </p:cNvSpPr>
-          <p:nvPr>
-            <p:ph type="title"/>
-          </p:nvPr>
-        </p:nvSpPr>
-        <p:spPr/>
-        <p:txBody>
-          <a:bodyPr/>
-          <a:lstStyle/>
-          <a:p>
-            <a:r>
-              <a:rPr lang="en-US" dirty="0"/>
-              <a:t>String literals - Definition</a:t>
-            </a:r>
-          </a:p>
-        </p:txBody>
-      </p:sp>
-      <p:sp>
-        <p:nvSpPr>
-          <p:cNvPr id="3" name="Content Placeholder 2"/>
-          <p:cNvSpPr>
-            <a:spLocks noGrp="1"/>
-          </p:cNvSpPr>
-          <p:nvPr>
-            <p:ph idx="1"/>
-          </p:nvPr>
-        </p:nvSpPr>
-        <p:spPr>
-          <a:xfrm>
-            <a:off x="946403" y="1828801"/>
-            <a:ext cx="7494651" cy="4351337"/>
-          </a:xfrm>
-        </p:spPr>
-        <p:txBody>
-          <a:bodyPr>
-            <a:normAutofit/>
-          </a:bodyPr>
-          <a:lstStyle/>
-          <a:p>
-            <a:r>
-              <a:rPr lang="en-US" sz="2000" dirty="0"/>
-              <a:t>String literal: a sequence of characters enclosed within double quotes:</a:t>
-            </a:r>
-          </a:p>
-          <a:p>
-            <a:pPr indent="0">
-              <a:buNone/>
-            </a:pPr>
-            <a:r>
-              <a:rPr lang="en-US" sz="2400" dirty="0">
-                <a:solidFill>
-                  <a:srgbClr val="0B2B91"/>
-                </a:solidFill>
-                <a:latin typeface="Consolas" charset="0"/>
-                <a:ea typeface="Consolas" charset="0"/>
-                <a:cs typeface="Consolas" charset="0"/>
-              </a:rPr>
-              <a:t>“I won last night”</a:t>
-            </a:r>
-          </a:p>
-          <a:p>
-            <a:pPr indent="0">
-              <a:buNone/>
-            </a:pPr>
-            <a:r>
-              <a:rPr lang="en-US" sz="2400" dirty="0">
-                <a:solidFill>
-                  <a:srgbClr val="0B2B91"/>
-                </a:solidFill>
-                <a:latin typeface="Consolas" charset="0"/>
-                <a:ea typeface="Consolas" charset="0"/>
-                <a:cs typeface="Consolas" charset="0"/>
-              </a:rPr>
-              <a:t>“First place: Amy\</a:t>
-            </a:r>
-            <a:r>
-              <a:rPr lang="en-US" sz="2400" dirty="0" err="1">
-                <a:solidFill>
-                  <a:srgbClr val="0B2B91"/>
-                </a:solidFill>
-                <a:latin typeface="Consolas" charset="0"/>
-                <a:ea typeface="Consolas" charset="0"/>
-                <a:cs typeface="Consolas" charset="0"/>
-              </a:rPr>
-              <a:t>nSecond</a:t>
-            </a:r>
-            <a:r>
-              <a:rPr lang="en-US" sz="2400" dirty="0">
-                <a:solidFill>
-                  <a:srgbClr val="0B2B91"/>
-                </a:solidFill>
-                <a:latin typeface="Consolas" charset="0"/>
-                <a:ea typeface="Consolas" charset="0"/>
-                <a:cs typeface="Consolas" charset="0"/>
-              </a:rPr>
-              <a:t> place: Mary”</a:t>
-            </a:r>
-          </a:p>
-          <a:p>
-            <a:pPr indent="0">
-              <a:buNone/>
-            </a:pPr>
-            <a:r>
-              <a:rPr lang="en-US" sz="2400" dirty="0" err="1">
-                <a:solidFill>
-                  <a:srgbClr val="0B2B91"/>
-                </a:solidFill>
-                <a:latin typeface="Consolas" charset="0"/>
-                <a:ea typeface="Consolas" charset="0"/>
-                <a:cs typeface="Consolas" charset="0"/>
-              </a:rPr>
-              <a:t>printf</a:t>
-            </a:r>
-            <a:r>
-              <a:rPr lang="en-US" sz="2400" dirty="0">
-                <a:solidFill>
-                  <a:srgbClr val="0B2B91"/>
-                </a:solidFill>
-                <a:latin typeface="Consolas" charset="0"/>
-                <a:ea typeface="Consolas" charset="0"/>
-                <a:cs typeface="Consolas" charset="0"/>
-              </a:rPr>
-              <a:t>(“The average temperature is 89”)</a:t>
-            </a:r>
-          </a:p>
-          <a:p>
-            <a:pPr indent="0">
-              <a:buNone/>
-            </a:pPr>
-            <a:r>
-              <a:rPr lang="en-US" sz="2400" dirty="0" err="1">
-                <a:solidFill>
-                  <a:srgbClr val="0B2B91"/>
-                </a:solidFill>
-                <a:latin typeface="Consolas" charset="0"/>
-                <a:ea typeface="Consolas" charset="0"/>
-                <a:cs typeface="Consolas" charset="0"/>
-              </a:rPr>
-              <a:t>scanf</a:t>
-            </a:r>
-            <a:r>
-              <a:rPr lang="en-US" sz="2400" dirty="0">
-                <a:solidFill>
-                  <a:srgbClr val="0B2B91"/>
-                </a:solidFill>
-                <a:latin typeface="Consolas" charset="0"/>
-                <a:ea typeface="Consolas" charset="0"/>
-                <a:cs typeface="Consolas" charset="0"/>
-              </a:rPr>
-              <a:t>(“%d/%d”, &amp;a, &amp;b) </a:t>
-            </a:r>
-          </a:p>
-        </p:txBody>
-      </p:sp>
-      <p:sp>
-        <p:nvSpPr>
-          <p:cNvPr id="12" name="Slide Number Placeholder 11"/>
-          <p:cNvSpPr>
-            <a:spLocks noGrp="1"/>
-          </p:cNvSpPr>
-          <p:nvPr>
-            <p:ph type="sldNum" sz="quarter" idx="12"/>
-          </p:nvPr>
-        </p:nvSpPr>
-        <p:spPr/>
-        <p:txBody>
-          <a:bodyPr/>
-          <a:lstStyle/>
-          <a:p>
-            <a:fld id="{B6F15528-21DE-4FAA-801E-634DDDAF4B2B}" type="slidenum">
-              <a:rPr lang="en-US" smtClean="0"/>
-              <a:pPr/>
-              <a:t>3</a:t>
-            </a:fld>
-            <a:endParaRPr lang="en-US" dirty="0"/>
-          </a:p>
-        </p:txBody>
-      </p:sp>
-    </p:spTree>
-    <p:extLst>
-      <p:ext uri="{BB962C8B-B14F-4D97-AF65-F5344CB8AC3E}">
-        <p14:creationId xmlns:p14="http://schemas.microsoft.com/office/powerpoint/2010/main" val="948754896"/>
-      </p:ext>
-    </p:extLst>
-  </p:cSld>
-  <p:clrMapOvr>
-    <a:masterClrMapping/>
-  </p:clrMapOvr>
-</p:sld>
-</file>
-
-<file path=ppt/slides/slide30.xml><?xml version="1.0" encoding="utf-8"?>
+<file path=ppt/slides/slide31.xml><?xml version="1.0" encoding="utf-8"?>
 <p:sld xmlns:a="http://schemas.openxmlformats.org/drawingml/2006/main" xmlns:r="http://schemas.openxmlformats.org/officeDocument/2006/relationships" xmlns:p="http://schemas.openxmlformats.org/presentationml/2006/main">
   <p:cSld>
     <p:spTree>
@@ -18012,7 +18141,7 @@
             <a:fld id="{B6F15528-21DE-4FAA-801E-634DDDAF4B2B}" type="slidenum">
               <a:rPr lang="en-US" smtClean="0"/>
               <a:pPr/>
-              <a:t>30</a:t>
+              <a:t>31</a:t>
             </a:fld>
             <a:endParaRPr lang="en-US" dirty="0"/>
           </a:p>
@@ -19889,7 +20018,7 @@
 </p:sld>
 </file>
 
-<file path=ppt/slides/slide31.xml><?xml version="1.0" encoding="utf-8"?>
+<file path=ppt/slides/slide32.xml><?xml version="1.0" encoding="utf-8"?>
 <p:sld xmlns:a="http://schemas.openxmlformats.org/drawingml/2006/main" xmlns:r="http://schemas.openxmlformats.org/officeDocument/2006/relationships" xmlns:p="http://schemas.openxmlformats.org/presentationml/2006/main">
   <p:cSld>
     <p:spTree>
@@ -19997,7 +20126,7 @@
             <a:fld id="{B6F15528-21DE-4FAA-801E-634DDDAF4B2B}" type="slidenum">
               <a:rPr lang="en-US" smtClean="0"/>
               <a:pPr/>
-              <a:t>31</a:t>
+              <a:t>32</a:t>
             </a:fld>
             <a:endParaRPr lang="en-US" dirty="0"/>
           </a:p>
@@ -20467,294 +20596,6 @@
     <p:extLst>
       <p:ext uri="{BB962C8B-B14F-4D97-AF65-F5344CB8AC3E}">
         <p14:creationId xmlns:p14="http://schemas.microsoft.com/office/powerpoint/2010/main" val="1578854480"/>
-      </p:ext>
-    </p:extLst>
-  </p:cSld>
-  <p:clrMapOvr>
-    <a:masterClrMapping/>
-  </p:clrMapOvr>
-</p:sld>
-</file>
-
-<file path=ppt/slides/slide32.xml><?xml version="1.0" encoding="utf-8"?>
-<p:sld xmlns:a="http://schemas.openxmlformats.org/drawingml/2006/main" xmlns:r="http://schemas.openxmlformats.org/officeDocument/2006/relationships" xmlns:p="http://schemas.openxmlformats.org/presentationml/2006/main">
-  <p:cSld>
-    <p:spTree>
-      <p:nvGrpSpPr>
-        <p:cNvPr id="1" name=""/>
-        <p:cNvGrpSpPr/>
-        <p:nvPr/>
-      </p:nvGrpSpPr>
-      <p:grpSpPr>
-        <a:xfrm>
-          <a:off x="0" y="0"/>
-          <a:ext cx="0" cy="0"/>
-          <a:chOff x="0" y="0"/>
-          <a:chExt cx="0" cy="0"/>
-        </a:xfrm>
-      </p:grpSpPr>
-      <p:sp>
-        <p:nvSpPr>
-          <p:cNvPr id="2" name="Title 1"/>
-          <p:cNvSpPr>
-            <a:spLocks noGrp="1"/>
-          </p:cNvSpPr>
-          <p:nvPr>
-            <p:ph type="title"/>
-          </p:nvPr>
-        </p:nvSpPr>
-        <p:spPr/>
-        <p:txBody>
-          <a:bodyPr>
-            <a:normAutofit/>
-          </a:bodyPr>
-          <a:lstStyle/>
-          <a:p>
-            <a:r>
-              <a:rPr lang="en-US" dirty="0"/>
-              <a:t>Command Line Arguments (Optional Content for now)</a:t>
-            </a:r>
-          </a:p>
-        </p:txBody>
-      </p:sp>
-      <p:sp>
-        <p:nvSpPr>
-          <p:cNvPr id="3" name="Content Placeholder 2"/>
-          <p:cNvSpPr>
-            <a:spLocks noGrp="1"/>
-          </p:cNvSpPr>
-          <p:nvPr>
-            <p:ph idx="1"/>
-          </p:nvPr>
-        </p:nvSpPr>
-        <p:spPr>
-          <a:xfrm>
-            <a:off x="228601" y="1828801"/>
-            <a:ext cx="8212454" cy="4351337"/>
-          </a:xfrm>
-        </p:spPr>
-        <p:txBody>
-          <a:bodyPr>
-            <a:noAutofit/>
-          </a:bodyPr>
-          <a:lstStyle/>
-          <a:p>
-            <a:r>
-              <a:rPr lang="en-US" sz="2800" dirty="0"/>
-              <a:t>Used to supply information to the program</a:t>
-            </a:r>
-          </a:p>
-          <a:p>
-            <a:r>
-              <a:rPr lang="en-US" sz="2800" dirty="0"/>
-              <a:t>Define main as a function with 2 parameters:</a:t>
-            </a:r>
-          </a:p>
-          <a:p>
-            <a:pPr marL="457200" lvl="1" indent="0">
-              <a:buNone/>
-            </a:pPr>
-            <a:r>
-              <a:rPr lang="en-US" sz="2800" dirty="0">
-                <a:latin typeface="Consolas" charset="0"/>
-                <a:ea typeface="Consolas" charset="0"/>
-                <a:cs typeface="Consolas" charset="0"/>
-              </a:rPr>
-              <a:t>	</a:t>
-            </a:r>
-            <a:r>
-              <a:rPr lang="en-US" sz="1800" dirty="0" err="1">
-                <a:solidFill>
-                  <a:srgbClr val="000099"/>
-                </a:solidFill>
-                <a:latin typeface="Consolas" charset="0"/>
-                <a:ea typeface="Consolas" charset="0"/>
-                <a:cs typeface="Consolas" charset="0"/>
-              </a:rPr>
-              <a:t>int</a:t>
-            </a:r>
-            <a:r>
-              <a:rPr lang="en-US" sz="1800" dirty="0">
-                <a:solidFill>
-                  <a:srgbClr val="000099"/>
-                </a:solidFill>
-                <a:latin typeface="Consolas" charset="0"/>
-                <a:ea typeface="Consolas" charset="0"/>
-                <a:cs typeface="Consolas" charset="0"/>
-              </a:rPr>
-              <a:t> main(</a:t>
-            </a:r>
-            <a:r>
-              <a:rPr lang="en-US" sz="1800" dirty="0" err="1">
-                <a:solidFill>
-                  <a:srgbClr val="000099"/>
-                </a:solidFill>
-                <a:latin typeface="Consolas" charset="0"/>
-                <a:ea typeface="Consolas" charset="0"/>
-                <a:cs typeface="Consolas" charset="0"/>
-              </a:rPr>
-              <a:t>int</a:t>
-            </a:r>
-            <a:r>
-              <a:rPr lang="en-US" sz="1800" dirty="0">
-                <a:solidFill>
-                  <a:srgbClr val="000099"/>
-                </a:solidFill>
-                <a:latin typeface="Consolas" charset="0"/>
-                <a:ea typeface="Consolas" charset="0"/>
-                <a:cs typeface="Consolas" charset="0"/>
-              </a:rPr>
-              <a:t> </a:t>
-            </a:r>
-            <a:r>
-              <a:rPr lang="en-US" sz="1800" dirty="0" err="1">
-                <a:solidFill>
-                  <a:srgbClr val="000099"/>
-                </a:solidFill>
-                <a:latin typeface="Consolas" charset="0"/>
-                <a:ea typeface="Consolas" charset="0"/>
-                <a:cs typeface="Consolas" charset="0"/>
-              </a:rPr>
-              <a:t>argc</a:t>
-            </a:r>
-            <a:r>
-              <a:rPr lang="en-US" sz="1800" dirty="0">
-                <a:solidFill>
-                  <a:srgbClr val="000099"/>
-                </a:solidFill>
-                <a:latin typeface="Consolas" charset="0"/>
-                <a:ea typeface="Consolas" charset="0"/>
-                <a:cs typeface="Consolas" charset="0"/>
-              </a:rPr>
-              <a:t>, char *</a:t>
-            </a:r>
-            <a:r>
-              <a:rPr lang="en-US" sz="1800" dirty="0" err="1">
-                <a:solidFill>
-                  <a:srgbClr val="000099"/>
-                </a:solidFill>
-                <a:latin typeface="Consolas" charset="0"/>
-                <a:ea typeface="Consolas" charset="0"/>
-                <a:cs typeface="Consolas" charset="0"/>
-              </a:rPr>
-              <a:t>argv</a:t>
-            </a:r>
-            <a:r>
-              <a:rPr lang="en-US" sz="1800" dirty="0">
-                <a:solidFill>
-                  <a:srgbClr val="000099"/>
-                </a:solidFill>
-                <a:latin typeface="Consolas" charset="0"/>
-                <a:ea typeface="Consolas" charset="0"/>
-                <a:cs typeface="Consolas" charset="0"/>
-              </a:rPr>
-              <a:t>[ ])</a:t>
-            </a:r>
-            <a:endParaRPr lang="en-US" sz="2800" dirty="0">
-              <a:solidFill>
-                <a:srgbClr val="000099"/>
-              </a:solidFill>
-              <a:latin typeface="Consolas" charset="0"/>
-              <a:ea typeface="Consolas" charset="0"/>
-              <a:cs typeface="Consolas" charset="0"/>
-            </a:endParaRPr>
-          </a:p>
-          <a:p>
-            <a:r>
-              <a:rPr lang="en-US" sz="2800" dirty="0"/>
-              <a:t>Run your program:</a:t>
-            </a:r>
-            <a:endParaRPr lang="en-US" sz="2400" dirty="0"/>
-          </a:p>
-          <a:p>
-            <a:pPr marL="457200" lvl="1" indent="0">
-              <a:buNone/>
-            </a:pPr>
-            <a:r>
-              <a:rPr lang="en-US" sz="2600" dirty="0">
-                <a:latin typeface="Consolas" charset="0"/>
-                <a:ea typeface="Consolas" charset="0"/>
-                <a:cs typeface="Consolas" charset="0"/>
-              </a:rPr>
-              <a:t>	./add 13 100</a:t>
-            </a:r>
-          </a:p>
-          <a:p>
-            <a:r>
-              <a:rPr lang="en-US" sz="2800" dirty="0" err="1"/>
-              <a:t>argc</a:t>
-            </a:r>
-            <a:r>
-              <a:rPr lang="en-US" sz="2800" dirty="0"/>
-              <a:t> is 3</a:t>
-            </a:r>
-          </a:p>
-          <a:p>
-            <a:r>
-              <a:rPr lang="en-US" sz="2800" dirty="0" err="1"/>
-              <a:t>argv</a:t>
-            </a:r>
-            <a:r>
-              <a:rPr lang="en-US" sz="2800" dirty="0"/>
-              <a:t>[0] is “./add”</a:t>
-            </a:r>
-          </a:p>
-          <a:p>
-            <a:r>
-              <a:rPr lang="en-US" sz="2800" dirty="0" err="1"/>
-              <a:t>argv</a:t>
-            </a:r>
-            <a:r>
-              <a:rPr lang="en-US" sz="2800" dirty="0"/>
-              <a:t>[1] is “13”</a:t>
-            </a:r>
-          </a:p>
-          <a:p>
-            <a:r>
-              <a:rPr lang="en-US" sz="2800" dirty="0" err="1"/>
-              <a:t>argv</a:t>
-            </a:r>
-            <a:r>
-              <a:rPr lang="en-US" sz="2800" dirty="0"/>
-              <a:t>[2] is “100”</a:t>
-            </a:r>
-          </a:p>
-          <a:p>
-            <a:pPr marL="457200" lvl="1" indent="0">
-              <a:buNone/>
-            </a:pPr>
-            <a:endParaRPr lang="en-US" sz="2400" dirty="0"/>
-          </a:p>
-        </p:txBody>
-      </p:sp>
-      <p:sp>
-        <p:nvSpPr>
-          <p:cNvPr id="12" name="Slide Number Placeholder 11"/>
-          <p:cNvSpPr>
-            <a:spLocks noGrp="1"/>
-          </p:cNvSpPr>
-          <p:nvPr>
-            <p:ph type="sldNum" sz="quarter" idx="12"/>
-          </p:nvPr>
-        </p:nvSpPr>
-        <p:spPr/>
-        <p:txBody>
-          <a:bodyPr/>
-          <a:lstStyle/>
-          <a:p>
-            <a:fld id="{B6F15528-21DE-4FAA-801E-634DDDAF4B2B}" type="slidenum">
-              <a:rPr lang="en-US" smtClean="0"/>
-              <a:pPr/>
-              <a:t>32</a:t>
-            </a:fld>
-            <a:endParaRPr lang="en-US" dirty="0"/>
-          </a:p>
-        </p:txBody>
-      </p:sp>
-    </p:spTree>
-    <p:extLst>
-      <p:ext uri="{BB962C8B-B14F-4D97-AF65-F5344CB8AC3E}">
-        <p14:creationId xmlns:p14="http://schemas.microsoft.com/office/powerpoint/2010/main" val="597376774"/>
       </p:ext>
     </p:extLst>
   </p:cSld>
@@ -20791,19 +20632,16 @@
             <p:ph type="title"/>
           </p:nvPr>
         </p:nvSpPr>
-        <p:spPr>
-          <a:xfrm>
-            <a:off x="838200" y="-303564"/>
-            <a:ext cx="7269480" cy="1325562"/>
-          </a:xfrm>
-        </p:spPr>
+        <p:spPr/>
         <p:txBody>
-          <a:bodyPr/>
+          <a:bodyPr>
+            <a:normAutofit/>
+          </a:bodyPr>
           <a:lstStyle/>
           <a:p>
             <a:r>
               <a:rPr lang="en-US" dirty="0"/>
-              <a:t>Pitfalls</a:t>
+              <a:t>Command Line Arguments (Optional Content for now)</a:t>
             </a:r>
           </a:p>
         </p:txBody>
@@ -20820,47 +20658,201 @@
         </p:nvSpPr>
         <p:spPr>
           <a:xfrm>
-            <a:off x="0" y="1004418"/>
-            <a:ext cx="8458200" cy="5135562"/>
+            <a:off x="228601" y="1828801"/>
+            <a:ext cx="8212454" cy="4351337"/>
           </a:xfrm>
         </p:spPr>
         <p:txBody>
           <a:bodyPr>
-            <a:normAutofit lnSpcReduction="10000"/>
+            <a:noAutofit/>
           </a:bodyPr>
           <a:lstStyle/>
           <a:p>
             <a:r>
               <a:rPr lang="en-US" sz="2800" dirty="0"/>
-              <a:t>Don’t use a character when a string is required:</a:t>
-            </a:r>
-          </a:p>
-          <a:p>
-            <a:endParaRPr lang="en-US" sz="2800" dirty="0"/>
-          </a:p>
-          <a:p>
-            <a:endParaRPr lang="en-US" sz="2800" dirty="0"/>
-          </a:p>
-          <a:p>
-            <a:endParaRPr lang="en-US" sz="2800" dirty="0"/>
+              <a:t>Used to supply information to the program</a:t>
+            </a:r>
           </a:p>
           <a:p>
             <a:r>
               <a:rPr lang="en-US" sz="2800" dirty="0"/>
-              <a:t>Don’t modify a string literal</a:t>
-            </a:r>
-          </a:p>
-          <a:p>
-            <a:endParaRPr lang="en-US" sz="2800" dirty="0"/>
-          </a:p>
-          <a:p>
-            <a:endParaRPr lang="en-US" sz="2800" dirty="0"/>
+              <a:t>Define main as a function with 2 parameters:</a:t>
+            </a:r>
+          </a:p>
+          <a:p>
+            <a:pPr marL="457200" lvl="1" indent="0">
+              <a:buNone/>
+            </a:pPr>
+            <a:r>
+              <a:rPr lang="en-US" sz="2800" dirty="0">
+                <a:latin typeface="Consolas" charset="0"/>
+                <a:ea typeface="Consolas" charset="0"/>
+                <a:cs typeface="Consolas" charset="0"/>
+              </a:rPr>
+              <a:t>	</a:t>
+            </a:r>
+            <a:r>
+              <a:rPr lang="en-US" sz="1800" dirty="0" err="1">
+                <a:solidFill>
+                  <a:srgbClr val="000099"/>
+                </a:solidFill>
+                <a:latin typeface="Consolas" charset="0"/>
+                <a:ea typeface="Consolas" charset="0"/>
+                <a:cs typeface="Consolas" charset="0"/>
+              </a:rPr>
+              <a:t>int</a:t>
+            </a:r>
+            <a:r>
+              <a:rPr lang="en-US" sz="1800" dirty="0">
+                <a:solidFill>
+                  <a:srgbClr val="000099"/>
+                </a:solidFill>
+                <a:latin typeface="Consolas" charset="0"/>
+                <a:ea typeface="Consolas" charset="0"/>
+                <a:cs typeface="Consolas" charset="0"/>
+              </a:rPr>
+              <a:t> main(</a:t>
+            </a:r>
+            <a:r>
+              <a:rPr lang="en-US" sz="1800" dirty="0" err="1">
+                <a:solidFill>
+                  <a:srgbClr val="000099"/>
+                </a:solidFill>
+                <a:latin typeface="Consolas" charset="0"/>
+                <a:ea typeface="Consolas" charset="0"/>
+                <a:cs typeface="Consolas" charset="0"/>
+              </a:rPr>
+              <a:t>int</a:t>
+            </a:r>
+            <a:r>
+              <a:rPr lang="en-US" sz="1800" dirty="0">
+                <a:solidFill>
+                  <a:srgbClr val="000099"/>
+                </a:solidFill>
+                <a:latin typeface="Consolas" charset="0"/>
+                <a:ea typeface="Consolas" charset="0"/>
+                <a:cs typeface="Consolas" charset="0"/>
+              </a:rPr>
+              <a:t> </a:t>
+            </a:r>
+            <a:r>
+              <a:rPr lang="en-US" sz="1800" dirty="0" err="1">
+                <a:solidFill>
+                  <a:srgbClr val="000099"/>
+                </a:solidFill>
+                <a:latin typeface="Consolas" charset="0"/>
+                <a:ea typeface="Consolas" charset="0"/>
+                <a:cs typeface="Consolas" charset="0"/>
+              </a:rPr>
+              <a:t>argc</a:t>
+            </a:r>
+            <a:r>
+              <a:rPr lang="en-US" sz="1800" dirty="0">
+                <a:solidFill>
+                  <a:srgbClr val="000099"/>
+                </a:solidFill>
+                <a:latin typeface="Consolas" charset="0"/>
+                <a:ea typeface="Consolas" charset="0"/>
+                <a:cs typeface="Consolas" charset="0"/>
+              </a:rPr>
+              <a:t>, char *</a:t>
+            </a:r>
+            <a:r>
+              <a:rPr lang="en-US" sz="1800" dirty="0" err="1">
+                <a:solidFill>
+                  <a:srgbClr val="000099"/>
+                </a:solidFill>
+                <a:latin typeface="Consolas" charset="0"/>
+                <a:ea typeface="Consolas" charset="0"/>
+                <a:cs typeface="Consolas" charset="0"/>
+              </a:rPr>
+              <a:t>argv</a:t>
+            </a:r>
+            <a:r>
+              <a:rPr lang="en-US" sz="1800" dirty="0">
+                <a:solidFill>
+                  <a:srgbClr val="000099"/>
+                </a:solidFill>
+                <a:latin typeface="Consolas" charset="0"/>
+                <a:ea typeface="Consolas" charset="0"/>
+                <a:cs typeface="Consolas" charset="0"/>
+              </a:rPr>
+              <a:t>[ ])</a:t>
+            </a:r>
+            <a:endParaRPr lang="en-US" sz="2800" dirty="0">
+              <a:solidFill>
+                <a:srgbClr val="000099"/>
+              </a:solidFill>
+              <a:latin typeface="Consolas" charset="0"/>
+              <a:ea typeface="Consolas" charset="0"/>
+              <a:cs typeface="Consolas" charset="0"/>
+            </a:endParaRPr>
           </a:p>
           <a:p>
             <a:r>
               <a:rPr lang="en-US" sz="2800" dirty="0"/>
-              <a:t>Although array name is a pointer: cannot assign it to a new value:</a:t>
-            </a:r>
+              <a:t>Run your program:</a:t>
+            </a:r>
+            <a:endParaRPr lang="en-US" sz="2400" dirty="0"/>
+          </a:p>
+          <a:p>
+            <a:pPr marL="457200" lvl="1" indent="0">
+              <a:buNone/>
+            </a:pPr>
+            <a:r>
+              <a:rPr lang="en-US" sz="2600" dirty="0">
+                <a:latin typeface="Consolas" charset="0"/>
+                <a:ea typeface="Consolas" charset="0"/>
+                <a:cs typeface="Consolas" charset="0"/>
+              </a:rPr>
+              <a:t>	./add 13 100</a:t>
+            </a:r>
+          </a:p>
+          <a:p>
+            <a:r>
+              <a:rPr lang="en-US" sz="2800" dirty="0" err="1"/>
+              <a:t>argc</a:t>
+            </a:r>
+            <a:r>
+              <a:rPr lang="en-US" sz="2800" dirty="0"/>
+              <a:t> is 3</a:t>
+            </a:r>
+          </a:p>
+          <a:p>
+            <a:r>
+              <a:rPr lang="en-US" sz="2800" dirty="0" err="1"/>
+              <a:t>argv</a:t>
+            </a:r>
+            <a:r>
+              <a:rPr lang="en-US" sz="2800" dirty="0"/>
+              <a:t>[0] is “./add”</a:t>
+            </a:r>
+          </a:p>
+          <a:p>
+            <a:r>
+              <a:rPr lang="en-US" sz="2800" dirty="0" err="1"/>
+              <a:t>argv</a:t>
+            </a:r>
+            <a:r>
+              <a:rPr lang="en-US" sz="2800" dirty="0"/>
+              <a:t>[1] is “13”</a:t>
+            </a:r>
+          </a:p>
+          <a:p>
+            <a:r>
+              <a:rPr lang="en-US" sz="2800" dirty="0" err="1"/>
+              <a:t>argv</a:t>
+            </a:r>
+            <a:r>
+              <a:rPr lang="en-US" sz="2800" dirty="0"/>
+              <a:t>[2] is “100”</a:t>
+            </a:r>
+          </a:p>
+          <a:p>
+            <a:pPr marL="457200" lvl="1" indent="0">
+              <a:buNone/>
+            </a:pPr>
+            <a:endParaRPr lang="en-US" sz="2400" dirty="0"/>
           </a:p>
         </p:txBody>
       </p:sp>
@@ -20888,397 +20880,10 @@
           </a:p>
         </p:txBody>
       </p:sp>
-      <p:sp>
-        <p:nvSpPr>
-          <p:cNvPr id="4" name="TextBox 3"/>
-          <p:cNvSpPr txBox="1"/>
-          <p:nvPr/>
-        </p:nvSpPr>
-        <p:spPr>
-          <a:xfrm>
-            <a:off x="815715" y="1452817"/>
-            <a:ext cx="6477000" cy="1754326"/>
-          </a:xfrm>
-          <a:prstGeom prst="rect">
-            <a:avLst/>
-          </a:prstGeom>
-          <a:noFill/>
-        </p:spPr>
-        <p:txBody>
-          <a:bodyPr wrap="square" rtlCol="0">
-            <a:spAutoFit/>
-          </a:bodyPr>
-          <a:lstStyle/>
-          <a:p>
-            <a:pPr marL="115888" lvl="1"/>
-            <a:r>
-              <a:rPr lang="en-US" sz="2400" dirty="0" err="1">
-                <a:solidFill>
-                  <a:srgbClr val="000099"/>
-                </a:solidFill>
-                <a:latin typeface="Consolas" charset="0"/>
-                <a:ea typeface="Consolas" charset="0"/>
-                <a:cs typeface="Consolas" charset="0"/>
-              </a:rPr>
-              <a:t>printf</a:t>
-            </a:r>
-            <a:r>
-              <a:rPr lang="en-US" sz="2400" dirty="0">
-                <a:solidFill>
-                  <a:srgbClr val="000099"/>
-                </a:solidFill>
-                <a:latin typeface="Consolas" charset="0"/>
-                <a:ea typeface="Consolas" charset="0"/>
-                <a:cs typeface="Consolas" charset="0"/>
-              </a:rPr>
-              <a:t>(‘a’);		</a:t>
-            </a:r>
-            <a:r>
-              <a:rPr lang="en-US" sz="2400" dirty="0">
-                <a:solidFill>
-                  <a:srgbClr val="C00000"/>
-                </a:solidFill>
-                <a:latin typeface="Consolas" charset="0"/>
-                <a:ea typeface="Consolas" charset="0"/>
-                <a:cs typeface="Consolas" charset="0"/>
-              </a:rPr>
-              <a:t>//Wrong</a:t>
-            </a:r>
-          </a:p>
-          <a:p>
-            <a:pPr marL="115888" lvl="1"/>
-            <a:r>
-              <a:rPr lang="en-US" sz="2400" dirty="0" err="1">
-                <a:solidFill>
-                  <a:srgbClr val="000099"/>
-                </a:solidFill>
-                <a:latin typeface="Consolas" charset="0"/>
-                <a:ea typeface="Consolas" charset="0"/>
-                <a:cs typeface="Consolas" charset="0"/>
-              </a:rPr>
-              <a:t>printf</a:t>
-            </a:r>
-            <a:r>
-              <a:rPr lang="en-US" sz="2400" dirty="0">
-                <a:solidFill>
-                  <a:srgbClr val="000099"/>
-                </a:solidFill>
-                <a:latin typeface="Consolas" charset="0"/>
-                <a:ea typeface="Consolas" charset="0"/>
-                <a:cs typeface="Consolas" charset="0"/>
-              </a:rPr>
-              <a:t>(“a”);		</a:t>
-            </a:r>
-            <a:r>
-              <a:rPr lang="en-US" sz="2400" dirty="0">
-                <a:solidFill>
-                  <a:srgbClr val="00B050"/>
-                </a:solidFill>
-                <a:latin typeface="Consolas" charset="0"/>
-                <a:ea typeface="Consolas" charset="0"/>
-                <a:cs typeface="Consolas" charset="0"/>
-              </a:rPr>
-              <a:t>//Correct</a:t>
-            </a:r>
-          </a:p>
-          <a:p>
-            <a:pPr marL="115888" lvl="1"/>
-            <a:r>
-              <a:rPr lang="en-US" sz="2400" dirty="0" err="1">
-                <a:solidFill>
-                  <a:srgbClr val="000099"/>
-                </a:solidFill>
-                <a:latin typeface="Consolas" charset="0"/>
-                <a:ea typeface="Consolas" charset="0"/>
-                <a:cs typeface="Consolas" charset="0"/>
-              </a:rPr>
-              <a:t>printf</a:t>
-            </a:r>
-            <a:r>
-              <a:rPr lang="en-US" sz="2400" dirty="0">
-                <a:solidFill>
-                  <a:srgbClr val="000099"/>
-                </a:solidFill>
-                <a:latin typeface="Consolas" charset="0"/>
-                <a:ea typeface="Consolas" charset="0"/>
-                <a:cs typeface="Consolas" charset="0"/>
-              </a:rPr>
-              <a:t>(“%c”, ‘a’);</a:t>
-            </a:r>
-          </a:p>
-          <a:p>
-            <a:pPr marL="115888" lvl="1"/>
-            <a:r>
-              <a:rPr lang="en-US" sz="2400" dirty="0" err="1">
-                <a:solidFill>
-                  <a:srgbClr val="000099"/>
-                </a:solidFill>
-                <a:latin typeface="Consolas" charset="0"/>
-                <a:ea typeface="Consolas" charset="0"/>
-                <a:cs typeface="Consolas" charset="0"/>
-              </a:rPr>
-              <a:t>printf</a:t>
-            </a:r>
-            <a:r>
-              <a:rPr lang="en-US" sz="2400" dirty="0">
-                <a:solidFill>
-                  <a:srgbClr val="000099"/>
-                </a:solidFill>
-                <a:latin typeface="Consolas" charset="0"/>
-                <a:ea typeface="Consolas" charset="0"/>
-                <a:cs typeface="Consolas" charset="0"/>
-              </a:rPr>
-              <a:t>(“%s”, “a”);</a:t>
-            </a:r>
-          </a:p>
-          <a:p>
-            <a:pPr marL="115888"/>
-            <a:endParaRPr lang="en-US" sz="1200" dirty="0"/>
-          </a:p>
-        </p:txBody>
-      </p:sp>
-      <p:sp>
-        <p:nvSpPr>
-          <p:cNvPr id="5" name="TextBox 4"/>
-          <p:cNvSpPr txBox="1"/>
-          <p:nvPr/>
-        </p:nvSpPr>
-        <p:spPr>
-          <a:xfrm>
-            <a:off x="142054" y="3777829"/>
-            <a:ext cx="8661771" cy="1015663"/>
-          </a:xfrm>
-          <a:prstGeom prst="rect">
-            <a:avLst/>
-          </a:prstGeom>
-          <a:noFill/>
-        </p:spPr>
-        <p:txBody>
-          <a:bodyPr wrap="square" rtlCol="0">
-            <a:spAutoFit/>
-          </a:bodyPr>
-          <a:lstStyle/>
-          <a:p>
-            <a:pPr marL="52388" lvl="2">
-              <a:buNone/>
-            </a:pPr>
-            <a:r>
-              <a:rPr lang="en-US" sz="2000" dirty="0">
-                <a:solidFill>
-                  <a:srgbClr val="000099"/>
-                </a:solidFill>
-                <a:latin typeface="Consolas" charset="0"/>
-                <a:ea typeface="Consolas" charset="0"/>
-                <a:cs typeface="Consolas" charset="0"/>
-              </a:rPr>
-              <a:t>char *p = “</a:t>
-            </a:r>
-            <a:r>
-              <a:rPr lang="en-US" sz="2000" dirty="0" err="1">
-                <a:solidFill>
-                  <a:srgbClr val="000099"/>
-                </a:solidFill>
-                <a:latin typeface="Consolas" charset="0"/>
-                <a:ea typeface="Consolas" charset="0"/>
-                <a:cs typeface="Consolas" charset="0"/>
-              </a:rPr>
-              <a:t>abc</a:t>
-            </a:r>
-            <a:r>
-              <a:rPr lang="en-US" sz="2000" dirty="0">
-                <a:solidFill>
-                  <a:srgbClr val="000099"/>
-                </a:solidFill>
-                <a:latin typeface="Consolas" charset="0"/>
-                <a:ea typeface="Consolas" charset="0"/>
-                <a:cs typeface="Consolas" charset="0"/>
-              </a:rPr>
-              <a:t>”;</a:t>
-            </a:r>
-          </a:p>
-          <a:p>
-            <a:pPr marL="52388" lvl="2">
-              <a:buNone/>
-            </a:pPr>
-            <a:r>
-              <a:rPr lang="en-US" sz="2000" dirty="0">
-                <a:solidFill>
-                  <a:srgbClr val="000099"/>
-                </a:solidFill>
-                <a:latin typeface="Consolas" charset="0"/>
-                <a:ea typeface="Consolas" charset="0"/>
-                <a:cs typeface="Consolas" charset="0"/>
-              </a:rPr>
-              <a:t>*p = ‘A’;	</a:t>
-            </a:r>
-            <a:r>
-              <a:rPr lang="en-US" sz="2000" dirty="0">
-                <a:solidFill>
-                  <a:srgbClr val="C00000"/>
-                </a:solidFill>
-                <a:latin typeface="Consolas" charset="0"/>
-                <a:ea typeface="Consolas" charset="0"/>
-                <a:cs typeface="Consolas" charset="0"/>
-              </a:rPr>
-              <a:t>//WRONG. Can’t change the value p points to </a:t>
-            </a:r>
-          </a:p>
-          <a:p>
-            <a:pPr marL="52388" lvl="2">
-              <a:buNone/>
-            </a:pPr>
-            <a:r>
-              <a:rPr lang="en-US" sz="2000" dirty="0">
-                <a:solidFill>
-                  <a:srgbClr val="000099"/>
-                </a:solidFill>
-                <a:latin typeface="Consolas" charset="0"/>
-                <a:ea typeface="Consolas" charset="0"/>
-                <a:cs typeface="Consolas" charset="0"/>
-              </a:rPr>
-              <a:t>p = “</a:t>
-            </a:r>
-            <a:r>
-              <a:rPr lang="en-US" sz="2000" dirty="0" err="1">
-                <a:solidFill>
-                  <a:srgbClr val="000099"/>
-                </a:solidFill>
-                <a:latin typeface="Consolas" charset="0"/>
-                <a:ea typeface="Consolas" charset="0"/>
-                <a:cs typeface="Consolas" charset="0"/>
-              </a:rPr>
-              <a:t>def</a:t>
-            </a:r>
-            <a:r>
-              <a:rPr lang="en-US" sz="2000" dirty="0">
-                <a:solidFill>
-                  <a:srgbClr val="000099"/>
-                </a:solidFill>
-                <a:latin typeface="Consolas" charset="0"/>
-                <a:ea typeface="Consolas" charset="0"/>
-                <a:cs typeface="Consolas" charset="0"/>
-              </a:rPr>
-              <a:t>”;	</a:t>
-            </a:r>
-            <a:r>
-              <a:rPr lang="en-US" sz="2000" dirty="0">
-                <a:solidFill>
-                  <a:srgbClr val="00B050"/>
-                </a:solidFill>
-                <a:latin typeface="Consolas" charset="0"/>
-                <a:ea typeface="Consolas" charset="0"/>
-                <a:cs typeface="Consolas" charset="0"/>
-              </a:rPr>
-              <a:t>//VALID. Can make p point to something else</a:t>
-            </a:r>
-          </a:p>
-        </p:txBody>
-      </p:sp>
-      <p:sp>
-        <p:nvSpPr>
-          <p:cNvPr id="6" name="TextBox 5"/>
-          <p:cNvSpPr txBox="1"/>
-          <p:nvPr/>
-        </p:nvSpPr>
-        <p:spPr>
-          <a:xfrm>
-            <a:off x="3448831" y="5444339"/>
-            <a:ext cx="4983480" cy="1384995"/>
-          </a:xfrm>
-          <a:prstGeom prst="rect">
-            <a:avLst/>
-          </a:prstGeom>
-          <a:noFill/>
-        </p:spPr>
-        <p:txBody>
-          <a:bodyPr wrap="square" rtlCol="0">
-            <a:spAutoFit/>
-          </a:bodyPr>
-          <a:lstStyle/>
-          <a:p>
-            <a:pPr marL="52388" lvl="2">
-              <a:buNone/>
-            </a:pPr>
-            <a:r>
-              <a:rPr lang="en-US" sz="2400" dirty="0">
-                <a:solidFill>
-                  <a:srgbClr val="000099"/>
-                </a:solidFill>
-                <a:latin typeface="Consolas" charset="0"/>
-                <a:ea typeface="Consolas" charset="0"/>
-                <a:cs typeface="Consolas" charset="0"/>
-              </a:rPr>
-              <a:t>char a[10];	</a:t>
-            </a:r>
-          </a:p>
-          <a:p>
-            <a:pPr marL="52388" lvl="2">
-              <a:buNone/>
-            </a:pPr>
-            <a:r>
-              <a:rPr lang="en-US" sz="2400" dirty="0">
-                <a:solidFill>
-                  <a:srgbClr val="000099"/>
-                </a:solidFill>
-                <a:latin typeface="Consolas" charset="0"/>
-                <a:ea typeface="Consolas" charset="0"/>
-                <a:cs typeface="Consolas" charset="0"/>
-              </a:rPr>
-              <a:t>a = b;	</a:t>
-            </a:r>
-            <a:r>
-              <a:rPr lang="en-US" sz="2400" dirty="0">
-                <a:solidFill>
-                  <a:srgbClr val="C00000"/>
-                </a:solidFill>
-                <a:latin typeface="Consolas" charset="0"/>
-                <a:ea typeface="Consolas" charset="0"/>
-                <a:cs typeface="Consolas" charset="0"/>
-              </a:rPr>
-              <a:t>//WRONG</a:t>
-            </a:r>
-          </a:p>
-          <a:p>
-            <a:pPr marL="52388" lvl="2">
-              <a:buNone/>
-            </a:pPr>
-            <a:r>
-              <a:rPr lang="en-US" sz="2400" dirty="0">
-                <a:solidFill>
-                  <a:srgbClr val="000099"/>
-                </a:solidFill>
-                <a:latin typeface="Consolas" charset="0"/>
-                <a:ea typeface="Consolas" charset="0"/>
-                <a:cs typeface="Consolas" charset="0"/>
-              </a:rPr>
-              <a:t>a++;		</a:t>
-            </a:r>
-            <a:r>
-              <a:rPr lang="en-US" sz="2400" dirty="0">
-                <a:solidFill>
-                  <a:srgbClr val="C00000"/>
-                </a:solidFill>
-                <a:latin typeface="Consolas" charset="0"/>
-                <a:ea typeface="Consolas" charset="0"/>
-                <a:cs typeface="Consolas" charset="0"/>
-              </a:rPr>
-              <a:t>//WRONG</a:t>
-            </a:r>
-          </a:p>
-          <a:p>
-            <a:pPr marL="52388"/>
-            <a:endParaRPr lang="en-US" sz="1200" dirty="0">
-              <a:latin typeface="Consolas" charset="0"/>
-              <a:ea typeface="Consolas" charset="0"/>
-              <a:cs typeface="Consolas" charset="0"/>
-            </a:endParaRPr>
-          </a:p>
-        </p:txBody>
-      </p:sp>
     </p:spTree>
     <p:extLst>
       <p:ext uri="{BB962C8B-B14F-4D97-AF65-F5344CB8AC3E}">
-        <p14:creationId xmlns:p14="http://schemas.microsoft.com/office/powerpoint/2010/main" val="625390893"/>
+        <p14:creationId xmlns:p14="http://schemas.microsoft.com/office/powerpoint/2010/main" val="597376774"/>
       </p:ext>
     </p:extLst>
   </p:cSld>
@@ -21315,16 +20920,19 @@
             <p:ph type="title"/>
           </p:nvPr>
         </p:nvSpPr>
-        <p:spPr/>
+        <p:spPr>
+          <a:xfrm>
+            <a:off x="838200" y="-303564"/>
+            <a:ext cx="7269480" cy="1325562"/>
+          </a:xfrm>
+        </p:spPr>
         <p:txBody>
-          <a:bodyPr>
-            <a:normAutofit/>
-          </a:bodyPr>
+          <a:bodyPr/>
           <a:lstStyle/>
           <a:p>
             <a:r>
               <a:rPr lang="en-US" dirty="0"/>
-              <a:t>Summary</a:t>
+              <a:t>Pitfalls</a:t>
             </a:r>
           </a:p>
         </p:txBody>
@@ -21339,62 +20947,49 @@
             <p:ph idx="1"/>
           </p:nvPr>
         </p:nvSpPr>
-        <p:spPr/>
+        <p:spPr>
+          <a:xfrm>
+            <a:off x="0" y="1004418"/>
+            <a:ext cx="8458200" cy="5135562"/>
+          </a:xfrm>
+        </p:spPr>
         <p:txBody>
           <a:bodyPr>
-            <a:noAutofit/>
+            <a:normAutofit lnSpcReduction="10000"/>
           </a:bodyPr>
           <a:lstStyle/>
           <a:p>
             <a:r>
               <a:rPr lang="en-US" sz="2800" dirty="0"/>
-              <a:t>String literals</a:t>
-            </a:r>
+              <a:t>Don’t use a character when a string is required:</a:t>
+            </a:r>
+          </a:p>
+          <a:p>
+            <a:endParaRPr lang="en-US" sz="2800" dirty="0"/>
+          </a:p>
+          <a:p>
+            <a:endParaRPr lang="en-US" sz="2800" dirty="0"/>
+          </a:p>
+          <a:p>
+            <a:endParaRPr lang="en-US" sz="2800" dirty="0"/>
           </a:p>
           <a:p>
             <a:r>
               <a:rPr lang="en-US" sz="2800" dirty="0"/>
-              <a:t>String variables</a:t>
-            </a:r>
-            <a:endParaRPr lang="en-US" sz="2600" dirty="0">
-              <a:solidFill>
-                <a:srgbClr val="0B2B91"/>
-              </a:solidFill>
-              <a:latin typeface="Arial Narrow" pitchFamily="34" charset="0"/>
-            </a:endParaRPr>
+              <a:t>Don’t modify a string literal</a:t>
+            </a:r>
+          </a:p>
+          <a:p>
+            <a:endParaRPr lang="en-US" sz="2800" dirty="0"/>
+          </a:p>
+          <a:p>
+            <a:endParaRPr lang="en-US" sz="2800" dirty="0"/>
           </a:p>
           <a:p>
             <a:r>
               <a:rPr lang="en-US" sz="2800" dirty="0"/>
-              <a:t>Reading and writing strings</a:t>
-            </a:r>
-          </a:p>
-          <a:p>
-            <a:r>
-              <a:rPr lang="en-US" sz="2800" dirty="0"/>
-              <a:t>String library</a:t>
-            </a:r>
-          </a:p>
-          <a:p>
-            <a:r>
-              <a:rPr lang="en-US" sz="2800" dirty="0"/>
-              <a:t>Arrays of strings</a:t>
-            </a:r>
-          </a:p>
-          <a:p>
-            <a:r>
-              <a:rPr lang="en-US" sz="2800" dirty="0"/>
-              <a:t>Command line arguments</a:t>
-            </a:r>
-          </a:p>
-          <a:p>
-            <a:endParaRPr lang="en-US" sz="2800" dirty="0"/>
-          </a:p>
-          <a:p>
-            <a:pPr marL="457200" lvl="1" indent="0">
-              <a:buNone/>
-            </a:pPr>
-            <a:endParaRPr lang="en-US" sz="2400" dirty="0"/>
+              <a:t>Although array name is a pointer: cannot assign it to a new value:</a:t>
+            </a:r>
           </a:p>
         </p:txBody>
       </p:sp>
@@ -21422,10 +21017,397 @@
           </a:p>
         </p:txBody>
       </p:sp>
+      <p:sp>
+        <p:nvSpPr>
+          <p:cNvPr id="4" name="TextBox 3"/>
+          <p:cNvSpPr txBox="1"/>
+          <p:nvPr/>
+        </p:nvSpPr>
+        <p:spPr>
+          <a:xfrm>
+            <a:off x="815715" y="1452817"/>
+            <a:ext cx="6477000" cy="1754326"/>
+          </a:xfrm>
+          <a:prstGeom prst="rect">
+            <a:avLst/>
+          </a:prstGeom>
+          <a:noFill/>
+        </p:spPr>
+        <p:txBody>
+          <a:bodyPr wrap="square" rtlCol="0">
+            <a:spAutoFit/>
+          </a:bodyPr>
+          <a:lstStyle/>
+          <a:p>
+            <a:pPr marL="115888" lvl="1"/>
+            <a:r>
+              <a:rPr lang="en-US" sz="2400" dirty="0" err="1">
+                <a:solidFill>
+                  <a:srgbClr val="000099"/>
+                </a:solidFill>
+                <a:latin typeface="Consolas" charset="0"/>
+                <a:ea typeface="Consolas" charset="0"/>
+                <a:cs typeface="Consolas" charset="0"/>
+              </a:rPr>
+              <a:t>printf</a:t>
+            </a:r>
+            <a:r>
+              <a:rPr lang="en-US" sz="2400" dirty="0">
+                <a:solidFill>
+                  <a:srgbClr val="000099"/>
+                </a:solidFill>
+                <a:latin typeface="Consolas" charset="0"/>
+                <a:ea typeface="Consolas" charset="0"/>
+                <a:cs typeface="Consolas" charset="0"/>
+              </a:rPr>
+              <a:t>(‘a’);		</a:t>
+            </a:r>
+            <a:r>
+              <a:rPr lang="en-US" sz="2400" dirty="0">
+                <a:solidFill>
+                  <a:srgbClr val="C00000"/>
+                </a:solidFill>
+                <a:latin typeface="Consolas" charset="0"/>
+                <a:ea typeface="Consolas" charset="0"/>
+                <a:cs typeface="Consolas" charset="0"/>
+              </a:rPr>
+              <a:t>//Wrong</a:t>
+            </a:r>
+          </a:p>
+          <a:p>
+            <a:pPr marL="115888" lvl="1"/>
+            <a:r>
+              <a:rPr lang="en-US" sz="2400" dirty="0" err="1">
+                <a:solidFill>
+                  <a:srgbClr val="000099"/>
+                </a:solidFill>
+                <a:latin typeface="Consolas" charset="0"/>
+                <a:ea typeface="Consolas" charset="0"/>
+                <a:cs typeface="Consolas" charset="0"/>
+              </a:rPr>
+              <a:t>printf</a:t>
+            </a:r>
+            <a:r>
+              <a:rPr lang="en-US" sz="2400" dirty="0">
+                <a:solidFill>
+                  <a:srgbClr val="000099"/>
+                </a:solidFill>
+                <a:latin typeface="Consolas" charset="0"/>
+                <a:ea typeface="Consolas" charset="0"/>
+                <a:cs typeface="Consolas" charset="0"/>
+              </a:rPr>
+              <a:t>(“a”);		</a:t>
+            </a:r>
+            <a:r>
+              <a:rPr lang="en-US" sz="2400" dirty="0">
+                <a:solidFill>
+                  <a:srgbClr val="00B050"/>
+                </a:solidFill>
+                <a:latin typeface="Consolas" charset="0"/>
+                <a:ea typeface="Consolas" charset="0"/>
+                <a:cs typeface="Consolas" charset="0"/>
+              </a:rPr>
+              <a:t>//Correct</a:t>
+            </a:r>
+          </a:p>
+          <a:p>
+            <a:pPr marL="115888" lvl="1"/>
+            <a:r>
+              <a:rPr lang="en-US" sz="2400" dirty="0" err="1">
+                <a:solidFill>
+                  <a:srgbClr val="000099"/>
+                </a:solidFill>
+                <a:latin typeface="Consolas" charset="0"/>
+                <a:ea typeface="Consolas" charset="0"/>
+                <a:cs typeface="Consolas" charset="0"/>
+              </a:rPr>
+              <a:t>printf</a:t>
+            </a:r>
+            <a:r>
+              <a:rPr lang="en-US" sz="2400" dirty="0">
+                <a:solidFill>
+                  <a:srgbClr val="000099"/>
+                </a:solidFill>
+                <a:latin typeface="Consolas" charset="0"/>
+                <a:ea typeface="Consolas" charset="0"/>
+                <a:cs typeface="Consolas" charset="0"/>
+              </a:rPr>
+              <a:t>(“%c”, ‘a’);</a:t>
+            </a:r>
+          </a:p>
+          <a:p>
+            <a:pPr marL="115888" lvl="1"/>
+            <a:r>
+              <a:rPr lang="en-US" sz="2400" dirty="0" err="1">
+                <a:solidFill>
+                  <a:srgbClr val="000099"/>
+                </a:solidFill>
+                <a:latin typeface="Consolas" charset="0"/>
+                <a:ea typeface="Consolas" charset="0"/>
+                <a:cs typeface="Consolas" charset="0"/>
+              </a:rPr>
+              <a:t>printf</a:t>
+            </a:r>
+            <a:r>
+              <a:rPr lang="en-US" sz="2400" dirty="0">
+                <a:solidFill>
+                  <a:srgbClr val="000099"/>
+                </a:solidFill>
+                <a:latin typeface="Consolas" charset="0"/>
+                <a:ea typeface="Consolas" charset="0"/>
+                <a:cs typeface="Consolas" charset="0"/>
+              </a:rPr>
+              <a:t>(“%s”, “a”);</a:t>
+            </a:r>
+          </a:p>
+          <a:p>
+            <a:pPr marL="115888"/>
+            <a:endParaRPr lang="en-US" sz="1200" dirty="0"/>
+          </a:p>
+        </p:txBody>
+      </p:sp>
+      <p:sp>
+        <p:nvSpPr>
+          <p:cNvPr id="5" name="TextBox 4"/>
+          <p:cNvSpPr txBox="1"/>
+          <p:nvPr/>
+        </p:nvSpPr>
+        <p:spPr>
+          <a:xfrm>
+            <a:off x="142054" y="3777829"/>
+            <a:ext cx="8661771" cy="1015663"/>
+          </a:xfrm>
+          <a:prstGeom prst="rect">
+            <a:avLst/>
+          </a:prstGeom>
+          <a:noFill/>
+        </p:spPr>
+        <p:txBody>
+          <a:bodyPr wrap="square" rtlCol="0">
+            <a:spAutoFit/>
+          </a:bodyPr>
+          <a:lstStyle/>
+          <a:p>
+            <a:pPr marL="52388" lvl="2">
+              <a:buNone/>
+            </a:pPr>
+            <a:r>
+              <a:rPr lang="en-US" sz="2000" dirty="0">
+                <a:solidFill>
+                  <a:srgbClr val="000099"/>
+                </a:solidFill>
+                <a:latin typeface="Consolas" charset="0"/>
+                <a:ea typeface="Consolas" charset="0"/>
+                <a:cs typeface="Consolas" charset="0"/>
+              </a:rPr>
+              <a:t>char *p = “</a:t>
+            </a:r>
+            <a:r>
+              <a:rPr lang="en-US" sz="2000" dirty="0" err="1">
+                <a:solidFill>
+                  <a:srgbClr val="000099"/>
+                </a:solidFill>
+                <a:latin typeface="Consolas" charset="0"/>
+                <a:ea typeface="Consolas" charset="0"/>
+                <a:cs typeface="Consolas" charset="0"/>
+              </a:rPr>
+              <a:t>abc</a:t>
+            </a:r>
+            <a:r>
+              <a:rPr lang="en-US" sz="2000" dirty="0">
+                <a:solidFill>
+                  <a:srgbClr val="000099"/>
+                </a:solidFill>
+                <a:latin typeface="Consolas" charset="0"/>
+                <a:ea typeface="Consolas" charset="0"/>
+                <a:cs typeface="Consolas" charset="0"/>
+              </a:rPr>
+              <a:t>”;</a:t>
+            </a:r>
+          </a:p>
+          <a:p>
+            <a:pPr marL="52388" lvl="2">
+              <a:buNone/>
+            </a:pPr>
+            <a:r>
+              <a:rPr lang="en-US" sz="2000" dirty="0">
+                <a:solidFill>
+                  <a:srgbClr val="000099"/>
+                </a:solidFill>
+                <a:latin typeface="Consolas" charset="0"/>
+                <a:ea typeface="Consolas" charset="0"/>
+                <a:cs typeface="Consolas" charset="0"/>
+              </a:rPr>
+              <a:t>*p = ‘A’;	</a:t>
+            </a:r>
+            <a:r>
+              <a:rPr lang="en-US" sz="2000" dirty="0">
+                <a:solidFill>
+                  <a:srgbClr val="C00000"/>
+                </a:solidFill>
+                <a:latin typeface="Consolas" charset="0"/>
+                <a:ea typeface="Consolas" charset="0"/>
+                <a:cs typeface="Consolas" charset="0"/>
+              </a:rPr>
+              <a:t>//WRONG. Can’t change the value p points to </a:t>
+            </a:r>
+          </a:p>
+          <a:p>
+            <a:pPr marL="52388" lvl="2">
+              <a:buNone/>
+            </a:pPr>
+            <a:r>
+              <a:rPr lang="en-US" sz="2000" dirty="0">
+                <a:solidFill>
+                  <a:srgbClr val="000099"/>
+                </a:solidFill>
+                <a:latin typeface="Consolas" charset="0"/>
+                <a:ea typeface="Consolas" charset="0"/>
+                <a:cs typeface="Consolas" charset="0"/>
+              </a:rPr>
+              <a:t>p = “</a:t>
+            </a:r>
+            <a:r>
+              <a:rPr lang="en-US" sz="2000" dirty="0" err="1">
+                <a:solidFill>
+                  <a:srgbClr val="000099"/>
+                </a:solidFill>
+                <a:latin typeface="Consolas" charset="0"/>
+                <a:ea typeface="Consolas" charset="0"/>
+                <a:cs typeface="Consolas" charset="0"/>
+              </a:rPr>
+              <a:t>def</a:t>
+            </a:r>
+            <a:r>
+              <a:rPr lang="en-US" sz="2000" dirty="0">
+                <a:solidFill>
+                  <a:srgbClr val="000099"/>
+                </a:solidFill>
+                <a:latin typeface="Consolas" charset="0"/>
+                <a:ea typeface="Consolas" charset="0"/>
+                <a:cs typeface="Consolas" charset="0"/>
+              </a:rPr>
+              <a:t>”;	</a:t>
+            </a:r>
+            <a:r>
+              <a:rPr lang="en-US" sz="2000" dirty="0">
+                <a:solidFill>
+                  <a:srgbClr val="00B050"/>
+                </a:solidFill>
+                <a:latin typeface="Consolas" charset="0"/>
+                <a:ea typeface="Consolas" charset="0"/>
+                <a:cs typeface="Consolas" charset="0"/>
+              </a:rPr>
+              <a:t>//VALID. Can make p point to something else</a:t>
+            </a:r>
+          </a:p>
+        </p:txBody>
+      </p:sp>
+      <p:sp>
+        <p:nvSpPr>
+          <p:cNvPr id="6" name="TextBox 5"/>
+          <p:cNvSpPr txBox="1"/>
+          <p:nvPr/>
+        </p:nvSpPr>
+        <p:spPr>
+          <a:xfrm>
+            <a:off x="3448831" y="5444339"/>
+            <a:ext cx="4983480" cy="1384995"/>
+          </a:xfrm>
+          <a:prstGeom prst="rect">
+            <a:avLst/>
+          </a:prstGeom>
+          <a:noFill/>
+        </p:spPr>
+        <p:txBody>
+          <a:bodyPr wrap="square" rtlCol="0">
+            <a:spAutoFit/>
+          </a:bodyPr>
+          <a:lstStyle/>
+          <a:p>
+            <a:pPr marL="52388" lvl="2">
+              <a:buNone/>
+            </a:pPr>
+            <a:r>
+              <a:rPr lang="en-US" sz="2400" dirty="0">
+                <a:solidFill>
+                  <a:srgbClr val="000099"/>
+                </a:solidFill>
+                <a:latin typeface="Consolas" charset="0"/>
+                <a:ea typeface="Consolas" charset="0"/>
+                <a:cs typeface="Consolas" charset="0"/>
+              </a:rPr>
+              <a:t>char a[10];	</a:t>
+            </a:r>
+          </a:p>
+          <a:p>
+            <a:pPr marL="52388" lvl="2">
+              <a:buNone/>
+            </a:pPr>
+            <a:r>
+              <a:rPr lang="en-US" sz="2400" dirty="0">
+                <a:solidFill>
+                  <a:srgbClr val="000099"/>
+                </a:solidFill>
+                <a:latin typeface="Consolas" charset="0"/>
+                <a:ea typeface="Consolas" charset="0"/>
+                <a:cs typeface="Consolas" charset="0"/>
+              </a:rPr>
+              <a:t>a = b;	</a:t>
+            </a:r>
+            <a:r>
+              <a:rPr lang="en-US" sz="2400" dirty="0">
+                <a:solidFill>
+                  <a:srgbClr val="C00000"/>
+                </a:solidFill>
+                <a:latin typeface="Consolas" charset="0"/>
+                <a:ea typeface="Consolas" charset="0"/>
+                <a:cs typeface="Consolas" charset="0"/>
+              </a:rPr>
+              <a:t>//WRONG</a:t>
+            </a:r>
+          </a:p>
+          <a:p>
+            <a:pPr marL="52388" lvl="2">
+              <a:buNone/>
+            </a:pPr>
+            <a:r>
+              <a:rPr lang="en-US" sz="2400" dirty="0">
+                <a:solidFill>
+                  <a:srgbClr val="000099"/>
+                </a:solidFill>
+                <a:latin typeface="Consolas" charset="0"/>
+                <a:ea typeface="Consolas" charset="0"/>
+                <a:cs typeface="Consolas" charset="0"/>
+              </a:rPr>
+              <a:t>a++;		</a:t>
+            </a:r>
+            <a:r>
+              <a:rPr lang="en-US" sz="2400" dirty="0">
+                <a:solidFill>
+                  <a:srgbClr val="C00000"/>
+                </a:solidFill>
+                <a:latin typeface="Consolas" charset="0"/>
+                <a:ea typeface="Consolas" charset="0"/>
+                <a:cs typeface="Consolas" charset="0"/>
+              </a:rPr>
+              <a:t>//WRONG</a:t>
+            </a:r>
+          </a:p>
+          <a:p>
+            <a:pPr marL="52388"/>
+            <a:endParaRPr lang="en-US" sz="1200" dirty="0">
+              <a:latin typeface="Consolas" charset="0"/>
+              <a:ea typeface="Consolas" charset="0"/>
+              <a:cs typeface="Consolas" charset="0"/>
+            </a:endParaRPr>
+          </a:p>
+        </p:txBody>
+      </p:sp>
     </p:spTree>
     <p:extLst>
       <p:ext uri="{BB962C8B-B14F-4D97-AF65-F5344CB8AC3E}">
-        <p14:creationId xmlns:p14="http://schemas.microsoft.com/office/powerpoint/2010/main" val="1159770233"/>
+        <p14:creationId xmlns:p14="http://schemas.microsoft.com/office/powerpoint/2010/main" val="625390893"/>
       </p:ext>
     </p:extLst>
   </p:cSld>
@@ -21459,7 +21441,100 @@
             <a:spLocks noGrp="1"/>
           </p:cNvSpPr>
           <p:nvPr>
-            <p:ph type="ctrTitle"/>
+            <p:ph type="title"/>
+          </p:nvPr>
+        </p:nvSpPr>
+        <p:spPr/>
+        <p:txBody>
+          <a:bodyPr>
+            <a:normAutofit/>
+          </a:bodyPr>
+          <a:lstStyle/>
+          <a:p>
+            <a:r>
+              <a:rPr lang="en-US" dirty="0"/>
+              <a:t>Summary</a:t>
+            </a:r>
+          </a:p>
+        </p:txBody>
+      </p:sp>
+      <p:sp>
+        <p:nvSpPr>
+          <p:cNvPr id="3" name="Content Placeholder 2"/>
+          <p:cNvSpPr>
+            <a:spLocks noGrp="1"/>
+          </p:cNvSpPr>
+          <p:nvPr>
+            <p:ph idx="1"/>
+          </p:nvPr>
+        </p:nvSpPr>
+        <p:spPr/>
+        <p:txBody>
+          <a:bodyPr>
+            <a:noAutofit/>
+          </a:bodyPr>
+          <a:lstStyle/>
+          <a:p>
+            <a:r>
+              <a:rPr lang="en-US" sz="2800" dirty="0"/>
+              <a:t>String literals</a:t>
+            </a:r>
+          </a:p>
+          <a:p>
+            <a:r>
+              <a:rPr lang="en-US" sz="2800" dirty="0"/>
+              <a:t>String variables</a:t>
+            </a:r>
+            <a:endParaRPr lang="en-US" sz="2600" dirty="0">
+              <a:solidFill>
+                <a:srgbClr val="0B2B91"/>
+              </a:solidFill>
+              <a:latin typeface="Arial Narrow" pitchFamily="34" charset="0"/>
+            </a:endParaRPr>
+          </a:p>
+          <a:p>
+            <a:r>
+              <a:rPr lang="en-US" sz="2800" dirty="0"/>
+              <a:t>Reading and writing strings</a:t>
+            </a:r>
+          </a:p>
+          <a:p>
+            <a:r>
+              <a:rPr lang="en-US" sz="2800" dirty="0"/>
+              <a:t>String library</a:t>
+            </a:r>
+          </a:p>
+          <a:p>
+            <a:r>
+              <a:rPr lang="en-US" sz="2800" dirty="0"/>
+              <a:t>Arrays of strings</a:t>
+            </a:r>
+          </a:p>
+          <a:p>
+            <a:r>
+              <a:rPr lang="en-US" sz="2800" dirty="0"/>
+              <a:t>Command line arguments</a:t>
+            </a:r>
+          </a:p>
+          <a:p>
+            <a:endParaRPr lang="en-US" sz="2800" dirty="0"/>
+          </a:p>
+          <a:p>
+            <a:pPr marL="457200" lvl="1" indent="0">
+              <a:buNone/>
+            </a:pPr>
+            <a:endParaRPr lang="en-US" sz="2400" dirty="0"/>
+          </a:p>
+        </p:txBody>
+      </p:sp>
+      <p:sp>
+        <p:nvSpPr>
+          <p:cNvPr id="12" name="Slide Number Placeholder 11"/>
+          <p:cNvSpPr>
+            <a:spLocks noGrp="1"/>
+          </p:cNvSpPr>
+          <p:nvPr>
+            <p:ph type="sldNum" sz="quarter" idx="12"/>
           </p:nvPr>
         </p:nvSpPr>
         <p:spPr/>
@@ -21467,17 +21542,19 @@
           <a:bodyPr/>
           <a:lstStyle/>
           <a:p>
-            <a:r>
-              <a:rPr lang="en-US" dirty="0"/>
-              <a:t>Practice Problems</a:t>
-            </a:r>
+            <a:fld id="{B6F15528-21DE-4FAA-801E-634DDDAF4B2B}" type="slidenum">
+              <a:rPr lang="en-US" smtClean="0"/>
+              <a:pPr/>
+              <a:t>35</a:t>
+            </a:fld>
+            <a:endParaRPr lang="en-US" dirty="0"/>
           </a:p>
         </p:txBody>
       </p:sp>
     </p:spTree>
     <p:extLst>
       <p:ext uri="{BB962C8B-B14F-4D97-AF65-F5344CB8AC3E}">
-        <p14:creationId xmlns:p14="http://schemas.microsoft.com/office/powerpoint/2010/main" val="168109145"/>
+        <p14:creationId xmlns:p14="http://schemas.microsoft.com/office/powerpoint/2010/main" val="1159770233"/>
       </p:ext>
     </p:extLst>
   </p:cSld>
@@ -21506,383 +21583,12 @@
       </p:grpSpPr>
       <p:sp>
         <p:nvSpPr>
-          <p:cNvPr id="7" name="Rectangle 6"/>
-          <p:cNvSpPr/>
-          <p:nvPr/>
-        </p:nvSpPr>
-        <p:spPr>
-          <a:xfrm>
-            <a:off x="0" y="0"/>
-            <a:ext cx="8441055" cy="6858000"/>
-          </a:xfrm>
-          <a:prstGeom prst="rect">
-            <a:avLst/>
-          </a:prstGeom>
-        </p:spPr>
-        <p:style>
-          <a:lnRef idx="2">
-            <a:schemeClr val="accent1">
-              <a:shade val="50000"/>
-            </a:schemeClr>
-          </a:lnRef>
-          <a:fillRef idx="1">
-            <a:schemeClr val="accent1"/>
-          </a:fillRef>
-          <a:effectRef idx="0">
-            <a:schemeClr val="accent1"/>
-          </a:effectRef>
-          <a:fontRef idx="minor">
-            <a:schemeClr val="lt1"/>
-          </a:fontRef>
-        </p:style>
-        <p:txBody>
-          <a:bodyPr rtlCol="0" anchor="ctr"/>
-          <a:lstStyle/>
-          <a:p>
-            <a:pPr algn="ctr"/>
-            <a:endParaRPr lang="en-US"/>
-          </a:p>
-        </p:txBody>
-      </p:sp>
-      <p:sp>
-        <p:nvSpPr>
           <p:cNvPr id="2" name="Title 1"/>
           <p:cNvSpPr>
             <a:spLocks noGrp="1"/>
           </p:cNvSpPr>
           <p:nvPr>
-            <p:ph type="title"/>
-          </p:nvPr>
-        </p:nvSpPr>
-        <p:spPr>
-          <a:xfrm>
-            <a:off x="0" y="-76200"/>
-            <a:ext cx="8441055" cy="914400"/>
-          </a:xfrm>
-        </p:spPr>
-        <p:txBody>
-          <a:bodyPr>
-            <a:normAutofit/>
-          </a:bodyPr>
-          <a:lstStyle/>
-          <a:p>
-            <a:r>
-              <a:rPr lang="en-US" sz="3600" dirty="0">
-                <a:solidFill>
-                  <a:schemeClr val="bg1"/>
-                </a:solidFill>
-              </a:rPr>
-              <a:t>Does the following code copy a string?</a:t>
-            </a:r>
-          </a:p>
-        </p:txBody>
-      </p:sp>
-      <p:sp>
-        <p:nvSpPr>
-          <p:cNvPr id="3" name="Content Placeholder 2"/>
-          <p:cNvSpPr>
-            <a:spLocks noGrp="1"/>
-          </p:cNvSpPr>
-          <p:nvPr>
-            <p:ph idx="1"/>
-          </p:nvPr>
-        </p:nvSpPr>
-        <p:spPr>
-          <a:xfrm>
-            <a:off x="228600" y="1249361"/>
-            <a:ext cx="8001000" cy="2853603"/>
-          </a:xfrm>
-        </p:spPr>
-        <p:txBody>
-          <a:bodyPr>
-            <a:normAutofit/>
-          </a:bodyPr>
-          <a:lstStyle/>
-          <a:p>
-            <a:pPr>
-              <a:spcBef>
-                <a:spcPts val="0"/>
-              </a:spcBef>
-              <a:spcAft>
-                <a:spcPts val="0"/>
-              </a:spcAft>
-            </a:pPr>
-            <a:r>
-              <a:rPr lang="en-US" sz="2000" dirty="0">
-                <a:solidFill>
-                  <a:schemeClr val="bg1"/>
-                </a:solidFill>
-                <a:latin typeface="Consolas" charset="0"/>
-                <a:ea typeface="Consolas" charset="0"/>
-                <a:cs typeface="Consolas" charset="0"/>
-              </a:rPr>
-              <a:t>char array_1[] = "</a:t>
-            </a:r>
-            <a:r>
-              <a:rPr lang="en-US" sz="2000" dirty="0" err="1">
-                <a:solidFill>
-                  <a:schemeClr val="bg1"/>
-                </a:solidFill>
-                <a:latin typeface="Consolas" charset="0"/>
-                <a:ea typeface="Consolas" charset="0"/>
-                <a:cs typeface="Consolas" charset="0"/>
-              </a:rPr>
-              <a:t>abc</a:t>
-            </a:r>
-            <a:r>
-              <a:rPr lang="en-US" sz="2000" dirty="0">
-                <a:solidFill>
-                  <a:schemeClr val="bg1"/>
-                </a:solidFill>
-                <a:latin typeface="Consolas" charset="0"/>
-                <a:ea typeface="Consolas" charset="0"/>
-                <a:cs typeface="Consolas" charset="0"/>
-              </a:rPr>
-              <a:t>";</a:t>
-            </a:r>
-          </a:p>
-          <a:p>
-            <a:pPr>
-              <a:spcBef>
-                <a:spcPts val="0"/>
-              </a:spcBef>
-              <a:spcAft>
-                <a:spcPts val="0"/>
-              </a:spcAft>
-            </a:pPr>
-            <a:r>
-              <a:rPr lang="en-US" sz="2000" dirty="0">
-                <a:solidFill>
-                  <a:schemeClr val="bg1"/>
-                </a:solidFill>
-                <a:latin typeface="Consolas" charset="0"/>
-                <a:ea typeface="Consolas" charset="0"/>
-                <a:cs typeface="Consolas" charset="0"/>
-              </a:rPr>
-              <a:t>char array_2[10];</a:t>
-            </a:r>
-          </a:p>
-          <a:p>
-            <a:pPr>
-              <a:spcBef>
-                <a:spcPts val="0"/>
-              </a:spcBef>
-              <a:spcAft>
-                <a:spcPts val="0"/>
-              </a:spcAft>
-            </a:pPr>
-            <a:r>
-              <a:rPr lang="en-US" sz="2000" dirty="0">
-                <a:solidFill>
-                  <a:schemeClr val="bg1"/>
-                </a:solidFill>
-                <a:latin typeface="Consolas" charset="0"/>
-                <a:ea typeface="Consolas" charset="0"/>
-                <a:cs typeface="Consolas" charset="0"/>
-              </a:rPr>
-              <a:t>char * </a:t>
-            </a:r>
-            <a:r>
-              <a:rPr lang="en-US" sz="2000" dirty="0" err="1">
-                <a:solidFill>
-                  <a:schemeClr val="bg1"/>
-                </a:solidFill>
-                <a:latin typeface="Consolas" charset="0"/>
-                <a:ea typeface="Consolas" charset="0"/>
-                <a:cs typeface="Consolas" charset="0"/>
-              </a:rPr>
-              <a:t>ptr</a:t>
-            </a:r>
-            <a:r>
-              <a:rPr lang="en-US" sz="2000" dirty="0">
-                <a:solidFill>
-                  <a:schemeClr val="bg1"/>
-                </a:solidFill>
-                <a:latin typeface="Consolas" charset="0"/>
-                <a:ea typeface="Consolas" charset="0"/>
-                <a:cs typeface="Consolas" charset="0"/>
-              </a:rPr>
-              <a:t> = array_1;</a:t>
-            </a:r>
-          </a:p>
-          <a:p>
-            <a:pPr>
-              <a:spcBef>
-                <a:spcPts val="0"/>
-              </a:spcBef>
-              <a:spcAft>
-                <a:spcPts val="0"/>
-              </a:spcAft>
-            </a:pPr>
-            <a:r>
-              <a:rPr lang="en-US" sz="2000" dirty="0">
-                <a:solidFill>
-                  <a:schemeClr val="bg1"/>
-                </a:solidFill>
-                <a:latin typeface="Consolas" charset="0"/>
-                <a:ea typeface="Consolas" charset="0"/>
-                <a:cs typeface="Consolas" charset="0"/>
-              </a:rPr>
-              <a:t>char * ptr_2 = array_2;</a:t>
-            </a:r>
-          </a:p>
-          <a:p>
-            <a:pPr>
-              <a:spcBef>
-                <a:spcPts val="0"/>
-              </a:spcBef>
-              <a:spcAft>
-                <a:spcPts val="0"/>
-              </a:spcAft>
-            </a:pPr>
-            <a:r>
-              <a:rPr lang="en-US" sz="2000" dirty="0">
-                <a:solidFill>
-                  <a:schemeClr val="bg1"/>
-                </a:solidFill>
-                <a:latin typeface="Consolas" charset="0"/>
-                <a:ea typeface="Consolas" charset="0"/>
-                <a:cs typeface="Consolas" charset="0"/>
-              </a:rPr>
-              <a:t>for ( ; *</a:t>
-            </a:r>
-            <a:r>
-              <a:rPr lang="en-US" sz="2000" dirty="0" err="1">
-                <a:solidFill>
-                  <a:schemeClr val="bg1"/>
-                </a:solidFill>
-                <a:latin typeface="Consolas" charset="0"/>
-                <a:ea typeface="Consolas" charset="0"/>
-                <a:cs typeface="Consolas" charset="0"/>
-              </a:rPr>
-              <a:t>ptr</a:t>
-            </a:r>
-            <a:r>
-              <a:rPr lang="en-US" sz="2000" dirty="0">
-                <a:solidFill>
-                  <a:schemeClr val="bg1"/>
-                </a:solidFill>
-                <a:latin typeface="Consolas" charset="0"/>
-                <a:ea typeface="Consolas" charset="0"/>
-                <a:cs typeface="Consolas" charset="0"/>
-              </a:rPr>
-              <a:t> != '\0'; ++</a:t>
-            </a:r>
-            <a:r>
-              <a:rPr lang="en-US" sz="2000" dirty="0" err="1">
-                <a:solidFill>
-                  <a:schemeClr val="bg1"/>
-                </a:solidFill>
-                <a:latin typeface="Consolas" charset="0"/>
-                <a:ea typeface="Consolas" charset="0"/>
-                <a:cs typeface="Consolas" charset="0"/>
-              </a:rPr>
-              <a:t>ptr</a:t>
-            </a:r>
-            <a:r>
-              <a:rPr lang="en-US" sz="2000" dirty="0">
-                <a:solidFill>
-                  <a:schemeClr val="bg1"/>
-                </a:solidFill>
-                <a:latin typeface="Consolas" charset="0"/>
-                <a:ea typeface="Consolas" charset="0"/>
-                <a:cs typeface="Consolas" charset="0"/>
-              </a:rPr>
-              <a:t>, ++ptr_2) {</a:t>
-            </a:r>
-          </a:p>
-          <a:p>
-            <a:pPr>
-              <a:spcBef>
-                <a:spcPts val="0"/>
-              </a:spcBef>
-              <a:spcAft>
-                <a:spcPts val="0"/>
-              </a:spcAft>
-            </a:pPr>
-            <a:r>
-              <a:rPr lang="en-US" sz="2000" dirty="0">
-                <a:solidFill>
-                  <a:schemeClr val="bg1"/>
-                </a:solidFill>
-                <a:latin typeface="Consolas" charset="0"/>
-                <a:ea typeface="Consolas" charset="0"/>
-                <a:cs typeface="Consolas" charset="0"/>
-              </a:rPr>
-              <a:t>    *ptr_2 = *</a:t>
-            </a:r>
-            <a:r>
-              <a:rPr lang="en-US" sz="2000" dirty="0" err="1">
-                <a:solidFill>
-                  <a:schemeClr val="bg1"/>
-                </a:solidFill>
-                <a:latin typeface="Consolas" charset="0"/>
-                <a:ea typeface="Consolas" charset="0"/>
-                <a:cs typeface="Consolas" charset="0"/>
-              </a:rPr>
-              <a:t>ptr</a:t>
-            </a:r>
-            <a:r>
-              <a:rPr lang="en-US" sz="2000" dirty="0">
-                <a:solidFill>
-                  <a:schemeClr val="bg1"/>
-                </a:solidFill>
-                <a:latin typeface="Consolas" charset="0"/>
-                <a:ea typeface="Consolas" charset="0"/>
-                <a:cs typeface="Consolas" charset="0"/>
-              </a:rPr>
-              <a:t>;</a:t>
-            </a:r>
-          </a:p>
-          <a:p>
-            <a:pPr>
-              <a:spcBef>
-                <a:spcPts val="0"/>
-              </a:spcBef>
-              <a:spcAft>
-                <a:spcPts val="0"/>
-              </a:spcAft>
-            </a:pPr>
-            <a:r>
-              <a:rPr lang="en-US" sz="2000" dirty="0">
-                <a:solidFill>
-                  <a:schemeClr val="bg1"/>
-                </a:solidFill>
-                <a:latin typeface="Consolas" charset="0"/>
-                <a:ea typeface="Consolas" charset="0"/>
-                <a:cs typeface="Consolas" charset="0"/>
-              </a:rPr>
-              <a:t>}</a:t>
-            </a:r>
-          </a:p>
-          <a:p>
-            <a:pPr>
-              <a:spcBef>
-                <a:spcPts val="0"/>
-              </a:spcBef>
-              <a:spcAft>
-                <a:spcPts val="0"/>
-              </a:spcAft>
-            </a:pPr>
-            <a:endParaRPr lang="en-US" sz="2800" dirty="0">
-              <a:solidFill>
-                <a:schemeClr val="bg1"/>
-              </a:solidFill>
-              <a:latin typeface="Consolas" charset="0"/>
-              <a:ea typeface="Consolas" charset="0"/>
-              <a:cs typeface="Consolas" charset="0"/>
-            </a:endParaRPr>
-          </a:p>
-        </p:txBody>
-      </p:sp>
-      <p:sp>
-        <p:nvSpPr>
-          <p:cNvPr id="12" name="Slide Number Placeholder 11"/>
-          <p:cNvSpPr>
-            <a:spLocks noGrp="1"/>
-          </p:cNvSpPr>
-          <p:nvPr>
-            <p:ph type="sldNum" sz="quarter" idx="12"/>
+            <p:ph type="ctrTitle"/>
           </p:nvPr>
         </p:nvSpPr>
         <p:spPr/>
@@ -21890,239 +21596,9 @@
           <a:bodyPr/>
           <a:lstStyle/>
           <a:p>
-            <a:fld id="{B6F15528-21DE-4FAA-801E-634DDDAF4B2B}" type="slidenum">
-              <a:rPr lang="en-US" smtClean="0"/>
-              <a:pPr/>
-              <a:t>36</a:t>
-            </a:fld>
-            <a:endParaRPr lang="en-US" dirty="0"/>
-          </a:p>
-        </p:txBody>
-      </p:sp>
-      <p:sp>
-        <p:nvSpPr>
-          <p:cNvPr id="6" name="Content Placeholder 2"/>
-          <p:cNvSpPr txBox="1">
-            <a:spLocks/>
-          </p:cNvSpPr>
-          <p:nvPr/>
-        </p:nvSpPr>
-        <p:spPr>
-          <a:xfrm>
-            <a:off x="228600" y="4102965"/>
-            <a:ext cx="8394383" cy="2755035"/>
-          </a:xfrm>
-          <a:prstGeom prst="rect">
-            <a:avLst/>
-          </a:prstGeom>
-        </p:spPr>
-        <p:txBody>
-          <a:bodyPr vert="horz" lIns="91440" tIns="45720" rIns="91440" bIns="45720" rtlCol="0">
-            <a:normAutofit fontScale="85000" lnSpcReduction="20000"/>
-          </a:bodyPr>
-          <a:lstStyle>
-            <a:lvl1pPr marL="342900" indent="-342900" algn="l" defTabSz="914400" rtl="0" eaLnBrk="1" latinLnBrk="0" hangingPunct="1">
-              <a:spcBef>
-                <a:spcPct val="20000"/>
-              </a:spcBef>
-              <a:buFont typeface="Arial" pitchFamily="34" charset="0"/>
-              <a:buChar char="•"/>
-              <a:defRPr sz="3200" kern="1200">
-                <a:solidFill>
-                  <a:schemeClr val="tx1"/>
-                </a:solidFill>
-                <a:latin typeface="+mn-lt"/>
-                <a:ea typeface="+mn-ea"/>
-                <a:cs typeface="+mn-cs"/>
-              </a:defRPr>
-            </a:lvl1pPr>
-            <a:lvl2pPr marL="742950" indent="-285750" algn="l" defTabSz="914400" rtl="0" eaLnBrk="1" latinLnBrk="0" hangingPunct="1">
-              <a:spcBef>
-                <a:spcPct val="20000"/>
-              </a:spcBef>
-              <a:buFont typeface="Arial" pitchFamily="34" charset="0"/>
-              <a:buChar char="–"/>
-              <a:defRPr sz="2800" kern="1200">
-                <a:solidFill>
-                  <a:schemeClr val="tx1"/>
-                </a:solidFill>
-                <a:latin typeface="+mn-lt"/>
-                <a:ea typeface="+mn-ea"/>
-                <a:cs typeface="+mn-cs"/>
-              </a:defRPr>
-            </a:lvl2pPr>
-            <a:lvl3pPr marL="1143000" indent="-228600" algn="l" defTabSz="914400" rtl="0" eaLnBrk="1" latinLnBrk="0" hangingPunct="1">
-              <a:spcBef>
-                <a:spcPct val="20000"/>
-              </a:spcBef>
-              <a:buFont typeface="Arial" pitchFamily="34" charset="0"/>
-              <a:buChar char="•"/>
-              <a:defRPr sz="2400" kern="1200">
-                <a:solidFill>
-                  <a:schemeClr val="tx1"/>
-                </a:solidFill>
-                <a:latin typeface="+mn-lt"/>
-                <a:ea typeface="+mn-ea"/>
-                <a:cs typeface="+mn-cs"/>
-              </a:defRPr>
-            </a:lvl3pPr>
-            <a:lvl4pPr marL="1600200" indent="-228600" algn="l" defTabSz="914400" rtl="0" eaLnBrk="1" latinLnBrk="0" hangingPunct="1">
-              <a:spcBef>
-                <a:spcPct val="20000"/>
-              </a:spcBef>
-              <a:buFont typeface="Arial" pitchFamily="34" charset="0"/>
-              <a:buChar char="–"/>
-              <a:defRPr sz="2000" kern="1200">
-                <a:solidFill>
-                  <a:schemeClr val="tx1"/>
-                </a:solidFill>
-                <a:latin typeface="+mn-lt"/>
-                <a:ea typeface="+mn-ea"/>
-                <a:cs typeface="+mn-cs"/>
-              </a:defRPr>
-            </a:lvl4pPr>
-            <a:lvl5pPr marL="2057400" indent="-228600" algn="l" defTabSz="914400" rtl="0" eaLnBrk="1" latinLnBrk="0" hangingPunct="1">
-              <a:spcBef>
-                <a:spcPct val="20000"/>
-              </a:spcBef>
-              <a:buFont typeface="Arial" pitchFamily="34" charset="0"/>
-              <a:buChar char="»"/>
-              <a:defRPr sz="2000" kern="1200">
-                <a:solidFill>
-                  <a:schemeClr val="tx1"/>
-                </a:solidFill>
-                <a:latin typeface="+mn-lt"/>
-                <a:ea typeface="+mn-ea"/>
-                <a:cs typeface="+mn-cs"/>
-              </a:defRPr>
-            </a:lvl5pPr>
-            <a:lvl6pPr marL="2514600" indent="-228600" algn="l" defTabSz="914400" rtl="0" eaLnBrk="1" latinLnBrk="0" hangingPunct="1">
-              <a:spcBef>
-                <a:spcPct val="20000"/>
-              </a:spcBef>
-              <a:buFont typeface="Arial" pitchFamily="34" charset="0"/>
-              <a:buChar char="•"/>
-              <a:defRPr sz="2000" kern="1200">
-                <a:solidFill>
-                  <a:schemeClr val="tx1"/>
-                </a:solidFill>
-                <a:latin typeface="+mn-lt"/>
-                <a:ea typeface="+mn-ea"/>
-                <a:cs typeface="+mn-cs"/>
-              </a:defRPr>
-            </a:lvl6pPr>
-            <a:lvl7pPr marL="2971800" indent="-228600" algn="l" defTabSz="914400" rtl="0" eaLnBrk="1" latinLnBrk="0" hangingPunct="1">
-              <a:spcBef>
-                <a:spcPct val="20000"/>
-              </a:spcBef>
-              <a:buFont typeface="Arial" pitchFamily="34" charset="0"/>
-              <a:buChar char="•"/>
-              <a:defRPr sz="2000" kern="1200">
-                <a:solidFill>
-                  <a:schemeClr val="tx1"/>
-                </a:solidFill>
-                <a:latin typeface="+mn-lt"/>
-                <a:ea typeface="+mn-ea"/>
-                <a:cs typeface="+mn-cs"/>
-              </a:defRPr>
-            </a:lvl7pPr>
-            <a:lvl8pPr marL="3429000" indent="-228600" algn="l" defTabSz="914400" rtl="0" eaLnBrk="1" latinLnBrk="0" hangingPunct="1">
-              <a:spcBef>
-                <a:spcPct val="20000"/>
-              </a:spcBef>
-              <a:buFont typeface="Arial" pitchFamily="34" charset="0"/>
-              <a:buChar char="•"/>
-              <a:defRPr sz="2000" kern="1200">
-                <a:solidFill>
-                  <a:schemeClr val="tx1"/>
-                </a:solidFill>
-                <a:latin typeface="+mn-lt"/>
-                <a:ea typeface="+mn-ea"/>
-                <a:cs typeface="+mn-cs"/>
-              </a:defRPr>
-            </a:lvl8pPr>
-            <a:lvl9pPr marL="3886200" indent="-228600" algn="l" defTabSz="914400" rtl="0" eaLnBrk="1" latinLnBrk="0" hangingPunct="1">
-              <a:spcBef>
-                <a:spcPct val="20000"/>
-              </a:spcBef>
-              <a:buFont typeface="Arial" pitchFamily="34" charset="0"/>
-              <a:buChar char="•"/>
-              <a:defRPr sz="2000" kern="1200">
-                <a:solidFill>
-                  <a:schemeClr val="tx1"/>
-                </a:solidFill>
-                <a:latin typeface="+mn-lt"/>
-                <a:ea typeface="+mn-ea"/>
-                <a:cs typeface="+mn-cs"/>
-              </a:defRPr>
-            </a:lvl9pPr>
-          </a:lstStyle>
-          <a:p>
-            <a:pPr marL="742950" indent="-742950">
-              <a:buFont typeface="+mj-lt"/>
-              <a:buAutoNum type="arabicPeriod"/>
-            </a:pPr>
-            <a:r>
-              <a:rPr lang="en-US" sz="3600" dirty="0">
-                <a:solidFill>
-                  <a:srgbClr val="0CFA02"/>
-                </a:solidFill>
-                <a:latin typeface="Consolas" charset="0"/>
-                <a:ea typeface="Consolas" charset="0"/>
-                <a:cs typeface="Consolas" charset="0"/>
-              </a:rPr>
-              <a:t>Yes</a:t>
-            </a:r>
-          </a:p>
-          <a:p>
-            <a:pPr marL="742950" indent="-742950">
-              <a:buFont typeface="+mj-lt"/>
-              <a:buAutoNum type="arabicPeriod"/>
-            </a:pPr>
-            <a:r>
-              <a:rPr lang="en-US" sz="3600" dirty="0">
-                <a:solidFill>
-                  <a:srgbClr val="FEFB01"/>
-                </a:solidFill>
-                <a:latin typeface="Consolas" charset="0"/>
-                <a:ea typeface="Consolas" charset="0"/>
-                <a:cs typeface="Consolas" charset="0"/>
-              </a:rPr>
-              <a:t>No, the null character isn't copied.</a:t>
-            </a:r>
-          </a:p>
-          <a:p>
-            <a:pPr marL="742950" indent="-742950">
-              <a:buFont typeface="+mj-lt"/>
-              <a:buAutoNum type="arabicPeriod"/>
-            </a:pPr>
-            <a:r>
-              <a:rPr lang="en-US" sz="3600" dirty="0">
-                <a:solidFill>
-                  <a:srgbClr val="F5A007"/>
-                </a:solidFill>
-                <a:latin typeface="Consolas" charset="0"/>
-                <a:ea typeface="Consolas" charset="0"/>
-                <a:cs typeface="Consolas" charset="0"/>
-              </a:rPr>
-              <a:t>No, it causes an error.</a:t>
-            </a:r>
-          </a:p>
-          <a:p>
-            <a:pPr marL="742950" indent="-742950">
-              <a:buFont typeface="+mj-lt"/>
-              <a:buAutoNum type="arabicPeriod"/>
-            </a:pPr>
-            <a:r>
-              <a:rPr lang="en-US" sz="3600" dirty="0">
-                <a:solidFill>
-                  <a:srgbClr val="F21AF1"/>
-                </a:solidFill>
-                <a:latin typeface="Consolas" charset="0"/>
-                <a:ea typeface="Consolas" charset="0"/>
-                <a:cs typeface="Consolas" charset="0"/>
-              </a:rPr>
-              <a:t>No, the arrays are different lengths.</a:t>
+            <a:r>
+              <a:rPr lang="en-US" dirty="0"/>
+              <a:t>Practice Problems</a:t>
             </a:r>
           </a:p>
         </p:txBody>
@@ -22130,7 +21606,7 @@
     </p:spTree>
     <p:extLst>
       <p:ext uri="{BB962C8B-B14F-4D97-AF65-F5344CB8AC3E}">
-        <p14:creationId xmlns:p14="http://schemas.microsoft.com/office/powerpoint/2010/main" val="1201631473"/>
+        <p14:creationId xmlns:p14="http://schemas.microsoft.com/office/powerpoint/2010/main" val="168109145"/>
       </p:ext>
     </p:extLst>
   </p:cSld>
@@ -22225,7 +21701,7 @@
                   <a:schemeClr val="bg1"/>
                 </a:solidFill>
               </a:rPr>
-              <a:t>What is the length of the array?</a:t>
+              <a:t>Does the following code copy a string?</a:t>
             </a:r>
           </a:p>
         </p:txBody>
@@ -22261,7 +21737,7 @@
               </a:spcAft>
             </a:pPr>
             <a:r>
-              <a:rPr lang="en-US" sz="3200" dirty="0">
+              <a:rPr lang="en-US" sz="2000" dirty="0">
                 <a:solidFill>
                   <a:schemeClr val="bg1"/>
                 </a:solidFill>
@@ -22269,7 +21745,243 @@
                 <a:ea typeface="Consolas" charset="0"/>
                 <a:cs typeface="Consolas" charset="0"/>
               </a:rPr>
-              <a:t>char array[] = "a\n\"b";</a:t>
+              <a:t>char array_1[] = "</a:t>
+            </a:r>
+            <a:r>
+              <a:rPr lang="en-US" sz="2000" dirty="0" err="1">
+                <a:solidFill>
+                  <a:schemeClr val="bg1"/>
+                </a:solidFill>
+                <a:latin typeface="Consolas" charset="0"/>
+                <a:ea typeface="Consolas" charset="0"/>
+                <a:cs typeface="Consolas" charset="0"/>
+              </a:rPr>
+              <a:t>abc</a:t>
+            </a:r>
+            <a:r>
+              <a:rPr lang="en-US" sz="2000" dirty="0">
+                <a:solidFill>
+                  <a:schemeClr val="bg1"/>
+                </a:solidFill>
+                <a:latin typeface="Consolas" charset="0"/>
+                <a:ea typeface="Consolas" charset="0"/>
+                <a:cs typeface="Consolas" charset="0"/>
+              </a:rPr>
+              <a:t>";</a:t>
+            </a:r>
+          </a:p>
+          <a:p>
+            <a:pPr>
+              <a:spcBef>
+                <a:spcPts val="0"/>
+              </a:spcBef>
+              <a:spcAft>
+                <a:spcPts val="0"/>
+              </a:spcAft>
+            </a:pPr>
+            <a:r>
+              <a:rPr lang="en-US" sz="2000" dirty="0">
+                <a:solidFill>
+                  <a:schemeClr val="bg1"/>
+                </a:solidFill>
+                <a:latin typeface="Consolas" charset="0"/>
+                <a:ea typeface="Consolas" charset="0"/>
+                <a:cs typeface="Consolas" charset="0"/>
+              </a:rPr>
+              <a:t>char array_2[10];</a:t>
+            </a:r>
+          </a:p>
+          <a:p>
+            <a:pPr>
+              <a:spcBef>
+                <a:spcPts val="0"/>
+              </a:spcBef>
+              <a:spcAft>
+                <a:spcPts val="0"/>
+              </a:spcAft>
+            </a:pPr>
+            <a:r>
+              <a:rPr lang="en-US" sz="2000" dirty="0">
+                <a:solidFill>
+                  <a:schemeClr val="bg1"/>
+                </a:solidFill>
+                <a:latin typeface="Consolas" charset="0"/>
+                <a:ea typeface="Consolas" charset="0"/>
+                <a:cs typeface="Consolas" charset="0"/>
+              </a:rPr>
+              <a:t>char * </a:t>
+            </a:r>
+            <a:r>
+              <a:rPr lang="en-US" sz="2000" dirty="0" err="1">
+                <a:solidFill>
+                  <a:schemeClr val="bg1"/>
+                </a:solidFill>
+                <a:latin typeface="Consolas" charset="0"/>
+                <a:ea typeface="Consolas" charset="0"/>
+                <a:cs typeface="Consolas" charset="0"/>
+              </a:rPr>
+              <a:t>ptr</a:t>
+            </a:r>
+            <a:r>
+              <a:rPr lang="en-US" sz="2000" dirty="0">
+                <a:solidFill>
+                  <a:schemeClr val="bg1"/>
+                </a:solidFill>
+                <a:latin typeface="Consolas" charset="0"/>
+                <a:ea typeface="Consolas" charset="0"/>
+                <a:cs typeface="Consolas" charset="0"/>
+              </a:rPr>
+              <a:t> = array_1;</a:t>
+            </a:r>
+          </a:p>
+          <a:p>
+            <a:pPr>
+              <a:spcBef>
+                <a:spcPts val="0"/>
+              </a:spcBef>
+              <a:spcAft>
+                <a:spcPts val="0"/>
+              </a:spcAft>
+            </a:pPr>
+            <a:r>
+              <a:rPr lang="en-US" sz="2000" dirty="0">
+                <a:solidFill>
+                  <a:schemeClr val="bg1"/>
+                </a:solidFill>
+                <a:latin typeface="Consolas" charset="0"/>
+                <a:ea typeface="Consolas" charset="0"/>
+                <a:cs typeface="Consolas" charset="0"/>
+              </a:rPr>
+              <a:t>char * ptr_2 = array_2;</a:t>
+            </a:r>
+          </a:p>
+          <a:p>
+            <a:pPr>
+              <a:spcBef>
+                <a:spcPts val="0"/>
+              </a:spcBef>
+              <a:spcAft>
+                <a:spcPts val="0"/>
+              </a:spcAft>
+            </a:pPr>
+            <a:r>
+              <a:rPr lang="en-US" sz="2000" dirty="0">
+                <a:solidFill>
+                  <a:schemeClr val="bg1"/>
+                </a:solidFill>
+                <a:latin typeface="Consolas" charset="0"/>
+                <a:ea typeface="Consolas" charset="0"/>
+                <a:cs typeface="Consolas" charset="0"/>
+              </a:rPr>
+              <a:t>for ( ; *</a:t>
+            </a:r>
+            <a:r>
+              <a:rPr lang="en-US" sz="2000" dirty="0" err="1">
+                <a:solidFill>
+                  <a:schemeClr val="bg1"/>
+                </a:solidFill>
+                <a:latin typeface="Consolas" charset="0"/>
+                <a:ea typeface="Consolas" charset="0"/>
+                <a:cs typeface="Consolas" charset="0"/>
+              </a:rPr>
+              <a:t>ptr</a:t>
+            </a:r>
+            <a:r>
+              <a:rPr lang="en-US" sz="2000" dirty="0">
+                <a:solidFill>
+                  <a:schemeClr val="bg1"/>
+                </a:solidFill>
+                <a:latin typeface="Consolas" charset="0"/>
+                <a:ea typeface="Consolas" charset="0"/>
+                <a:cs typeface="Consolas" charset="0"/>
+              </a:rPr>
+              <a:t> != '\0'; ++</a:t>
+            </a:r>
+            <a:r>
+              <a:rPr lang="en-US" sz="2000" dirty="0" err="1">
+                <a:solidFill>
+                  <a:schemeClr val="bg1"/>
+                </a:solidFill>
+                <a:latin typeface="Consolas" charset="0"/>
+                <a:ea typeface="Consolas" charset="0"/>
+                <a:cs typeface="Consolas" charset="0"/>
+              </a:rPr>
+              <a:t>ptr</a:t>
+            </a:r>
+            <a:r>
+              <a:rPr lang="en-US" sz="2000" dirty="0">
+                <a:solidFill>
+                  <a:schemeClr val="bg1"/>
+                </a:solidFill>
+                <a:latin typeface="Consolas" charset="0"/>
+                <a:ea typeface="Consolas" charset="0"/>
+                <a:cs typeface="Consolas" charset="0"/>
+              </a:rPr>
+              <a:t>, ++ptr_2) {</a:t>
+            </a:r>
+          </a:p>
+          <a:p>
+            <a:pPr>
+              <a:spcBef>
+                <a:spcPts val="0"/>
+              </a:spcBef>
+              <a:spcAft>
+                <a:spcPts val="0"/>
+              </a:spcAft>
+            </a:pPr>
+            <a:r>
+              <a:rPr lang="en-US" sz="2000" dirty="0">
+                <a:solidFill>
+                  <a:schemeClr val="bg1"/>
+                </a:solidFill>
+                <a:latin typeface="Consolas" charset="0"/>
+                <a:ea typeface="Consolas" charset="0"/>
+                <a:cs typeface="Consolas" charset="0"/>
+              </a:rPr>
+              <a:t>    *ptr_2 = *</a:t>
+            </a:r>
+            <a:r>
+              <a:rPr lang="en-US" sz="2000" dirty="0" err="1">
+                <a:solidFill>
+                  <a:schemeClr val="bg1"/>
+                </a:solidFill>
+                <a:latin typeface="Consolas" charset="0"/>
+                <a:ea typeface="Consolas" charset="0"/>
+                <a:cs typeface="Consolas" charset="0"/>
+              </a:rPr>
+              <a:t>ptr</a:t>
+            </a:r>
+            <a:r>
+              <a:rPr lang="en-US" sz="2000" dirty="0">
+                <a:solidFill>
+                  <a:schemeClr val="bg1"/>
+                </a:solidFill>
+                <a:latin typeface="Consolas" charset="0"/>
+                <a:ea typeface="Consolas" charset="0"/>
+                <a:cs typeface="Consolas" charset="0"/>
+              </a:rPr>
+              <a:t>;</a:t>
+            </a:r>
+          </a:p>
+          <a:p>
+            <a:pPr>
+              <a:spcBef>
+                <a:spcPts val="0"/>
+              </a:spcBef>
+              <a:spcAft>
+                <a:spcPts val="0"/>
+              </a:spcAft>
+            </a:pPr>
+            <a:r>
+              <a:rPr lang="en-US" sz="2000" dirty="0">
+                <a:solidFill>
+                  <a:schemeClr val="bg1"/>
+                </a:solidFill>
+                <a:latin typeface="Consolas" charset="0"/>
+                <a:ea typeface="Consolas" charset="0"/>
+                <a:cs typeface="Consolas" charset="0"/>
+              </a:rPr>
+              <a:t>}</a:t>
             </a:r>
           </a:p>
           <a:p>
@@ -22335,7 +22047,7 @@
         </p:spPr>
         <p:txBody>
           <a:bodyPr vert="horz" lIns="91440" tIns="45720" rIns="91440" bIns="45720" rtlCol="0">
-            <a:normAutofit/>
+            <a:normAutofit fontScale="85000" lnSpcReduction="20000"/>
           </a:bodyPr>
           <a:lstStyle>
             <a:lvl1pPr marL="342900" indent="-342900" algn="l" defTabSz="914400" rtl="0" eaLnBrk="1" latinLnBrk="0" hangingPunct="1">
@@ -22488,7 +22200,7 @@
                 <a:ea typeface="Consolas" charset="0"/>
                 <a:cs typeface="Consolas" charset="0"/>
               </a:rPr>
-              <a:t>7</a:t>
+              <a:t>Yes</a:t>
             </a:r>
           </a:p>
           <a:p>
@@ -22505,7 +22217,7 @@
                 <a:ea typeface="Consolas" charset="0"/>
                 <a:cs typeface="Consolas" charset="0"/>
               </a:rPr>
-              <a:t>6</a:t>
+              <a:t>No, the null character isn't copied.</a:t>
             </a:r>
           </a:p>
           <a:p>
@@ -22522,7 +22234,7 @@
                 <a:ea typeface="Consolas" charset="0"/>
                 <a:cs typeface="Consolas" charset="0"/>
               </a:rPr>
-              <a:t>5</a:t>
+              <a:t>No, it causes an error.</a:t>
             </a:r>
           </a:p>
           <a:p>
@@ -22539,7 +22251,7 @@
                 <a:ea typeface="Consolas" charset="0"/>
                 <a:cs typeface="Consolas" charset="0"/>
               </a:rPr>
-              <a:t>4</a:t>
+              <a:t>No, the arrays are different lengths.</a:t>
             </a:r>
           </a:p>
         </p:txBody>
@@ -22547,7 +22259,7 @@
     </p:spTree>
     <p:extLst>
       <p:ext uri="{BB962C8B-B14F-4D97-AF65-F5344CB8AC3E}">
-        <p14:creationId xmlns:p14="http://schemas.microsoft.com/office/powerpoint/2010/main" val="1084641490"/>
+        <p14:creationId xmlns:p14="http://schemas.microsoft.com/office/powerpoint/2010/main" val="1201631473"/>
       </p:ext>
     </p:extLst>
   </p:cSld>
@@ -22686,51 +22398,7 @@
                 <a:ea typeface="Consolas" charset="0"/>
                 <a:cs typeface="Consolas" charset="0"/>
               </a:rPr>
-              <a:t>char array[] = "</a:t>
-            </a:r>
-            <a:r>
-              <a:rPr lang="en-US" sz="3200" dirty="0" err="1">
-                <a:solidFill>
-                  <a:schemeClr val="bg1"/>
-                </a:solidFill>
-                <a:latin typeface="Consolas" charset="0"/>
-                <a:ea typeface="Consolas" charset="0"/>
-                <a:cs typeface="Consolas" charset="0"/>
-              </a:rPr>
-              <a:t>abc</a:t>
-            </a:r>
-            <a:r>
-              <a:rPr lang="en-US" sz="3200" dirty="0">
-                <a:solidFill>
-                  <a:schemeClr val="bg1"/>
-                </a:solidFill>
-                <a:latin typeface="Consolas" charset="0"/>
-                <a:ea typeface="Consolas" charset="0"/>
-                <a:cs typeface="Consolas" charset="0"/>
-              </a:rPr>
-              <a:t>" "</a:t>
-            </a:r>
-            <a:r>
-              <a:rPr lang="en-US" sz="3200" dirty="0" err="1">
-                <a:solidFill>
-                  <a:schemeClr val="bg1"/>
-                </a:solidFill>
-                <a:latin typeface="Consolas" charset="0"/>
-                <a:ea typeface="Consolas" charset="0"/>
-                <a:cs typeface="Consolas" charset="0"/>
-              </a:rPr>
-              <a:t>def</a:t>
-            </a:r>
-            <a:r>
-              <a:rPr lang="en-US" sz="3200" dirty="0">
-                <a:solidFill>
-                  <a:schemeClr val="bg1"/>
-                </a:solidFill>
-                <a:latin typeface="Consolas" charset="0"/>
-                <a:ea typeface="Consolas" charset="0"/>
-                <a:cs typeface="Consolas" charset="0"/>
-              </a:rPr>
-              <a:t>";</a:t>
+              <a:t>char array[] = "a\n\"b";</a:t>
             </a:r>
           </a:p>
           <a:p>
@@ -22772,6 +22440,467 @@
               <a:rPr lang="en-US" smtClean="0"/>
               <a:pPr/>
               <a:t>38</a:t>
+            </a:fld>
+            <a:endParaRPr lang="en-US" dirty="0"/>
+          </a:p>
+        </p:txBody>
+      </p:sp>
+      <p:sp>
+        <p:nvSpPr>
+          <p:cNvPr id="6" name="Content Placeholder 2"/>
+          <p:cNvSpPr txBox="1">
+            <a:spLocks/>
+          </p:cNvSpPr>
+          <p:nvPr/>
+        </p:nvSpPr>
+        <p:spPr>
+          <a:xfrm>
+            <a:off x="228600" y="4102965"/>
+            <a:ext cx="8394383" cy="2755035"/>
+          </a:xfrm>
+          <a:prstGeom prst="rect">
+            <a:avLst/>
+          </a:prstGeom>
+        </p:spPr>
+        <p:txBody>
+          <a:bodyPr vert="horz" lIns="91440" tIns="45720" rIns="91440" bIns="45720" rtlCol="0">
+            <a:normAutofit/>
+          </a:bodyPr>
+          <a:lstStyle>
+            <a:lvl1pPr marL="342900" indent="-342900" algn="l" defTabSz="914400" rtl="0" eaLnBrk="1" latinLnBrk="0" hangingPunct="1">
+              <a:spcBef>
+                <a:spcPct val="20000"/>
+              </a:spcBef>
+              <a:buFont typeface="Arial" pitchFamily="34" charset="0"/>
+              <a:buChar char="•"/>
+              <a:defRPr sz="3200" kern="1200">
+                <a:solidFill>
+                  <a:schemeClr val="tx1"/>
+                </a:solidFill>
+                <a:latin typeface="+mn-lt"/>
+                <a:ea typeface="+mn-ea"/>
+                <a:cs typeface="+mn-cs"/>
+              </a:defRPr>
+            </a:lvl1pPr>
+            <a:lvl2pPr marL="742950" indent="-285750" algn="l" defTabSz="914400" rtl="0" eaLnBrk="1" latinLnBrk="0" hangingPunct="1">
+              <a:spcBef>
+                <a:spcPct val="20000"/>
+              </a:spcBef>
+              <a:buFont typeface="Arial" pitchFamily="34" charset="0"/>
+              <a:buChar char="–"/>
+              <a:defRPr sz="2800" kern="1200">
+                <a:solidFill>
+                  <a:schemeClr val="tx1"/>
+                </a:solidFill>
+                <a:latin typeface="+mn-lt"/>
+                <a:ea typeface="+mn-ea"/>
+                <a:cs typeface="+mn-cs"/>
+              </a:defRPr>
+            </a:lvl2pPr>
+            <a:lvl3pPr marL="1143000" indent="-228600" algn="l" defTabSz="914400" rtl="0" eaLnBrk="1" latinLnBrk="0" hangingPunct="1">
+              <a:spcBef>
+                <a:spcPct val="20000"/>
+              </a:spcBef>
+              <a:buFont typeface="Arial" pitchFamily="34" charset="0"/>
+              <a:buChar char="•"/>
+              <a:defRPr sz="2400" kern="1200">
+                <a:solidFill>
+                  <a:schemeClr val="tx1"/>
+                </a:solidFill>
+                <a:latin typeface="+mn-lt"/>
+                <a:ea typeface="+mn-ea"/>
+                <a:cs typeface="+mn-cs"/>
+              </a:defRPr>
+            </a:lvl3pPr>
+            <a:lvl4pPr marL="1600200" indent="-228600" algn="l" defTabSz="914400" rtl="0" eaLnBrk="1" latinLnBrk="0" hangingPunct="1">
+              <a:spcBef>
+                <a:spcPct val="20000"/>
+              </a:spcBef>
+              <a:buFont typeface="Arial" pitchFamily="34" charset="0"/>
+              <a:buChar char="–"/>
+              <a:defRPr sz="2000" kern="1200">
+                <a:solidFill>
+                  <a:schemeClr val="tx1"/>
+                </a:solidFill>
+                <a:latin typeface="+mn-lt"/>
+                <a:ea typeface="+mn-ea"/>
+                <a:cs typeface="+mn-cs"/>
+              </a:defRPr>
+            </a:lvl4pPr>
+            <a:lvl5pPr marL="2057400" indent="-228600" algn="l" defTabSz="914400" rtl="0" eaLnBrk="1" latinLnBrk="0" hangingPunct="1">
+              <a:spcBef>
+                <a:spcPct val="20000"/>
+              </a:spcBef>
+              <a:buFont typeface="Arial" pitchFamily="34" charset="0"/>
+              <a:buChar char="»"/>
+              <a:defRPr sz="2000" kern="1200">
+                <a:solidFill>
+                  <a:schemeClr val="tx1"/>
+                </a:solidFill>
+                <a:latin typeface="+mn-lt"/>
+                <a:ea typeface="+mn-ea"/>
+                <a:cs typeface="+mn-cs"/>
+              </a:defRPr>
+            </a:lvl5pPr>
+            <a:lvl6pPr marL="2514600" indent="-228600" algn="l" defTabSz="914400" rtl="0" eaLnBrk="1" latinLnBrk="0" hangingPunct="1">
+              <a:spcBef>
+                <a:spcPct val="20000"/>
+              </a:spcBef>
+              <a:buFont typeface="Arial" pitchFamily="34" charset="0"/>
+              <a:buChar char="•"/>
+              <a:defRPr sz="2000" kern="1200">
+                <a:solidFill>
+                  <a:schemeClr val="tx1"/>
+                </a:solidFill>
+                <a:latin typeface="+mn-lt"/>
+                <a:ea typeface="+mn-ea"/>
+                <a:cs typeface="+mn-cs"/>
+              </a:defRPr>
+            </a:lvl6pPr>
+            <a:lvl7pPr marL="2971800" indent="-228600" algn="l" defTabSz="914400" rtl="0" eaLnBrk="1" latinLnBrk="0" hangingPunct="1">
+              <a:spcBef>
+                <a:spcPct val="20000"/>
+              </a:spcBef>
+              <a:buFont typeface="Arial" pitchFamily="34" charset="0"/>
+              <a:buChar char="•"/>
+              <a:defRPr sz="2000" kern="1200">
+                <a:solidFill>
+                  <a:schemeClr val="tx1"/>
+                </a:solidFill>
+                <a:latin typeface="+mn-lt"/>
+                <a:ea typeface="+mn-ea"/>
+                <a:cs typeface="+mn-cs"/>
+              </a:defRPr>
+            </a:lvl7pPr>
+            <a:lvl8pPr marL="3429000" indent="-228600" algn="l" defTabSz="914400" rtl="0" eaLnBrk="1" latinLnBrk="0" hangingPunct="1">
+              <a:spcBef>
+                <a:spcPct val="20000"/>
+              </a:spcBef>
+              <a:buFont typeface="Arial" pitchFamily="34" charset="0"/>
+              <a:buChar char="•"/>
+              <a:defRPr sz="2000" kern="1200">
+                <a:solidFill>
+                  <a:schemeClr val="tx1"/>
+                </a:solidFill>
+                <a:latin typeface="+mn-lt"/>
+                <a:ea typeface="+mn-ea"/>
+                <a:cs typeface="+mn-cs"/>
+              </a:defRPr>
+            </a:lvl8pPr>
+            <a:lvl9pPr marL="3886200" indent="-228600" algn="l" defTabSz="914400" rtl="0" eaLnBrk="1" latinLnBrk="0" hangingPunct="1">
+              <a:spcBef>
+                <a:spcPct val="20000"/>
+              </a:spcBef>
+              <a:buFont typeface="Arial" pitchFamily="34" charset="0"/>
+              <a:buChar char="•"/>
+              <a:defRPr sz="2000" kern="1200">
+                <a:solidFill>
+                  <a:schemeClr val="tx1"/>
+                </a:solidFill>
+                <a:latin typeface="+mn-lt"/>
+                <a:ea typeface="+mn-ea"/>
+                <a:cs typeface="+mn-cs"/>
+              </a:defRPr>
+            </a:lvl9pPr>
+          </a:lstStyle>
+          <a:p>
+            <a:pPr marL="742950" indent="-742950">
+              <a:buFont typeface="+mj-lt"/>
+              <a:buAutoNum type="arabicPeriod"/>
+            </a:pPr>
+            <a:r>
+              <a:rPr lang="en-US" sz="3600" dirty="0">
+                <a:solidFill>
+                  <a:srgbClr val="0CFA02"/>
+                </a:solidFill>
+                <a:latin typeface="Consolas" charset="0"/>
+                <a:ea typeface="Consolas" charset="0"/>
+                <a:cs typeface="Consolas" charset="0"/>
+              </a:rPr>
+              <a:t>7</a:t>
+            </a:r>
+          </a:p>
+          <a:p>
+            <a:pPr marL="742950" indent="-742950">
+              <a:buFont typeface="+mj-lt"/>
+              <a:buAutoNum type="arabicPeriod"/>
+            </a:pPr>
+            <a:r>
+              <a:rPr lang="en-US" sz="3600" dirty="0">
+                <a:solidFill>
+                  <a:srgbClr val="FEFB01"/>
+                </a:solidFill>
+                <a:latin typeface="Consolas" charset="0"/>
+                <a:ea typeface="Consolas" charset="0"/>
+                <a:cs typeface="Consolas" charset="0"/>
+              </a:rPr>
+              <a:t>6</a:t>
+            </a:r>
+          </a:p>
+          <a:p>
+            <a:pPr marL="742950" indent="-742950">
+              <a:buFont typeface="+mj-lt"/>
+              <a:buAutoNum type="arabicPeriod"/>
+            </a:pPr>
+            <a:r>
+              <a:rPr lang="en-US" sz="3600" dirty="0">
+                <a:solidFill>
+                  <a:srgbClr val="F5A007"/>
+                </a:solidFill>
+                <a:latin typeface="Consolas" charset="0"/>
+                <a:ea typeface="Consolas" charset="0"/>
+                <a:cs typeface="Consolas" charset="0"/>
+              </a:rPr>
+              <a:t>5</a:t>
+            </a:r>
+          </a:p>
+          <a:p>
+            <a:pPr marL="742950" indent="-742950">
+              <a:buFont typeface="+mj-lt"/>
+              <a:buAutoNum type="arabicPeriod"/>
+            </a:pPr>
+            <a:r>
+              <a:rPr lang="en-US" sz="3600" dirty="0">
+                <a:solidFill>
+                  <a:srgbClr val="F21AF1"/>
+                </a:solidFill>
+                <a:latin typeface="Consolas" charset="0"/>
+                <a:ea typeface="Consolas" charset="0"/>
+                <a:cs typeface="Consolas" charset="0"/>
+              </a:rPr>
+              <a:t>4</a:t>
+            </a:r>
+          </a:p>
+        </p:txBody>
+      </p:sp>
+    </p:spTree>
+    <p:extLst>
+      <p:ext uri="{BB962C8B-B14F-4D97-AF65-F5344CB8AC3E}">
+        <p14:creationId xmlns:p14="http://schemas.microsoft.com/office/powerpoint/2010/main" val="1084641490"/>
+      </p:ext>
+    </p:extLst>
+  </p:cSld>
+  <p:clrMapOvr>
+    <a:masterClrMapping/>
+  </p:clrMapOvr>
+</p:sld>
+</file>
+
+<file path=ppt/slides/slide39.xml><?xml version="1.0" encoding="utf-8"?>
+<p:sld xmlns:a="http://schemas.openxmlformats.org/drawingml/2006/main" xmlns:r="http://schemas.openxmlformats.org/officeDocument/2006/relationships" xmlns:p="http://schemas.openxmlformats.org/presentationml/2006/main">
+  <p:cSld>
+    <p:spTree>
+      <p:nvGrpSpPr>
+        <p:cNvPr id="1" name=""/>
+        <p:cNvGrpSpPr/>
+        <p:nvPr/>
+      </p:nvGrpSpPr>
+      <p:grpSpPr>
+        <a:xfrm>
+          <a:off x="0" y="0"/>
+          <a:ext cx="0" cy="0"/>
+          <a:chOff x="0" y="0"/>
+          <a:chExt cx="0" cy="0"/>
+        </a:xfrm>
+      </p:grpSpPr>
+      <p:sp>
+        <p:nvSpPr>
+          <p:cNvPr id="7" name="Rectangle 6"/>
+          <p:cNvSpPr/>
+          <p:nvPr/>
+        </p:nvSpPr>
+        <p:spPr>
+          <a:xfrm>
+            <a:off x="0" y="0"/>
+            <a:ext cx="8441055" cy="6858000"/>
+          </a:xfrm>
+          <a:prstGeom prst="rect">
+            <a:avLst/>
+          </a:prstGeom>
+        </p:spPr>
+        <p:style>
+          <a:lnRef idx="2">
+            <a:schemeClr val="accent1">
+              <a:shade val="50000"/>
+            </a:schemeClr>
+          </a:lnRef>
+          <a:fillRef idx="1">
+            <a:schemeClr val="accent1"/>
+          </a:fillRef>
+          <a:effectRef idx="0">
+            <a:schemeClr val="accent1"/>
+          </a:effectRef>
+          <a:fontRef idx="minor">
+            <a:schemeClr val="lt1"/>
+          </a:fontRef>
+        </p:style>
+        <p:txBody>
+          <a:bodyPr rtlCol="0" anchor="ctr"/>
+          <a:lstStyle/>
+          <a:p>
+            <a:pPr algn="ctr"/>
+            <a:endParaRPr lang="en-US"/>
+          </a:p>
+        </p:txBody>
+      </p:sp>
+      <p:sp>
+        <p:nvSpPr>
+          <p:cNvPr id="2" name="Title 1"/>
+          <p:cNvSpPr>
+            <a:spLocks noGrp="1"/>
+          </p:cNvSpPr>
+          <p:nvPr>
+            <p:ph type="title"/>
+          </p:nvPr>
+        </p:nvSpPr>
+        <p:spPr>
+          <a:xfrm>
+            <a:off x="0" y="-76200"/>
+            <a:ext cx="8441055" cy="914400"/>
+          </a:xfrm>
+        </p:spPr>
+        <p:txBody>
+          <a:bodyPr>
+            <a:normAutofit/>
+          </a:bodyPr>
+          <a:lstStyle/>
+          <a:p>
+            <a:r>
+              <a:rPr lang="en-US" sz="3600" dirty="0">
+                <a:solidFill>
+                  <a:schemeClr val="bg1"/>
+                </a:solidFill>
+              </a:rPr>
+              <a:t>What is the length of the array?</a:t>
+            </a:r>
+          </a:p>
+        </p:txBody>
+      </p:sp>
+      <p:sp>
+        <p:nvSpPr>
+          <p:cNvPr id="3" name="Content Placeholder 2"/>
+          <p:cNvSpPr>
+            <a:spLocks noGrp="1"/>
+          </p:cNvSpPr>
+          <p:nvPr>
+            <p:ph idx="1"/>
+          </p:nvPr>
+        </p:nvSpPr>
+        <p:spPr>
+          <a:xfrm>
+            <a:off x="228600" y="1249361"/>
+            <a:ext cx="8001000" cy="2853603"/>
+          </a:xfrm>
+        </p:spPr>
+        <p:txBody>
+          <a:bodyPr>
+            <a:normAutofit/>
+          </a:bodyPr>
+          <a:lstStyle/>
+          <a:p>
+            <a:pPr>
+              <a:spcBef>
+                <a:spcPts val="0"/>
+              </a:spcBef>
+              <a:spcAft>
+                <a:spcPts val="0"/>
+              </a:spcAft>
+            </a:pPr>
+            <a:r>
+              <a:rPr lang="en-US" sz="3200" dirty="0">
+                <a:solidFill>
+                  <a:schemeClr val="bg1"/>
+                </a:solidFill>
+                <a:latin typeface="Consolas" charset="0"/>
+                <a:ea typeface="Consolas" charset="0"/>
+                <a:cs typeface="Consolas" charset="0"/>
+              </a:rPr>
+              <a:t>char array[] = "</a:t>
+            </a:r>
+            <a:r>
+              <a:rPr lang="en-US" sz="3200" dirty="0" err="1">
+                <a:solidFill>
+                  <a:schemeClr val="bg1"/>
+                </a:solidFill>
+                <a:latin typeface="Consolas" charset="0"/>
+                <a:ea typeface="Consolas" charset="0"/>
+                <a:cs typeface="Consolas" charset="0"/>
+              </a:rPr>
+              <a:t>abc</a:t>
+            </a:r>
+            <a:r>
+              <a:rPr lang="en-US" sz="3200" dirty="0">
+                <a:solidFill>
+                  <a:schemeClr val="bg1"/>
+                </a:solidFill>
+                <a:latin typeface="Consolas" charset="0"/>
+                <a:ea typeface="Consolas" charset="0"/>
+                <a:cs typeface="Consolas" charset="0"/>
+              </a:rPr>
+              <a:t>" "</a:t>
+            </a:r>
+            <a:r>
+              <a:rPr lang="en-US" sz="3200" dirty="0" err="1">
+                <a:solidFill>
+                  <a:schemeClr val="bg1"/>
+                </a:solidFill>
+                <a:latin typeface="Consolas" charset="0"/>
+                <a:ea typeface="Consolas" charset="0"/>
+                <a:cs typeface="Consolas" charset="0"/>
+              </a:rPr>
+              <a:t>def</a:t>
+            </a:r>
+            <a:r>
+              <a:rPr lang="en-US" sz="3200" dirty="0">
+                <a:solidFill>
+                  <a:schemeClr val="bg1"/>
+                </a:solidFill>
+                <a:latin typeface="Consolas" charset="0"/>
+                <a:ea typeface="Consolas" charset="0"/>
+                <a:cs typeface="Consolas" charset="0"/>
+              </a:rPr>
+              <a:t>";</a:t>
+            </a:r>
+          </a:p>
+          <a:p>
+            <a:pPr>
+              <a:spcBef>
+                <a:spcPts val="0"/>
+              </a:spcBef>
+              <a:spcAft>
+                <a:spcPts val="0"/>
+              </a:spcAft>
+            </a:pPr>
+            <a:endParaRPr lang="en-US" sz="2800" dirty="0">
+              <a:solidFill>
+                <a:schemeClr val="bg1"/>
+              </a:solidFill>
+              <a:latin typeface="Consolas" charset="0"/>
+              <a:ea typeface="Consolas" charset="0"/>
+              <a:cs typeface="Consolas" charset="0"/>
+            </a:endParaRPr>
+          </a:p>
+        </p:txBody>
+      </p:sp>
+      <p:sp>
+        <p:nvSpPr>
+          <p:cNvPr id="12" name="Slide Number Placeholder 11"/>
+          <p:cNvSpPr>
+            <a:spLocks noGrp="1"/>
+          </p:cNvSpPr>
+          <p:nvPr>
+            <p:ph type="sldNum" sz="quarter" idx="12"/>
+          </p:nvPr>
+        </p:nvSpPr>
+        <p:spPr/>
+        <p:txBody>
+          <a:bodyPr/>
+          <a:lstStyle/>
+          <a:p>
+            <a:fld id="{B6F15528-21DE-4FAA-801E-634DDDAF4B2B}" type="slidenum">
+              <a:rPr lang="en-US" smtClean="0"/>
+              <a:pPr/>
+              <a:t>39</a:t>
             </a:fld>
             <a:endParaRPr lang="en-US" dirty="0"/>
           </a:p>
